--- a/teaching/ITIS6200/2023fa/lectures/Midterm.review.pptx
+++ b/teaching/ITIS6200/2023fa/lectures/Midterm.review.pptx
@@ -5,19 +5,28 @@
     <p:sldMasterId id="2147483663" r:id="rId1"/>
   </p:sldMasterIdLst>
   <p:notesMasterIdLst>
-    <p:notesMasterId r:id="rId12"/>
+    <p:notesMasterId r:id="rId21"/>
   </p:notesMasterIdLst>
   <p:sldIdLst>
     <p:sldId id="305" r:id="rId2"/>
     <p:sldId id="257" r:id="rId3"/>
-    <p:sldId id="307" r:id="rId4"/>
-    <p:sldId id="308" r:id="rId5"/>
-    <p:sldId id="309" r:id="rId6"/>
-    <p:sldId id="310" r:id="rId7"/>
-    <p:sldId id="311" r:id="rId8"/>
-    <p:sldId id="312" r:id="rId9"/>
-    <p:sldId id="313" r:id="rId10"/>
-    <p:sldId id="314" r:id="rId11"/>
+    <p:sldId id="308" r:id="rId4"/>
+    <p:sldId id="309" r:id="rId5"/>
+    <p:sldId id="310" r:id="rId6"/>
+    <p:sldId id="311" r:id="rId7"/>
+    <p:sldId id="312" r:id="rId8"/>
+    <p:sldId id="344" r:id="rId9"/>
+    <p:sldId id="297" r:id="rId10"/>
+    <p:sldId id="301" r:id="rId11"/>
+    <p:sldId id="340" r:id="rId12"/>
+    <p:sldId id="315" r:id="rId13"/>
+    <p:sldId id="345" r:id="rId14"/>
+    <p:sldId id="346" r:id="rId15"/>
+    <p:sldId id="347" r:id="rId16"/>
+    <p:sldId id="348" r:id="rId17"/>
+    <p:sldId id="349" r:id="rId18"/>
+    <p:sldId id="350" r:id="rId19"/>
+    <p:sldId id="351" r:id="rId20"/>
   </p:sldIdLst>
   <p:sldSz cx="9144000" cy="5143500" type="screen16x9"/>
   <p:notesSz cx="6858000" cy="9144000"/>
@@ -251,6 +260,37 @@
     </a:lvl9pPr>
   </p:defaultTextStyle>
   <p:extLst>
+    <p:ext uri="{521415D9-36F7-43E2-AB2F-B90AF26B5E84}">
+      <p14:sectionLst xmlns:p14="http://schemas.microsoft.com/office/powerpoint/2010/main">
+        <p14:section name="Default Section" id="{ECEA8F33-B4B0-F642-882A-257DF611C20E}">
+          <p14:sldIdLst>
+            <p14:sldId id="305"/>
+            <p14:sldId id="257"/>
+            <p14:sldId id="308"/>
+            <p14:sldId id="309"/>
+            <p14:sldId id="310"/>
+            <p14:sldId id="311"/>
+            <p14:sldId id="312"/>
+          </p14:sldIdLst>
+        </p14:section>
+        <p14:section name="Review" id="{643DB6CA-A710-8044-901E-D4A1D5F5FDA3}">
+          <p14:sldIdLst>
+            <p14:sldId id="344"/>
+            <p14:sldId id="297"/>
+            <p14:sldId id="301"/>
+            <p14:sldId id="340"/>
+            <p14:sldId id="315"/>
+            <p14:sldId id="345"/>
+            <p14:sldId id="346"/>
+            <p14:sldId id="347"/>
+            <p14:sldId id="348"/>
+            <p14:sldId id="349"/>
+            <p14:sldId id="350"/>
+            <p14:sldId id="351"/>
+          </p14:sldIdLst>
+        </p14:section>
+      </p14:sectionLst>
+    </p:ext>
     <p:ext uri="{EFAFB233-063F-42B5-8137-9DF3F51BA10A}">
       <p15:sldGuideLst xmlns:p15="http://schemas.microsoft.com/office/powerpoint/2012/main">
         <p15:guide id="1" orient="horz" pos="1620">
@@ -956,6 +996,431 @@
 </p:notes>
 </file>
 
+<file path=ppt/notesSlides/notesSlide3.xml><?xml version="1.0" encoding="utf-8"?>
+<p:notes xmlns:a="http://schemas.openxmlformats.org/drawingml/2006/main" xmlns:r="http://schemas.openxmlformats.org/officeDocument/2006/relationships" xmlns:p="http://schemas.openxmlformats.org/presentationml/2006/main" showMasterSp="0" showMasterPhAnim="0">
+  <p:cSld>
+    <p:spTree>
+      <p:nvGrpSpPr>
+        <p:cNvPr id="1" name="Shape 67"/>
+        <p:cNvGrpSpPr/>
+        <p:nvPr/>
+      </p:nvGrpSpPr>
+      <p:grpSpPr>
+        <a:xfrm>
+          <a:off x="0" y="0"/>
+          <a:ext cx="0" cy="0"/>
+          <a:chOff x="0" y="0"/>
+          <a:chExt cx="0" cy="0"/>
+        </a:xfrm>
+      </p:grpSpPr>
+      <p:sp>
+        <p:nvSpPr>
+          <p:cNvPr id="68" name="Google Shape;68;gdc5f6ed27a_0_1:notes"/>
+          <p:cNvSpPr>
+            <a:spLocks noGrp="1" noRot="1" noChangeAspect="1"/>
+          </p:cNvSpPr>
+          <p:nvPr>
+            <p:ph type="sldImg" idx="2"/>
+          </p:nvPr>
+        </p:nvSpPr>
+        <p:spPr>
+          <a:xfrm>
+            <a:off x="381000" y="685800"/>
+            <a:ext cx="6096000" cy="3429000"/>
+          </a:xfrm>
+          <a:custGeom>
+            <a:avLst/>
+            <a:gdLst/>
+            <a:ahLst/>
+            <a:cxnLst/>
+            <a:rect l="l" t="t" r="r" b="b"/>
+            <a:pathLst>
+              <a:path w="120000" h="120000" extrusionOk="0">
+                <a:moveTo>
+                  <a:pt x="0" y="0"/>
+                </a:moveTo>
+                <a:lnTo>
+                  <a:pt x="120000" y="0"/>
+                </a:lnTo>
+                <a:lnTo>
+                  <a:pt x="120000" y="120000"/>
+                </a:lnTo>
+                <a:lnTo>
+                  <a:pt x="0" y="120000"/>
+                </a:lnTo>
+                <a:close/>
+              </a:path>
+            </a:pathLst>
+          </a:custGeom>
+        </p:spPr>
+      </p:sp>
+      <p:sp>
+        <p:nvSpPr>
+          <p:cNvPr id="69" name="Google Shape;69;gdc5f6ed27a_0_1:notes"/>
+          <p:cNvSpPr txBox="1">
+            <a:spLocks noGrp="1"/>
+          </p:cNvSpPr>
+          <p:nvPr>
+            <p:ph type="body" idx="1"/>
+          </p:nvPr>
+        </p:nvSpPr>
+        <p:spPr>
+          <a:xfrm>
+            <a:off x="685800" y="4343400"/>
+            <a:ext cx="5486400" cy="4114800"/>
+          </a:xfrm>
+          <a:prstGeom prst="rect">
+            <a:avLst/>
+          </a:prstGeom>
+        </p:spPr>
+        <p:txBody>
+          <a:bodyPr spcFirstLastPara="1" wrap="square" lIns="91425" tIns="91425" rIns="91425" bIns="91425" anchor="t" anchorCtr="0">
+            <a:noAutofit/>
+          </a:bodyPr>
+          <a:lstStyle/>
+          <a:p>
+            <a:pPr marL="0" lvl="0" indent="0" algn="l" rtl="0">
+              <a:spcBef>
+                <a:spcPts val="0"/>
+              </a:spcBef>
+              <a:spcAft>
+                <a:spcPts val="0"/>
+              </a:spcAft>
+              <a:buNone/>
+            </a:pPr>
+            <a:endParaRPr/>
+          </a:p>
+        </p:txBody>
+      </p:sp>
+    </p:spTree>
+    <p:extLst>
+      <p:ext uri="{BB962C8B-B14F-4D97-AF65-F5344CB8AC3E}">
+        <p14:creationId xmlns:p14="http://schemas.microsoft.com/office/powerpoint/2010/main" val="3690808105"/>
+      </p:ext>
+    </p:extLst>
+  </p:cSld>
+  <p:clrMapOvr>
+    <a:masterClrMapping/>
+  </p:clrMapOvr>
+</p:notes>
+</file>
+
+<file path=ppt/notesSlides/notesSlide4.xml><?xml version="1.0" encoding="utf-8"?>
+<p:notes xmlns:a="http://schemas.openxmlformats.org/drawingml/2006/main" xmlns:r="http://schemas.openxmlformats.org/officeDocument/2006/relationships" xmlns:p="http://schemas.openxmlformats.org/presentationml/2006/main" showMasterSp="0" showMasterPhAnim="0">
+  <p:cSld>
+    <p:spTree>
+      <p:nvGrpSpPr>
+        <p:cNvPr id="1" name="Shape 533"/>
+        <p:cNvGrpSpPr/>
+        <p:nvPr/>
+      </p:nvGrpSpPr>
+      <p:grpSpPr>
+        <a:xfrm>
+          <a:off x="0" y="0"/>
+          <a:ext cx="0" cy="0"/>
+          <a:chOff x="0" y="0"/>
+          <a:chExt cx="0" cy="0"/>
+        </a:xfrm>
+      </p:grpSpPr>
+      <p:sp>
+        <p:nvSpPr>
+          <p:cNvPr id="534" name="Google Shape;534;g1126b610265_0_719:notes"/>
+          <p:cNvSpPr>
+            <a:spLocks noGrp="1" noRot="1" noChangeAspect="1"/>
+          </p:cNvSpPr>
+          <p:nvPr>
+            <p:ph type="sldImg" idx="2"/>
+          </p:nvPr>
+        </p:nvSpPr>
+        <p:spPr>
+          <a:xfrm>
+            <a:off x="381000" y="685800"/>
+            <a:ext cx="6096000" cy="3429000"/>
+          </a:xfrm>
+          <a:custGeom>
+            <a:avLst/>
+            <a:gdLst/>
+            <a:ahLst/>
+            <a:cxnLst/>
+            <a:rect l="l" t="t" r="r" b="b"/>
+            <a:pathLst>
+              <a:path w="120000" h="120000" extrusionOk="0">
+                <a:moveTo>
+                  <a:pt x="0" y="0"/>
+                </a:moveTo>
+                <a:lnTo>
+                  <a:pt x="120000" y="0"/>
+                </a:lnTo>
+                <a:lnTo>
+                  <a:pt x="120000" y="120000"/>
+                </a:lnTo>
+                <a:lnTo>
+                  <a:pt x="0" y="120000"/>
+                </a:lnTo>
+                <a:close/>
+              </a:path>
+            </a:pathLst>
+          </a:custGeom>
+        </p:spPr>
+      </p:sp>
+      <p:sp>
+        <p:nvSpPr>
+          <p:cNvPr id="535" name="Google Shape;535;g1126b610265_0_719:notes"/>
+          <p:cNvSpPr txBox="1">
+            <a:spLocks noGrp="1"/>
+          </p:cNvSpPr>
+          <p:nvPr>
+            <p:ph type="body" idx="1"/>
+          </p:nvPr>
+        </p:nvSpPr>
+        <p:spPr>
+          <a:xfrm>
+            <a:off x="685800" y="4343400"/>
+            <a:ext cx="5486400" cy="4114800"/>
+          </a:xfrm>
+          <a:prstGeom prst="rect">
+            <a:avLst/>
+          </a:prstGeom>
+        </p:spPr>
+        <p:txBody>
+          <a:bodyPr spcFirstLastPara="1" wrap="square" lIns="91425" tIns="91425" rIns="91425" bIns="91425" anchor="t" anchorCtr="0">
+            <a:noAutofit/>
+          </a:bodyPr>
+          <a:lstStyle/>
+          <a:p>
+            <a:pPr marL="0" lvl="0" indent="0" algn="l" rtl="0">
+              <a:spcBef>
+                <a:spcPts val="0"/>
+              </a:spcBef>
+              <a:spcAft>
+                <a:spcPts val="0"/>
+              </a:spcAft>
+              <a:buNone/>
+            </a:pPr>
+            <a:endParaRPr/>
+          </a:p>
+        </p:txBody>
+      </p:sp>
+    </p:spTree>
+  </p:cSld>
+  <p:clrMapOvr>
+    <a:masterClrMapping/>
+  </p:clrMapOvr>
+</p:notes>
+</file>
+
+<file path=ppt/notesSlides/notesSlide5.xml><?xml version="1.0" encoding="utf-8"?>
+<p:notes xmlns:a="http://schemas.openxmlformats.org/drawingml/2006/main" xmlns:r="http://schemas.openxmlformats.org/officeDocument/2006/relationships" xmlns:p="http://schemas.openxmlformats.org/presentationml/2006/main" showMasterSp="0" showMasterPhAnim="0">
+  <p:cSld>
+    <p:spTree>
+      <p:nvGrpSpPr>
+        <p:cNvPr id="1" name="Shape 566"/>
+        <p:cNvGrpSpPr/>
+        <p:nvPr/>
+      </p:nvGrpSpPr>
+      <p:grpSpPr>
+        <a:xfrm>
+          <a:off x="0" y="0"/>
+          <a:ext cx="0" cy="0"/>
+          <a:chOff x="0" y="0"/>
+          <a:chExt cx="0" cy="0"/>
+        </a:xfrm>
+      </p:grpSpPr>
+      <p:sp>
+        <p:nvSpPr>
+          <p:cNvPr id="567" name="Google Shape;567;g152fc3a8986_0_290:notes"/>
+          <p:cNvSpPr>
+            <a:spLocks noGrp="1" noRot="1" noChangeAspect="1"/>
+          </p:cNvSpPr>
+          <p:nvPr>
+            <p:ph type="sldImg" idx="2"/>
+          </p:nvPr>
+        </p:nvSpPr>
+        <p:spPr>
+          <a:xfrm>
+            <a:off x="381000" y="685800"/>
+            <a:ext cx="6096000" cy="3429000"/>
+          </a:xfrm>
+          <a:custGeom>
+            <a:avLst/>
+            <a:gdLst/>
+            <a:ahLst/>
+            <a:cxnLst/>
+            <a:rect l="l" t="t" r="r" b="b"/>
+            <a:pathLst>
+              <a:path w="120000" h="120000" extrusionOk="0">
+                <a:moveTo>
+                  <a:pt x="0" y="0"/>
+                </a:moveTo>
+                <a:lnTo>
+                  <a:pt x="120000" y="0"/>
+                </a:lnTo>
+                <a:lnTo>
+                  <a:pt x="120000" y="120000"/>
+                </a:lnTo>
+                <a:lnTo>
+                  <a:pt x="0" y="120000"/>
+                </a:lnTo>
+                <a:close/>
+              </a:path>
+            </a:pathLst>
+          </a:custGeom>
+        </p:spPr>
+      </p:sp>
+      <p:sp>
+        <p:nvSpPr>
+          <p:cNvPr id="568" name="Google Shape;568;g152fc3a8986_0_290:notes"/>
+          <p:cNvSpPr txBox="1">
+            <a:spLocks noGrp="1"/>
+          </p:cNvSpPr>
+          <p:nvPr>
+            <p:ph type="body" idx="1"/>
+          </p:nvPr>
+        </p:nvSpPr>
+        <p:spPr>
+          <a:xfrm>
+            <a:off x="685800" y="4343400"/>
+            <a:ext cx="5486400" cy="4114800"/>
+          </a:xfrm>
+          <a:prstGeom prst="rect">
+            <a:avLst/>
+          </a:prstGeom>
+        </p:spPr>
+        <p:txBody>
+          <a:bodyPr spcFirstLastPara="1" wrap="square" lIns="91425" tIns="91425" rIns="91425" bIns="91425" anchor="t" anchorCtr="0">
+            <a:noAutofit/>
+          </a:bodyPr>
+          <a:lstStyle/>
+          <a:p>
+            <a:pPr marL="0" lvl="0" indent="0" algn="l" rtl="0">
+              <a:spcBef>
+                <a:spcPts val="0"/>
+              </a:spcBef>
+              <a:spcAft>
+                <a:spcPts val="0"/>
+              </a:spcAft>
+              <a:buNone/>
+            </a:pPr>
+            <a:endParaRPr/>
+          </a:p>
+        </p:txBody>
+      </p:sp>
+    </p:spTree>
+  </p:cSld>
+  <p:clrMapOvr>
+    <a:masterClrMapping/>
+  </p:clrMapOvr>
+</p:notes>
+</file>
+
+<file path=ppt/notesSlides/notesSlide6.xml><?xml version="1.0" encoding="utf-8"?>
+<p:notes xmlns:a="http://schemas.openxmlformats.org/drawingml/2006/main" xmlns:r="http://schemas.openxmlformats.org/officeDocument/2006/relationships" xmlns:p="http://schemas.openxmlformats.org/presentationml/2006/main" showMasterSp="0" showMasterPhAnim="0">
+  <p:cSld>
+    <p:spTree>
+      <p:nvGrpSpPr>
+        <p:cNvPr id="1" name="Shape 1080"/>
+        <p:cNvGrpSpPr/>
+        <p:nvPr/>
+      </p:nvGrpSpPr>
+      <p:grpSpPr>
+        <a:xfrm>
+          <a:off x="0" y="0"/>
+          <a:ext cx="0" cy="0"/>
+          <a:chOff x="0" y="0"/>
+          <a:chExt cx="0" cy="0"/>
+        </a:xfrm>
+      </p:grpSpPr>
+      <p:sp>
+        <p:nvSpPr>
+          <p:cNvPr id="1081" name="Google Shape;1081;g152fc3a8986_0_660:notes"/>
+          <p:cNvSpPr>
+            <a:spLocks noGrp="1" noRot="1" noChangeAspect="1"/>
+          </p:cNvSpPr>
+          <p:nvPr>
+            <p:ph type="sldImg" idx="2"/>
+          </p:nvPr>
+        </p:nvSpPr>
+        <p:spPr>
+          <a:xfrm>
+            <a:off x="381000" y="685800"/>
+            <a:ext cx="6096000" cy="3429000"/>
+          </a:xfrm>
+          <a:custGeom>
+            <a:avLst/>
+            <a:gdLst/>
+            <a:ahLst/>
+            <a:cxnLst/>
+            <a:rect l="l" t="t" r="r" b="b"/>
+            <a:pathLst>
+              <a:path w="120000" h="120000" extrusionOk="0">
+                <a:moveTo>
+                  <a:pt x="0" y="0"/>
+                </a:moveTo>
+                <a:lnTo>
+                  <a:pt x="120000" y="0"/>
+                </a:lnTo>
+                <a:lnTo>
+                  <a:pt x="120000" y="120000"/>
+                </a:lnTo>
+                <a:lnTo>
+                  <a:pt x="0" y="120000"/>
+                </a:lnTo>
+                <a:close/>
+              </a:path>
+            </a:pathLst>
+          </a:custGeom>
+        </p:spPr>
+      </p:sp>
+      <p:sp>
+        <p:nvSpPr>
+          <p:cNvPr id="1082" name="Google Shape;1082;g152fc3a8986_0_660:notes"/>
+          <p:cNvSpPr txBox="1">
+            <a:spLocks noGrp="1"/>
+          </p:cNvSpPr>
+          <p:nvPr>
+            <p:ph type="body" idx="1"/>
+          </p:nvPr>
+        </p:nvSpPr>
+        <p:spPr>
+          <a:xfrm>
+            <a:off x="685800" y="4343400"/>
+            <a:ext cx="5486400" cy="4114800"/>
+          </a:xfrm>
+          <a:prstGeom prst="rect">
+            <a:avLst/>
+          </a:prstGeom>
+        </p:spPr>
+        <p:txBody>
+          <a:bodyPr spcFirstLastPara="1" wrap="square" lIns="91425" tIns="91425" rIns="91425" bIns="91425" anchor="t" anchorCtr="0">
+            <a:noAutofit/>
+          </a:bodyPr>
+          <a:lstStyle/>
+          <a:p>
+            <a:pPr marL="0" lvl="0" indent="0" algn="l" rtl="0">
+              <a:spcBef>
+                <a:spcPts val="0"/>
+              </a:spcBef>
+              <a:spcAft>
+                <a:spcPts val="0"/>
+              </a:spcAft>
+              <a:buNone/>
+            </a:pPr>
+            <a:r>
+              <a:rPr lang="en"/>
+              <a:t>Ask students if they can produce the decryption equation before showing it to them</a:t>
+            </a:r>
+            <a:endParaRPr/>
+          </a:p>
+        </p:txBody>
+      </p:sp>
+    </p:spTree>
+  </p:cSld>
+  <p:clrMapOvr>
+    <a:masterClrMapping/>
+  </p:clrMapOvr>
+</p:notes>
+</file>
+
 <file path=ppt/slideLayouts/slideLayout1.xml><?xml version="1.0" encoding="utf-8"?>
 <p:sldLayout xmlns:a="http://schemas.openxmlformats.org/drawingml/2006/main" xmlns:r="http://schemas.openxmlformats.org/officeDocument/2006/relationships" xmlns:p="http://schemas.openxmlformats.org/presentationml/2006/main" matchingName="Title and body" type="tx">
   <p:cSld name="TITLE_AND_BODY">
@@ -3708,6 +4173,244 @@
         </p:txBody>
       </p:sp>
     </p:spTree>
+  </p:cSld>
+  <p:clrMapOvr>
+    <a:masterClrMapping/>
+  </p:clrMapOvr>
+</p:sldLayout>
+</file>
+
+<file path=ppt/slideLayouts/slideLayout8.xml><?xml version="1.0" encoding="utf-8"?>
+<p:sldLayout xmlns:a="http://schemas.openxmlformats.org/drawingml/2006/main" xmlns:r="http://schemas.openxmlformats.org/officeDocument/2006/relationships" xmlns:p="http://schemas.openxmlformats.org/presentationml/2006/main" matchingName="Title only" type="titleOnly">
+  <p:cSld name="Title only">
+    <p:spTree>
+      <p:nvGrpSpPr>
+        <p:cNvPr id="1" name="Shape 27"/>
+        <p:cNvGrpSpPr/>
+        <p:nvPr/>
+      </p:nvGrpSpPr>
+      <p:grpSpPr>
+        <a:xfrm>
+          <a:off x="0" y="0"/>
+          <a:ext cx="0" cy="0"/>
+          <a:chOff x="0" y="0"/>
+          <a:chExt cx="0" cy="0"/>
+        </a:xfrm>
+      </p:grpSpPr>
+      <p:sp>
+        <p:nvSpPr>
+          <p:cNvPr id="28" name="Google Shape;28;p6"/>
+          <p:cNvSpPr txBox="1">
+            <a:spLocks noGrp="1"/>
+          </p:cNvSpPr>
+          <p:nvPr>
+            <p:ph type="title"/>
+          </p:nvPr>
+        </p:nvSpPr>
+        <p:spPr>
+          <a:xfrm>
+            <a:off x="102700" y="270875"/>
+            <a:ext cx="8520600" cy="572700"/>
+          </a:xfrm>
+          <a:prstGeom prst="rect">
+            <a:avLst/>
+          </a:prstGeom>
+        </p:spPr>
+        <p:txBody>
+          <a:bodyPr spcFirstLastPara="1" wrap="square" lIns="91425" tIns="91425" rIns="91425" bIns="91425" anchor="t" anchorCtr="0">
+            <a:normAutofit/>
+          </a:bodyPr>
+          <a:lstStyle>
+            <a:lvl1pPr lvl="0" rtl="0">
+              <a:spcBef>
+                <a:spcPts val="0"/>
+              </a:spcBef>
+              <a:spcAft>
+                <a:spcPts val="0"/>
+              </a:spcAft>
+              <a:buSzPts val="2800"/>
+              <a:buNone/>
+              <a:defRPr/>
+            </a:lvl1pPr>
+            <a:lvl2pPr lvl="1" rtl="0">
+              <a:spcBef>
+                <a:spcPts val="0"/>
+              </a:spcBef>
+              <a:spcAft>
+                <a:spcPts val="0"/>
+              </a:spcAft>
+              <a:buSzPts val="2800"/>
+              <a:buNone/>
+              <a:defRPr/>
+            </a:lvl2pPr>
+            <a:lvl3pPr lvl="2" rtl="0">
+              <a:spcBef>
+                <a:spcPts val="0"/>
+              </a:spcBef>
+              <a:spcAft>
+                <a:spcPts val="0"/>
+              </a:spcAft>
+              <a:buSzPts val="2800"/>
+              <a:buNone/>
+              <a:defRPr/>
+            </a:lvl3pPr>
+            <a:lvl4pPr lvl="3" rtl="0">
+              <a:spcBef>
+                <a:spcPts val="0"/>
+              </a:spcBef>
+              <a:spcAft>
+                <a:spcPts val="0"/>
+              </a:spcAft>
+              <a:buSzPts val="2800"/>
+              <a:buNone/>
+              <a:defRPr/>
+            </a:lvl4pPr>
+            <a:lvl5pPr lvl="4" rtl="0">
+              <a:spcBef>
+                <a:spcPts val="0"/>
+              </a:spcBef>
+              <a:spcAft>
+                <a:spcPts val="0"/>
+              </a:spcAft>
+              <a:buSzPts val="2800"/>
+              <a:buNone/>
+              <a:defRPr/>
+            </a:lvl5pPr>
+            <a:lvl6pPr lvl="5" rtl="0">
+              <a:spcBef>
+                <a:spcPts val="0"/>
+              </a:spcBef>
+              <a:spcAft>
+                <a:spcPts val="0"/>
+              </a:spcAft>
+              <a:buSzPts val="2800"/>
+              <a:buNone/>
+              <a:defRPr/>
+            </a:lvl6pPr>
+            <a:lvl7pPr lvl="6" rtl="0">
+              <a:spcBef>
+                <a:spcPts val="0"/>
+              </a:spcBef>
+              <a:spcAft>
+                <a:spcPts val="0"/>
+              </a:spcAft>
+              <a:buSzPts val="2800"/>
+              <a:buNone/>
+              <a:defRPr/>
+            </a:lvl7pPr>
+            <a:lvl8pPr lvl="7" rtl="0">
+              <a:spcBef>
+                <a:spcPts val="0"/>
+              </a:spcBef>
+              <a:spcAft>
+                <a:spcPts val="0"/>
+              </a:spcAft>
+              <a:buSzPts val="2800"/>
+              <a:buNone/>
+              <a:defRPr/>
+            </a:lvl8pPr>
+            <a:lvl9pPr lvl="8" rtl="0">
+              <a:spcBef>
+                <a:spcPts val="0"/>
+              </a:spcBef>
+              <a:spcAft>
+                <a:spcPts val="0"/>
+              </a:spcAft>
+              <a:buSzPts val="2800"/>
+              <a:buNone/>
+              <a:defRPr/>
+            </a:lvl9pPr>
+          </a:lstStyle>
+          <a:p>
+            <a:endParaRPr dirty="0"/>
+          </a:p>
+        </p:txBody>
+      </p:sp>
+      <p:sp>
+        <p:nvSpPr>
+          <p:cNvPr id="29" name="Google Shape;29;p6"/>
+          <p:cNvSpPr txBox="1">
+            <a:spLocks noGrp="1"/>
+          </p:cNvSpPr>
+          <p:nvPr>
+            <p:ph type="sldNum" idx="12"/>
+          </p:nvPr>
+        </p:nvSpPr>
+        <p:spPr>
+          <a:xfrm>
+            <a:off x="8472458" y="4663217"/>
+            <a:ext cx="548700" cy="393600"/>
+          </a:xfrm>
+          <a:prstGeom prst="rect">
+            <a:avLst/>
+          </a:prstGeom>
+        </p:spPr>
+        <p:txBody>
+          <a:bodyPr spcFirstLastPara="1" wrap="square" lIns="91425" tIns="91425" rIns="91425" bIns="91425" anchor="ctr" anchorCtr="0">
+            <a:normAutofit/>
+          </a:bodyPr>
+          <a:lstStyle>
+            <a:lvl1pPr lvl="0" rtl="0">
+              <a:buNone/>
+              <a:defRPr/>
+            </a:lvl1pPr>
+            <a:lvl2pPr lvl="1" rtl="0">
+              <a:buNone/>
+              <a:defRPr/>
+            </a:lvl2pPr>
+            <a:lvl3pPr lvl="2" rtl="0">
+              <a:buNone/>
+              <a:defRPr/>
+            </a:lvl3pPr>
+            <a:lvl4pPr lvl="3" rtl="0">
+              <a:buNone/>
+              <a:defRPr/>
+            </a:lvl4pPr>
+            <a:lvl5pPr lvl="4" rtl="0">
+              <a:buNone/>
+              <a:defRPr/>
+            </a:lvl5pPr>
+            <a:lvl6pPr lvl="5" rtl="0">
+              <a:buNone/>
+              <a:defRPr/>
+            </a:lvl6pPr>
+            <a:lvl7pPr lvl="6" rtl="0">
+              <a:buNone/>
+              <a:defRPr/>
+            </a:lvl7pPr>
+            <a:lvl8pPr lvl="7" rtl="0">
+              <a:buNone/>
+              <a:defRPr/>
+            </a:lvl8pPr>
+            <a:lvl9pPr lvl="8" rtl="0">
+              <a:buNone/>
+              <a:defRPr/>
+            </a:lvl9pPr>
+          </a:lstStyle>
+          <a:p>
+            <a:pPr marL="0" lvl="0" indent="0" algn="r" rtl="0">
+              <a:spcBef>
+                <a:spcPts val="0"/>
+              </a:spcBef>
+              <a:spcAft>
+                <a:spcPts val="0"/>
+              </a:spcAft>
+              <a:buNone/>
+            </a:pPr>
+            <a:fld id="{00000000-1234-1234-1234-123412341234}" type="slidenum">
+              <a:rPr lang="en"/>
+              <a:t>‹#›</a:t>
+            </a:fld>
+            <a:endParaRPr/>
+          </a:p>
+        </p:txBody>
+      </p:sp>
+    </p:spTree>
+    <p:extLst>
+      <p:ext uri="{BB962C8B-B14F-4D97-AF65-F5344CB8AC3E}">
+        <p14:creationId xmlns:p14="http://schemas.microsoft.com/office/powerpoint/2010/main" val="2707541491"/>
+      </p:ext>
+    </p:extLst>
   </p:cSld>
   <p:clrMapOvr>
     <a:masterClrMapping/>
@@ -4397,6 +5100,7 @@
     <p:sldLayoutId id="2147483658" r:id="rId5"/>
     <p:sldLayoutId id="2147483660" r:id="rId6"/>
     <p:sldLayoutId id="2147483661" r:id="rId7"/>
+    <p:sldLayoutId id="2147483664" r:id="rId8"/>
   </p:sldLayoutIdLst>
   <p:hf hdr="0" ftr="0" dt="0"/>
   <p:txStyles>
@@ -5170,10 +5874,10 @@
               <a:buNone/>
             </a:pPr>
             <a:r>
-              <a:rPr lang="en"/>
+              <a:rPr lang="en" dirty="0"/>
               <a:t>Announcements</a:t>
             </a:r>
-            <a:endParaRPr/>
+            <a:endParaRPr dirty="0"/>
           </a:p>
         </p:txBody>
       </p:sp>
@@ -5226,36 +5930,7 @@
             </a:r>
             <a:r>
               <a:rPr lang="en" sz="2000" dirty="0"/>
-              <a:t>(Tuesday)</a:t>
-            </a:r>
-          </a:p>
-          <a:p>
-            <a:pPr marL="457200" lvl="0" indent="-342900" algn="l" rtl="0">
-              <a:spcBef>
-                <a:spcPts val="0"/>
-              </a:spcBef>
-              <a:spcAft>
-                <a:spcPts val="0"/>
-              </a:spcAft>
-              <a:buSzPts val="1800"/>
-              <a:buChar char="●"/>
-            </a:pPr>
-            <a:endParaRPr lang="en" sz="2000" dirty="0"/>
-          </a:p>
-          <a:p>
-            <a:pPr marL="457200" lvl="0" indent="-342900" algn="l" rtl="0">
-              <a:spcBef>
-                <a:spcPts val="0"/>
-              </a:spcBef>
-              <a:spcAft>
-                <a:spcPts val="0"/>
-              </a:spcAft>
-              <a:buSzPts val="1800"/>
-              <a:buChar char="●"/>
-            </a:pPr>
-            <a:r>
-              <a:rPr lang="en" sz="2000" dirty="0"/>
-              <a:t>Thursday office hours</a:t>
+              <a:t>(Tuesday) </a:t>
             </a:r>
           </a:p>
           <a:p>
@@ -5265,7 +5940,7 @@
             </a:pPr>
             <a:r>
               <a:rPr lang="en" sz="1600" dirty="0"/>
-              <a:t>In person: Woodward Hall 330D</a:t>
+              <a:t>9:30-11:30 am</a:t>
             </a:r>
           </a:p>
           <a:p>
@@ -5275,40 +5950,59 @@
             </a:pPr>
             <a:r>
               <a:rPr lang="en" sz="1600" dirty="0"/>
-              <a:t>Zoom meeting link: </a:t>
-            </a:r>
-            <a:r>
-              <a:rPr lang="en-US" sz="1600" dirty="0">
-                <a:hlinkClick r:id="rId4"/>
-              </a:rPr>
-              <a:t>https://charlotte-</a:t>
-            </a:r>
-            <a:r>
-              <a:rPr lang="en-US" sz="1600" dirty="0" err="1">
-                <a:hlinkClick r:id="rId4"/>
-              </a:rPr>
-              <a:t>edu.zoom.us</a:t>
-            </a:r>
-            <a:r>
-              <a:rPr lang="en-US" sz="1600" dirty="0">
-                <a:hlinkClick r:id="rId4"/>
-              </a:rPr>
-              <a:t>/my/jxiang1</a:t>
-            </a:r>
-            <a:endParaRPr lang="en" sz="1600" dirty="0"/>
-          </a:p>
-          <a:p>
-            <a:pPr marL="457200" lvl="0" indent="-342900" algn="l" rtl="0">
-              <a:spcBef>
-                <a:spcPts val="0"/>
-              </a:spcBef>
-              <a:spcAft>
-                <a:spcPts val="0"/>
-              </a:spcAft>
+              <a:t>Late submission: 50% penalty</a:t>
+            </a:r>
+          </a:p>
+          <a:p>
+            <a:pPr lvl="1" indent="-342900">
               <a:buSzPts val="1800"/>
               <a:buChar char="●"/>
             </a:pPr>
-            <a:endParaRPr lang="en" sz="2000" dirty="0"/>
+            <a:r>
+              <a:rPr lang="en-US" sz="1600" dirty="0"/>
+              <a:t>Download and submit</a:t>
+            </a:r>
+            <a:r>
+              <a:rPr lang="en" sz="1600" dirty="0"/>
+              <a:t> at Canvas, like the assignments</a:t>
+            </a:r>
+          </a:p>
+          <a:p>
+            <a:pPr lvl="1" indent="-342900">
+              <a:buSzPts val="1800"/>
+              <a:buChar char="●"/>
+            </a:pPr>
+            <a:r>
+              <a:rPr lang="en" sz="1600" dirty="0"/>
+              <a:t>Answering questions: </a:t>
+            </a:r>
+          </a:p>
+          <a:p>
+            <a:pPr lvl="2" indent="-342900">
+              <a:buSzPts val="1800"/>
+              <a:buChar char="●"/>
+            </a:pPr>
+            <a:r>
+              <a:rPr lang="en" sz="1600" dirty="0"/>
+              <a:t>Try to stick with the key points. You don’t need more a couple of sentences if you really know the answers</a:t>
+            </a:r>
+          </a:p>
+          <a:p>
+            <a:pPr lvl="2" indent="-342900">
+              <a:buSzPts val="1800"/>
+              <a:buChar char="●"/>
+            </a:pPr>
+            <a:r>
+              <a:rPr lang="en" sz="1600" dirty="0"/>
+              <a:t>Bullets of key points are much clearer</a:t>
+            </a:r>
+          </a:p>
+          <a:p>
+            <a:pPr lvl="1" indent="-342900">
+              <a:buSzPts val="1800"/>
+              <a:buChar char="●"/>
+            </a:pPr>
+            <a:endParaRPr lang="en" sz="1600" dirty="0"/>
           </a:p>
           <a:p>
             <a:pPr marL="457200" lvl="0" indent="-342900" algn="l" rtl="0">
@@ -5376,6 +6070,2228 @@
 </file>
 
 <file path=ppt/slides/slide10.xml><?xml version="1.0" encoding="utf-8"?>
+<p:sld xmlns:a="http://schemas.openxmlformats.org/drawingml/2006/main" xmlns:r="http://schemas.openxmlformats.org/officeDocument/2006/relationships" xmlns:p="http://schemas.openxmlformats.org/presentationml/2006/main">
+  <p:cSld>
+    <p:spTree>
+      <p:nvGrpSpPr>
+        <p:cNvPr id="1" name="Shape 569"/>
+        <p:cNvGrpSpPr/>
+        <p:nvPr/>
+      </p:nvGrpSpPr>
+      <p:grpSpPr>
+        <a:xfrm>
+          <a:off x="0" y="0"/>
+          <a:ext cx="0" cy="0"/>
+          <a:chOff x="0" y="0"/>
+          <a:chExt cx="0" cy="0"/>
+        </a:xfrm>
+      </p:grpSpPr>
+      <p:sp>
+        <p:nvSpPr>
+          <p:cNvPr id="570" name="Google Shape;570;p62"/>
+          <p:cNvSpPr txBox="1">
+            <a:spLocks noGrp="1"/>
+          </p:cNvSpPr>
+          <p:nvPr>
+            <p:ph type="title"/>
+          </p:nvPr>
+        </p:nvSpPr>
+        <p:spPr>
+          <a:xfrm>
+            <a:off x="102700" y="270875"/>
+            <a:ext cx="8520600" cy="572700"/>
+          </a:xfrm>
+          <a:prstGeom prst="rect">
+            <a:avLst/>
+          </a:prstGeom>
+        </p:spPr>
+        <p:txBody>
+          <a:bodyPr spcFirstLastPara="1" wrap="square" lIns="91425" tIns="91425" rIns="91425" bIns="91425" anchor="t" anchorCtr="0">
+            <a:normAutofit fontScale="90000"/>
+          </a:bodyPr>
+          <a:lstStyle/>
+          <a:p>
+            <a:pPr marL="0" lvl="0" indent="0" algn="l" rtl="0">
+              <a:spcBef>
+                <a:spcPts val="0"/>
+              </a:spcBef>
+              <a:spcAft>
+                <a:spcPts val="0"/>
+              </a:spcAft>
+              <a:buNone/>
+            </a:pPr>
+            <a:r>
+              <a:rPr lang="en"/>
+              <a:t>Symmetric-Key Encryption: Definition</a:t>
+            </a:r>
+            <a:endParaRPr/>
+          </a:p>
+        </p:txBody>
+      </p:sp>
+      <p:sp>
+        <p:nvSpPr>
+          <p:cNvPr id="571" name="Google Shape;571;p62"/>
+          <p:cNvSpPr txBox="1">
+            <a:spLocks noGrp="1"/>
+          </p:cNvSpPr>
+          <p:nvPr>
+            <p:ph type="body" idx="1"/>
+          </p:nvPr>
+        </p:nvSpPr>
+        <p:spPr>
+          <a:xfrm>
+            <a:off x="198500" y="1246825"/>
+            <a:ext cx="8520600" cy="3765600"/>
+          </a:xfrm>
+          <a:prstGeom prst="rect">
+            <a:avLst/>
+          </a:prstGeom>
+        </p:spPr>
+        <p:txBody>
+          <a:bodyPr spcFirstLastPara="1" wrap="square" lIns="91425" tIns="91425" rIns="91425" bIns="91425" anchor="t" anchorCtr="0">
+            <a:normAutofit/>
+          </a:bodyPr>
+          <a:lstStyle/>
+          <a:p>
+            <a:pPr marL="457200" lvl="0" indent="-342900" algn="l" rtl="0">
+              <a:spcBef>
+                <a:spcPts val="0"/>
+              </a:spcBef>
+              <a:spcAft>
+                <a:spcPts val="0"/>
+              </a:spcAft>
+              <a:buSzPts val="1800"/>
+              <a:buChar char="●"/>
+            </a:pPr>
+            <a:r>
+              <a:rPr lang="en" sz="2400" dirty="0"/>
+              <a:t>A symmetric-key encryption scheme has three algorithms:</a:t>
+            </a:r>
+            <a:endParaRPr sz="2400" dirty="0"/>
+          </a:p>
+          <a:p>
+            <a:pPr marL="914400" lvl="1" indent="-317500" algn="l" rtl="0">
+              <a:spcBef>
+                <a:spcPts val="0"/>
+              </a:spcBef>
+              <a:spcAft>
+                <a:spcPts val="0"/>
+              </a:spcAft>
+              <a:buSzPts val="1400"/>
+              <a:buChar char="○"/>
+            </a:pPr>
+            <a:r>
+              <a:rPr lang="en" sz="1600" dirty="0" err="1"/>
+              <a:t>KeyGen</a:t>
+            </a:r>
+            <a:r>
+              <a:rPr lang="en" sz="1600" dirty="0"/>
+              <a:t>() → </a:t>
+            </a:r>
+            <a:r>
+              <a:rPr lang="en" sz="1600" i="1" dirty="0"/>
+              <a:t>K</a:t>
+            </a:r>
+            <a:r>
+              <a:rPr lang="en" sz="1600" dirty="0"/>
+              <a:t>: Generate a key </a:t>
+            </a:r>
+            <a:r>
+              <a:rPr lang="en" sz="1600" i="1" dirty="0"/>
+              <a:t>K</a:t>
+            </a:r>
+            <a:endParaRPr sz="1600" i="1" dirty="0"/>
+          </a:p>
+          <a:p>
+            <a:pPr marL="914400" lvl="1" indent="-317500" algn="l" rtl="0">
+              <a:spcBef>
+                <a:spcPts val="0"/>
+              </a:spcBef>
+              <a:spcAft>
+                <a:spcPts val="0"/>
+              </a:spcAft>
+              <a:buSzPts val="1400"/>
+              <a:buChar char="○"/>
+            </a:pPr>
+            <a:r>
+              <a:rPr lang="en" sz="1600" dirty="0"/>
+              <a:t>Enc(</a:t>
+            </a:r>
+            <a:r>
+              <a:rPr lang="en" sz="1600" i="1" dirty="0"/>
+              <a:t>K</a:t>
+            </a:r>
+            <a:r>
+              <a:rPr lang="en" sz="1600" dirty="0"/>
+              <a:t>, </a:t>
+            </a:r>
+            <a:r>
+              <a:rPr lang="en" sz="1600" i="1" dirty="0"/>
+              <a:t>M</a:t>
+            </a:r>
+            <a:r>
+              <a:rPr lang="en" sz="1600" dirty="0"/>
+              <a:t>) → </a:t>
+            </a:r>
+            <a:r>
+              <a:rPr lang="en" sz="1600" i="1" dirty="0"/>
+              <a:t>C</a:t>
+            </a:r>
+            <a:r>
+              <a:rPr lang="en" sz="1600" dirty="0"/>
+              <a:t>: Encrypt a </a:t>
+            </a:r>
+            <a:r>
+              <a:rPr lang="en" sz="1600" b="1" dirty="0"/>
+              <a:t>plaintext</a:t>
+            </a:r>
+            <a:r>
+              <a:rPr lang="en" sz="1600" dirty="0"/>
+              <a:t> </a:t>
+            </a:r>
+            <a:r>
+              <a:rPr lang="en" sz="1600" i="1" dirty="0"/>
+              <a:t>M</a:t>
+            </a:r>
+            <a:r>
+              <a:rPr lang="en" sz="1600" dirty="0"/>
+              <a:t> using the key </a:t>
+            </a:r>
+            <a:r>
+              <a:rPr lang="en" sz="1600" i="1" dirty="0"/>
+              <a:t>K</a:t>
+            </a:r>
+            <a:r>
+              <a:rPr lang="en" sz="1600" dirty="0"/>
+              <a:t> to produce </a:t>
+            </a:r>
+            <a:r>
+              <a:rPr lang="en" sz="1600" b="1" dirty="0"/>
+              <a:t>ciphertext</a:t>
+            </a:r>
+            <a:r>
+              <a:rPr lang="en" sz="1600" dirty="0"/>
+              <a:t> </a:t>
+            </a:r>
+            <a:r>
+              <a:rPr lang="en" sz="1600" i="1" dirty="0"/>
+              <a:t>C</a:t>
+            </a:r>
+            <a:endParaRPr sz="1600" dirty="0"/>
+          </a:p>
+          <a:p>
+            <a:pPr marL="914400" lvl="1" indent="-317500" algn="l" rtl="0">
+              <a:spcBef>
+                <a:spcPts val="0"/>
+              </a:spcBef>
+              <a:spcAft>
+                <a:spcPts val="0"/>
+              </a:spcAft>
+              <a:buSzPts val="1400"/>
+              <a:buChar char="○"/>
+            </a:pPr>
+            <a:r>
+              <a:rPr lang="en" sz="1600" dirty="0"/>
+              <a:t>Dec(</a:t>
+            </a:r>
+            <a:r>
+              <a:rPr lang="en" sz="1600" i="1" dirty="0"/>
+              <a:t>K</a:t>
+            </a:r>
+            <a:r>
+              <a:rPr lang="en" sz="1600" dirty="0"/>
+              <a:t>, </a:t>
+            </a:r>
+            <a:r>
+              <a:rPr lang="en" sz="1600" i="1" dirty="0"/>
+              <a:t>C</a:t>
+            </a:r>
+            <a:r>
+              <a:rPr lang="en" sz="1600" dirty="0"/>
+              <a:t>) → </a:t>
+            </a:r>
+            <a:r>
+              <a:rPr lang="en" sz="1600" i="1" dirty="0"/>
+              <a:t>M</a:t>
+            </a:r>
+            <a:r>
+              <a:rPr lang="en" sz="1600" dirty="0"/>
+              <a:t>: Decrypt a ciphertext </a:t>
+            </a:r>
+            <a:r>
+              <a:rPr lang="en" sz="1600" i="1" dirty="0"/>
+              <a:t>C</a:t>
+            </a:r>
+            <a:r>
+              <a:rPr lang="en" sz="1600" dirty="0"/>
+              <a:t> using the key </a:t>
+            </a:r>
+            <a:r>
+              <a:rPr lang="en" sz="1600" i="1" dirty="0"/>
+              <a:t>K</a:t>
+            </a:r>
+            <a:endParaRPr sz="1600" dirty="0"/>
+          </a:p>
+        </p:txBody>
+      </p:sp>
+      <p:sp>
+        <p:nvSpPr>
+          <p:cNvPr id="572" name="Google Shape;572;p62"/>
+          <p:cNvSpPr txBox="1">
+            <a:spLocks noGrp="1"/>
+          </p:cNvSpPr>
+          <p:nvPr>
+            <p:ph type="sldNum" idx="12"/>
+          </p:nvPr>
+        </p:nvSpPr>
+        <p:spPr>
+          <a:xfrm>
+            <a:off x="8472458" y="4663217"/>
+            <a:ext cx="548700" cy="393600"/>
+          </a:xfrm>
+          <a:prstGeom prst="rect">
+            <a:avLst/>
+          </a:prstGeom>
+        </p:spPr>
+        <p:txBody>
+          <a:bodyPr spcFirstLastPara="1" wrap="square" lIns="91425" tIns="91425" rIns="91425" bIns="91425" anchor="ctr" anchorCtr="0">
+            <a:normAutofit/>
+          </a:bodyPr>
+          <a:lstStyle/>
+          <a:p>
+            <a:pPr marL="0" lvl="0" indent="0" algn="r" rtl="0">
+              <a:spcBef>
+                <a:spcPts val="0"/>
+              </a:spcBef>
+              <a:spcAft>
+                <a:spcPts val="0"/>
+              </a:spcAft>
+              <a:buNone/>
+            </a:pPr>
+            <a:fld id="{00000000-1234-1234-1234-123412341234}" type="slidenum">
+              <a:rPr lang="en"/>
+              <a:t>10</a:t>
+            </a:fld>
+            <a:endParaRPr/>
+          </a:p>
+        </p:txBody>
+      </p:sp>
+      <p:sp>
+        <p:nvSpPr>
+          <p:cNvPr id="573" name="Google Shape;573;p62"/>
+          <p:cNvSpPr/>
+          <p:nvPr/>
+        </p:nvSpPr>
+        <p:spPr>
+          <a:xfrm>
+            <a:off x="5469450" y="3294975"/>
+            <a:ext cx="3235200" cy="1439100"/>
+          </a:xfrm>
+          <a:prstGeom prst="rect">
+            <a:avLst/>
+          </a:prstGeom>
+          <a:noFill/>
+          <a:ln w="9525" cap="flat" cmpd="sng">
+            <a:solidFill>
+              <a:schemeClr val="dk2"/>
+            </a:solidFill>
+            <a:prstDash val="solid"/>
+            <a:round/>
+            <a:headEnd type="none" w="sm" len="sm"/>
+            <a:tailEnd type="none" w="sm" len="sm"/>
+          </a:ln>
+        </p:spPr>
+        <p:txBody>
+          <a:bodyPr spcFirstLastPara="1" wrap="square" lIns="91425" tIns="91425" rIns="91425" bIns="91425" anchor="ctr" anchorCtr="0">
+            <a:noAutofit/>
+          </a:bodyPr>
+          <a:lstStyle/>
+          <a:p>
+            <a:pPr marL="0" lvl="0" indent="0" algn="l" rtl="0">
+              <a:spcBef>
+                <a:spcPts val="0"/>
+              </a:spcBef>
+              <a:spcAft>
+                <a:spcPts val="0"/>
+              </a:spcAft>
+              <a:buNone/>
+            </a:pPr>
+            <a:endParaRPr/>
+          </a:p>
+        </p:txBody>
+      </p:sp>
+      <p:sp>
+        <p:nvSpPr>
+          <p:cNvPr id="574" name="Google Shape;574;p62"/>
+          <p:cNvSpPr/>
+          <p:nvPr/>
+        </p:nvSpPr>
+        <p:spPr>
+          <a:xfrm>
+            <a:off x="275550" y="3294975"/>
+            <a:ext cx="3235200" cy="1439100"/>
+          </a:xfrm>
+          <a:prstGeom prst="rect">
+            <a:avLst/>
+          </a:prstGeom>
+          <a:noFill/>
+          <a:ln w="9525" cap="flat" cmpd="sng">
+            <a:solidFill>
+              <a:schemeClr val="dk2"/>
+            </a:solidFill>
+            <a:prstDash val="solid"/>
+            <a:round/>
+            <a:headEnd type="none" w="sm" len="sm"/>
+            <a:tailEnd type="none" w="sm" len="sm"/>
+          </a:ln>
+        </p:spPr>
+        <p:txBody>
+          <a:bodyPr spcFirstLastPara="1" wrap="square" lIns="91425" tIns="91425" rIns="91425" bIns="91425" anchor="ctr" anchorCtr="0">
+            <a:noAutofit/>
+          </a:bodyPr>
+          <a:lstStyle/>
+          <a:p>
+            <a:pPr marL="0" lvl="0" indent="0" algn="l" rtl="0">
+              <a:spcBef>
+                <a:spcPts val="0"/>
+              </a:spcBef>
+              <a:spcAft>
+                <a:spcPts val="0"/>
+              </a:spcAft>
+              <a:buNone/>
+            </a:pPr>
+            <a:endParaRPr/>
+          </a:p>
+        </p:txBody>
+      </p:sp>
+      <p:sp>
+        <p:nvSpPr>
+          <p:cNvPr id="575" name="Google Shape;575;p62"/>
+          <p:cNvSpPr/>
+          <p:nvPr/>
+        </p:nvSpPr>
+        <p:spPr>
+          <a:xfrm>
+            <a:off x="399100" y="4171700"/>
+            <a:ext cx="1135200" cy="470100"/>
+          </a:xfrm>
+          <a:prstGeom prst="rect">
+            <a:avLst/>
+          </a:prstGeom>
+          <a:solidFill>
+            <a:schemeClr val="lt2"/>
+          </a:solidFill>
+          <a:ln w="9525" cap="flat" cmpd="sng">
+            <a:solidFill>
+              <a:schemeClr val="dk2"/>
+            </a:solidFill>
+            <a:prstDash val="solid"/>
+            <a:round/>
+            <a:headEnd type="none" w="sm" len="sm"/>
+            <a:tailEnd type="none" w="sm" len="sm"/>
+          </a:ln>
+        </p:spPr>
+        <p:txBody>
+          <a:bodyPr spcFirstLastPara="1" wrap="square" lIns="91425" tIns="91425" rIns="91425" bIns="91425" anchor="ctr" anchorCtr="0">
+            <a:noAutofit/>
+          </a:bodyPr>
+          <a:lstStyle/>
+          <a:p>
+            <a:pPr marL="0" lvl="0" indent="0" algn="ctr" rtl="0">
+              <a:spcBef>
+                <a:spcPts val="0"/>
+              </a:spcBef>
+              <a:spcAft>
+                <a:spcPts val="0"/>
+              </a:spcAft>
+              <a:buNone/>
+            </a:pPr>
+            <a:r>
+              <a:rPr lang="en"/>
+              <a:t>Plaintext</a:t>
+            </a:r>
+            <a:endParaRPr/>
+          </a:p>
+        </p:txBody>
+      </p:sp>
+      <p:sp>
+        <p:nvSpPr>
+          <p:cNvPr id="576" name="Google Shape;576;p62"/>
+          <p:cNvSpPr/>
+          <p:nvPr/>
+        </p:nvSpPr>
+        <p:spPr>
+          <a:xfrm>
+            <a:off x="2454050" y="3390650"/>
+            <a:ext cx="548700" cy="470100"/>
+          </a:xfrm>
+          <a:prstGeom prst="rect">
+            <a:avLst/>
+          </a:prstGeom>
+          <a:solidFill>
+            <a:srgbClr val="FF0000"/>
+          </a:solidFill>
+          <a:ln w="9525" cap="flat" cmpd="sng">
+            <a:solidFill>
+              <a:schemeClr val="dk2"/>
+            </a:solidFill>
+            <a:prstDash val="solid"/>
+            <a:round/>
+            <a:headEnd type="none" w="sm" len="sm"/>
+            <a:tailEnd type="none" w="sm" len="sm"/>
+          </a:ln>
+        </p:spPr>
+        <p:txBody>
+          <a:bodyPr spcFirstLastPara="1" wrap="square" lIns="91425" tIns="91425" rIns="91425" bIns="91425" anchor="ctr" anchorCtr="0">
+            <a:noAutofit/>
+          </a:bodyPr>
+          <a:lstStyle/>
+          <a:p>
+            <a:pPr marL="0" lvl="0" indent="0" algn="ctr" rtl="0">
+              <a:spcBef>
+                <a:spcPts val="0"/>
+              </a:spcBef>
+              <a:spcAft>
+                <a:spcPts val="0"/>
+              </a:spcAft>
+              <a:buNone/>
+            </a:pPr>
+            <a:r>
+              <a:rPr lang="en" dirty="0"/>
+              <a:t>Key</a:t>
+            </a:r>
+            <a:endParaRPr dirty="0"/>
+          </a:p>
+        </p:txBody>
+      </p:sp>
+      <p:sp>
+        <p:nvSpPr>
+          <p:cNvPr id="577" name="Google Shape;577;p62"/>
+          <p:cNvSpPr/>
+          <p:nvPr/>
+        </p:nvSpPr>
+        <p:spPr>
+          <a:xfrm>
+            <a:off x="2160800" y="4171700"/>
+            <a:ext cx="1135200" cy="470100"/>
+          </a:xfrm>
+          <a:prstGeom prst="rect">
+            <a:avLst/>
+          </a:prstGeom>
+          <a:solidFill>
+            <a:schemeClr val="lt2"/>
+          </a:solidFill>
+          <a:ln w="9525" cap="flat" cmpd="sng">
+            <a:solidFill>
+              <a:schemeClr val="dk2"/>
+            </a:solidFill>
+            <a:prstDash val="solid"/>
+            <a:round/>
+            <a:headEnd type="none" w="sm" len="sm"/>
+            <a:tailEnd type="none" w="sm" len="sm"/>
+          </a:ln>
+        </p:spPr>
+        <p:txBody>
+          <a:bodyPr spcFirstLastPara="1" wrap="square" lIns="91425" tIns="91425" rIns="91425" bIns="91425" anchor="ctr" anchorCtr="0">
+            <a:noAutofit/>
+          </a:bodyPr>
+          <a:lstStyle/>
+          <a:p>
+            <a:pPr marL="0" lvl="0" indent="0" algn="ctr" rtl="0">
+              <a:spcBef>
+                <a:spcPts val="0"/>
+              </a:spcBef>
+              <a:spcAft>
+                <a:spcPts val="0"/>
+              </a:spcAft>
+              <a:buNone/>
+            </a:pPr>
+            <a:r>
+              <a:rPr lang="en"/>
+              <a:t>Encryption Algorithm</a:t>
+            </a:r>
+            <a:endParaRPr/>
+          </a:p>
+        </p:txBody>
+      </p:sp>
+      <p:cxnSp>
+        <p:nvCxnSpPr>
+          <p:cNvPr id="578" name="Google Shape;578;p62"/>
+          <p:cNvCxnSpPr>
+            <a:stCxn id="576" idx="2"/>
+            <a:endCxn id="577" idx="0"/>
+          </p:cNvCxnSpPr>
+          <p:nvPr/>
+        </p:nvCxnSpPr>
+        <p:spPr>
+          <a:xfrm>
+            <a:off x="2728400" y="3860750"/>
+            <a:ext cx="0" cy="311100"/>
+          </a:xfrm>
+          <a:prstGeom prst="straightConnector1">
+            <a:avLst/>
+          </a:prstGeom>
+          <a:noFill/>
+          <a:ln w="9525" cap="flat" cmpd="sng">
+            <a:solidFill>
+              <a:schemeClr val="dk2"/>
+            </a:solidFill>
+            <a:prstDash val="solid"/>
+            <a:round/>
+            <a:headEnd type="none" w="med" len="med"/>
+            <a:tailEnd type="triangle" w="med" len="med"/>
+          </a:ln>
+        </p:spPr>
+      </p:cxnSp>
+      <p:cxnSp>
+        <p:nvCxnSpPr>
+          <p:cNvPr id="579" name="Google Shape;579;p62"/>
+          <p:cNvCxnSpPr>
+            <a:endCxn id="577" idx="1"/>
+          </p:cNvCxnSpPr>
+          <p:nvPr/>
+        </p:nvCxnSpPr>
+        <p:spPr>
+          <a:xfrm>
+            <a:off x="1534400" y="4406750"/>
+            <a:ext cx="626400" cy="0"/>
+          </a:xfrm>
+          <a:prstGeom prst="straightConnector1">
+            <a:avLst/>
+          </a:prstGeom>
+          <a:noFill/>
+          <a:ln w="9525" cap="flat" cmpd="sng">
+            <a:solidFill>
+              <a:schemeClr val="dk2"/>
+            </a:solidFill>
+            <a:prstDash val="solid"/>
+            <a:round/>
+            <a:headEnd type="none" w="med" len="med"/>
+            <a:tailEnd type="triangle" w="med" len="med"/>
+          </a:ln>
+        </p:spPr>
+      </p:cxnSp>
+      <p:sp>
+        <p:nvSpPr>
+          <p:cNvPr id="580" name="Google Shape;580;p62"/>
+          <p:cNvSpPr/>
+          <p:nvPr/>
+        </p:nvSpPr>
+        <p:spPr>
+          <a:xfrm>
+            <a:off x="3922500" y="4171700"/>
+            <a:ext cx="1135200" cy="470100"/>
+          </a:xfrm>
+          <a:prstGeom prst="rect">
+            <a:avLst/>
+          </a:prstGeom>
+          <a:solidFill>
+            <a:schemeClr val="lt2"/>
+          </a:solidFill>
+          <a:ln w="9525" cap="flat" cmpd="sng">
+            <a:solidFill>
+              <a:schemeClr val="dk2"/>
+            </a:solidFill>
+            <a:prstDash val="solid"/>
+            <a:round/>
+            <a:headEnd type="none" w="sm" len="sm"/>
+            <a:tailEnd type="none" w="sm" len="sm"/>
+          </a:ln>
+        </p:spPr>
+        <p:txBody>
+          <a:bodyPr spcFirstLastPara="1" wrap="square" lIns="91425" tIns="91425" rIns="91425" bIns="91425" anchor="ctr" anchorCtr="0">
+            <a:noAutofit/>
+          </a:bodyPr>
+          <a:lstStyle/>
+          <a:p>
+            <a:pPr marL="0" lvl="0" indent="0" algn="ctr" rtl="0">
+              <a:spcBef>
+                <a:spcPts val="0"/>
+              </a:spcBef>
+              <a:spcAft>
+                <a:spcPts val="0"/>
+              </a:spcAft>
+              <a:buNone/>
+            </a:pPr>
+            <a:r>
+              <a:rPr lang="en"/>
+              <a:t>Ciphertext</a:t>
+            </a:r>
+            <a:endParaRPr/>
+          </a:p>
+        </p:txBody>
+      </p:sp>
+      <p:cxnSp>
+        <p:nvCxnSpPr>
+          <p:cNvPr id="581" name="Google Shape;581;p62"/>
+          <p:cNvCxnSpPr>
+            <a:stCxn id="577" idx="3"/>
+            <a:endCxn id="580" idx="1"/>
+          </p:cNvCxnSpPr>
+          <p:nvPr/>
+        </p:nvCxnSpPr>
+        <p:spPr>
+          <a:xfrm>
+            <a:off x="3296000" y="4406750"/>
+            <a:ext cx="626400" cy="0"/>
+          </a:xfrm>
+          <a:prstGeom prst="straightConnector1">
+            <a:avLst/>
+          </a:prstGeom>
+          <a:noFill/>
+          <a:ln w="9525" cap="flat" cmpd="sng">
+            <a:solidFill>
+              <a:schemeClr val="dk2"/>
+            </a:solidFill>
+            <a:prstDash val="solid"/>
+            <a:round/>
+            <a:headEnd type="none" w="med" len="med"/>
+            <a:tailEnd type="triangle" w="med" len="med"/>
+          </a:ln>
+        </p:spPr>
+      </p:cxnSp>
+      <p:cxnSp>
+        <p:nvCxnSpPr>
+          <p:cNvPr id="582" name="Google Shape;582;p62"/>
+          <p:cNvCxnSpPr>
+            <a:stCxn id="580" idx="3"/>
+            <a:endCxn id="583" idx="1"/>
+          </p:cNvCxnSpPr>
+          <p:nvPr/>
+        </p:nvCxnSpPr>
+        <p:spPr>
+          <a:xfrm>
+            <a:off x="5057700" y="4406750"/>
+            <a:ext cx="626400" cy="0"/>
+          </a:xfrm>
+          <a:prstGeom prst="straightConnector1">
+            <a:avLst/>
+          </a:prstGeom>
+          <a:noFill/>
+          <a:ln w="9525" cap="flat" cmpd="sng">
+            <a:solidFill>
+              <a:schemeClr val="dk2"/>
+            </a:solidFill>
+            <a:prstDash val="solid"/>
+            <a:round/>
+            <a:headEnd type="none" w="med" len="med"/>
+            <a:tailEnd type="triangle" w="med" len="med"/>
+          </a:ln>
+        </p:spPr>
+      </p:cxnSp>
+      <p:sp>
+        <p:nvSpPr>
+          <p:cNvPr id="584" name="Google Shape;584;p62"/>
+          <p:cNvSpPr/>
+          <p:nvPr/>
+        </p:nvSpPr>
+        <p:spPr>
+          <a:xfrm>
+            <a:off x="5977450" y="3390725"/>
+            <a:ext cx="548700" cy="470100"/>
+          </a:xfrm>
+          <a:prstGeom prst="rect">
+            <a:avLst/>
+          </a:prstGeom>
+          <a:solidFill>
+            <a:srgbClr val="FF0000"/>
+          </a:solidFill>
+          <a:ln w="9525" cap="flat" cmpd="sng">
+            <a:solidFill>
+              <a:schemeClr val="dk2"/>
+            </a:solidFill>
+            <a:prstDash val="solid"/>
+            <a:round/>
+            <a:headEnd type="none" w="sm" len="sm"/>
+            <a:tailEnd type="none" w="sm" len="sm"/>
+          </a:ln>
+        </p:spPr>
+        <p:txBody>
+          <a:bodyPr spcFirstLastPara="1" wrap="square" lIns="91425" tIns="91425" rIns="91425" bIns="91425" anchor="ctr" anchorCtr="0">
+            <a:noAutofit/>
+          </a:bodyPr>
+          <a:lstStyle/>
+          <a:p>
+            <a:pPr marL="0" lvl="0" indent="0" algn="ctr" rtl="0">
+              <a:spcBef>
+                <a:spcPts val="0"/>
+              </a:spcBef>
+              <a:spcAft>
+                <a:spcPts val="0"/>
+              </a:spcAft>
+              <a:buNone/>
+            </a:pPr>
+            <a:r>
+              <a:rPr lang="en"/>
+              <a:t>Key</a:t>
+            </a:r>
+            <a:endParaRPr/>
+          </a:p>
+        </p:txBody>
+      </p:sp>
+      <p:sp>
+        <p:nvSpPr>
+          <p:cNvPr id="583" name="Google Shape;583;p62"/>
+          <p:cNvSpPr/>
+          <p:nvPr/>
+        </p:nvSpPr>
+        <p:spPr>
+          <a:xfrm>
+            <a:off x="5684200" y="4171775"/>
+            <a:ext cx="1135200" cy="470100"/>
+          </a:xfrm>
+          <a:prstGeom prst="rect">
+            <a:avLst/>
+          </a:prstGeom>
+          <a:solidFill>
+            <a:schemeClr val="lt2"/>
+          </a:solidFill>
+          <a:ln w="9525" cap="flat" cmpd="sng">
+            <a:solidFill>
+              <a:schemeClr val="dk2"/>
+            </a:solidFill>
+            <a:prstDash val="solid"/>
+            <a:round/>
+            <a:headEnd type="none" w="sm" len="sm"/>
+            <a:tailEnd type="none" w="sm" len="sm"/>
+          </a:ln>
+        </p:spPr>
+        <p:txBody>
+          <a:bodyPr spcFirstLastPara="1" wrap="square" lIns="91425" tIns="91425" rIns="91425" bIns="91425" anchor="ctr" anchorCtr="0">
+            <a:noAutofit/>
+          </a:bodyPr>
+          <a:lstStyle/>
+          <a:p>
+            <a:pPr marL="0" lvl="0" indent="0" algn="ctr" rtl="0">
+              <a:spcBef>
+                <a:spcPts val="0"/>
+              </a:spcBef>
+              <a:spcAft>
+                <a:spcPts val="0"/>
+              </a:spcAft>
+              <a:buNone/>
+            </a:pPr>
+            <a:r>
+              <a:rPr lang="en"/>
+              <a:t>Decryption Algorithm</a:t>
+            </a:r>
+            <a:endParaRPr/>
+          </a:p>
+        </p:txBody>
+      </p:sp>
+      <p:cxnSp>
+        <p:nvCxnSpPr>
+          <p:cNvPr id="585" name="Google Shape;585;p62"/>
+          <p:cNvCxnSpPr>
+            <a:stCxn id="584" idx="2"/>
+            <a:endCxn id="583" idx="0"/>
+          </p:cNvCxnSpPr>
+          <p:nvPr/>
+        </p:nvCxnSpPr>
+        <p:spPr>
+          <a:xfrm>
+            <a:off x="6251800" y="3860825"/>
+            <a:ext cx="0" cy="311100"/>
+          </a:xfrm>
+          <a:prstGeom prst="straightConnector1">
+            <a:avLst/>
+          </a:prstGeom>
+          <a:noFill/>
+          <a:ln w="9525" cap="flat" cmpd="sng">
+            <a:solidFill>
+              <a:schemeClr val="dk2"/>
+            </a:solidFill>
+            <a:prstDash val="solid"/>
+            <a:round/>
+            <a:headEnd type="none" w="med" len="med"/>
+            <a:tailEnd type="triangle" w="med" len="med"/>
+          </a:ln>
+        </p:spPr>
+      </p:cxnSp>
+      <p:sp>
+        <p:nvSpPr>
+          <p:cNvPr id="586" name="Google Shape;586;p62"/>
+          <p:cNvSpPr/>
+          <p:nvPr/>
+        </p:nvSpPr>
+        <p:spPr>
+          <a:xfrm>
+            <a:off x="7445900" y="4171700"/>
+            <a:ext cx="1135200" cy="470100"/>
+          </a:xfrm>
+          <a:prstGeom prst="rect">
+            <a:avLst/>
+          </a:prstGeom>
+          <a:solidFill>
+            <a:schemeClr val="lt2"/>
+          </a:solidFill>
+          <a:ln w="9525" cap="flat" cmpd="sng">
+            <a:solidFill>
+              <a:schemeClr val="dk2"/>
+            </a:solidFill>
+            <a:prstDash val="solid"/>
+            <a:round/>
+            <a:headEnd type="none" w="sm" len="sm"/>
+            <a:tailEnd type="none" w="sm" len="sm"/>
+          </a:ln>
+        </p:spPr>
+        <p:txBody>
+          <a:bodyPr spcFirstLastPara="1" wrap="square" lIns="91425" tIns="91425" rIns="91425" bIns="91425" anchor="ctr" anchorCtr="0">
+            <a:noAutofit/>
+          </a:bodyPr>
+          <a:lstStyle/>
+          <a:p>
+            <a:pPr marL="0" lvl="0" indent="0" algn="ctr" rtl="0">
+              <a:spcBef>
+                <a:spcPts val="0"/>
+              </a:spcBef>
+              <a:spcAft>
+                <a:spcPts val="0"/>
+              </a:spcAft>
+              <a:buNone/>
+            </a:pPr>
+            <a:r>
+              <a:rPr lang="en"/>
+              <a:t>Plaintext</a:t>
+            </a:r>
+            <a:endParaRPr/>
+          </a:p>
+        </p:txBody>
+      </p:sp>
+      <p:cxnSp>
+        <p:nvCxnSpPr>
+          <p:cNvPr id="587" name="Google Shape;587;p62"/>
+          <p:cNvCxnSpPr>
+            <a:stCxn id="583" idx="3"/>
+            <a:endCxn id="586" idx="1"/>
+          </p:cNvCxnSpPr>
+          <p:nvPr/>
+        </p:nvCxnSpPr>
+        <p:spPr>
+          <a:xfrm>
+            <a:off x="6819400" y="4406825"/>
+            <a:ext cx="626400" cy="0"/>
+          </a:xfrm>
+          <a:prstGeom prst="straightConnector1">
+            <a:avLst/>
+          </a:prstGeom>
+          <a:noFill/>
+          <a:ln w="9525" cap="flat" cmpd="sng">
+            <a:solidFill>
+              <a:schemeClr val="dk2"/>
+            </a:solidFill>
+            <a:prstDash val="solid"/>
+            <a:round/>
+            <a:headEnd type="none" w="med" len="med"/>
+            <a:tailEnd type="triangle" w="med" len="med"/>
+          </a:ln>
+        </p:spPr>
+      </p:cxnSp>
+      <p:sp>
+        <p:nvSpPr>
+          <p:cNvPr id="588" name="Google Shape;588;p62"/>
+          <p:cNvSpPr txBox="1"/>
+          <p:nvPr/>
+        </p:nvSpPr>
+        <p:spPr>
+          <a:xfrm>
+            <a:off x="275550" y="3294975"/>
+            <a:ext cx="765300" cy="400200"/>
+          </a:xfrm>
+          <a:prstGeom prst="rect">
+            <a:avLst/>
+          </a:prstGeom>
+          <a:noFill/>
+          <a:ln>
+            <a:noFill/>
+          </a:ln>
+        </p:spPr>
+        <p:txBody>
+          <a:bodyPr spcFirstLastPara="1" wrap="square" lIns="91425" tIns="91425" rIns="91425" bIns="91425" anchor="t" anchorCtr="0">
+            <a:spAutoFit/>
+          </a:bodyPr>
+          <a:lstStyle/>
+          <a:p>
+            <a:pPr marL="0" lvl="0" indent="0" algn="l" rtl="0">
+              <a:spcBef>
+                <a:spcPts val="0"/>
+              </a:spcBef>
+              <a:spcAft>
+                <a:spcPts val="0"/>
+              </a:spcAft>
+              <a:buNone/>
+            </a:pPr>
+            <a:r>
+              <a:rPr lang="en"/>
+              <a:t>Alice</a:t>
+            </a:r>
+            <a:endParaRPr/>
+          </a:p>
+        </p:txBody>
+      </p:sp>
+      <p:sp>
+        <p:nvSpPr>
+          <p:cNvPr id="589" name="Google Shape;589;p62"/>
+          <p:cNvSpPr txBox="1"/>
+          <p:nvPr/>
+        </p:nvSpPr>
+        <p:spPr>
+          <a:xfrm>
+            <a:off x="7939350" y="3294975"/>
+            <a:ext cx="765300" cy="400200"/>
+          </a:xfrm>
+          <a:prstGeom prst="rect">
+            <a:avLst/>
+          </a:prstGeom>
+          <a:noFill/>
+          <a:ln>
+            <a:noFill/>
+          </a:ln>
+        </p:spPr>
+        <p:txBody>
+          <a:bodyPr spcFirstLastPara="1" wrap="square" lIns="91425" tIns="91425" rIns="91425" bIns="91425" anchor="t" anchorCtr="0">
+            <a:spAutoFit/>
+          </a:bodyPr>
+          <a:lstStyle/>
+          <a:p>
+            <a:pPr marL="0" lvl="0" indent="0" algn="r" rtl="0">
+              <a:spcBef>
+                <a:spcPts val="0"/>
+              </a:spcBef>
+              <a:spcAft>
+                <a:spcPts val="0"/>
+              </a:spcAft>
+              <a:buNone/>
+            </a:pPr>
+            <a:r>
+              <a:rPr lang="en"/>
+              <a:t>Bob</a:t>
+            </a:r>
+            <a:endParaRPr/>
+          </a:p>
+        </p:txBody>
+      </p:sp>
+      <p:sp>
+        <p:nvSpPr>
+          <p:cNvPr id="590" name="Google Shape;590;p62"/>
+          <p:cNvSpPr txBox="1"/>
+          <p:nvPr/>
+        </p:nvSpPr>
+        <p:spPr>
+          <a:xfrm>
+            <a:off x="3510750" y="3294975"/>
+            <a:ext cx="1958700" cy="400200"/>
+          </a:xfrm>
+          <a:prstGeom prst="rect">
+            <a:avLst/>
+          </a:prstGeom>
+          <a:noFill/>
+          <a:ln>
+            <a:noFill/>
+          </a:ln>
+        </p:spPr>
+        <p:txBody>
+          <a:bodyPr spcFirstLastPara="1" wrap="square" lIns="91425" tIns="91425" rIns="91425" bIns="91425" anchor="t" anchorCtr="0">
+            <a:spAutoFit/>
+          </a:bodyPr>
+          <a:lstStyle/>
+          <a:p>
+            <a:pPr marL="0" lvl="0" indent="0" algn="ctr" rtl="0">
+              <a:spcBef>
+                <a:spcPts val="0"/>
+              </a:spcBef>
+              <a:spcAft>
+                <a:spcPts val="0"/>
+              </a:spcAft>
+              <a:buNone/>
+            </a:pPr>
+            <a:r>
+              <a:rPr lang="en"/>
+              <a:t>Insecure Channel</a:t>
+            </a:r>
+            <a:endParaRPr/>
+          </a:p>
+        </p:txBody>
+      </p:sp>
+    </p:spTree>
+  </p:cSld>
+  <p:clrMapOvr>
+    <a:masterClrMapping/>
+  </p:clrMapOvr>
+  <p:timing>
+    <p:tnLst>
+      <p:par>
+        <p:cTn id="1" dur="indefinite" restart="never" nodeType="tmRoot">
+          <p:childTnLst>
+            <p:seq concurrent="1" nextAc="seek">
+              <p:cTn id="2" dur="indefinite" nodeType="mainSeq">
+                <p:childTnLst>
+                  <p:par>
+                    <p:cTn id="3" fill="hold">
+                      <p:stCondLst>
+                        <p:cond delay="indefinite"/>
+                      </p:stCondLst>
+                      <p:childTnLst>
+                        <p:par>
+                          <p:cTn id="4" fill="hold">
+                            <p:stCondLst>
+                              <p:cond delay="0"/>
+                            </p:stCondLst>
+                            <p:childTnLst>
+                              <p:par>
+                                <p:cTn id="5" presetID="1" presetClass="entr" presetSubtype="0" fill="hold" nodeType="clickEffect">
+                                  <p:stCondLst>
+                                    <p:cond delay="0"/>
+                                  </p:stCondLst>
+                                  <p:childTnLst>
+                                    <p:set>
+                                      <p:cBhvr>
+                                        <p:cTn id="6" dur="1" fill="hold">
+                                          <p:stCondLst>
+                                            <p:cond delay="0"/>
+                                          </p:stCondLst>
+                                        </p:cTn>
+                                        <p:tgtEl>
+                                          <p:spTgt spid="571">
+                                            <p:txEl>
+                                              <p:pRg st="1" end="1"/>
+                                            </p:txEl>
+                                          </p:spTgt>
+                                        </p:tgtEl>
+                                        <p:attrNameLst>
+                                          <p:attrName>style.visibility</p:attrName>
+                                        </p:attrNameLst>
+                                      </p:cBhvr>
+                                      <p:to>
+                                        <p:strVal val="visible"/>
+                                      </p:to>
+                                    </p:set>
+                                  </p:childTnLst>
+                                </p:cTn>
+                              </p:par>
+                              <p:par>
+                                <p:cTn id="7" presetID="1" presetClass="entr" presetSubtype="0" fill="hold" grpId="0" nodeType="withEffect">
+                                  <p:stCondLst>
+                                    <p:cond delay="0"/>
+                                  </p:stCondLst>
+                                  <p:childTnLst>
+                                    <p:set>
+                                      <p:cBhvr>
+                                        <p:cTn id="8" dur="1" fill="hold">
+                                          <p:stCondLst>
+                                            <p:cond delay="0"/>
+                                          </p:stCondLst>
+                                        </p:cTn>
+                                        <p:tgtEl>
+                                          <p:spTgt spid="576"/>
+                                        </p:tgtEl>
+                                        <p:attrNameLst>
+                                          <p:attrName>style.visibility</p:attrName>
+                                        </p:attrNameLst>
+                                      </p:cBhvr>
+                                      <p:to>
+                                        <p:strVal val="visible"/>
+                                      </p:to>
+                                    </p:set>
+                                  </p:childTnLst>
+                                </p:cTn>
+                              </p:par>
+                              <p:par>
+                                <p:cTn id="9" presetID="1" presetClass="entr" presetSubtype="0" fill="hold" grpId="0" nodeType="withEffect">
+                                  <p:stCondLst>
+                                    <p:cond delay="0"/>
+                                  </p:stCondLst>
+                                  <p:childTnLst>
+                                    <p:set>
+                                      <p:cBhvr>
+                                        <p:cTn id="10" dur="1" fill="hold">
+                                          <p:stCondLst>
+                                            <p:cond delay="0"/>
+                                          </p:stCondLst>
+                                        </p:cTn>
+                                        <p:tgtEl>
+                                          <p:spTgt spid="584"/>
+                                        </p:tgtEl>
+                                        <p:attrNameLst>
+                                          <p:attrName>style.visibility</p:attrName>
+                                        </p:attrNameLst>
+                                      </p:cBhvr>
+                                      <p:to>
+                                        <p:strVal val="visible"/>
+                                      </p:to>
+                                    </p:set>
+                                  </p:childTnLst>
+                                </p:cTn>
+                              </p:par>
+                            </p:childTnLst>
+                          </p:cTn>
+                        </p:par>
+                      </p:childTnLst>
+                    </p:cTn>
+                  </p:par>
+                  <p:par>
+                    <p:cTn id="11" fill="hold">
+                      <p:stCondLst>
+                        <p:cond delay="indefinite"/>
+                      </p:stCondLst>
+                      <p:childTnLst>
+                        <p:par>
+                          <p:cTn id="12" fill="hold">
+                            <p:stCondLst>
+                              <p:cond delay="0"/>
+                            </p:stCondLst>
+                            <p:childTnLst>
+                              <p:par>
+                                <p:cTn id="13" presetID="1" presetClass="entr" presetSubtype="0" fill="hold" nodeType="clickEffect">
+                                  <p:stCondLst>
+                                    <p:cond delay="0"/>
+                                  </p:stCondLst>
+                                  <p:childTnLst>
+                                    <p:set>
+                                      <p:cBhvr>
+                                        <p:cTn id="14" dur="1" fill="hold">
+                                          <p:stCondLst>
+                                            <p:cond delay="0"/>
+                                          </p:stCondLst>
+                                        </p:cTn>
+                                        <p:tgtEl>
+                                          <p:spTgt spid="571">
+                                            <p:txEl>
+                                              <p:pRg st="2" end="2"/>
+                                            </p:txEl>
+                                          </p:spTgt>
+                                        </p:tgtEl>
+                                        <p:attrNameLst>
+                                          <p:attrName>style.visibility</p:attrName>
+                                        </p:attrNameLst>
+                                      </p:cBhvr>
+                                      <p:to>
+                                        <p:strVal val="visible"/>
+                                      </p:to>
+                                    </p:set>
+                                  </p:childTnLst>
+                                </p:cTn>
+                              </p:par>
+                              <p:par>
+                                <p:cTn id="15" presetID="1" presetClass="entr" presetSubtype="0" fill="hold" nodeType="withEffect">
+                                  <p:stCondLst>
+                                    <p:cond delay="0"/>
+                                  </p:stCondLst>
+                                  <p:childTnLst>
+                                    <p:set>
+                                      <p:cBhvr>
+                                        <p:cTn id="16" dur="1" fill="hold">
+                                          <p:stCondLst>
+                                            <p:cond delay="0"/>
+                                          </p:stCondLst>
+                                        </p:cTn>
+                                        <p:tgtEl>
+                                          <p:spTgt spid="578"/>
+                                        </p:tgtEl>
+                                        <p:attrNameLst>
+                                          <p:attrName>style.visibility</p:attrName>
+                                        </p:attrNameLst>
+                                      </p:cBhvr>
+                                      <p:to>
+                                        <p:strVal val="visible"/>
+                                      </p:to>
+                                    </p:set>
+                                  </p:childTnLst>
+                                </p:cTn>
+                              </p:par>
+                              <p:par>
+                                <p:cTn id="17" presetID="1" presetClass="entr" presetSubtype="0" fill="hold" nodeType="withEffect">
+                                  <p:stCondLst>
+                                    <p:cond delay="0"/>
+                                  </p:stCondLst>
+                                  <p:childTnLst>
+                                    <p:set>
+                                      <p:cBhvr>
+                                        <p:cTn id="18" dur="1" fill="hold">
+                                          <p:stCondLst>
+                                            <p:cond delay="0"/>
+                                          </p:stCondLst>
+                                        </p:cTn>
+                                        <p:tgtEl>
+                                          <p:spTgt spid="581"/>
+                                        </p:tgtEl>
+                                        <p:attrNameLst>
+                                          <p:attrName>style.visibility</p:attrName>
+                                        </p:attrNameLst>
+                                      </p:cBhvr>
+                                      <p:to>
+                                        <p:strVal val="visible"/>
+                                      </p:to>
+                                    </p:set>
+                                  </p:childTnLst>
+                                </p:cTn>
+                              </p:par>
+                              <p:par>
+                                <p:cTn id="19" presetID="1" presetClass="entr" presetSubtype="0" fill="hold" grpId="0" nodeType="withEffect">
+                                  <p:stCondLst>
+                                    <p:cond delay="0"/>
+                                  </p:stCondLst>
+                                  <p:childTnLst>
+                                    <p:set>
+                                      <p:cBhvr>
+                                        <p:cTn id="20" dur="1" fill="hold">
+                                          <p:stCondLst>
+                                            <p:cond delay="0"/>
+                                          </p:stCondLst>
+                                        </p:cTn>
+                                        <p:tgtEl>
+                                          <p:spTgt spid="580"/>
+                                        </p:tgtEl>
+                                        <p:attrNameLst>
+                                          <p:attrName>style.visibility</p:attrName>
+                                        </p:attrNameLst>
+                                      </p:cBhvr>
+                                      <p:to>
+                                        <p:strVal val="visible"/>
+                                      </p:to>
+                                    </p:set>
+                                  </p:childTnLst>
+                                </p:cTn>
+                              </p:par>
+                              <p:par>
+                                <p:cTn id="21" presetID="1" presetClass="entr" presetSubtype="0" fill="hold" nodeType="withEffect">
+                                  <p:stCondLst>
+                                    <p:cond delay="0"/>
+                                  </p:stCondLst>
+                                  <p:childTnLst>
+                                    <p:set>
+                                      <p:cBhvr>
+                                        <p:cTn id="22" dur="1" fill="hold">
+                                          <p:stCondLst>
+                                            <p:cond delay="0"/>
+                                          </p:stCondLst>
+                                        </p:cTn>
+                                        <p:tgtEl>
+                                          <p:spTgt spid="582"/>
+                                        </p:tgtEl>
+                                        <p:attrNameLst>
+                                          <p:attrName>style.visibility</p:attrName>
+                                        </p:attrNameLst>
+                                      </p:cBhvr>
+                                      <p:to>
+                                        <p:strVal val="visible"/>
+                                      </p:to>
+                                    </p:set>
+                                  </p:childTnLst>
+                                </p:cTn>
+                              </p:par>
+                            </p:childTnLst>
+                          </p:cTn>
+                        </p:par>
+                      </p:childTnLst>
+                    </p:cTn>
+                  </p:par>
+                  <p:par>
+                    <p:cTn id="23" fill="hold">
+                      <p:stCondLst>
+                        <p:cond delay="indefinite"/>
+                      </p:stCondLst>
+                      <p:childTnLst>
+                        <p:par>
+                          <p:cTn id="24" fill="hold">
+                            <p:stCondLst>
+                              <p:cond delay="0"/>
+                            </p:stCondLst>
+                            <p:childTnLst>
+                              <p:par>
+                                <p:cTn id="25" presetID="1" presetClass="entr" presetSubtype="0" fill="hold" nodeType="clickEffect">
+                                  <p:stCondLst>
+                                    <p:cond delay="0"/>
+                                  </p:stCondLst>
+                                  <p:childTnLst>
+                                    <p:set>
+                                      <p:cBhvr>
+                                        <p:cTn id="26" dur="1" fill="hold">
+                                          <p:stCondLst>
+                                            <p:cond delay="0"/>
+                                          </p:stCondLst>
+                                        </p:cTn>
+                                        <p:tgtEl>
+                                          <p:spTgt spid="571">
+                                            <p:txEl>
+                                              <p:pRg st="3" end="3"/>
+                                            </p:txEl>
+                                          </p:spTgt>
+                                        </p:tgtEl>
+                                        <p:attrNameLst>
+                                          <p:attrName>style.visibility</p:attrName>
+                                        </p:attrNameLst>
+                                      </p:cBhvr>
+                                      <p:to>
+                                        <p:strVal val="visible"/>
+                                      </p:to>
+                                    </p:set>
+                                  </p:childTnLst>
+                                </p:cTn>
+                              </p:par>
+                              <p:par>
+                                <p:cTn id="27" presetID="1" presetClass="entr" presetSubtype="0" fill="hold" nodeType="withEffect">
+                                  <p:stCondLst>
+                                    <p:cond delay="0"/>
+                                  </p:stCondLst>
+                                  <p:childTnLst>
+                                    <p:set>
+                                      <p:cBhvr>
+                                        <p:cTn id="28" dur="1" fill="hold">
+                                          <p:stCondLst>
+                                            <p:cond delay="0"/>
+                                          </p:stCondLst>
+                                        </p:cTn>
+                                        <p:tgtEl>
+                                          <p:spTgt spid="585"/>
+                                        </p:tgtEl>
+                                        <p:attrNameLst>
+                                          <p:attrName>style.visibility</p:attrName>
+                                        </p:attrNameLst>
+                                      </p:cBhvr>
+                                      <p:to>
+                                        <p:strVal val="visible"/>
+                                      </p:to>
+                                    </p:set>
+                                  </p:childTnLst>
+                                </p:cTn>
+                              </p:par>
+                              <p:par>
+                                <p:cTn id="29" presetID="1" presetClass="entr" presetSubtype="0" fill="hold" nodeType="withEffect">
+                                  <p:stCondLst>
+                                    <p:cond delay="0"/>
+                                  </p:stCondLst>
+                                  <p:childTnLst>
+                                    <p:set>
+                                      <p:cBhvr>
+                                        <p:cTn id="30" dur="1" fill="hold">
+                                          <p:stCondLst>
+                                            <p:cond delay="0"/>
+                                          </p:stCondLst>
+                                        </p:cTn>
+                                        <p:tgtEl>
+                                          <p:spTgt spid="587"/>
+                                        </p:tgtEl>
+                                        <p:attrNameLst>
+                                          <p:attrName>style.visibility</p:attrName>
+                                        </p:attrNameLst>
+                                      </p:cBhvr>
+                                      <p:to>
+                                        <p:strVal val="visible"/>
+                                      </p:to>
+                                    </p:set>
+                                  </p:childTnLst>
+                                </p:cTn>
+                              </p:par>
+                              <p:par>
+                                <p:cTn id="31" presetID="1" presetClass="entr" presetSubtype="0" fill="hold" grpId="0" nodeType="withEffect">
+                                  <p:stCondLst>
+                                    <p:cond delay="0"/>
+                                  </p:stCondLst>
+                                  <p:childTnLst>
+                                    <p:set>
+                                      <p:cBhvr>
+                                        <p:cTn id="32" dur="1" fill="hold">
+                                          <p:stCondLst>
+                                            <p:cond delay="0"/>
+                                          </p:stCondLst>
+                                        </p:cTn>
+                                        <p:tgtEl>
+                                          <p:spTgt spid="586"/>
+                                        </p:tgtEl>
+                                        <p:attrNameLst>
+                                          <p:attrName>style.visibility</p:attrName>
+                                        </p:attrNameLst>
+                                      </p:cBhvr>
+                                      <p:to>
+                                        <p:strVal val="visible"/>
+                                      </p:to>
+                                    </p:set>
+                                  </p:childTnLst>
+                                </p:cTn>
+                              </p:par>
+                            </p:childTnLst>
+                          </p:cTn>
+                        </p:par>
+                      </p:childTnLst>
+                    </p:cTn>
+                  </p:par>
+                </p:childTnLst>
+              </p:cTn>
+              <p:prevCondLst>
+                <p:cond evt="onPrev" delay="0">
+                  <p:tgtEl>
+                    <p:sldTgt/>
+                  </p:tgtEl>
+                </p:cond>
+              </p:prevCondLst>
+              <p:nextCondLst>
+                <p:cond evt="onNext" delay="0">
+                  <p:tgtEl>
+                    <p:sldTgt/>
+                  </p:tgtEl>
+                </p:cond>
+              </p:nextCondLst>
+            </p:seq>
+          </p:childTnLst>
+        </p:cTn>
+      </p:par>
+    </p:tnLst>
+    <p:bldLst>
+      <p:bldP spid="576" grpId="0" animBg="1"/>
+      <p:bldP spid="580" grpId="0" animBg="1"/>
+      <p:bldP spid="584" grpId="0" animBg="1"/>
+      <p:bldP spid="586" grpId="0" animBg="1"/>
+    </p:bldLst>
+  </p:timing>
+</p:sld>
+</file>
+
+<file path=ppt/slides/slide11.xml><?xml version="1.0" encoding="utf-8"?>
+<p:sld xmlns:a="http://schemas.openxmlformats.org/drawingml/2006/main" xmlns:r="http://schemas.openxmlformats.org/officeDocument/2006/relationships" xmlns:p="http://schemas.openxmlformats.org/presentationml/2006/main">
+  <p:cSld>
+    <p:spTree>
+      <p:nvGrpSpPr>
+        <p:cNvPr id="1" name="Shape 1083"/>
+        <p:cNvGrpSpPr/>
+        <p:nvPr/>
+      </p:nvGrpSpPr>
+      <p:grpSpPr>
+        <a:xfrm>
+          <a:off x="0" y="0"/>
+          <a:ext cx="0" cy="0"/>
+          <a:chOff x="0" y="0"/>
+          <a:chExt cx="0" cy="0"/>
+        </a:xfrm>
+      </p:grpSpPr>
+      <p:sp>
+        <p:nvSpPr>
+          <p:cNvPr id="1084" name="Google Shape;1084;p101"/>
+          <p:cNvSpPr txBox="1">
+            <a:spLocks noGrp="1"/>
+          </p:cNvSpPr>
+          <p:nvPr>
+            <p:ph type="title"/>
+          </p:nvPr>
+        </p:nvSpPr>
+        <p:spPr>
+          <a:xfrm>
+            <a:off x="102700" y="270875"/>
+            <a:ext cx="8520600" cy="572700"/>
+          </a:xfrm>
+          <a:prstGeom prst="rect">
+            <a:avLst/>
+          </a:prstGeom>
+        </p:spPr>
+        <p:txBody>
+          <a:bodyPr spcFirstLastPara="1" wrap="square" lIns="91425" tIns="91425" rIns="91425" bIns="91425" anchor="t" anchorCtr="0">
+            <a:normAutofit fontScale="90000"/>
+          </a:bodyPr>
+          <a:lstStyle/>
+          <a:p>
+            <a:pPr marL="0" lvl="0" indent="0" algn="l" rtl="0">
+              <a:spcBef>
+                <a:spcPts val="0"/>
+              </a:spcBef>
+              <a:spcAft>
+                <a:spcPts val="0"/>
+              </a:spcAft>
+              <a:buNone/>
+            </a:pPr>
+            <a:r>
+              <a:rPr lang="en"/>
+              <a:t>One-Time Pad</a:t>
+            </a:r>
+            <a:endParaRPr/>
+          </a:p>
+        </p:txBody>
+      </p:sp>
+      <p:sp>
+        <p:nvSpPr>
+          <p:cNvPr id="1085" name="Google Shape;1085;p101"/>
+          <p:cNvSpPr txBox="1">
+            <a:spLocks noGrp="1"/>
+          </p:cNvSpPr>
+          <p:nvPr>
+            <p:ph type="body" idx="1"/>
+          </p:nvPr>
+        </p:nvSpPr>
+        <p:spPr>
+          <a:xfrm>
+            <a:off x="226207" y="1107025"/>
+            <a:ext cx="8583255" cy="3949792"/>
+          </a:xfrm>
+          <a:prstGeom prst="rect">
+            <a:avLst/>
+          </a:prstGeom>
+        </p:spPr>
+        <p:txBody>
+          <a:bodyPr spcFirstLastPara="1" wrap="square" lIns="91425" tIns="91425" rIns="91425" bIns="91425" anchor="t" anchorCtr="0">
+            <a:normAutofit/>
+          </a:bodyPr>
+          <a:lstStyle/>
+          <a:p>
+            <a:pPr marL="457200" lvl="0" indent="-342900" algn="l" rtl="0">
+              <a:spcBef>
+                <a:spcPts val="0"/>
+              </a:spcBef>
+              <a:spcAft>
+                <a:spcPts val="0"/>
+              </a:spcAft>
+              <a:buSzPts val="1800"/>
+              <a:buChar char="●"/>
+            </a:pPr>
+            <a:r>
+              <a:rPr lang="en" dirty="0" err="1"/>
+              <a:t>KeyGen</a:t>
+            </a:r>
+            <a:r>
+              <a:rPr lang="en" dirty="0"/>
+              <a:t>()</a:t>
+            </a:r>
+            <a:endParaRPr dirty="0"/>
+          </a:p>
+          <a:p>
+            <a:pPr marL="914400" lvl="1" indent="-317500" algn="l" rtl="0">
+              <a:spcBef>
+                <a:spcPts val="0"/>
+              </a:spcBef>
+              <a:spcAft>
+                <a:spcPts val="0"/>
+              </a:spcAft>
+              <a:buSzPts val="1400"/>
+              <a:buChar char="○"/>
+            </a:pPr>
+            <a:r>
+              <a:rPr lang="en" sz="1600" dirty="0"/>
+              <a:t>Randomly generate an </a:t>
+            </a:r>
+            <a:r>
+              <a:rPr lang="en" sz="1600" i="1" dirty="0"/>
+              <a:t>n</a:t>
+            </a:r>
+            <a:r>
+              <a:rPr lang="en" sz="1600" dirty="0"/>
+              <a:t>-bit key</a:t>
+            </a:r>
+            <a:endParaRPr sz="1600" b="1" dirty="0"/>
+          </a:p>
+          <a:p>
+            <a:pPr marL="457200" lvl="0" indent="-342900" algn="l" rtl="0">
+              <a:spcBef>
+                <a:spcPts val="0"/>
+              </a:spcBef>
+              <a:spcAft>
+                <a:spcPts val="0"/>
+              </a:spcAft>
+              <a:buSzPts val="1800"/>
+              <a:buChar char="●"/>
+            </a:pPr>
+            <a:r>
+              <a:rPr lang="en" dirty="0"/>
+              <a:t>Enc(</a:t>
+            </a:r>
+            <a:r>
+              <a:rPr lang="en" i="1" dirty="0"/>
+              <a:t>K</a:t>
+            </a:r>
+            <a:r>
+              <a:rPr lang="en" dirty="0"/>
+              <a:t>, </a:t>
+            </a:r>
+            <a:r>
+              <a:rPr lang="en" i="1" dirty="0"/>
+              <a:t>M</a:t>
+            </a:r>
+            <a:r>
+              <a:rPr lang="en" dirty="0"/>
+              <a:t>) = </a:t>
+            </a:r>
+            <a:r>
+              <a:rPr lang="en" i="1" dirty="0"/>
+              <a:t>K</a:t>
+            </a:r>
+            <a:r>
+              <a:rPr lang="en" dirty="0"/>
+              <a:t> ⊕ </a:t>
+            </a:r>
+            <a:r>
+              <a:rPr lang="en" i="1" dirty="0"/>
+              <a:t>M</a:t>
+            </a:r>
+            <a:endParaRPr i="1" dirty="0"/>
+          </a:p>
+          <a:p>
+            <a:pPr lvl="1"/>
+            <a:r>
+              <a:rPr lang="en" sz="1600" dirty="0"/>
+              <a:t>Ci = Ki ⊕ Mi</a:t>
+            </a:r>
+            <a:endParaRPr sz="1600" dirty="0"/>
+          </a:p>
+          <a:p>
+            <a:pPr marL="457200" lvl="0" indent="-342900" algn="l" rtl="0">
+              <a:spcBef>
+                <a:spcPts val="0"/>
+              </a:spcBef>
+              <a:spcAft>
+                <a:spcPts val="0"/>
+              </a:spcAft>
+              <a:buSzPts val="1800"/>
+              <a:buChar char="●"/>
+            </a:pPr>
+            <a:r>
+              <a:rPr lang="en" dirty="0"/>
+              <a:t>Dec(</a:t>
+            </a:r>
+            <a:r>
+              <a:rPr lang="en" i="1" dirty="0"/>
+              <a:t>K</a:t>
+            </a:r>
+            <a:r>
+              <a:rPr lang="en" dirty="0"/>
+              <a:t>, </a:t>
+            </a:r>
+            <a:r>
+              <a:rPr lang="en" i="1" dirty="0"/>
+              <a:t>C</a:t>
+            </a:r>
+            <a:r>
+              <a:rPr lang="en" dirty="0"/>
+              <a:t>) = </a:t>
+            </a:r>
+            <a:r>
+              <a:rPr lang="en" i="1" dirty="0"/>
+              <a:t>K</a:t>
+            </a:r>
+            <a:r>
+              <a:rPr lang="en" dirty="0"/>
+              <a:t> ⊕ </a:t>
+            </a:r>
+            <a:r>
+              <a:rPr lang="en" i="1" dirty="0"/>
+              <a:t>C</a:t>
+            </a:r>
+            <a:endParaRPr sz="1800" dirty="0"/>
+          </a:p>
+          <a:p>
+            <a:pPr lvl="1"/>
+            <a:r>
+              <a:rPr lang="en" sz="1600" dirty="0"/>
+              <a:t>Mi = Ki ⊕ Ci</a:t>
+            </a:r>
+          </a:p>
+          <a:p>
+            <a:r>
+              <a:rPr lang="en-US" dirty="0"/>
+              <a:t>Alice and Bob use a different key (or pad) for each encryption </a:t>
+            </a:r>
+          </a:p>
+          <a:p>
+            <a:pPr lvl="1"/>
+            <a:r>
+              <a:rPr lang="en-US" sz="1600" dirty="0"/>
+              <a:t>(this is the “one-time” in one-time pad).</a:t>
+            </a:r>
+          </a:p>
+          <a:p>
+            <a:r>
+              <a:rPr lang="en-US" dirty="0"/>
+              <a:t>Security</a:t>
+            </a:r>
+            <a:endParaRPr lang="en" sz="2400" b="1" dirty="0"/>
+          </a:p>
+          <a:p>
+            <a:pPr lvl="1"/>
+            <a:r>
+              <a:rPr lang="en-US" sz="1600" dirty="0"/>
+              <a:t>What if we reuse the same key for different messages?  Do we still have IND-CPA? </a:t>
+            </a:r>
+          </a:p>
+          <a:p>
+            <a:r>
+              <a:rPr lang="en-US" sz="2000" dirty="0"/>
+              <a:t>What is IND-CPA secure? What is the IND-CPA game?</a:t>
+            </a:r>
+          </a:p>
+        </p:txBody>
+      </p:sp>
+      <p:sp>
+        <p:nvSpPr>
+          <p:cNvPr id="1086" name="Google Shape;1086;p101"/>
+          <p:cNvSpPr txBox="1">
+            <a:spLocks noGrp="1"/>
+          </p:cNvSpPr>
+          <p:nvPr>
+            <p:ph type="sldNum" idx="12"/>
+          </p:nvPr>
+        </p:nvSpPr>
+        <p:spPr>
+          <a:xfrm>
+            <a:off x="8472458" y="4663217"/>
+            <a:ext cx="548700" cy="393600"/>
+          </a:xfrm>
+          <a:prstGeom prst="rect">
+            <a:avLst/>
+          </a:prstGeom>
+        </p:spPr>
+        <p:txBody>
+          <a:bodyPr spcFirstLastPara="1" wrap="square" lIns="91425" tIns="91425" rIns="91425" bIns="91425" anchor="ctr" anchorCtr="0">
+            <a:normAutofit/>
+          </a:bodyPr>
+          <a:lstStyle/>
+          <a:p>
+            <a:pPr marL="0" lvl="0" indent="0" algn="r" rtl="0">
+              <a:spcBef>
+                <a:spcPts val="0"/>
+              </a:spcBef>
+              <a:spcAft>
+                <a:spcPts val="0"/>
+              </a:spcAft>
+              <a:buNone/>
+            </a:pPr>
+            <a:fld id="{00000000-1234-1234-1234-123412341234}" type="slidenum">
+              <a:rPr lang="en"/>
+              <a:t>11</a:t>
+            </a:fld>
+            <a:endParaRPr/>
+          </a:p>
+        </p:txBody>
+      </p:sp>
+    </p:spTree>
+  </p:cSld>
+  <p:clrMapOvr>
+    <a:masterClrMapping/>
+  </p:clrMapOvr>
+  <p:timing>
+    <p:tnLst>
+      <p:par>
+        <p:cTn id="1" dur="indefinite" restart="never" nodeType="tmRoot">
+          <p:childTnLst>
+            <p:seq concurrent="1" nextAc="seek">
+              <p:cTn id="2" dur="indefinite" nodeType="mainSeq">
+                <p:childTnLst>
+                  <p:par>
+                    <p:cTn id="3" fill="hold">
+                      <p:stCondLst>
+                        <p:cond delay="indefinite"/>
+                      </p:stCondLst>
+                      <p:childTnLst>
+                        <p:par>
+                          <p:cTn id="4" fill="hold">
+                            <p:stCondLst>
+                              <p:cond delay="0"/>
+                            </p:stCondLst>
+                            <p:childTnLst>
+                              <p:par>
+                                <p:cTn id="5" presetID="1" presetClass="entr" presetSubtype="0" fill="hold" nodeType="clickEffect">
+                                  <p:stCondLst>
+                                    <p:cond delay="0"/>
+                                  </p:stCondLst>
+                                  <p:childTnLst>
+                                    <p:set>
+                                      <p:cBhvr>
+                                        <p:cTn id="6" dur="1" fill="hold">
+                                          <p:stCondLst>
+                                            <p:cond delay="0"/>
+                                          </p:stCondLst>
+                                        </p:cTn>
+                                        <p:tgtEl>
+                                          <p:spTgt spid="1085">
+                                            <p:txEl>
+                                              <p:pRg st="0" end="0"/>
+                                            </p:txEl>
+                                          </p:spTgt>
+                                        </p:tgtEl>
+                                        <p:attrNameLst>
+                                          <p:attrName>style.visibility</p:attrName>
+                                        </p:attrNameLst>
+                                      </p:cBhvr>
+                                      <p:to>
+                                        <p:strVal val="visible"/>
+                                      </p:to>
+                                    </p:set>
+                                  </p:childTnLst>
+                                </p:cTn>
+                              </p:par>
+                              <p:par>
+                                <p:cTn id="7" presetID="1" presetClass="entr" presetSubtype="0" fill="hold" nodeType="withEffect">
+                                  <p:stCondLst>
+                                    <p:cond delay="0"/>
+                                  </p:stCondLst>
+                                  <p:childTnLst>
+                                    <p:set>
+                                      <p:cBhvr>
+                                        <p:cTn id="8" dur="1" fill="hold">
+                                          <p:stCondLst>
+                                            <p:cond delay="0"/>
+                                          </p:stCondLst>
+                                        </p:cTn>
+                                        <p:tgtEl>
+                                          <p:spTgt spid="1085">
+                                            <p:txEl>
+                                              <p:pRg st="1" end="1"/>
+                                            </p:txEl>
+                                          </p:spTgt>
+                                        </p:tgtEl>
+                                        <p:attrNameLst>
+                                          <p:attrName>style.visibility</p:attrName>
+                                        </p:attrNameLst>
+                                      </p:cBhvr>
+                                      <p:to>
+                                        <p:strVal val="visible"/>
+                                      </p:to>
+                                    </p:set>
+                                  </p:childTnLst>
+                                </p:cTn>
+                              </p:par>
+                            </p:childTnLst>
+                          </p:cTn>
+                        </p:par>
+                      </p:childTnLst>
+                    </p:cTn>
+                  </p:par>
+                  <p:par>
+                    <p:cTn id="9" fill="hold">
+                      <p:stCondLst>
+                        <p:cond delay="indefinite"/>
+                      </p:stCondLst>
+                      <p:childTnLst>
+                        <p:par>
+                          <p:cTn id="10" fill="hold">
+                            <p:stCondLst>
+                              <p:cond delay="0"/>
+                            </p:stCondLst>
+                            <p:childTnLst>
+                              <p:par>
+                                <p:cTn id="11" presetID="1" presetClass="entr" presetSubtype="0" fill="hold" nodeType="clickEffect">
+                                  <p:stCondLst>
+                                    <p:cond delay="0"/>
+                                  </p:stCondLst>
+                                  <p:childTnLst>
+                                    <p:set>
+                                      <p:cBhvr>
+                                        <p:cTn id="12" dur="1" fill="hold">
+                                          <p:stCondLst>
+                                            <p:cond delay="0"/>
+                                          </p:stCondLst>
+                                        </p:cTn>
+                                        <p:tgtEl>
+                                          <p:spTgt spid="1085">
+                                            <p:txEl>
+                                              <p:pRg st="2" end="2"/>
+                                            </p:txEl>
+                                          </p:spTgt>
+                                        </p:tgtEl>
+                                        <p:attrNameLst>
+                                          <p:attrName>style.visibility</p:attrName>
+                                        </p:attrNameLst>
+                                      </p:cBhvr>
+                                      <p:to>
+                                        <p:strVal val="visible"/>
+                                      </p:to>
+                                    </p:set>
+                                  </p:childTnLst>
+                                </p:cTn>
+                              </p:par>
+                              <p:par>
+                                <p:cTn id="13" presetID="1" presetClass="entr" presetSubtype="0" fill="hold" nodeType="withEffect">
+                                  <p:stCondLst>
+                                    <p:cond delay="0"/>
+                                  </p:stCondLst>
+                                  <p:childTnLst>
+                                    <p:set>
+                                      <p:cBhvr>
+                                        <p:cTn id="14" dur="1" fill="hold">
+                                          <p:stCondLst>
+                                            <p:cond delay="0"/>
+                                          </p:stCondLst>
+                                        </p:cTn>
+                                        <p:tgtEl>
+                                          <p:spTgt spid="1085">
+                                            <p:txEl>
+                                              <p:pRg st="3" end="3"/>
+                                            </p:txEl>
+                                          </p:spTgt>
+                                        </p:tgtEl>
+                                        <p:attrNameLst>
+                                          <p:attrName>style.visibility</p:attrName>
+                                        </p:attrNameLst>
+                                      </p:cBhvr>
+                                      <p:to>
+                                        <p:strVal val="visible"/>
+                                      </p:to>
+                                    </p:set>
+                                  </p:childTnLst>
+                                </p:cTn>
+                              </p:par>
+                            </p:childTnLst>
+                          </p:cTn>
+                        </p:par>
+                      </p:childTnLst>
+                    </p:cTn>
+                  </p:par>
+                  <p:par>
+                    <p:cTn id="15" fill="hold">
+                      <p:stCondLst>
+                        <p:cond delay="indefinite"/>
+                      </p:stCondLst>
+                      <p:childTnLst>
+                        <p:par>
+                          <p:cTn id="16" fill="hold">
+                            <p:stCondLst>
+                              <p:cond delay="0"/>
+                            </p:stCondLst>
+                            <p:childTnLst>
+                              <p:par>
+                                <p:cTn id="17" presetID="1" presetClass="entr" presetSubtype="0" fill="hold" nodeType="clickEffect">
+                                  <p:stCondLst>
+                                    <p:cond delay="0"/>
+                                  </p:stCondLst>
+                                  <p:childTnLst>
+                                    <p:set>
+                                      <p:cBhvr>
+                                        <p:cTn id="18" dur="1" fill="hold">
+                                          <p:stCondLst>
+                                            <p:cond delay="0"/>
+                                          </p:stCondLst>
+                                        </p:cTn>
+                                        <p:tgtEl>
+                                          <p:spTgt spid="1085">
+                                            <p:txEl>
+                                              <p:pRg st="4" end="4"/>
+                                            </p:txEl>
+                                          </p:spTgt>
+                                        </p:tgtEl>
+                                        <p:attrNameLst>
+                                          <p:attrName>style.visibility</p:attrName>
+                                        </p:attrNameLst>
+                                      </p:cBhvr>
+                                      <p:to>
+                                        <p:strVal val="visible"/>
+                                      </p:to>
+                                    </p:set>
+                                  </p:childTnLst>
+                                </p:cTn>
+                              </p:par>
+                              <p:par>
+                                <p:cTn id="19" presetID="1" presetClass="entr" presetSubtype="0" fill="hold" nodeType="withEffect">
+                                  <p:stCondLst>
+                                    <p:cond delay="0"/>
+                                  </p:stCondLst>
+                                  <p:childTnLst>
+                                    <p:set>
+                                      <p:cBhvr>
+                                        <p:cTn id="20" dur="1" fill="hold">
+                                          <p:stCondLst>
+                                            <p:cond delay="0"/>
+                                          </p:stCondLst>
+                                        </p:cTn>
+                                        <p:tgtEl>
+                                          <p:spTgt spid="1085">
+                                            <p:txEl>
+                                              <p:pRg st="5" end="5"/>
+                                            </p:txEl>
+                                          </p:spTgt>
+                                        </p:tgtEl>
+                                        <p:attrNameLst>
+                                          <p:attrName>style.visibility</p:attrName>
+                                        </p:attrNameLst>
+                                      </p:cBhvr>
+                                      <p:to>
+                                        <p:strVal val="visible"/>
+                                      </p:to>
+                                    </p:set>
+                                  </p:childTnLst>
+                                </p:cTn>
+                              </p:par>
+                              <p:par>
+                                <p:cTn id="21" presetID="1" presetClass="entr" presetSubtype="0" fill="hold" nodeType="withEffect">
+                                  <p:stCondLst>
+                                    <p:cond delay="0"/>
+                                  </p:stCondLst>
+                                  <p:childTnLst>
+                                    <p:set>
+                                      <p:cBhvr>
+                                        <p:cTn id="22" dur="1" fill="hold">
+                                          <p:stCondLst>
+                                            <p:cond delay="0"/>
+                                          </p:stCondLst>
+                                        </p:cTn>
+                                        <p:tgtEl>
+                                          <p:spTgt spid="1085">
+                                            <p:txEl>
+                                              <p:pRg st="6" end="6"/>
+                                            </p:txEl>
+                                          </p:spTgt>
+                                        </p:tgtEl>
+                                        <p:attrNameLst>
+                                          <p:attrName>style.visibility</p:attrName>
+                                        </p:attrNameLst>
+                                      </p:cBhvr>
+                                      <p:to>
+                                        <p:strVal val="visible"/>
+                                      </p:to>
+                                    </p:set>
+                                  </p:childTnLst>
+                                </p:cTn>
+                              </p:par>
+                              <p:par>
+                                <p:cTn id="23" presetID="1" presetClass="entr" presetSubtype="0" fill="hold" nodeType="withEffect">
+                                  <p:stCondLst>
+                                    <p:cond delay="0"/>
+                                  </p:stCondLst>
+                                  <p:childTnLst>
+                                    <p:set>
+                                      <p:cBhvr>
+                                        <p:cTn id="24" dur="1" fill="hold">
+                                          <p:stCondLst>
+                                            <p:cond delay="0"/>
+                                          </p:stCondLst>
+                                        </p:cTn>
+                                        <p:tgtEl>
+                                          <p:spTgt spid="1085">
+                                            <p:txEl>
+                                              <p:pRg st="7" end="7"/>
+                                            </p:txEl>
+                                          </p:spTgt>
+                                        </p:tgtEl>
+                                        <p:attrNameLst>
+                                          <p:attrName>style.visibility</p:attrName>
+                                        </p:attrNameLst>
+                                      </p:cBhvr>
+                                      <p:to>
+                                        <p:strVal val="visible"/>
+                                      </p:to>
+                                    </p:set>
+                                  </p:childTnLst>
+                                </p:cTn>
+                              </p:par>
+                              <p:par>
+                                <p:cTn id="25" presetID="1" presetClass="entr" presetSubtype="0" fill="hold" nodeType="withEffect">
+                                  <p:stCondLst>
+                                    <p:cond delay="0"/>
+                                  </p:stCondLst>
+                                  <p:childTnLst>
+                                    <p:set>
+                                      <p:cBhvr>
+                                        <p:cTn id="26" dur="1" fill="hold">
+                                          <p:stCondLst>
+                                            <p:cond delay="0"/>
+                                          </p:stCondLst>
+                                        </p:cTn>
+                                        <p:tgtEl>
+                                          <p:spTgt spid="1085">
+                                            <p:txEl>
+                                              <p:pRg st="8" end="8"/>
+                                            </p:txEl>
+                                          </p:spTgt>
+                                        </p:tgtEl>
+                                        <p:attrNameLst>
+                                          <p:attrName>style.visibility</p:attrName>
+                                        </p:attrNameLst>
+                                      </p:cBhvr>
+                                      <p:to>
+                                        <p:strVal val="visible"/>
+                                      </p:to>
+                                    </p:set>
+                                  </p:childTnLst>
+                                </p:cTn>
+                              </p:par>
+                              <p:par>
+                                <p:cTn id="27" presetID="1" presetClass="entr" presetSubtype="0" fill="hold" nodeType="withEffect">
+                                  <p:stCondLst>
+                                    <p:cond delay="0"/>
+                                  </p:stCondLst>
+                                  <p:childTnLst>
+                                    <p:set>
+                                      <p:cBhvr>
+                                        <p:cTn id="28" dur="1" fill="hold">
+                                          <p:stCondLst>
+                                            <p:cond delay="0"/>
+                                          </p:stCondLst>
+                                        </p:cTn>
+                                        <p:tgtEl>
+                                          <p:spTgt spid="1085">
+                                            <p:txEl>
+                                              <p:pRg st="9" end="9"/>
+                                            </p:txEl>
+                                          </p:spTgt>
+                                        </p:tgtEl>
+                                        <p:attrNameLst>
+                                          <p:attrName>style.visibility</p:attrName>
+                                        </p:attrNameLst>
+                                      </p:cBhvr>
+                                      <p:to>
+                                        <p:strVal val="visible"/>
+                                      </p:to>
+                                    </p:set>
+                                  </p:childTnLst>
+                                </p:cTn>
+                              </p:par>
+                              <p:par>
+                                <p:cTn id="29" presetID="1" presetClass="entr" presetSubtype="0" fill="hold" nodeType="withEffect">
+                                  <p:stCondLst>
+                                    <p:cond delay="0"/>
+                                  </p:stCondLst>
+                                  <p:childTnLst>
+                                    <p:set>
+                                      <p:cBhvr>
+                                        <p:cTn id="30" dur="1" fill="hold">
+                                          <p:stCondLst>
+                                            <p:cond delay="0"/>
+                                          </p:stCondLst>
+                                        </p:cTn>
+                                        <p:tgtEl>
+                                          <p:spTgt spid="1085">
+                                            <p:txEl>
+                                              <p:pRg st="10" end="10"/>
+                                            </p:txEl>
+                                          </p:spTgt>
+                                        </p:tgtEl>
+                                        <p:attrNameLst>
+                                          <p:attrName>style.visibility</p:attrName>
+                                        </p:attrNameLst>
+                                      </p:cBhvr>
+                                      <p:to>
+                                        <p:strVal val="visible"/>
+                                      </p:to>
+                                    </p:set>
+                                  </p:childTnLst>
+                                </p:cTn>
+                              </p:par>
+                            </p:childTnLst>
+                          </p:cTn>
+                        </p:par>
+                      </p:childTnLst>
+                    </p:cTn>
+                  </p:par>
+                </p:childTnLst>
+              </p:cTn>
+              <p:prevCondLst>
+                <p:cond evt="onPrev" delay="0">
+                  <p:tgtEl>
+                    <p:sldTgt/>
+                  </p:tgtEl>
+                </p:cond>
+              </p:prevCondLst>
+              <p:nextCondLst>
+                <p:cond evt="onNext" delay="0">
+                  <p:tgtEl>
+                    <p:sldTgt/>
+                  </p:tgtEl>
+                </p:cond>
+              </p:nextCondLst>
+            </p:seq>
+          </p:childTnLst>
+        </p:cTn>
+      </p:par>
+    </p:tnLst>
+  </p:timing>
+</p:sld>
+</file>
+
+<file path=ppt/slides/slide12.xml><?xml version="1.0" encoding="utf-8"?>
 <p:sld xmlns:a="http://schemas.openxmlformats.org/drawingml/2006/main" xmlns:r="http://schemas.openxmlformats.org/officeDocument/2006/relationships" xmlns:p="http://schemas.openxmlformats.org/presentationml/2006/main">
   <p:cSld>
     <p:spTree>
@@ -5417,23 +8333,1263 @@
           </a:bodyPr>
           <a:lstStyle/>
           <a:p>
-            <a:pPr marL="9525">
-              <a:spcBef>
-                <a:spcPts val="79"/>
-              </a:spcBef>
+            <a:pPr marL="127000" lvl="0" algn="l" rtl="0">
+              <a:spcBef>
+                <a:spcPts val="0"/>
+              </a:spcBef>
+              <a:spcAft>
+                <a:spcPts val="0"/>
+              </a:spcAft>
+              <a:buSzPts val="1600"/>
             </a:pPr>
             <a:r>
-              <a:rPr lang="en-US" dirty="0"/>
-              <a:t>Digital Signature</a:t>
-            </a:r>
-            <a:endParaRPr dirty="0"/>
+              <a:rPr lang="en" sz="2800" dirty="0"/>
+              <a:t>Block Cipher</a:t>
+            </a:r>
+          </a:p>
+        </p:txBody>
+      </p:sp>
+      <p:sp>
+        <p:nvSpPr>
+          <p:cNvPr id="3" name="Text Placeholder 2">
+            <a:extLst>
+              <a:ext uri="{FF2B5EF4-FFF2-40B4-BE49-F238E27FC236}">
+                <a16:creationId xmlns:a16="http://schemas.microsoft.com/office/drawing/2014/main" id="{9264B1C0-E356-F9C2-13AE-AFE839B78196}"/>
+              </a:ext>
+            </a:extLst>
+          </p:cNvPr>
+          <p:cNvSpPr>
+            <a:spLocks noGrp="1"/>
+          </p:cNvSpPr>
+          <p:nvPr>
+            <p:ph type="body" idx="1"/>
+          </p:nvPr>
+        </p:nvSpPr>
+        <p:spPr>
+          <a:xfrm>
+            <a:off x="198499" y="1246825"/>
+            <a:ext cx="8896435" cy="3765600"/>
+          </a:xfrm>
+        </p:spPr>
+        <p:txBody>
+          <a:bodyPr>
+            <a:normAutofit fontScale="92500" lnSpcReduction="10000"/>
+          </a:bodyPr>
+          <a:lstStyle/>
+          <a:p>
+            <a:r>
+              <a:rPr lang="en-US" sz="2000" dirty="0"/>
+              <a:t>How does block ciphers work? </a:t>
+            </a:r>
+          </a:p>
+          <a:p>
+            <a:pPr lvl="1"/>
+            <a:r>
+              <a:rPr lang="en-US" sz="1600" dirty="0"/>
+              <a:t>Why it is called block ciphers? </a:t>
+            </a:r>
+          </a:p>
+          <a:p>
+            <a:pPr lvl="1"/>
+            <a:r>
+              <a:rPr lang="en-US" sz="1600" dirty="0"/>
+              <a:t>Why do we need operating modes? </a:t>
+            </a:r>
+          </a:p>
+          <a:p>
+            <a:pPr lvl="1"/>
+            <a:r>
+              <a:rPr lang="en-US" sz="1600" dirty="0"/>
+              <a:t>Where do we use the key? </a:t>
+            </a:r>
+          </a:p>
+          <a:p>
+            <a:r>
+              <a:rPr lang="en-US" sz="2000" dirty="0"/>
+              <a:t>Analyzing Modes</a:t>
+            </a:r>
+          </a:p>
+          <a:p>
+            <a:pPr lvl="1"/>
+            <a:r>
+              <a:rPr lang="en-US" sz="1600" dirty="0"/>
+              <a:t>Giving a new operating mode, analyzing the formulas used for encryption and description</a:t>
+            </a:r>
+          </a:p>
+          <a:p>
+            <a:pPr lvl="1"/>
+            <a:r>
+              <a:rPr lang="en-US" sz="1600" dirty="0"/>
+              <a:t>Analyze the performance implication</a:t>
+            </a:r>
+          </a:p>
+          <a:p>
+            <a:pPr lvl="1"/>
+            <a:r>
+              <a:rPr lang="en-US" sz="1600" dirty="0"/>
+              <a:t>Analyze if the mode is IND-CPA secure: why some modes are secure and others are not</a:t>
+            </a:r>
+          </a:p>
+          <a:p>
+            <a:r>
+              <a:rPr lang="en-US" sz="2000" dirty="0"/>
+              <a:t>Security</a:t>
+            </a:r>
+          </a:p>
+          <a:p>
+            <a:pPr lvl="1"/>
+            <a:r>
+              <a:rPr lang="en-US" sz="1600" dirty="0"/>
+              <a:t>What are IV and nonce? </a:t>
+            </a:r>
+          </a:p>
+          <a:p>
+            <a:pPr lvl="1"/>
+            <a:r>
+              <a:rPr lang="en-US" sz="1600" dirty="0"/>
+              <a:t>Where do we use them? </a:t>
+            </a:r>
+          </a:p>
+          <a:p>
+            <a:pPr lvl="1"/>
+            <a:r>
+              <a:rPr lang="en-US" sz="1600" dirty="0"/>
+              <a:t>Why do we need them? </a:t>
+            </a:r>
+          </a:p>
+          <a:p>
+            <a:pPr lvl="1"/>
+            <a:r>
+              <a:rPr lang="en-US" sz="1600" dirty="0"/>
+              <a:t>Does block cipher provide integrity?</a:t>
+            </a:r>
           </a:p>
         </p:txBody>
       </p:sp>
     </p:spTree>
     <p:extLst>
       <p:ext uri="{BB962C8B-B14F-4D97-AF65-F5344CB8AC3E}">
-        <p14:creationId xmlns:p14="http://schemas.microsoft.com/office/powerpoint/2010/main" val="3657869014"/>
+        <p14:creationId xmlns:p14="http://schemas.microsoft.com/office/powerpoint/2010/main" val="2834943427"/>
+      </p:ext>
+    </p:extLst>
+  </p:cSld>
+  <p:clrMapOvr>
+    <a:masterClrMapping/>
+  </p:clrMapOvr>
+</p:sld>
+</file>
+
+<file path=ppt/slides/slide13.xml><?xml version="1.0" encoding="utf-8"?>
+<p:sld xmlns:a="http://schemas.openxmlformats.org/drawingml/2006/main" xmlns:r="http://schemas.openxmlformats.org/officeDocument/2006/relationships" xmlns:p="http://schemas.openxmlformats.org/presentationml/2006/main">
+  <p:cSld>
+    <p:spTree>
+      <p:nvGrpSpPr>
+        <p:cNvPr id="1" name=""/>
+        <p:cNvGrpSpPr/>
+        <p:nvPr/>
+      </p:nvGrpSpPr>
+      <p:grpSpPr>
+        <a:xfrm>
+          <a:off x="0" y="0"/>
+          <a:ext cx="0" cy="0"/>
+          <a:chOff x="0" y="0"/>
+          <a:chExt cx="0" cy="0"/>
+        </a:xfrm>
+      </p:grpSpPr>
+      <p:sp>
+        <p:nvSpPr>
+          <p:cNvPr id="2" name="object 2"/>
+          <p:cNvSpPr txBox="1">
+            <a:spLocks noGrp="1"/>
+          </p:cNvSpPr>
+          <p:nvPr>
+            <p:ph type="title"/>
+          </p:nvPr>
+        </p:nvSpPr>
+        <p:spPr>
+          <a:xfrm>
+            <a:off x="102700" y="270875"/>
+            <a:ext cx="8520600" cy="453810"/>
+          </a:xfrm>
+          <a:prstGeom prst="rect">
+            <a:avLst/>
+          </a:prstGeom>
+        </p:spPr>
+        <p:txBody>
+          <a:bodyPr spcFirstLastPara="1" vert="horz" wrap="square" lIns="0" tIns="10001" rIns="0" bIns="0" rtlCol="0" anchor="t" anchorCtr="0">
+            <a:spAutoFit/>
+          </a:bodyPr>
+          <a:lstStyle/>
+          <a:p>
+            <a:pPr marL="127000" lvl="0" algn="l" rtl="0">
+              <a:spcBef>
+                <a:spcPts val="0"/>
+              </a:spcBef>
+              <a:spcAft>
+                <a:spcPts val="0"/>
+              </a:spcAft>
+              <a:buSzPts val="1600"/>
+            </a:pPr>
+            <a:r>
+              <a:rPr lang="en" sz="2800" dirty="0"/>
+              <a:t>Hash</a:t>
+            </a:r>
+          </a:p>
+        </p:txBody>
+      </p:sp>
+      <p:sp>
+        <p:nvSpPr>
+          <p:cNvPr id="3" name="Text Placeholder 2">
+            <a:extLst>
+              <a:ext uri="{FF2B5EF4-FFF2-40B4-BE49-F238E27FC236}">
+                <a16:creationId xmlns:a16="http://schemas.microsoft.com/office/drawing/2014/main" id="{9264B1C0-E356-F9C2-13AE-AFE839B78196}"/>
+              </a:ext>
+            </a:extLst>
+          </p:cNvPr>
+          <p:cNvSpPr>
+            <a:spLocks noGrp="1"/>
+          </p:cNvSpPr>
+          <p:nvPr>
+            <p:ph type="body" idx="1"/>
+          </p:nvPr>
+        </p:nvSpPr>
+        <p:spPr>
+          <a:xfrm>
+            <a:off x="198499" y="1246825"/>
+            <a:ext cx="8896435" cy="3765600"/>
+          </a:xfrm>
+        </p:spPr>
+        <p:txBody>
+          <a:bodyPr>
+            <a:normAutofit/>
+          </a:bodyPr>
+          <a:lstStyle/>
+          <a:p>
+            <a:r>
+              <a:rPr lang="en-US" sz="2000" dirty="0"/>
+              <a:t>What are the basic properties of hash functions?</a:t>
+            </a:r>
+          </a:p>
+          <a:p>
+            <a:pPr lvl="1"/>
+            <a:r>
+              <a:rPr lang="en-US" sz="1600" dirty="0"/>
+              <a:t>What is one way function? </a:t>
+            </a:r>
+          </a:p>
+          <a:p>
+            <a:pPr lvl="1"/>
+            <a:r>
+              <a:rPr lang="en-US" sz="1600" dirty="0"/>
+              <a:t>What is collision resistant? </a:t>
+            </a:r>
+          </a:p>
+          <a:p>
+            <a:endParaRPr lang="en-US" sz="2000" dirty="0"/>
+          </a:p>
+          <a:p>
+            <a:r>
+              <a:rPr lang="en-US" sz="2000" dirty="0"/>
+              <a:t>What can length extension attacks do?</a:t>
+            </a:r>
+          </a:p>
+          <a:p>
+            <a:pPr marL="114300" indent="0">
+              <a:buNone/>
+            </a:pPr>
+            <a:endParaRPr lang="en-US" sz="2000" dirty="0"/>
+          </a:p>
+          <a:p>
+            <a:r>
+              <a:rPr lang="en-US" sz="2000" dirty="0"/>
+              <a:t>Security</a:t>
+            </a:r>
+          </a:p>
+          <a:p>
+            <a:pPr lvl="1"/>
+            <a:r>
+              <a:rPr lang="en-US" sz="1600" dirty="0"/>
+              <a:t>Do hash provide integrity? </a:t>
+            </a:r>
+          </a:p>
+          <a:p>
+            <a:pPr lvl="1"/>
+            <a:r>
+              <a:rPr lang="en-US" sz="1600" dirty="0"/>
+              <a:t>How can we use hash for integrity? </a:t>
+            </a:r>
+          </a:p>
+          <a:p>
+            <a:pPr lvl="1"/>
+            <a:endParaRPr lang="en-US" sz="1600" dirty="0"/>
+          </a:p>
+        </p:txBody>
+      </p:sp>
+    </p:spTree>
+    <p:extLst>
+      <p:ext uri="{BB962C8B-B14F-4D97-AF65-F5344CB8AC3E}">
+        <p14:creationId xmlns:p14="http://schemas.microsoft.com/office/powerpoint/2010/main" val="2100061546"/>
+      </p:ext>
+    </p:extLst>
+  </p:cSld>
+  <p:clrMapOvr>
+    <a:masterClrMapping/>
+  </p:clrMapOvr>
+</p:sld>
+</file>
+
+<file path=ppt/slides/slide14.xml><?xml version="1.0" encoding="utf-8"?>
+<p:sld xmlns:a="http://schemas.openxmlformats.org/drawingml/2006/main" xmlns:r="http://schemas.openxmlformats.org/officeDocument/2006/relationships" xmlns:p="http://schemas.openxmlformats.org/presentationml/2006/main">
+  <p:cSld>
+    <p:spTree>
+      <p:nvGrpSpPr>
+        <p:cNvPr id="1" name=""/>
+        <p:cNvGrpSpPr/>
+        <p:nvPr/>
+      </p:nvGrpSpPr>
+      <p:grpSpPr>
+        <a:xfrm>
+          <a:off x="0" y="0"/>
+          <a:ext cx="0" cy="0"/>
+          <a:chOff x="0" y="0"/>
+          <a:chExt cx="0" cy="0"/>
+        </a:xfrm>
+      </p:grpSpPr>
+      <p:sp>
+        <p:nvSpPr>
+          <p:cNvPr id="2" name="object 2"/>
+          <p:cNvSpPr txBox="1">
+            <a:spLocks noGrp="1"/>
+          </p:cNvSpPr>
+          <p:nvPr>
+            <p:ph type="title"/>
+          </p:nvPr>
+        </p:nvSpPr>
+        <p:spPr>
+          <a:xfrm>
+            <a:off x="102700" y="270875"/>
+            <a:ext cx="8520600" cy="453810"/>
+          </a:xfrm>
+          <a:prstGeom prst="rect">
+            <a:avLst/>
+          </a:prstGeom>
+        </p:spPr>
+        <p:txBody>
+          <a:bodyPr spcFirstLastPara="1" vert="horz" wrap="square" lIns="0" tIns="10001" rIns="0" bIns="0" rtlCol="0" anchor="t" anchorCtr="0">
+            <a:spAutoFit/>
+          </a:bodyPr>
+          <a:lstStyle/>
+          <a:p>
+            <a:pPr marL="127000" lvl="0" algn="l" rtl="0">
+              <a:spcBef>
+                <a:spcPts val="0"/>
+              </a:spcBef>
+              <a:spcAft>
+                <a:spcPts val="0"/>
+              </a:spcAft>
+              <a:buSzPts val="1600"/>
+            </a:pPr>
+            <a:r>
+              <a:rPr lang="en" sz="2800" dirty="0"/>
+              <a:t>MAC</a:t>
+            </a:r>
+          </a:p>
+        </p:txBody>
+      </p:sp>
+      <p:sp>
+        <p:nvSpPr>
+          <p:cNvPr id="3" name="Text Placeholder 2">
+            <a:extLst>
+              <a:ext uri="{FF2B5EF4-FFF2-40B4-BE49-F238E27FC236}">
+                <a16:creationId xmlns:a16="http://schemas.microsoft.com/office/drawing/2014/main" id="{9264B1C0-E356-F9C2-13AE-AFE839B78196}"/>
+              </a:ext>
+            </a:extLst>
+          </p:cNvPr>
+          <p:cNvSpPr>
+            <a:spLocks noGrp="1"/>
+          </p:cNvSpPr>
+          <p:nvPr>
+            <p:ph type="body" idx="1"/>
+          </p:nvPr>
+        </p:nvSpPr>
+        <p:spPr>
+          <a:xfrm>
+            <a:off x="198499" y="1246825"/>
+            <a:ext cx="8896435" cy="3765600"/>
+          </a:xfrm>
+        </p:spPr>
+        <p:txBody>
+          <a:bodyPr>
+            <a:normAutofit lnSpcReduction="10000"/>
+          </a:bodyPr>
+          <a:lstStyle/>
+          <a:p>
+            <a:r>
+              <a:rPr lang="en-US" sz="2000" dirty="0"/>
+              <a:t>Why do we want MAC?</a:t>
+            </a:r>
+          </a:p>
+          <a:p>
+            <a:pPr lvl="1"/>
+            <a:r>
+              <a:rPr lang="en-US" sz="1600" dirty="0"/>
+              <a:t>Why is it different from hash? </a:t>
+            </a:r>
+          </a:p>
+          <a:p>
+            <a:endParaRPr lang="en-US" sz="2000" dirty="0"/>
+          </a:p>
+          <a:p>
+            <a:r>
+              <a:rPr lang="en-US" sz="2000" dirty="0"/>
+              <a:t>How does HMAC work? </a:t>
+            </a:r>
+          </a:p>
+          <a:p>
+            <a:pPr lvl="1"/>
+            <a:r>
+              <a:rPr lang="en-US" sz="1600" dirty="0"/>
+              <a:t>What are the inputs? </a:t>
+            </a:r>
+          </a:p>
+          <a:p>
+            <a:pPr marL="114300" indent="0">
+              <a:buNone/>
+            </a:pPr>
+            <a:endParaRPr lang="en-US" sz="2000" dirty="0"/>
+          </a:p>
+          <a:p>
+            <a:r>
+              <a:rPr lang="en-US" sz="2000" dirty="0"/>
+              <a:t>Security</a:t>
+            </a:r>
+          </a:p>
+          <a:p>
+            <a:pPr lvl="1"/>
+            <a:r>
+              <a:rPr lang="en-US" sz="1600" dirty="0"/>
+              <a:t>Do MACs provide integrity?</a:t>
+            </a:r>
+          </a:p>
+          <a:p>
+            <a:pPr lvl="1"/>
+            <a:r>
+              <a:rPr lang="en-US" sz="1600" dirty="0"/>
+              <a:t>Do MACs provide confidentiality? </a:t>
+            </a:r>
+          </a:p>
+          <a:p>
+            <a:pPr lvl="1"/>
+            <a:r>
+              <a:rPr lang="en-US" sz="1600" dirty="0"/>
+              <a:t>How do we get both confidentiality and integrity? </a:t>
+            </a:r>
+          </a:p>
+          <a:p>
+            <a:pPr lvl="2"/>
+            <a:r>
+              <a:rPr lang="en-US" sz="1600" dirty="0"/>
+              <a:t>What is Encrypt-then-MAC?</a:t>
+            </a:r>
+          </a:p>
+          <a:p>
+            <a:pPr lvl="2"/>
+            <a:r>
+              <a:rPr lang="en-US" sz="1600" dirty="0"/>
+              <a:t>What is MAC-then-encrypt?</a:t>
+            </a:r>
+          </a:p>
+        </p:txBody>
+      </p:sp>
+    </p:spTree>
+    <p:extLst>
+      <p:ext uri="{BB962C8B-B14F-4D97-AF65-F5344CB8AC3E}">
+        <p14:creationId xmlns:p14="http://schemas.microsoft.com/office/powerpoint/2010/main" val="2968475632"/>
+      </p:ext>
+    </p:extLst>
+  </p:cSld>
+  <p:clrMapOvr>
+    <a:masterClrMapping/>
+  </p:clrMapOvr>
+</p:sld>
+</file>
+
+<file path=ppt/slides/slide15.xml><?xml version="1.0" encoding="utf-8"?>
+<p:sld xmlns:a="http://schemas.openxmlformats.org/drawingml/2006/main" xmlns:r="http://schemas.openxmlformats.org/officeDocument/2006/relationships" xmlns:p="http://schemas.openxmlformats.org/presentationml/2006/main">
+  <p:cSld>
+    <p:spTree>
+      <p:nvGrpSpPr>
+        <p:cNvPr id="1" name=""/>
+        <p:cNvGrpSpPr/>
+        <p:nvPr/>
+      </p:nvGrpSpPr>
+      <p:grpSpPr>
+        <a:xfrm>
+          <a:off x="0" y="0"/>
+          <a:ext cx="0" cy="0"/>
+          <a:chOff x="0" y="0"/>
+          <a:chExt cx="0" cy="0"/>
+        </a:xfrm>
+      </p:grpSpPr>
+      <p:sp>
+        <p:nvSpPr>
+          <p:cNvPr id="2" name="object 2"/>
+          <p:cNvSpPr txBox="1">
+            <a:spLocks noGrp="1"/>
+          </p:cNvSpPr>
+          <p:nvPr>
+            <p:ph type="title"/>
+          </p:nvPr>
+        </p:nvSpPr>
+        <p:spPr>
+          <a:xfrm>
+            <a:off x="102700" y="270875"/>
+            <a:ext cx="8520600" cy="453810"/>
+          </a:xfrm>
+          <a:prstGeom prst="rect">
+            <a:avLst/>
+          </a:prstGeom>
+        </p:spPr>
+        <p:txBody>
+          <a:bodyPr spcFirstLastPara="1" vert="horz" wrap="square" lIns="0" tIns="10001" rIns="0" bIns="0" rtlCol="0" anchor="t" anchorCtr="0">
+            <a:spAutoFit/>
+          </a:bodyPr>
+          <a:lstStyle/>
+          <a:p>
+            <a:pPr marL="127000" lvl="0" algn="l" rtl="0">
+              <a:spcBef>
+                <a:spcPts val="0"/>
+              </a:spcBef>
+              <a:spcAft>
+                <a:spcPts val="0"/>
+              </a:spcAft>
+              <a:buSzPts val="1600"/>
+            </a:pPr>
+            <a:r>
+              <a:rPr lang="en" sz="2800" dirty="0"/>
+              <a:t>PRNG</a:t>
+            </a:r>
+          </a:p>
+        </p:txBody>
+      </p:sp>
+      <p:sp>
+        <p:nvSpPr>
+          <p:cNvPr id="3" name="Text Placeholder 2">
+            <a:extLst>
+              <a:ext uri="{FF2B5EF4-FFF2-40B4-BE49-F238E27FC236}">
+                <a16:creationId xmlns:a16="http://schemas.microsoft.com/office/drawing/2014/main" id="{9264B1C0-E356-F9C2-13AE-AFE839B78196}"/>
+              </a:ext>
+            </a:extLst>
+          </p:cNvPr>
+          <p:cNvSpPr>
+            <a:spLocks noGrp="1"/>
+          </p:cNvSpPr>
+          <p:nvPr>
+            <p:ph type="body" idx="1"/>
+          </p:nvPr>
+        </p:nvSpPr>
+        <p:spPr>
+          <a:xfrm>
+            <a:off x="198499" y="1246825"/>
+            <a:ext cx="8896435" cy="3765600"/>
+          </a:xfrm>
+        </p:spPr>
+        <p:txBody>
+          <a:bodyPr>
+            <a:normAutofit/>
+          </a:bodyPr>
+          <a:lstStyle/>
+          <a:p>
+            <a:r>
+              <a:rPr lang="en-US" sz="2000" dirty="0"/>
+              <a:t>Where do we need random numbers? </a:t>
+            </a:r>
+            <a:endParaRPr lang="en-US" sz="1600" dirty="0"/>
+          </a:p>
+          <a:p>
+            <a:endParaRPr lang="en-US" sz="2000" dirty="0"/>
+          </a:p>
+          <a:p>
+            <a:r>
+              <a:rPr lang="en-US" sz="2000" dirty="0"/>
+              <a:t>PRNG</a:t>
+            </a:r>
+          </a:p>
+          <a:p>
+            <a:pPr lvl="1"/>
+            <a:r>
+              <a:rPr lang="en-US" sz="1600" dirty="0"/>
+              <a:t>Why is it called Pseudorandom? </a:t>
+            </a:r>
+          </a:p>
+          <a:p>
+            <a:pPr lvl="1"/>
+            <a:r>
+              <a:rPr lang="en-US" sz="1600" dirty="0"/>
+              <a:t>What is rollback resistance? </a:t>
+            </a:r>
+          </a:p>
+          <a:p>
+            <a:pPr lvl="1"/>
+            <a:r>
+              <a:rPr lang="en-US" sz="1600" dirty="0"/>
+              <a:t>What can the attacker do if the PRNG is not rollback resistant?</a:t>
+            </a:r>
+          </a:p>
+        </p:txBody>
+      </p:sp>
+    </p:spTree>
+    <p:extLst>
+      <p:ext uri="{BB962C8B-B14F-4D97-AF65-F5344CB8AC3E}">
+        <p14:creationId xmlns:p14="http://schemas.microsoft.com/office/powerpoint/2010/main" val="3893940251"/>
+      </p:ext>
+    </p:extLst>
+  </p:cSld>
+  <p:clrMapOvr>
+    <a:masterClrMapping/>
+  </p:clrMapOvr>
+</p:sld>
+</file>
+
+<file path=ppt/slides/slide16.xml><?xml version="1.0" encoding="utf-8"?>
+<p:sld xmlns:a="http://schemas.openxmlformats.org/drawingml/2006/main" xmlns:r="http://schemas.openxmlformats.org/officeDocument/2006/relationships" xmlns:p="http://schemas.openxmlformats.org/presentationml/2006/main">
+  <p:cSld>
+    <p:spTree>
+      <p:nvGrpSpPr>
+        <p:cNvPr id="1" name=""/>
+        <p:cNvGrpSpPr/>
+        <p:nvPr/>
+      </p:nvGrpSpPr>
+      <p:grpSpPr>
+        <a:xfrm>
+          <a:off x="0" y="0"/>
+          <a:ext cx="0" cy="0"/>
+          <a:chOff x="0" y="0"/>
+          <a:chExt cx="0" cy="0"/>
+        </a:xfrm>
+      </p:grpSpPr>
+      <p:sp>
+        <p:nvSpPr>
+          <p:cNvPr id="2" name="object 2"/>
+          <p:cNvSpPr txBox="1">
+            <a:spLocks noGrp="1"/>
+          </p:cNvSpPr>
+          <p:nvPr>
+            <p:ph type="title"/>
+          </p:nvPr>
+        </p:nvSpPr>
+        <p:spPr>
+          <a:xfrm>
+            <a:off x="102700" y="270875"/>
+            <a:ext cx="8520600" cy="453810"/>
+          </a:xfrm>
+          <a:prstGeom prst="rect">
+            <a:avLst/>
+          </a:prstGeom>
+        </p:spPr>
+        <p:txBody>
+          <a:bodyPr spcFirstLastPara="1" vert="horz" wrap="square" lIns="0" tIns="10001" rIns="0" bIns="0" rtlCol="0" anchor="t" anchorCtr="0">
+            <a:spAutoFit/>
+          </a:bodyPr>
+          <a:lstStyle/>
+          <a:p>
+            <a:pPr marL="127000" lvl="0" algn="l" rtl="0">
+              <a:spcBef>
+                <a:spcPts val="0"/>
+              </a:spcBef>
+              <a:spcAft>
+                <a:spcPts val="0"/>
+              </a:spcAft>
+              <a:buSzPts val="1600"/>
+            </a:pPr>
+            <a:r>
+              <a:rPr lang="en" sz="2800" dirty="0"/>
+              <a:t>Diffie-Hellman Key Exchange</a:t>
+            </a:r>
+          </a:p>
+        </p:txBody>
+      </p:sp>
+      <p:sp>
+        <p:nvSpPr>
+          <p:cNvPr id="3" name="Text Placeholder 2">
+            <a:extLst>
+              <a:ext uri="{FF2B5EF4-FFF2-40B4-BE49-F238E27FC236}">
+                <a16:creationId xmlns:a16="http://schemas.microsoft.com/office/drawing/2014/main" id="{9264B1C0-E356-F9C2-13AE-AFE839B78196}"/>
+              </a:ext>
+            </a:extLst>
+          </p:cNvPr>
+          <p:cNvSpPr>
+            <a:spLocks noGrp="1"/>
+          </p:cNvSpPr>
+          <p:nvPr>
+            <p:ph type="body" idx="1"/>
+          </p:nvPr>
+        </p:nvSpPr>
+        <p:spPr>
+          <a:xfrm>
+            <a:off x="198499" y="1246825"/>
+            <a:ext cx="8896435" cy="3765600"/>
+          </a:xfrm>
+        </p:spPr>
+        <p:txBody>
+          <a:bodyPr>
+            <a:normAutofit/>
+          </a:bodyPr>
+          <a:lstStyle/>
+          <a:p>
+            <a:r>
+              <a:rPr lang="en-US" sz="2000" dirty="0"/>
+              <a:t>Why do we want it? </a:t>
+            </a:r>
+          </a:p>
+          <a:p>
+            <a:pPr marL="596900" lvl="1" indent="0">
+              <a:buNone/>
+            </a:pPr>
+            <a:endParaRPr lang="en-US" sz="1600" dirty="0"/>
+          </a:p>
+          <a:p>
+            <a:r>
+              <a:rPr lang="en-US" sz="2000" dirty="0"/>
+              <a:t>How does it work? </a:t>
+            </a:r>
+          </a:p>
+          <a:p>
+            <a:pPr lvl="1"/>
+            <a:r>
+              <a:rPr lang="en-US" sz="1600" dirty="0"/>
+              <a:t>What variables are public? What variables are private? </a:t>
+            </a:r>
+          </a:p>
+          <a:p>
+            <a:pPr lvl="1"/>
+            <a:r>
+              <a:rPr lang="en-US" sz="1600" dirty="0"/>
+              <a:t>What is the information being sent between Alice and Bob? Formula? </a:t>
+            </a:r>
+          </a:p>
+          <a:p>
+            <a:pPr lvl="1"/>
+            <a:r>
+              <a:rPr lang="en-US" sz="1600" dirty="0"/>
+              <a:t>What is the secret being shared? Formula? </a:t>
+            </a:r>
+          </a:p>
+          <a:p>
+            <a:pPr marL="114300" indent="0">
+              <a:buNone/>
+            </a:pPr>
+            <a:endParaRPr lang="en-US" sz="2000" dirty="0"/>
+          </a:p>
+          <a:p>
+            <a:r>
+              <a:rPr lang="en-US" sz="2000" dirty="0"/>
+              <a:t>Security</a:t>
+            </a:r>
+          </a:p>
+          <a:p>
+            <a:pPr lvl="1"/>
+            <a:r>
+              <a:rPr lang="en-US" sz="1600" dirty="0"/>
+              <a:t>What’s the security issue with it? </a:t>
+            </a:r>
+          </a:p>
+        </p:txBody>
+      </p:sp>
+    </p:spTree>
+    <p:extLst>
+      <p:ext uri="{BB962C8B-B14F-4D97-AF65-F5344CB8AC3E}">
+        <p14:creationId xmlns:p14="http://schemas.microsoft.com/office/powerpoint/2010/main" val="3918053538"/>
+      </p:ext>
+    </p:extLst>
+  </p:cSld>
+  <p:clrMapOvr>
+    <a:masterClrMapping/>
+  </p:clrMapOvr>
+</p:sld>
+</file>
+
+<file path=ppt/slides/slide17.xml><?xml version="1.0" encoding="utf-8"?>
+<p:sld xmlns:a="http://schemas.openxmlformats.org/drawingml/2006/main" xmlns:r="http://schemas.openxmlformats.org/officeDocument/2006/relationships" xmlns:p="http://schemas.openxmlformats.org/presentationml/2006/main">
+  <p:cSld>
+    <p:spTree>
+      <p:nvGrpSpPr>
+        <p:cNvPr id="1" name=""/>
+        <p:cNvGrpSpPr/>
+        <p:nvPr/>
+      </p:nvGrpSpPr>
+      <p:grpSpPr>
+        <a:xfrm>
+          <a:off x="0" y="0"/>
+          <a:ext cx="0" cy="0"/>
+          <a:chOff x="0" y="0"/>
+          <a:chExt cx="0" cy="0"/>
+        </a:xfrm>
+      </p:grpSpPr>
+      <p:sp>
+        <p:nvSpPr>
+          <p:cNvPr id="2" name="object 2"/>
+          <p:cNvSpPr txBox="1">
+            <a:spLocks noGrp="1"/>
+          </p:cNvSpPr>
+          <p:nvPr>
+            <p:ph type="title"/>
+          </p:nvPr>
+        </p:nvSpPr>
+        <p:spPr>
+          <a:xfrm>
+            <a:off x="102700" y="270875"/>
+            <a:ext cx="8520600" cy="453810"/>
+          </a:xfrm>
+          <a:prstGeom prst="rect">
+            <a:avLst/>
+          </a:prstGeom>
+        </p:spPr>
+        <p:txBody>
+          <a:bodyPr spcFirstLastPara="1" vert="horz" wrap="square" lIns="0" tIns="10001" rIns="0" bIns="0" rtlCol="0" anchor="t" anchorCtr="0">
+            <a:spAutoFit/>
+          </a:bodyPr>
+          <a:lstStyle/>
+          <a:p>
+            <a:pPr marL="127000" lvl="0" algn="l" rtl="0">
+              <a:spcBef>
+                <a:spcPts val="0"/>
+              </a:spcBef>
+              <a:spcAft>
+                <a:spcPts val="0"/>
+              </a:spcAft>
+              <a:buSzPts val="1600"/>
+            </a:pPr>
+            <a:r>
+              <a:rPr lang="en" sz="2800" dirty="0"/>
+              <a:t>Public-Key Encryption</a:t>
+            </a:r>
+          </a:p>
+        </p:txBody>
+      </p:sp>
+      <p:sp>
+        <p:nvSpPr>
+          <p:cNvPr id="3" name="Text Placeholder 2">
+            <a:extLst>
+              <a:ext uri="{FF2B5EF4-FFF2-40B4-BE49-F238E27FC236}">
+                <a16:creationId xmlns:a16="http://schemas.microsoft.com/office/drawing/2014/main" id="{9264B1C0-E356-F9C2-13AE-AFE839B78196}"/>
+              </a:ext>
+            </a:extLst>
+          </p:cNvPr>
+          <p:cNvSpPr>
+            <a:spLocks noGrp="1"/>
+          </p:cNvSpPr>
+          <p:nvPr>
+            <p:ph type="body" idx="1"/>
+          </p:nvPr>
+        </p:nvSpPr>
+        <p:spPr>
+          <a:xfrm>
+            <a:off x="198499" y="1246825"/>
+            <a:ext cx="8896435" cy="3765600"/>
+          </a:xfrm>
+        </p:spPr>
+        <p:txBody>
+          <a:bodyPr>
+            <a:normAutofit lnSpcReduction="10000"/>
+          </a:bodyPr>
+          <a:lstStyle/>
+          <a:p>
+            <a:r>
+              <a:rPr lang="en-US" sz="2000" dirty="0"/>
+              <a:t>Why do we want Asymmetric-key encryption? </a:t>
+            </a:r>
+          </a:p>
+          <a:p>
+            <a:pPr lvl="1"/>
+            <a:r>
+              <a:rPr lang="en-US" sz="1600" dirty="0"/>
+              <a:t>What are the major benefits? </a:t>
+            </a:r>
+          </a:p>
+          <a:p>
+            <a:pPr lvl="1"/>
+            <a:r>
+              <a:rPr lang="en-US" sz="1600" dirty="0"/>
+              <a:t>What is the major issue? </a:t>
+            </a:r>
+          </a:p>
+          <a:p>
+            <a:pPr marL="114300" indent="0">
+              <a:buNone/>
+            </a:pPr>
+            <a:endParaRPr lang="en-US" sz="2000" dirty="0"/>
+          </a:p>
+          <a:p>
+            <a:r>
+              <a:rPr lang="en-US" sz="2000" dirty="0"/>
+              <a:t>How does RSA encryption work?</a:t>
+            </a:r>
+          </a:p>
+          <a:p>
+            <a:pPr lvl="1"/>
+            <a:r>
+              <a:rPr lang="en-US" sz="1600" dirty="0"/>
+              <a:t>What variables are the public key? </a:t>
+            </a:r>
+          </a:p>
+          <a:p>
+            <a:pPr lvl="1"/>
+            <a:r>
+              <a:rPr lang="en-US" sz="1600" dirty="0"/>
+              <a:t>What variables are the private key?</a:t>
+            </a:r>
+          </a:p>
+          <a:p>
+            <a:pPr lvl="1"/>
+            <a:r>
+              <a:rPr lang="en-US" sz="1600" dirty="0"/>
+              <a:t>How do we do encryption? Formula?</a:t>
+            </a:r>
+          </a:p>
+          <a:p>
+            <a:pPr lvl="1"/>
+            <a:r>
+              <a:rPr lang="en-US" sz="1600" dirty="0"/>
+              <a:t>How do we do decryption? Formula? </a:t>
+            </a:r>
+          </a:p>
+          <a:p>
+            <a:pPr marL="114300" indent="0">
+              <a:buNone/>
+            </a:pPr>
+            <a:endParaRPr lang="en-US" sz="2000" dirty="0"/>
+          </a:p>
+          <a:p>
+            <a:r>
+              <a:rPr lang="en-US" sz="2000" dirty="0"/>
+              <a:t>Security</a:t>
+            </a:r>
+          </a:p>
+          <a:p>
+            <a:pPr lvl="1"/>
+            <a:r>
+              <a:rPr lang="en-US" sz="1600" dirty="0"/>
+              <a:t>Can it defend against MITM attack?</a:t>
+            </a:r>
+          </a:p>
+        </p:txBody>
+      </p:sp>
+    </p:spTree>
+    <p:extLst>
+      <p:ext uri="{BB962C8B-B14F-4D97-AF65-F5344CB8AC3E}">
+        <p14:creationId xmlns:p14="http://schemas.microsoft.com/office/powerpoint/2010/main" val="617013003"/>
+      </p:ext>
+    </p:extLst>
+  </p:cSld>
+  <p:clrMapOvr>
+    <a:masterClrMapping/>
+  </p:clrMapOvr>
+</p:sld>
+</file>
+
+<file path=ppt/slides/slide18.xml><?xml version="1.0" encoding="utf-8"?>
+<p:sld xmlns:a="http://schemas.openxmlformats.org/drawingml/2006/main" xmlns:r="http://schemas.openxmlformats.org/officeDocument/2006/relationships" xmlns:p="http://schemas.openxmlformats.org/presentationml/2006/main">
+  <p:cSld>
+    <p:spTree>
+      <p:nvGrpSpPr>
+        <p:cNvPr id="1" name=""/>
+        <p:cNvGrpSpPr/>
+        <p:nvPr/>
+      </p:nvGrpSpPr>
+      <p:grpSpPr>
+        <a:xfrm>
+          <a:off x="0" y="0"/>
+          <a:ext cx="0" cy="0"/>
+          <a:chOff x="0" y="0"/>
+          <a:chExt cx="0" cy="0"/>
+        </a:xfrm>
+      </p:grpSpPr>
+      <p:sp>
+        <p:nvSpPr>
+          <p:cNvPr id="2" name="object 2"/>
+          <p:cNvSpPr txBox="1">
+            <a:spLocks noGrp="1"/>
+          </p:cNvSpPr>
+          <p:nvPr>
+            <p:ph type="title"/>
+          </p:nvPr>
+        </p:nvSpPr>
+        <p:spPr>
+          <a:xfrm>
+            <a:off x="102700" y="270875"/>
+            <a:ext cx="8520600" cy="453810"/>
+          </a:xfrm>
+          <a:prstGeom prst="rect">
+            <a:avLst/>
+          </a:prstGeom>
+        </p:spPr>
+        <p:txBody>
+          <a:bodyPr spcFirstLastPara="1" vert="horz" wrap="square" lIns="0" tIns="10001" rIns="0" bIns="0" rtlCol="0" anchor="t" anchorCtr="0">
+            <a:spAutoFit/>
+          </a:bodyPr>
+          <a:lstStyle/>
+          <a:p>
+            <a:pPr marL="127000" lvl="0" algn="l" rtl="0">
+              <a:spcBef>
+                <a:spcPts val="0"/>
+              </a:spcBef>
+              <a:spcAft>
+                <a:spcPts val="0"/>
+              </a:spcAft>
+              <a:buSzPts val="1600"/>
+            </a:pPr>
+            <a:r>
+              <a:rPr lang="en" sz="2800" dirty="0"/>
+              <a:t>Digital Signature</a:t>
+            </a:r>
+          </a:p>
+        </p:txBody>
+      </p:sp>
+      <p:sp>
+        <p:nvSpPr>
+          <p:cNvPr id="3" name="Text Placeholder 2">
+            <a:extLst>
+              <a:ext uri="{FF2B5EF4-FFF2-40B4-BE49-F238E27FC236}">
+                <a16:creationId xmlns:a16="http://schemas.microsoft.com/office/drawing/2014/main" id="{9264B1C0-E356-F9C2-13AE-AFE839B78196}"/>
+              </a:ext>
+            </a:extLst>
+          </p:cNvPr>
+          <p:cNvSpPr>
+            <a:spLocks noGrp="1"/>
+          </p:cNvSpPr>
+          <p:nvPr>
+            <p:ph type="body" idx="1"/>
+          </p:nvPr>
+        </p:nvSpPr>
+        <p:spPr>
+          <a:xfrm>
+            <a:off x="198499" y="1246825"/>
+            <a:ext cx="8896435" cy="3765600"/>
+          </a:xfrm>
+        </p:spPr>
+        <p:txBody>
+          <a:bodyPr>
+            <a:normAutofit/>
+          </a:bodyPr>
+          <a:lstStyle/>
+          <a:p>
+            <a:r>
+              <a:rPr lang="en-US" sz="2000" dirty="0"/>
+              <a:t>Why do we need signature? </a:t>
+            </a:r>
+          </a:p>
+          <a:p>
+            <a:pPr lvl="1"/>
+            <a:r>
+              <a:rPr lang="en-US" sz="1600" dirty="0"/>
+              <a:t>What key is used for digital signature? </a:t>
+            </a:r>
+          </a:p>
+          <a:p>
+            <a:pPr lvl="1"/>
+            <a:r>
+              <a:rPr lang="en-US" sz="1600" dirty="0"/>
+              <a:t>Why do we sign the hash instead of the plaintext?</a:t>
+            </a:r>
+          </a:p>
+          <a:p>
+            <a:pPr marL="114300" indent="0">
+              <a:buNone/>
+            </a:pPr>
+            <a:endParaRPr lang="en-US" sz="2000" dirty="0"/>
+          </a:p>
+          <a:p>
+            <a:r>
+              <a:rPr lang="en-US" sz="2000" dirty="0"/>
+              <a:t>How does RSA signature work?</a:t>
+            </a:r>
+          </a:p>
+          <a:p>
+            <a:pPr lvl="1"/>
+            <a:r>
+              <a:rPr lang="en-US" sz="1600" dirty="0"/>
+              <a:t>How do we sign a message? Formula?</a:t>
+            </a:r>
+          </a:p>
+          <a:p>
+            <a:pPr lvl="1"/>
+            <a:r>
+              <a:rPr lang="en-US" sz="1600" dirty="0"/>
+              <a:t>How do we verify a signature? Formula? </a:t>
+            </a:r>
+          </a:p>
+          <a:p>
+            <a:pPr marL="114300" indent="0">
+              <a:buNone/>
+            </a:pPr>
+            <a:endParaRPr lang="en-US" sz="2000" dirty="0"/>
+          </a:p>
+          <a:p>
+            <a:r>
+              <a:rPr lang="en-US" sz="2000" dirty="0"/>
+              <a:t>Security</a:t>
+            </a:r>
+          </a:p>
+          <a:p>
+            <a:pPr lvl="1"/>
+            <a:r>
+              <a:rPr lang="en-US" sz="1600" dirty="0"/>
+              <a:t>How can we combine public-key encryption and digital signature?</a:t>
+            </a:r>
+          </a:p>
+          <a:p>
+            <a:pPr lvl="1"/>
+            <a:r>
+              <a:rPr lang="en-US" sz="1600" dirty="0"/>
+              <a:t>Can we provide confidentiality and integrity together?</a:t>
+            </a:r>
+          </a:p>
+        </p:txBody>
+      </p:sp>
+    </p:spTree>
+    <p:extLst>
+      <p:ext uri="{BB962C8B-B14F-4D97-AF65-F5344CB8AC3E}">
+        <p14:creationId xmlns:p14="http://schemas.microsoft.com/office/powerpoint/2010/main" val="590031376"/>
+      </p:ext>
+    </p:extLst>
+  </p:cSld>
+  <p:clrMapOvr>
+    <a:masterClrMapping/>
+  </p:clrMapOvr>
+</p:sld>
+</file>
+
+<file path=ppt/slides/slide19.xml><?xml version="1.0" encoding="utf-8"?>
+<p:sld xmlns:a="http://schemas.openxmlformats.org/drawingml/2006/main" xmlns:r="http://schemas.openxmlformats.org/officeDocument/2006/relationships" xmlns:p="http://schemas.openxmlformats.org/presentationml/2006/main">
+  <p:cSld>
+    <p:spTree>
+      <p:nvGrpSpPr>
+        <p:cNvPr id="1" name=""/>
+        <p:cNvGrpSpPr/>
+        <p:nvPr/>
+      </p:nvGrpSpPr>
+      <p:grpSpPr>
+        <a:xfrm>
+          <a:off x="0" y="0"/>
+          <a:ext cx="0" cy="0"/>
+          <a:chOff x="0" y="0"/>
+          <a:chExt cx="0" cy="0"/>
+        </a:xfrm>
+      </p:grpSpPr>
+      <p:sp>
+        <p:nvSpPr>
+          <p:cNvPr id="2" name="object 2"/>
+          <p:cNvSpPr txBox="1">
+            <a:spLocks noGrp="1"/>
+          </p:cNvSpPr>
+          <p:nvPr>
+            <p:ph type="title"/>
+          </p:nvPr>
+        </p:nvSpPr>
+        <p:spPr>
+          <a:xfrm>
+            <a:off x="102700" y="270875"/>
+            <a:ext cx="8520600" cy="453810"/>
+          </a:xfrm>
+          <a:prstGeom prst="rect">
+            <a:avLst/>
+          </a:prstGeom>
+        </p:spPr>
+        <p:txBody>
+          <a:bodyPr spcFirstLastPara="1" vert="horz" wrap="square" lIns="0" tIns="10001" rIns="0" bIns="0" rtlCol="0" anchor="t" anchorCtr="0">
+            <a:spAutoFit/>
+          </a:bodyPr>
+          <a:lstStyle/>
+          <a:p>
+            <a:pPr marL="127000" lvl="0" algn="l" rtl="0">
+              <a:spcBef>
+                <a:spcPts val="0"/>
+              </a:spcBef>
+              <a:spcAft>
+                <a:spcPts val="0"/>
+              </a:spcAft>
+              <a:buSzPts val="1600"/>
+            </a:pPr>
+            <a:r>
+              <a:rPr lang="en" sz="2800" dirty="0"/>
+              <a:t>Certificate</a:t>
+            </a:r>
+          </a:p>
+        </p:txBody>
+      </p:sp>
+      <p:sp>
+        <p:nvSpPr>
+          <p:cNvPr id="3" name="Text Placeholder 2">
+            <a:extLst>
+              <a:ext uri="{FF2B5EF4-FFF2-40B4-BE49-F238E27FC236}">
+                <a16:creationId xmlns:a16="http://schemas.microsoft.com/office/drawing/2014/main" id="{9264B1C0-E356-F9C2-13AE-AFE839B78196}"/>
+              </a:ext>
+            </a:extLst>
+          </p:cNvPr>
+          <p:cNvSpPr>
+            <a:spLocks noGrp="1"/>
+          </p:cNvSpPr>
+          <p:nvPr>
+            <p:ph type="body" idx="1"/>
+          </p:nvPr>
+        </p:nvSpPr>
+        <p:spPr>
+          <a:xfrm>
+            <a:off x="198499" y="1246825"/>
+            <a:ext cx="8896435" cy="3765600"/>
+          </a:xfrm>
+        </p:spPr>
+        <p:txBody>
+          <a:bodyPr>
+            <a:normAutofit/>
+          </a:bodyPr>
+          <a:lstStyle/>
+          <a:p>
+            <a:r>
+              <a:rPr lang="en-US" sz="2000" dirty="0"/>
+              <a:t>Why do we need certificate? </a:t>
+            </a:r>
+          </a:p>
+          <a:p>
+            <a:pPr marL="114300" indent="0">
+              <a:buNone/>
+            </a:pPr>
+            <a:endParaRPr lang="en-US" sz="2000" dirty="0"/>
+          </a:p>
+          <a:p>
+            <a:r>
+              <a:rPr lang="en-US" sz="2000" dirty="0"/>
+              <a:t>What does a certificate contain? </a:t>
+            </a:r>
+            <a:endParaRPr lang="en-US" sz="1600" dirty="0"/>
+          </a:p>
+          <a:p>
+            <a:pPr marL="114300" indent="0">
+              <a:buNone/>
+            </a:pPr>
+            <a:endParaRPr lang="en-US" sz="2000" dirty="0"/>
+          </a:p>
+          <a:p>
+            <a:r>
+              <a:rPr lang="en-US" sz="2000" dirty="0"/>
+              <a:t>What are Certificate Authorities? </a:t>
+            </a:r>
+          </a:p>
+          <a:p>
+            <a:pPr lvl="1"/>
+            <a:r>
+              <a:rPr lang="en-US" sz="1600" dirty="0"/>
+              <a:t>Why do we need them? </a:t>
+            </a:r>
+            <a:endParaRPr lang="en-US" sz="1200" dirty="0"/>
+          </a:p>
+        </p:txBody>
+      </p:sp>
+    </p:spTree>
+    <p:extLst>
+      <p:ext uri="{BB962C8B-B14F-4D97-AF65-F5344CB8AC3E}">
+        <p14:creationId xmlns:p14="http://schemas.microsoft.com/office/powerpoint/2010/main" val="355868914"/>
       </p:ext>
     </p:extLst>
   </p:cSld>
@@ -5652,7 +9808,17 @@
             </a:pPr>
             <a:r>
               <a:rPr lang="en-US" dirty="0"/>
-              <a:t>Assignment #1 (Question 2)</a:t>
+              <a:t>Assignment #2 (</a:t>
+            </a:r>
+            <a:r>
+              <a:rPr lang="en-US" dirty="0">
+                <a:latin typeface="+mn-lt"/>
+              </a:rPr>
+              <a:t>Question 1</a:t>
+            </a:r>
+            <a:r>
+              <a:rPr lang="en-US" dirty="0"/>
+              <a:t>)</a:t>
             </a:r>
             <a:endParaRPr dirty="0"/>
           </a:p>
@@ -5681,129 +9847,56 @@
           </a:bodyPr>
           <a:lstStyle/>
           <a:p>
-            <a:pPr marL="114300" indent="0">
+            <a:pPr>
               <a:lnSpc>
                 <a:spcPct val="120000"/>
               </a:lnSpc>
-              <a:buNone/>
               <a:tabLst>
                 <a:tab pos="180022" algn="l"/>
               </a:tabLst>
             </a:pPr>
             <a:r>
-              <a:rPr lang="en-US" dirty="0">
-                <a:latin typeface="+mn-lt"/>
-                <a:ea typeface="SimSun" panose="02010600030101010101" pitchFamily="2" charset="-122"/>
-              </a:rPr>
-              <a:t>D</a:t>
-            </a:r>
-            <a:r>
-              <a:rPr lang="en-US" dirty="0">
+              <a:rPr lang="en-US" sz="1800" dirty="0">
                 <a:effectLst/>
                 <a:latin typeface="+mn-lt"/>
                 <a:ea typeface="SimSun" panose="02010600030101010101" pitchFamily="2" charset="-122"/>
               </a:rPr>
-              <a:t>escribe one example in computer security to show that cryptography cannot solve all problems in security.  </a:t>
-            </a:r>
+              <a:t>The DES (Data Encryption Standard) was a symmetric encryption algorithm designed in 1976. It was the government standard until 2001. It has a block size of 64 bits, and key size of 56 bits. If Eve wants to brute-force attack DES, i.e., try all possible keys, how much time does Eve need? Assume that she can try 10</a:t>
+            </a:r>
+            <a:r>
+              <a:rPr lang="en-US" sz="1800" baseline="30000" dirty="0">
+                <a:effectLst/>
+                <a:latin typeface="+mn-lt"/>
+                <a:ea typeface="SimSun" panose="02010600030101010101" pitchFamily="2" charset="-122"/>
+              </a:rPr>
+              <a:t>10</a:t>
+            </a:r>
+            <a:r>
+              <a:rPr lang="en-US" sz="1800" dirty="0">
+                <a:effectLst/>
+                <a:latin typeface="+mn-lt"/>
+                <a:ea typeface="SimSun" panose="02010600030101010101" pitchFamily="2" charset="-122"/>
+              </a:rPr>
+              <a:t> keys per second with her personal computer. </a:t>
+            </a:r>
+            <a:endParaRPr lang="en-US" dirty="0">
+              <a:latin typeface="+mn-lt"/>
+            </a:endParaRPr>
           </a:p>
           <a:p>
             <a:pPr>
               <a:lnSpc>
                 <a:spcPct val="120000"/>
               </a:lnSpc>
-              <a:buFont typeface="Wingdings" pitchFamily="2" charset="2"/>
-              <a:buChar char="Ø"/>
               <a:tabLst>
                 <a:tab pos="180022" algn="l"/>
               </a:tabLst>
             </a:pPr>
-            <a:r>
-              <a:rPr lang="en-US" sz="1600" dirty="0">
-                <a:effectLst/>
-                <a:latin typeface="+mn-lt"/>
-                <a:ea typeface="SimSun" panose="02010600030101010101" pitchFamily="2" charset="-122"/>
-              </a:rPr>
-              <a:t>Cryptography can’t protect you against human errors</a:t>
-            </a:r>
-          </a:p>
-          <a:p>
-            <a:pPr marL="742950" marR="0" lvl="1" indent="-285750" algn="just">
-              <a:spcBef>
-                <a:spcPts val="0"/>
-              </a:spcBef>
-              <a:spcAft>
-                <a:spcPts val="0"/>
-              </a:spcAft>
-              <a:buFont typeface="+mj-lt"/>
-              <a:buAutoNum type="alphaLcPeriod"/>
-            </a:pPr>
-            <a:r>
-              <a:rPr lang="en-US" sz="1600" dirty="0">
-                <a:effectLst/>
-                <a:latin typeface="+mn-lt"/>
-                <a:ea typeface="SimSun" panose="02010600030101010101" pitchFamily="2" charset="-122"/>
-              </a:rPr>
-              <a:t>Social engineering is one of the easy one, e.g., steal your passcode by making friends with you. </a:t>
-            </a:r>
-          </a:p>
-          <a:p>
-            <a:pPr marL="742950" marR="0" lvl="1" indent="-285750" algn="just">
-              <a:spcBef>
-                <a:spcPts val="0"/>
-              </a:spcBef>
-              <a:spcAft>
-                <a:spcPts val="0"/>
-              </a:spcAft>
-              <a:buFont typeface="+mj-lt"/>
-              <a:buAutoNum type="alphaLcPeriod"/>
-            </a:pPr>
-            <a:r>
-              <a:rPr lang="en-US" sz="1600" dirty="0">
-                <a:effectLst/>
-                <a:latin typeface="+mn-lt"/>
-                <a:ea typeface="SimSun" panose="02010600030101010101" pitchFamily="2" charset="-122"/>
-              </a:rPr>
-              <a:t>If you leave your computer unlocked when you go to the bathroom or to get a cup of coffee, somebody can use your computer and do things with your private keys.</a:t>
-            </a:r>
-          </a:p>
-          <a:p>
-            <a:pPr>
-              <a:lnSpc>
-                <a:spcPct val="120000"/>
-              </a:lnSpc>
-              <a:buFont typeface="Wingdings" pitchFamily="2" charset="2"/>
-              <a:buChar char="Ø"/>
-              <a:tabLst>
-                <a:tab pos="180022" algn="l"/>
-              </a:tabLst>
-            </a:pPr>
-            <a:r>
-              <a:rPr lang="en-US" sz="1600" dirty="0">
-                <a:latin typeface="+mn-lt"/>
-                <a:ea typeface="SimSun" panose="02010600030101010101" pitchFamily="2" charset="-122"/>
-              </a:rPr>
-              <a:t>Cryptography can’t protect against most denial-of-service attacks</a:t>
-            </a:r>
-          </a:p>
-          <a:p>
-            <a:pPr marL="742950" marR="0" lvl="1" indent="-285750" algn="just">
-              <a:spcBef>
-                <a:spcPts val="0"/>
-              </a:spcBef>
-              <a:spcAft>
-                <a:spcPts val="0"/>
-              </a:spcAft>
-              <a:buFont typeface="+mj-lt"/>
-              <a:buAutoNum type="alphaLcPeriod"/>
-            </a:pPr>
-            <a:r>
-              <a:rPr lang="en-US" sz="1600" dirty="0">
-                <a:effectLst/>
-                <a:latin typeface="+mn-lt"/>
-                <a:ea typeface="SimSun" panose="02010600030101010101" pitchFamily="2" charset="-122"/>
-              </a:rPr>
-              <a:t> Cryptography cannot provide availability in general.</a:t>
-            </a:r>
+            <a:endParaRPr lang="en-US" dirty="0">
+              <a:effectLst/>
+              <a:latin typeface="+mn-lt"/>
+              <a:ea typeface="SimSun" panose="02010600030101010101" pitchFamily="2" charset="-122"/>
+            </a:endParaRPr>
           </a:p>
           <a:p>
             <a:pPr lvl="0">
@@ -5817,36 +9910,170 @@
               </a:tabLst>
             </a:pPr>
             <a:r>
-              <a:rPr lang="en-US" sz="1600" dirty="0">
-                <a:latin typeface="+mn-lt"/>
-                <a:ea typeface="SimSun" panose="02010600030101010101" pitchFamily="2" charset="-122"/>
-              </a:rPr>
-              <a:t>Cryptography can’t protect against stolen encryption keys</a:t>
-            </a:r>
-          </a:p>
-          <a:p>
-            <a:pPr marL="742950" marR="0" lvl="1" indent="-285750" algn="just">
-              <a:spcBef>
-                <a:spcPts val="0"/>
-              </a:spcBef>
-              <a:spcAft>
-                <a:spcPts val="0"/>
-              </a:spcAft>
-              <a:buFont typeface="+mj-lt"/>
-              <a:buAutoNum type="alphaLcPeriod"/>
-            </a:pPr>
-            <a:r>
-              <a:rPr lang="en-US" sz="1600" dirty="0">
+              <a:rPr lang="en-US" sz="1800" dirty="0">
                 <a:effectLst/>
                 <a:latin typeface="+mn-lt"/>
                 <a:ea typeface="SimSun" panose="02010600030101010101" pitchFamily="2" charset="-122"/>
               </a:rPr>
-              <a:t>The problem of information flow control: cryptography cannot prevent a party authorized to view information from improperly disclosing that information.</a:t>
-            </a:r>
+              <a:t>Eve needs to try 2</a:t>
+            </a:r>
+            <a:r>
+              <a:rPr lang="en-US" sz="1800" baseline="30000" dirty="0">
+                <a:effectLst/>
+                <a:latin typeface="+mn-lt"/>
+                <a:ea typeface="SimSun" panose="02010600030101010101" pitchFamily="2" charset="-122"/>
+              </a:rPr>
+              <a:t>56</a:t>
+            </a:r>
+            <a:r>
+              <a:rPr lang="en-US" sz="1800" dirty="0">
+                <a:effectLst/>
+                <a:latin typeface="+mn-lt"/>
+                <a:ea typeface="SimSun" panose="02010600030101010101" pitchFamily="2" charset="-122"/>
+              </a:rPr>
+              <a:t> = 2</a:t>
+            </a:r>
+            <a:r>
+              <a:rPr lang="en-US" sz="1800" baseline="30000" dirty="0">
+                <a:effectLst/>
+                <a:latin typeface="+mn-lt"/>
+                <a:ea typeface="SimSun" panose="02010600030101010101" pitchFamily="2" charset="-122"/>
+              </a:rPr>
+              <a:t>(10×5.6)</a:t>
+            </a:r>
+            <a:r>
+              <a:rPr lang="en-US" sz="1800" dirty="0">
+                <a:effectLst/>
+                <a:latin typeface="+mn-lt"/>
+                <a:ea typeface="SimSun" panose="02010600030101010101" pitchFamily="2" charset="-122"/>
+              </a:rPr>
+              <a:t>=10</a:t>
+            </a:r>
+            <a:r>
+              <a:rPr lang="en-US" sz="1800" baseline="30000" dirty="0">
+                <a:effectLst/>
+                <a:latin typeface="+mn-lt"/>
+                <a:ea typeface="SimSun" panose="02010600030101010101" pitchFamily="2" charset="-122"/>
+              </a:rPr>
+              <a:t>(3×5.6)</a:t>
+            </a:r>
+            <a:r>
+              <a:rPr lang="en-US" sz="1800" dirty="0">
+                <a:effectLst/>
+                <a:latin typeface="+mn-lt"/>
+                <a:ea typeface="SimSun" panose="02010600030101010101" pitchFamily="2" charset="-122"/>
+              </a:rPr>
+              <a:t>=10</a:t>
+            </a:r>
+            <a:r>
+              <a:rPr lang="en-US" sz="1800" baseline="30000" dirty="0">
+                <a:effectLst/>
+                <a:latin typeface="+mn-lt"/>
+                <a:ea typeface="SimSun" panose="02010600030101010101" pitchFamily="2" charset="-122"/>
+              </a:rPr>
+              <a:t>(16.8)</a:t>
+            </a:r>
+            <a:r>
+              <a:rPr lang="en-US" sz="1800" dirty="0">
+                <a:effectLst/>
+                <a:latin typeface="+mn-lt"/>
+                <a:ea typeface="SimSun" panose="02010600030101010101" pitchFamily="2" charset="-122"/>
+              </a:rPr>
+              <a:t> = 6.3×10</a:t>
+            </a:r>
+            <a:r>
+              <a:rPr lang="en-US" sz="1800" baseline="30000" dirty="0">
+                <a:effectLst/>
+                <a:latin typeface="+mn-lt"/>
+                <a:ea typeface="SimSun" panose="02010600030101010101" pitchFamily="2" charset="-122"/>
+              </a:rPr>
+              <a:t>16</a:t>
+            </a:r>
+            <a:r>
+              <a:rPr lang="en-US" sz="1800" dirty="0">
+                <a:effectLst/>
+                <a:latin typeface="+mn-lt"/>
+                <a:ea typeface="SimSun" panose="02010600030101010101" pitchFamily="2" charset="-122"/>
+              </a:rPr>
+              <a:t> keys. The needed time is 6.3×10</a:t>
+            </a:r>
+            <a:r>
+              <a:rPr lang="en-US" sz="1800" baseline="30000" dirty="0">
+                <a:effectLst/>
+                <a:latin typeface="+mn-lt"/>
+                <a:ea typeface="SimSun" panose="02010600030101010101" pitchFamily="2" charset="-122"/>
+              </a:rPr>
+              <a:t>16</a:t>
+            </a:r>
+            <a:r>
+              <a:rPr lang="en-US" sz="1800" dirty="0">
+                <a:effectLst/>
+                <a:latin typeface="+mn-lt"/>
+                <a:ea typeface="SimSun" panose="02010600030101010101" pitchFamily="2" charset="-122"/>
+              </a:rPr>
+              <a:t> / (10</a:t>
+            </a:r>
+            <a:r>
+              <a:rPr lang="en-US" sz="1800" baseline="30000" dirty="0">
+                <a:effectLst/>
+                <a:latin typeface="+mn-lt"/>
+                <a:ea typeface="SimSun" panose="02010600030101010101" pitchFamily="2" charset="-122"/>
+              </a:rPr>
+              <a:t>10</a:t>
+            </a:r>
+            <a:r>
+              <a:rPr lang="en-US" sz="1800" dirty="0">
+                <a:effectLst/>
+                <a:latin typeface="+mn-lt"/>
+                <a:ea typeface="SimSun" panose="02010600030101010101" pitchFamily="2" charset="-122"/>
+              </a:rPr>
+              <a:t>)= 6.3×10</a:t>
+            </a:r>
+            <a:r>
+              <a:rPr lang="en-US" sz="1800" baseline="30000" dirty="0">
+                <a:effectLst/>
+                <a:latin typeface="+mn-lt"/>
+                <a:ea typeface="SimSun" panose="02010600030101010101" pitchFamily="2" charset="-122"/>
+              </a:rPr>
+              <a:t>6</a:t>
+            </a:r>
+            <a:r>
+              <a:rPr lang="en-US" sz="1800" dirty="0">
+                <a:effectLst/>
+                <a:latin typeface="+mn-lt"/>
+                <a:ea typeface="SimSun" panose="02010600030101010101" pitchFamily="2" charset="-122"/>
+              </a:rPr>
+              <a:t> seconds, roughly 73 days. </a:t>
+            </a:r>
+            <a:endParaRPr lang="en-US" sz="1600" dirty="0">
+              <a:latin typeface="+mn-lt"/>
+              <a:ea typeface="SimSun" panose="02010600030101010101" pitchFamily="2" charset="-122"/>
+            </a:endParaRPr>
+          </a:p>
+          <a:p>
+            <a:pPr lvl="0">
+              <a:lnSpc>
+                <a:spcPct val="120000"/>
+              </a:lnSpc>
+              <a:buFont typeface="Wingdings" pitchFamily="2" charset="2"/>
+              <a:buChar char="Ø"/>
+              <a:tabLst>
+                <a:tab pos="180022" algn="l"/>
+              </a:tabLst>
+            </a:pPr>
+            <a:endParaRPr lang="en-US" sz="1600" dirty="0">
+              <a:latin typeface="+mn-lt"/>
+              <a:ea typeface="SimSun" panose="02010600030101010101" pitchFamily="2" charset="-122"/>
+            </a:endParaRPr>
           </a:p>
         </p:txBody>
       </p:sp>
     </p:spTree>
+    <p:extLst>
+      <p:ext uri="{BB962C8B-B14F-4D97-AF65-F5344CB8AC3E}">
+        <p14:creationId xmlns:p14="http://schemas.microsoft.com/office/powerpoint/2010/main" val="1430390565"/>
+      </p:ext>
+    </p:extLst>
   </p:cSld>
   <p:clrMapOvr>
     <a:masterClrMapping/>
@@ -5909,7 +10136,7 @@
               <a:rPr lang="en-US" dirty="0">
                 <a:latin typeface="+mn-lt"/>
               </a:rPr>
-              <a:t>Question 1</a:t>
+              <a:t>Question 2</a:t>
             </a:r>
             <a:r>
               <a:rPr lang="en-US" dirty="0"/>
@@ -5935,20 +10162,29 @@
             <p:ph type="body" idx="1"/>
           </p:nvPr>
         </p:nvSpPr>
-        <p:spPr/>
+        <p:spPr>
+          <a:xfrm>
+            <a:off x="171450" y="3352800"/>
+            <a:ext cx="8451850" cy="1651000"/>
+          </a:xfrm>
+        </p:spPr>
         <p:txBody>
           <a:bodyPr>
-            <a:normAutofit/>
+            <a:normAutofit fontScale="92500" lnSpcReduction="10000"/>
           </a:bodyPr>
           <a:lstStyle/>
           <a:p>
-            <a:pPr>
+            <a:pPr marL="0" marR="0" indent="0" algn="just">
               <a:lnSpc>
-                <a:spcPct val="120000"/>
+                <a:spcPct val="115000"/>
               </a:lnSpc>
-              <a:tabLst>
-                <a:tab pos="180022" algn="l"/>
-              </a:tabLst>
+              <a:spcBef>
+                <a:spcPts val="0"/>
+              </a:spcBef>
+              <a:spcAft>
+                <a:spcPts val="0"/>
+              </a:spcAft>
+              <a:buNone/>
             </a:pPr>
             <a:r>
               <a:rPr lang="en-US" sz="1800" dirty="0">
@@ -5956,15 +10192,15 @@
                 <a:latin typeface="+mn-lt"/>
                 <a:ea typeface="SimSun" panose="02010600030101010101" pitchFamily="2" charset="-122"/>
               </a:rPr>
-              <a:t>The DES (Data Encryption Standard) was a symmetric encryption algorithm designed in 1976. It was the government standard until 2001. It has a block size of 64 bits, and key size of 56 bits. If Eve wants to brute-force attack DES, i.e., try all possible keys, how much time does Eve need? Assume that she can try 10</a:t>
-            </a:r>
-            <a:r>
-              <a:rPr lang="en-US" sz="1800" baseline="30000" dirty="0">
+              <a:t>Q 2.1 and 2.2: Eve can trick Alice to encrypt M</a:t>
+            </a:r>
+            <a:r>
+              <a:rPr lang="en-US" sz="1800" baseline="-25000" dirty="0">
                 <a:effectLst/>
                 <a:latin typeface="+mn-lt"/>
                 <a:ea typeface="SimSun" panose="02010600030101010101" pitchFamily="2" charset="-122"/>
               </a:rPr>
-              <a:t>10</a:t>
+              <a:t>0</a:t>
             </a:r>
             <a:r>
               <a:rPr lang="en-US" sz="1800" dirty="0">
@@ -5972,85 +10208,75 @@
                 <a:latin typeface="+mn-lt"/>
                 <a:ea typeface="SimSun" panose="02010600030101010101" pitchFamily="2" charset="-122"/>
               </a:rPr>
-              <a:t> keys per second with her personal computer. </a:t>
-            </a:r>
-            <a:endParaRPr lang="en-US" dirty="0">
-              <a:latin typeface="+mn-lt"/>
-            </a:endParaRPr>
-          </a:p>
-          <a:p>
-            <a:pPr>
-              <a:lnSpc>
-                <a:spcPct val="120000"/>
-              </a:lnSpc>
-              <a:tabLst>
-                <a:tab pos="180022" algn="l"/>
-              </a:tabLst>
-            </a:pPr>
-            <a:endParaRPr lang="en-US" dirty="0">
-              <a:effectLst/>
-              <a:latin typeface="+mn-lt"/>
-              <a:ea typeface="SimSun" panose="02010600030101010101" pitchFamily="2" charset="-122"/>
-            </a:endParaRPr>
-          </a:p>
-          <a:p>
-            <a:pPr lvl="0">
-              <a:lnSpc>
-                <a:spcPct val="120000"/>
-              </a:lnSpc>
-              <a:buFont typeface="Wingdings" pitchFamily="2" charset="2"/>
-              <a:buChar char="Ø"/>
-              <a:tabLst>
-                <a:tab pos="180022" algn="l"/>
-              </a:tabLst>
-            </a:pPr>
+              <a:t>, if the return ciphertext C</a:t>
+            </a:r>
+            <a:r>
+              <a:rPr lang="en-US" sz="1800" baseline="-25000" dirty="0">
+                <a:effectLst/>
+                <a:latin typeface="+mn-lt"/>
+                <a:ea typeface="SimSun" panose="02010600030101010101" pitchFamily="2" charset="-122"/>
+              </a:rPr>
+              <a:t>0 </a:t>
+            </a:r>
             <a:r>
               <a:rPr lang="en-US" sz="1800" dirty="0">
                 <a:effectLst/>
                 <a:latin typeface="+mn-lt"/>
                 <a:ea typeface="SimSun" panose="02010600030101010101" pitchFamily="2" charset="-122"/>
               </a:rPr>
-              <a:t>Eve needs to try 2</a:t>
-            </a:r>
-            <a:r>
-              <a:rPr lang="en-US" sz="1800" baseline="30000" dirty="0">
-                <a:effectLst/>
-                <a:latin typeface="+mn-lt"/>
-                <a:ea typeface="SimSun" panose="02010600030101010101" pitchFamily="2" charset="-122"/>
-              </a:rPr>
-              <a:t>56</a:t>
-            </a:r>
+              <a:t>is the same as C, then the b = 0, otherwise, b = 1. </a:t>
+            </a:r>
+          </a:p>
+          <a:p>
+            <a:pPr marL="0" marR="0" indent="0" algn="just">
+              <a:lnSpc>
+                <a:spcPct val="115000"/>
+              </a:lnSpc>
+              <a:spcBef>
+                <a:spcPts val="0"/>
+              </a:spcBef>
+              <a:spcAft>
+                <a:spcPts val="0"/>
+              </a:spcAft>
+              <a:buNone/>
+            </a:pPr>
             <a:r>
               <a:rPr lang="en-US" sz="1800" dirty="0">
                 <a:effectLst/>
                 <a:latin typeface="+mn-lt"/>
                 <a:ea typeface="SimSun" panose="02010600030101010101" pitchFamily="2" charset="-122"/>
               </a:rPr>
-              <a:t> = 2</a:t>
-            </a:r>
-            <a:r>
-              <a:rPr lang="en-US" sz="1800" baseline="30000" dirty="0">
-                <a:effectLst/>
-                <a:latin typeface="+mn-lt"/>
-                <a:ea typeface="SimSun" panose="02010600030101010101" pitchFamily="2" charset="-122"/>
-              </a:rPr>
-              <a:t>(10×5.6)</a:t>
-            </a:r>
+              <a:t> </a:t>
+            </a:r>
+          </a:p>
+          <a:p>
+            <a:pPr marL="0" marR="0" indent="0" algn="just">
+              <a:lnSpc>
+                <a:spcPct val="115000"/>
+              </a:lnSpc>
+              <a:spcBef>
+                <a:spcPts val="0"/>
+              </a:spcBef>
+              <a:spcAft>
+                <a:spcPts val="0"/>
+              </a:spcAft>
+              <a:buNone/>
+            </a:pPr>
             <a:r>
               <a:rPr lang="en-US" sz="1800" dirty="0">
                 <a:effectLst/>
                 <a:latin typeface="+mn-lt"/>
                 <a:ea typeface="SimSun" panose="02010600030101010101" pitchFamily="2" charset="-122"/>
               </a:rPr>
-              <a:t>=10</a:t>
-            </a:r>
-            <a:r>
-              <a:rPr lang="en-US" sz="1800" baseline="30000" dirty="0">
+              <a:t>Q 2.3: Eve can trick Alice to encrypt a message that is all 0, the return ciphertext C</a:t>
+            </a:r>
+            <a:r>
+              <a:rPr lang="en-US" sz="1800" baseline="-25000" dirty="0">
                 <a:effectLst/>
                 <a:latin typeface="+mn-lt"/>
                 <a:ea typeface="SimSun" panose="02010600030101010101" pitchFamily="2" charset="-122"/>
               </a:rPr>
-              <a:t>(3×5.6)</a:t>
+              <a:t>0 </a:t>
             </a:r>
             <a:r>
               <a:rPr lang="en-US" sz="1800" dirty="0">
@@ -6058,115 +10284,45 @@
                 <a:latin typeface="+mn-lt"/>
                 <a:ea typeface="SimSun" panose="02010600030101010101" pitchFamily="2" charset="-122"/>
               </a:rPr>
-              <a:t>=10</a:t>
-            </a:r>
-            <a:r>
-              <a:rPr lang="en-US" sz="1800" baseline="30000" dirty="0">
-                <a:effectLst/>
-                <a:latin typeface="+mn-lt"/>
-                <a:ea typeface="SimSun" panose="02010600030101010101" pitchFamily="2" charset="-122"/>
-              </a:rPr>
-              <a:t>(16.8)</a:t>
-            </a:r>
-            <a:r>
-              <a:rPr lang="en-US" sz="1800" dirty="0">
-                <a:effectLst/>
-                <a:latin typeface="+mn-lt"/>
-                <a:ea typeface="SimSun" panose="02010600030101010101" pitchFamily="2" charset="-122"/>
-              </a:rPr>
-              <a:t> = 6.3×10</a:t>
-            </a:r>
-            <a:r>
-              <a:rPr lang="en-US" sz="1800" baseline="30000" dirty="0">
-                <a:effectLst/>
-                <a:latin typeface="+mn-lt"/>
-                <a:ea typeface="SimSun" panose="02010600030101010101" pitchFamily="2" charset="-122"/>
-              </a:rPr>
-              <a:t>16</a:t>
-            </a:r>
-            <a:r>
-              <a:rPr lang="en-US" sz="1800" dirty="0">
-                <a:effectLst/>
-                <a:latin typeface="+mn-lt"/>
-                <a:ea typeface="SimSun" panose="02010600030101010101" pitchFamily="2" charset="-122"/>
-              </a:rPr>
-              <a:t> keys. The needed time is 6.3×10</a:t>
-            </a:r>
-            <a:r>
-              <a:rPr lang="en-US" sz="1800" baseline="30000" dirty="0">
-                <a:effectLst/>
-                <a:latin typeface="+mn-lt"/>
-                <a:ea typeface="SimSun" panose="02010600030101010101" pitchFamily="2" charset="-122"/>
-              </a:rPr>
-              <a:t>16</a:t>
-            </a:r>
-            <a:r>
-              <a:rPr lang="en-US" sz="1800" dirty="0">
-                <a:effectLst/>
-                <a:latin typeface="+mn-lt"/>
-                <a:ea typeface="SimSun" panose="02010600030101010101" pitchFamily="2" charset="-122"/>
-              </a:rPr>
-              <a:t> / (10</a:t>
-            </a:r>
-            <a:r>
-              <a:rPr lang="en-US" sz="1800" baseline="30000" dirty="0">
-                <a:effectLst/>
-                <a:latin typeface="+mn-lt"/>
-                <a:ea typeface="SimSun" panose="02010600030101010101" pitchFamily="2" charset="-122"/>
-              </a:rPr>
-              <a:t>10</a:t>
-            </a:r>
-            <a:r>
-              <a:rPr lang="en-US" sz="1800" dirty="0">
-                <a:effectLst/>
-                <a:latin typeface="+mn-lt"/>
-                <a:ea typeface="SimSun" panose="02010600030101010101" pitchFamily="2" charset="-122"/>
-              </a:rPr>
-              <a:t>)= 6.3×10</a:t>
-            </a:r>
-            <a:r>
-              <a:rPr lang="en-US" sz="1800" baseline="30000" dirty="0">
-                <a:effectLst/>
-                <a:latin typeface="+mn-lt"/>
-                <a:ea typeface="SimSun" panose="02010600030101010101" pitchFamily="2" charset="-122"/>
-              </a:rPr>
-              <a:t>6</a:t>
-            </a:r>
-            <a:r>
-              <a:rPr lang="en-US" sz="1800" dirty="0">
-                <a:effectLst/>
-                <a:latin typeface="+mn-lt"/>
-                <a:ea typeface="SimSun" panose="02010600030101010101" pitchFamily="2" charset="-122"/>
-              </a:rPr>
-              <a:t> seconds, roughly 73 days. </a:t>
-            </a:r>
-            <a:endParaRPr lang="en-US" sz="1600" dirty="0">
-              <a:latin typeface="+mn-lt"/>
-              <a:ea typeface="SimSun" panose="02010600030101010101" pitchFamily="2" charset="-122"/>
-            </a:endParaRPr>
-          </a:p>
-          <a:p>
-            <a:pPr lvl="0">
-              <a:lnSpc>
-                <a:spcPct val="120000"/>
-              </a:lnSpc>
-              <a:buFont typeface="Wingdings" pitchFamily="2" charset="2"/>
-              <a:buChar char="Ø"/>
-              <a:tabLst>
-                <a:tab pos="180022" algn="l"/>
-              </a:tabLst>
-            </a:pPr>
-            <a:endParaRPr lang="en-US" sz="1600" dirty="0">
-              <a:latin typeface="+mn-lt"/>
-              <a:ea typeface="SimSun" panose="02010600030101010101" pitchFamily="2" charset="-122"/>
-            </a:endParaRPr>
+              <a:t>is the key used by Alice. Then Eve can decrypt all other ciphertext with the key. </a:t>
+            </a:r>
           </a:p>
         </p:txBody>
       </p:sp>
+      <p:pic>
+        <p:nvPicPr>
+          <p:cNvPr id="3" name="Picture 2">
+            <a:extLst>
+              <a:ext uri="{FF2B5EF4-FFF2-40B4-BE49-F238E27FC236}">
+                <a16:creationId xmlns:a16="http://schemas.microsoft.com/office/drawing/2014/main" id="{439EAB2A-F7C0-2DD3-ECA9-E48D7333885C}"/>
+              </a:ext>
+            </a:extLst>
+          </p:cNvPr>
+          <p:cNvPicPr>
+            <a:picLocks noChangeAspect="1"/>
+          </p:cNvPicPr>
+          <p:nvPr/>
+        </p:nvPicPr>
+        <p:blipFill>
+          <a:blip r:embed="rId2"/>
+          <a:stretch>
+            <a:fillRect/>
+          </a:stretch>
+        </p:blipFill>
+        <p:spPr>
+          <a:xfrm>
+            <a:off x="1461599" y="806842"/>
+            <a:ext cx="6613185" cy="2540000"/>
+          </a:xfrm>
+          <a:prstGeom prst="rect">
+            <a:avLst/>
+          </a:prstGeom>
+        </p:spPr>
+      </p:pic>
     </p:spTree>
     <p:extLst>
       <p:ext uri="{BB962C8B-B14F-4D97-AF65-F5344CB8AC3E}">
-        <p14:creationId xmlns:p14="http://schemas.microsoft.com/office/powerpoint/2010/main" val="1430390565"/>
+        <p14:creationId xmlns:p14="http://schemas.microsoft.com/office/powerpoint/2010/main" val="1115746874"/>
       </p:ext>
     </p:extLst>
   </p:cSld>
@@ -6231,7 +10387,7 @@
               <a:rPr lang="en-US" dirty="0">
                 <a:latin typeface="+mn-lt"/>
               </a:rPr>
-              <a:t>Question 2</a:t>
+              <a:t>Question 3</a:t>
             </a:r>
             <a:r>
               <a:rPr lang="en-US" dirty="0"/>
@@ -6241,259 +10397,8 @@
           </a:p>
         </p:txBody>
       </p:sp>
-      <p:sp>
-        <p:nvSpPr>
-          <p:cNvPr id="5" name="Text Placeholder 4">
-            <a:extLst>
-              <a:ext uri="{FF2B5EF4-FFF2-40B4-BE49-F238E27FC236}">
-                <a16:creationId xmlns:a16="http://schemas.microsoft.com/office/drawing/2014/main" id="{ED69F788-EE24-21E3-4A7E-C8F9A728653B}"/>
-              </a:ext>
-            </a:extLst>
-          </p:cNvPr>
-          <p:cNvSpPr>
-            <a:spLocks noGrp="1"/>
-          </p:cNvSpPr>
-          <p:nvPr>
-            <p:ph type="body" idx="1"/>
-          </p:nvPr>
-        </p:nvSpPr>
-        <p:spPr>
-          <a:xfrm>
-            <a:off x="171450" y="3352800"/>
-            <a:ext cx="8451850" cy="1651000"/>
-          </a:xfrm>
-        </p:spPr>
-        <p:txBody>
-          <a:bodyPr>
-            <a:normAutofit fontScale="92500" lnSpcReduction="10000"/>
-          </a:bodyPr>
-          <a:lstStyle/>
-          <a:p>
-            <a:pPr marL="0" marR="0" indent="0" algn="just">
-              <a:lnSpc>
-                <a:spcPct val="115000"/>
-              </a:lnSpc>
-              <a:spcBef>
-                <a:spcPts val="0"/>
-              </a:spcBef>
-              <a:spcAft>
-                <a:spcPts val="0"/>
-              </a:spcAft>
-              <a:buNone/>
-            </a:pPr>
-            <a:r>
-              <a:rPr lang="en-US" sz="1800" dirty="0">
-                <a:effectLst/>
-                <a:latin typeface="+mn-lt"/>
-                <a:ea typeface="SimSun" panose="02010600030101010101" pitchFamily="2" charset="-122"/>
-              </a:rPr>
-              <a:t>Q 2.1 and 2.2: Eve can trick Alice to encrypt M</a:t>
-            </a:r>
-            <a:r>
-              <a:rPr lang="en-US" sz="1800" baseline="-25000" dirty="0">
-                <a:effectLst/>
-                <a:latin typeface="+mn-lt"/>
-                <a:ea typeface="SimSun" panose="02010600030101010101" pitchFamily="2" charset="-122"/>
-              </a:rPr>
-              <a:t>0</a:t>
-            </a:r>
-            <a:r>
-              <a:rPr lang="en-US" sz="1800" dirty="0">
-                <a:effectLst/>
-                <a:latin typeface="+mn-lt"/>
-                <a:ea typeface="SimSun" panose="02010600030101010101" pitchFamily="2" charset="-122"/>
-              </a:rPr>
-              <a:t>, if the return ciphertext C</a:t>
-            </a:r>
-            <a:r>
-              <a:rPr lang="en-US" sz="1800" baseline="-25000" dirty="0">
-                <a:effectLst/>
-                <a:latin typeface="+mn-lt"/>
-                <a:ea typeface="SimSun" panose="02010600030101010101" pitchFamily="2" charset="-122"/>
-              </a:rPr>
-              <a:t>0 </a:t>
-            </a:r>
-            <a:r>
-              <a:rPr lang="en-US" sz="1800" dirty="0">
-                <a:effectLst/>
-                <a:latin typeface="+mn-lt"/>
-                <a:ea typeface="SimSun" panose="02010600030101010101" pitchFamily="2" charset="-122"/>
-              </a:rPr>
-              <a:t>is the same as C, then the b = 0, otherwise, b = 1. </a:t>
-            </a:r>
-          </a:p>
-          <a:p>
-            <a:pPr marL="0" marR="0" indent="0" algn="just">
-              <a:lnSpc>
-                <a:spcPct val="115000"/>
-              </a:lnSpc>
-              <a:spcBef>
-                <a:spcPts val="0"/>
-              </a:spcBef>
-              <a:spcAft>
-                <a:spcPts val="0"/>
-              </a:spcAft>
-              <a:buNone/>
-            </a:pPr>
-            <a:r>
-              <a:rPr lang="en-US" sz="1800" dirty="0">
-                <a:effectLst/>
-                <a:latin typeface="+mn-lt"/>
-                <a:ea typeface="SimSun" panose="02010600030101010101" pitchFamily="2" charset="-122"/>
-              </a:rPr>
-              <a:t> </a:t>
-            </a:r>
-          </a:p>
-          <a:p>
-            <a:pPr marL="0" marR="0" indent="0" algn="just">
-              <a:lnSpc>
-                <a:spcPct val="115000"/>
-              </a:lnSpc>
-              <a:spcBef>
-                <a:spcPts val="0"/>
-              </a:spcBef>
-              <a:spcAft>
-                <a:spcPts val="0"/>
-              </a:spcAft>
-              <a:buNone/>
-            </a:pPr>
-            <a:r>
-              <a:rPr lang="en-US" sz="1800" dirty="0">
-                <a:effectLst/>
-                <a:latin typeface="+mn-lt"/>
-                <a:ea typeface="SimSun" panose="02010600030101010101" pitchFamily="2" charset="-122"/>
-              </a:rPr>
-              <a:t>Q 2.3: Eve can trick Alice to encrypt a message that is all 0, the return ciphertext C</a:t>
-            </a:r>
-            <a:r>
-              <a:rPr lang="en-US" sz="1800" baseline="-25000" dirty="0">
-                <a:effectLst/>
-                <a:latin typeface="+mn-lt"/>
-                <a:ea typeface="SimSun" panose="02010600030101010101" pitchFamily="2" charset="-122"/>
-              </a:rPr>
-              <a:t>0 </a:t>
-            </a:r>
-            <a:r>
-              <a:rPr lang="en-US" sz="1800" dirty="0">
-                <a:effectLst/>
-                <a:latin typeface="+mn-lt"/>
-                <a:ea typeface="SimSun" panose="02010600030101010101" pitchFamily="2" charset="-122"/>
-              </a:rPr>
-              <a:t>is the key used by Alice. Then Eve can decrypt all other ciphertext with the key. </a:t>
-            </a:r>
-          </a:p>
-        </p:txBody>
-      </p:sp>
-      <p:pic>
-        <p:nvPicPr>
-          <p:cNvPr id="3" name="Picture 2">
-            <a:extLst>
-              <a:ext uri="{FF2B5EF4-FFF2-40B4-BE49-F238E27FC236}">
-                <a16:creationId xmlns:a16="http://schemas.microsoft.com/office/drawing/2014/main" id="{439EAB2A-F7C0-2DD3-ECA9-E48D7333885C}"/>
-              </a:ext>
-            </a:extLst>
-          </p:cNvPr>
-          <p:cNvPicPr>
-            <a:picLocks noChangeAspect="1"/>
-          </p:cNvPicPr>
-          <p:nvPr/>
-        </p:nvPicPr>
-        <p:blipFill>
-          <a:blip r:embed="rId2"/>
-          <a:stretch>
-            <a:fillRect/>
-          </a:stretch>
-        </p:blipFill>
-        <p:spPr>
-          <a:xfrm>
-            <a:off x="1461599" y="806842"/>
-            <a:ext cx="6613185" cy="2540000"/>
-          </a:xfrm>
-          <a:prstGeom prst="rect">
-            <a:avLst/>
-          </a:prstGeom>
-        </p:spPr>
-      </p:pic>
-    </p:spTree>
-    <p:extLst>
-      <p:ext uri="{BB962C8B-B14F-4D97-AF65-F5344CB8AC3E}">
-        <p14:creationId xmlns:p14="http://schemas.microsoft.com/office/powerpoint/2010/main" val="1115746874"/>
-      </p:ext>
-    </p:extLst>
-  </p:cSld>
-  <p:clrMapOvr>
-    <a:masterClrMapping/>
-  </p:clrMapOvr>
-</p:sld>
-</file>
-
-<file path=ppt/slides/slide6.xml><?xml version="1.0" encoding="utf-8"?>
-<p:sld xmlns:a="http://schemas.openxmlformats.org/drawingml/2006/main" xmlns:r="http://schemas.openxmlformats.org/officeDocument/2006/relationships" xmlns:p="http://schemas.openxmlformats.org/presentationml/2006/main">
-  <p:cSld>
-    <p:spTree>
-      <p:nvGrpSpPr>
-        <p:cNvPr id="1" name=""/>
-        <p:cNvGrpSpPr/>
-        <p:nvPr/>
-      </p:nvGrpSpPr>
-      <p:grpSpPr>
-        <a:xfrm>
-          <a:off x="0" y="0"/>
-          <a:ext cx="0" cy="0"/>
-          <a:chOff x="0" y="0"/>
-          <a:chExt cx="0" cy="0"/>
-        </a:xfrm>
-      </p:grpSpPr>
-      <p:sp>
-        <p:nvSpPr>
-          <p:cNvPr id="2" name="object 2"/>
-          <p:cNvSpPr txBox="1">
-            <a:spLocks noGrp="1"/>
-          </p:cNvSpPr>
-          <p:nvPr>
-            <p:ph type="title"/>
-          </p:nvPr>
-        </p:nvSpPr>
-        <p:spPr>
-          <a:xfrm>
-            <a:off x="102700" y="270875"/>
-            <a:ext cx="8520600" cy="453810"/>
-          </a:xfrm>
-          <a:prstGeom prst="rect">
-            <a:avLst/>
-          </a:prstGeom>
-        </p:spPr>
-        <p:txBody>
-          <a:bodyPr spcFirstLastPara="1" vert="horz" wrap="square" lIns="0" tIns="10001" rIns="0" bIns="0" rtlCol="0" anchor="t" anchorCtr="0">
-            <a:spAutoFit/>
-          </a:bodyPr>
-          <a:lstStyle/>
-          <a:p>
-            <a:pPr marL="9525">
-              <a:spcBef>
-                <a:spcPts val="79"/>
-              </a:spcBef>
-            </a:pPr>
-            <a:r>
-              <a:rPr lang="en-US" dirty="0"/>
-              <a:t>Assignment #2 (</a:t>
-            </a:r>
-            <a:r>
-              <a:rPr lang="en-US" dirty="0">
-                <a:latin typeface="+mn-lt"/>
-              </a:rPr>
-              <a:t>Question 3</a:t>
-            </a:r>
-            <a:r>
-              <a:rPr lang="en-US" dirty="0"/>
-              <a:t>)</a:t>
-            </a:r>
-            <a:endParaRPr dirty="0"/>
-          </a:p>
-        </p:txBody>
-      </p:sp>
-      <mc:AlternateContent xmlns:mc="http://schemas.openxmlformats.org/markup-compatibility/2006">
-        <mc:Choice xmlns:a14="http://schemas.microsoft.com/office/drawing/2010/main" Requires="a14">
+      <mc:AlternateContent xmlns:mc="http://schemas.openxmlformats.org/markup-compatibility/2006" xmlns:a14="http://schemas.microsoft.com/office/drawing/2010/main">
+        <mc:Choice Requires="a14">
           <p:sp>
             <p:nvSpPr>
               <p:cNvPr id="5" name="Text Placeholder 4">
@@ -6585,7 +10490,7 @@
                     <m:r>
                       <a:rPr lang="en-US" sz="1400" i="1">
                         <a:effectLst/>
-                        <a:latin typeface="+mn-lt"/>
+                        <a:latin typeface="Cambria Math" panose="02040503050406030204" pitchFamily="18" charset="0"/>
                         <a:ea typeface="SimSun" panose="02010600030101010101" pitchFamily="2" charset="-122"/>
                       </a:rPr>
                       <m:t>⊕</m:t>
@@ -6621,7 +10526,7 @@
                     <m:r>
                       <a:rPr lang="en-US" sz="1400" i="1">
                         <a:effectLst/>
-                        <a:latin typeface="+mn-lt"/>
+                        <a:latin typeface="Cambria Math" panose="02040503050406030204" pitchFamily="18" charset="0"/>
                         <a:ea typeface="SimSun" panose="02010600030101010101" pitchFamily="2" charset="-122"/>
                       </a:rPr>
                       <m:t>⊕</m:t>
@@ -6679,7 +10584,7 @@
                     <m:r>
                       <a:rPr lang="en-US" sz="1400" i="1">
                         <a:effectLst/>
-                        <a:latin typeface="+mn-lt"/>
+                        <a:latin typeface="Cambria Math" panose="02040503050406030204" pitchFamily="18" charset="0"/>
                         <a:ea typeface="SimSun" panose="02010600030101010101" pitchFamily="2" charset="-122"/>
                       </a:rPr>
                       <m:t>⊕</m:t>
@@ -6855,7 +10760,7 @@
                     <m:r>
                       <a:rPr lang="en-US" sz="1400" i="1">
                         <a:effectLst/>
-                        <a:latin typeface="+mn-lt"/>
+                        <a:latin typeface="Cambria Math" panose="02040503050406030204" pitchFamily="18" charset="0"/>
                         <a:ea typeface="SimSun" panose="02010600030101010101" pitchFamily="2" charset="-122"/>
                       </a:rPr>
                       <m:t>⊕</m:t>
@@ -6891,7 +10796,7 @@
                     <m:r>
                       <a:rPr lang="en-US" sz="1400" i="1">
                         <a:effectLst/>
-                        <a:latin typeface="+mn-lt"/>
+                        <a:latin typeface="Cambria Math" panose="02040503050406030204" pitchFamily="18" charset="0"/>
                         <a:ea typeface="SimSun" panose="02010600030101010101" pitchFamily="2" charset="-122"/>
                       </a:rPr>
                       <m:t>⊕</m:t>
@@ -6949,7 +10854,7 @@
                     <m:r>
                       <a:rPr lang="en-US" sz="1400" i="1">
                         <a:effectLst/>
-                        <a:latin typeface="+mn-lt"/>
+                        <a:latin typeface="Cambria Math" panose="02040503050406030204" pitchFamily="18" charset="0"/>
                         <a:ea typeface="SimSun" panose="02010600030101010101" pitchFamily="2" charset="-122"/>
                       </a:rPr>
                       <m:t>⊕</m:t>
@@ -7022,7 +10927,7 @@
             </p:txBody>
           </p:sp>
         </mc:Choice>
-        <mc:Fallback>
+        <mc:Fallback xmlns="">
           <p:sp>
             <p:nvSpPr>
               <p:cNvPr id="5" name="Text Placeholder 4">
@@ -7102,8 +11007,8 @@
           </a:prstGeom>
         </p:spPr>
       </p:pic>
-      <mc:AlternateContent xmlns:mc="http://schemas.openxmlformats.org/markup-compatibility/2006">
-        <mc:Choice xmlns:a14="http://schemas.microsoft.com/office/drawing/2010/main" Requires="a14">
+      <mc:AlternateContent xmlns:mc="http://schemas.openxmlformats.org/markup-compatibility/2006" xmlns:a14="http://schemas.microsoft.com/office/drawing/2010/main">
+        <mc:Choice Requires="a14">
           <p:sp>
             <p:nvSpPr>
               <p:cNvPr id="7" name="TextBox 6">
@@ -7329,7 +11234,7 @@
                     <m:r>
                       <a:rPr lang="en-US" sz="1400" i="1">
                         <a:effectLst/>
-                        <a:latin typeface="+mn-lt"/>
+                        <a:latin typeface="Cambria Math" panose="02040503050406030204" pitchFamily="18" charset="0"/>
                         <a:ea typeface="SimSun" panose="02010600030101010101" pitchFamily="2" charset="-122"/>
                       </a:rPr>
                       <m:t>⊕</m:t>
@@ -7365,7 +11270,7 @@
                     <m:r>
                       <a:rPr lang="en-US" sz="1400" i="1">
                         <a:effectLst/>
-                        <a:latin typeface="+mn-lt"/>
+                        <a:latin typeface="Cambria Math" panose="02040503050406030204" pitchFamily="18" charset="0"/>
                         <a:ea typeface="SimSun" panose="02010600030101010101" pitchFamily="2" charset="-122"/>
                       </a:rPr>
                       <m:t>⊕</m:t>
@@ -7400,7 +11305,7 @@
             </p:txBody>
           </p:sp>
         </mc:Choice>
-        <mc:Fallback>
+        <mc:Fallback xmlns="">
           <p:sp>
             <p:nvSpPr>
               <p:cNvPr id="7" name="TextBox 6">
@@ -7458,6 +11363,399 @@
 </p:sld>
 </file>
 
+<file path=ppt/slides/slide6.xml><?xml version="1.0" encoding="utf-8"?>
+<p:sld xmlns:a="http://schemas.openxmlformats.org/drawingml/2006/main" xmlns:r="http://schemas.openxmlformats.org/officeDocument/2006/relationships" xmlns:p="http://schemas.openxmlformats.org/presentationml/2006/main">
+  <p:cSld>
+    <p:spTree>
+      <p:nvGrpSpPr>
+        <p:cNvPr id="1" name=""/>
+        <p:cNvGrpSpPr/>
+        <p:nvPr/>
+      </p:nvGrpSpPr>
+      <p:grpSpPr>
+        <a:xfrm>
+          <a:off x="0" y="0"/>
+          <a:ext cx="0" cy="0"/>
+          <a:chOff x="0" y="0"/>
+          <a:chExt cx="0" cy="0"/>
+        </a:xfrm>
+      </p:grpSpPr>
+      <p:sp>
+        <p:nvSpPr>
+          <p:cNvPr id="2" name="object 2"/>
+          <p:cNvSpPr txBox="1">
+            <a:spLocks noGrp="1"/>
+          </p:cNvSpPr>
+          <p:nvPr>
+            <p:ph type="title"/>
+          </p:nvPr>
+        </p:nvSpPr>
+        <p:spPr>
+          <a:xfrm>
+            <a:off x="102700" y="270875"/>
+            <a:ext cx="8520600" cy="453810"/>
+          </a:xfrm>
+          <a:prstGeom prst="rect">
+            <a:avLst/>
+          </a:prstGeom>
+        </p:spPr>
+        <p:txBody>
+          <a:bodyPr spcFirstLastPara="1" vert="horz" wrap="square" lIns="0" tIns="10001" rIns="0" bIns="0" rtlCol="0" anchor="t" anchorCtr="0">
+            <a:spAutoFit/>
+          </a:bodyPr>
+          <a:lstStyle/>
+          <a:p>
+            <a:pPr marL="9525">
+              <a:spcBef>
+                <a:spcPts val="79"/>
+              </a:spcBef>
+            </a:pPr>
+            <a:r>
+              <a:rPr lang="en-US" dirty="0"/>
+              <a:t>Assignment #2 (</a:t>
+            </a:r>
+            <a:r>
+              <a:rPr lang="en-US" dirty="0">
+                <a:latin typeface="+mn-lt"/>
+              </a:rPr>
+              <a:t>Question 4</a:t>
+            </a:r>
+            <a:r>
+              <a:rPr lang="en-US" dirty="0"/>
+              <a:t>)</a:t>
+            </a:r>
+            <a:endParaRPr dirty="0"/>
+          </a:p>
+        </p:txBody>
+      </p:sp>
+      <p:sp>
+        <p:nvSpPr>
+          <p:cNvPr id="5" name="Text Placeholder 4">
+            <a:extLst>
+              <a:ext uri="{FF2B5EF4-FFF2-40B4-BE49-F238E27FC236}">
+                <a16:creationId xmlns:a16="http://schemas.microsoft.com/office/drawing/2014/main" id="{ED69F788-EE24-21E3-4A7E-C8F9A728653B}"/>
+              </a:ext>
+            </a:extLst>
+          </p:cNvPr>
+          <p:cNvSpPr>
+            <a:spLocks noGrp="1"/>
+          </p:cNvSpPr>
+          <p:nvPr>
+            <p:ph type="body" idx="1"/>
+          </p:nvPr>
+        </p:nvSpPr>
+        <p:spPr/>
+        <p:txBody>
+          <a:bodyPr>
+            <a:normAutofit/>
+          </a:bodyPr>
+          <a:lstStyle/>
+          <a:p>
+            <a:pPr>
+              <a:lnSpc>
+                <a:spcPct val="120000"/>
+              </a:lnSpc>
+              <a:tabLst>
+                <a:tab pos="180022" algn="l"/>
+              </a:tabLst>
+            </a:pPr>
+            <a:r>
+              <a:rPr lang="en-US" dirty="0">
+                <a:effectLst/>
+                <a:latin typeface="+mn-lt"/>
+                <a:ea typeface="Times New Roman" panose="02020603050405020304" pitchFamily="18" charset="0"/>
+              </a:rPr>
+              <a:t>Ciphertext c = c</a:t>
+            </a:r>
+            <a:r>
+              <a:rPr lang="en-US" baseline="-25000" dirty="0">
+                <a:effectLst/>
+                <a:latin typeface="+mn-lt"/>
+                <a:ea typeface="Times New Roman" panose="02020603050405020304" pitchFamily="18" charset="0"/>
+              </a:rPr>
+              <a:t>1</a:t>
+            </a:r>
+            <a:r>
+              <a:rPr lang="en-US" dirty="0">
+                <a:effectLst/>
+                <a:latin typeface="+mn-lt"/>
+                <a:ea typeface="Times New Roman" panose="02020603050405020304" pitchFamily="18" charset="0"/>
+              </a:rPr>
+              <a:t> || c</a:t>
+            </a:r>
+            <a:r>
+              <a:rPr lang="en-US" baseline="-25000" dirty="0">
+                <a:effectLst/>
+                <a:latin typeface="+mn-lt"/>
+                <a:ea typeface="Times New Roman" panose="02020603050405020304" pitchFamily="18" charset="0"/>
+              </a:rPr>
+              <a:t>2</a:t>
+            </a:r>
+            <a:r>
+              <a:rPr lang="en-US" dirty="0">
+                <a:effectLst/>
+                <a:latin typeface="+mn-lt"/>
+                <a:ea typeface="Times New Roman" panose="02020603050405020304" pitchFamily="18" charset="0"/>
+              </a:rPr>
+              <a:t> where c</a:t>
+            </a:r>
+            <a:r>
+              <a:rPr lang="en-US" baseline="-25000" dirty="0">
+                <a:effectLst/>
+                <a:latin typeface="+mn-lt"/>
+                <a:ea typeface="Times New Roman" panose="02020603050405020304" pitchFamily="18" charset="0"/>
+              </a:rPr>
+              <a:t>1</a:t>
+            </a:r>
+            <a:r>
+              <a:rPr lang="en-US" dirty="0">
+                <a:effectLst/>
+                <a:latin typeface="+mn-lt"/>
+                <a:ea typeface="Times New Roman" panose="02020603050405020304" pitchFamily="18" charset="0"/>
+              </a:rPr>
+              <a:t> = Enc(K, m) and c</a:t>
+            </a:r>
+            <a:r>
+              <a:rPr lang="en-US" baseline="-25000" dirty="0">
+                <a:effectLst/>
+                <a:latin typeface="+mn-lt"/>
+                <a:ea typeface="Times New Roman" panose="02020603050405020304" pitchFamily="18" charset="0"/>
+              </a:rPr>
+              <a:t>2</a:t>
+            </a:r>
+            <a:r>
+              <a:rPr lang="en-US" dirty="0">
+                <a:effectLst/>
+                <a:latin typeface="+mn-lt"/>
+                <a:ea typeface="Times New Roman" panose="02020603050405020304" pitchFamily="18" charset="0"/>
+              </a:rPr>
+              <a:t> = Hash(c</a:t>
+            </a:r>
+            <a:r>
+              <a:rPr lang="en-US" baseline="-25000" dirty="0">
+                <a:effectLst/>
+                <a:latin typeface="+mn-lt"/>
+                <a:ea typeface="Times New Roman" panose="02020603050405020304" pitchFamily="18" charset="0"/>
+              </a:rPr>
+              <a:t>1</a:t>
+            </a:r>
+            <a:r>
+              <a:rPr lang="en-US" dirty="0">
+                <a:effectLst/>
+                <a:latin typeface="+mn-lt"/>
+                <a:ea typeface="Times New Roman" panose="02020603050405020304" pitchFamily="18" charset="0"/>
+              </a:rPr>
+              <a:t>)</a:t>
+            </a:r>
+          </a:p>
+          <a:p>
+            <a:pPr>
+              <a:lnSpc>
+                <a:spcPct val="120000"/>
+              </a:lnSpc>
+              <a:tabLst>
+                <a:tab pos="180022" algn="l"/>
+              </a:tabLst>
+            </a:pPr>
+            <a:endParaRPr lang="en-US" dirty="0">
+              <a:effectLst/>
+              <a:latin typeface="+mn-lt"/>
+              <a:ea typeface="SimSun" panose="02010600030101010101" pitchFamily="2" charset="-122"/>
+            </a:endParaRPr>
+          </a:p>
+          <a:p>
+            <a:pPr marL="742950" lvl="1" indent="-285750" algn="just">
+              <a:buFont typeface="Wingdings" pitchFamily="2" charset="2"/>
+              <a:buChar char="Ø"/>
+            </a:pPr>
+            <a:r>
+              <a:rPr lang="en-US" sz="1800" dirty="0">
+                <a:effectLst/>
+                <a:latin typeface="+mn-lt"/>
+                <a:ea typeface="SimSun" panose="02010600030101010101" pitchFamily="2" charset="-122"/>
+              </a:rPr>
+              <a:t>Q 4.1: It provides confidentiality </a:t>
+            </a:r>
+          </a:p>
+          <a:p>
+            <a:pPr marL="742950" lvl="1" indent="-285750" algn="just">
+              <a:buFont typeface="Wingdings" pitchFamily="2" charset="2"/>
+              <a:buChar char="Ø"/>
+            </a:pPr>
+            <a:endParaRPr lang="en-US" sz="1800" dirty="0">
+              <a:effectLst/>
+              <a:latin typeface="+mn-lt"/>
+              <a:ea typeface="SimSun" panose="02010600030101010101" pitchFamily="2" charset="-122"/>
+            </a:endParaRPr>
+          </a:p>
+          <a:p>
+            <a:pPr marL="742950" lvl="1" indent="-285750" algn="just">
+              <a:buFont typeface="Wingdings" pitchFamily="2" charset="2"/>
+              <a:buChar char="Ø"/>
+            </a:pPr>
+            <a:r>
+              <a:rPr lang="en-US" sz="1800" dirty="0">
+                <a:effectLst/>
+                <a:latin typeface="+mn-lt"/>
+                <a:ea typeface="SimSun" panose="02010600030101010101" pitchFamily="2" charset="-122"/>
+              </a:rPr>
+              <a:t>Q 4.2: No integrity, since SHA-256 may suffer from length extension attack. </a:t>
+            </a:r>
+          </a:p>
+          <a:p>
+            <a:pPr marL="457200" lvl="1" indent="0" algn="just">
+              <a:buNone/>
+            </a:pPr>
+            <a:r>
+              <a:rPr lang="en-US" sz="1800" dirty="0">
+                <a:effectLst/>
+                <a:latin typeface="+mn-lt"/>
+                <a:ea typeface="SimSun" panose="02010600030101010101" pitchFamily="2" charset="-122"/>
+              </a:rPr>
+              <a:t> </a:t>
+            </a:r>
+          </a:p>
+          <a:p>
+            <a:pPr marL="742950" lvl="1" indent="-285750" algn="just">
+              <a:buFont typeface="Wingdings" pitchFamily="2" charset="2"/>
+              <a:buChar char="Ø"/>
+            </a:pPr>
+            <a:r>
+              <a:rPr lang="en-US" sz="1800" dirty="0">
+                <a:effectLst/>
+                <a:latin typeface="+mn-lt"/>
+                <a:ea typeface="SimSun" panose="02010600030101010101" pitchFamily="2" charset="-122"/>
+              </a:rPr>
+              <a:t>Q 4.3: Ciphertext c = c</a:t>
+            </a:r>
+            <a:r>
+              <a:rPr lang="en-US" sz="1800" baseline="-25000" dirty="0">
+                <a:effectLst/>
+                <a:latin typeface="+mn-lt"/>
+                <a:ea typeface="SimSun" panose="02010600030101010101" pitchFamily="2" charset="-122"/>
+              </a:rPr>
+              <a:t>1</a:t>
+            </a:r>
+            <a:r>
+              <a:rPr lang="en-US" sz="1800" dirty="0">
+                <a:effectLst/>
+                <a:latin typeface="+mn-lt"/>
+                <a:ea typeface="SimSun" panose="02010600030101010101" pitchFamily="2" charset="-122"/>
+              </a:rPr>
+              <a:t> || c</a:t>
+            </a:r>
+            <a:r>
+              <a:rPr lang="en-US" sz="1800" baseline="-25000" dirty="0">
+                <a:effectLst/>
+                <a:latin typeface="+mn-lt"/>
+                <a:ea typeface="SimSun" panose="02010600030101010101" pitchFamily="2" charset="-122"/>
+              </a:rPr>
+              <a:t>2</a:t>
+            </a:r>
+            <a:r>
+              <a:rPr lang="en-US" sz="1800" dirty="0">
+                <a:effectLst/>
+                <a:latin typeface="+mn-lt"/>
+                <a:ea typeface="SimSun" panose="02010600030101010101" pitchFamily="2" charset="-122"/>
+              </a:rPr>
+              <a:t> where c</a:t>
+            </a:r>
+            <a:r>
+              <a:rPr lang="en-US" sz="1800" baseline="-25000" dirty="0">
+                <a:effectLst/>
+                <a:latin typeface="+mn-lt"/>
+                <a:ea typeface="SimSun" panose="02010600030101010101" pitchFamily="2" charset="-122"/>
+              </a:rPr>
+              <a:t>1</a:t>
+            </a:r>
+            <a:r>
+              <a:rPr lang="en-US" sz="1800" dirty="0">
+                <a:effectLst/>
+                <a:latin typeface="+mn-lt"/>
+                <a:ea typeface="SimSun" panose="02010600030101010101" pitchFamily="2" charset="-122"/>
+              </a:rPr>
+              <a:t> = Enc(K, m) and c</a:t>
+            </a:r>
+            <a:r>
+              <a:rPr lang="en-US" sz="1800" baseline="-25000" dirty="0">
+                <a:effectLst/>
+                <a:latin typeface="+mn-lt"/>
+                <a:ea typeface="SimSun" panose="02010600030101010101" pitchFamily="2" charset="-122"/>
+              </a:rPr>
+              <a:t>2</a:t>
+            </a:r>
+            <a:r>
+              <a:rPr lang="en-US" sz="1800" dirty="0">
+                <a:effectLst/>
+                <a:latin typeface="+mn-lt"/>
+                <a:ea typeface="SimSun" panose="02010600030101010101" pitchFamily="2" charset="-122"/>
+              </a:rPr>
+              <a:t> = MAC(K, c</a:t>
+            </a:r>
+            <a:r>
+              <a:rPr lang="en-US" sz="1800" baseline="-25000" dirty="0">
+                <a:effectLst/>
+                <a:latin typeface="+mn-lt"/>
+                <a:ea typeface="SimSun" panose="02010600030101010101" pitchFamily="2" charset="-122"/>
+              </a:rPr>
+              <a:t>1</a:t>
+            </a:r>
+            <a:r>
+              <a:rPr lang="en-US" sz="1800" dirty="0">
+                <a:effectLst/>
+                <a:latin typeface="+mn-lt"/>
+                <a:ea typeface="SimSun" panose="02010600030101010101" pitchFamily="2" charset="-122"/>
+              </a:rPr>
+              <a:t>)</a:t>
+            </a:r>
+          </a:p>
+          <a:p>
+            <a:pPr lvl="0">
+              <a:lnSpc>
+                <a:spcPct val="120000"/>
+              </a:lnSpc>
+              <a:buFont typeface="Wingdings" pitchFamily="2" charset="2"/>
+              <a:buChar char="Ø"/>
+              <a:tabLst>
+                <a:tab pos="180022" algn="l"/>
+              </a:tabLst>
+            </a:pPr>
+            <a:endParaRPr lang="en-US" dirty="0">
+              <a:latin typeface="+mn-lt"/>
+              <a:ea typeface="SimSun" panose="02010600030101010101" pitchFamily="2" charset="-122"/>
+            </a:endParaRPr>
+          </a:p>
+          <a:p>
+            <a:pPr lvl="0">
+              <a:lnSpc>
+                <a:spcPct val="120000"/>
+              </a:lnSpc>
+              <a:buFont typeface="Wingdings" pitchFamily="2" charset="2"/>
+              <a:buChar char="Ø"/>
+              <a:tabLst>
+                <a:tab pos="180022" algn="l"/>
+              </a:tabLst>
+            </a:pPr>
+            <a:endParaRPr lang="en-US" dirty="0">
+              <a:latin typeface="+mn-lt"/>
+              <a:ea typeface="SimSun" panose="02010600030101010101" pitchFamily="2" charset="-122"/>
+            </a:endParaRPr>
+          </a:p>
+        </p:txBody>
+      </p:sp>
+    </p:spTree>
+    <p:extLst>
+      <p:ext uri="{BB962C8B-B14F-4D97-AF65-F5344CB8AC3E}">
+        <p14:creationId xmlns:p14="http://schemas.microsoft.com/office/powerpoint/2010/main" val="656577949"/>
+      </p:ext>
+    </p:extLst>
+  </p:cSld>
+  <p:clrMapOvr>
+    <a:masterClrMapping/>
+  </p:clrMapOvr>
+</p:sld>
+</file>
+
 <file path=ppt/slides/slide7.xml><?xml version="1.0" encoding="utf-8"?>
 <p:sld xmlns:a="http://schemas.openxmlformats.org/drawingml/2006/main" xmlns:r="http://schemas.openxmlformats.org/officeDocument/2006/relationships" xmlns:p="http://schemas.openxmlformats.org/presentationml/2006/main">
   <p:cSld>
@@ -7513,399 +11811,6 @@
               <a:rPr lang="en-US" dirty="0">
                 <a:latin typeface="+mn-lt"/>
               </a:rPr>
-              <a:t>Question 4</a:t>
-            </a:r>
-            <a:r>
-              <a:rPr lang="en-US" dirty="0"/>
-              <a:t>)</a:t>
-            </a:r>
-            <a:endParaRPr dirty="0"/>
-          </a:p>
-        </p:txBody>
-      </p:sp>
-      <p:sp>
-        <p:nvSpPr>
-          <p:cNvPr id="5" name="Text Placeholder 4">
-            <a:extLst>
-              <a:ext uri="{FF2B5EF4-FFF2-40B4-BE49-F238E27FC236}">
-                <a16:creationId xmlns:a16="http://schemas.microsoft.com/office/drawing/2014/main" id="{ED69F788-EE24-21E3-4A7E-C8F9A728653B}"/>
-              </a:ext>
-            </a:extLst>
-          </p:cNvPr>
-          <p:cNvSpPr>
-            <a:spLocks noGrp="1"/>
-          </p:cNvSpPr>
-          <p:nvPr>
-            <p:ph type="body" idx="1"/>
-          </p:nvPr>
-        </p:nvSpPr>
-        <p:spPr/>
-        <p:txBody>
-          <a:bodyPr>
-            <a:normAutofit/>
-          </a:bodyPr>
-          <a:lstStyle/>
-          <a:p>
-            <a:pPr>
-              <a:lnSpc>
-                <a:spcPct val="120000"/>
-              </a:lnSpc>
-              <a:tabLst>
-                <a:tab pos="180022" algn="l"/>
-              </a:tabLst>
-            </a:pPr>
-            <a:r>
-              <a:rPr lang="en-US" dirty="0">
-                <a:effectLst/>
-                <a:latin typeface="+mn-lt"/>
-                <a:ea typeface="Times New Roman" panose="02020603050405020304" pitchFamily="18" charset="0"/>
-              </a:rPr>
-              <a:t>Ciphertext c = c</a:t>
-            </a:r>
-            <a:r>
-              <a:rPr lang="en-US" baseline="-25000" dirty="0">
-                <a:effectLst/>
-                <a:latin typeface="+mn-lt"/>
-                <a:ea typeface="Times New Roman" panose="02020603050405020304" pitchFamily="18" charset="0"/>
-              </a:rPr>
-              <a:t>1</a:t>
-            </a:r>
-            <a:r>
-              <a:rPr lang="en-US" dirty="0">
-                <a:effectLst/>
-                <a:latin typeface="+mn-lt"/>
-                <a:ea typeface="Times New Roman" panose="02020603050405020304" pitchFamily="18" charset="0"/>
-              </a:rPr>
-              <a:t> || c</a:t>
-            </a:r>
-            <a:r>
-              <a:rPr lang="en-US" baseline="-25000" dirty="0">
-                <a:effectLst/>
-                <a:latin typeface="+mn-lt"/>
-                <a:ea typeface="Times New Roman" panose="02020603050405020304" pitchFamily="18" charset="0"/>
-              </a:rPr>
-              <a:t>2</a:t>
-            </a:r>
-            <a:r>
-              <a:rPr lang="en-US" dirty="0">
-                <a:effectLst/>
-                <a:latin typeface="+mn-lt"/>
-                <a:ea typeface="Times New Roman" panose="02020603050405020304" pitchFamily="18" charset="0"/>
-              </a:rPr>
-              <a:t> where c</a:t>
-            </a:r>
-            <a:r>
-              <a:rPr lang="en-US" baseline="-25000" dirty="0">
-                <a:effectLst/>
-                <a:latin typeface="+mn-lt"/>
-                <a:ea typeface="Times New Roman" panose="02020603050405020304" pitchFamily="18" charset="0"/>
-              </a:rPr>
-              <a:t>1</a:t>
-            </a:r>
-            <a:r>
-              <a:rPr lang="en-US" dirty="0">
-                <a:effectLst/>
-                <a:latin typeface="+mn-lt"/>
-                <a:ea typeface="Times New Roman" panose="02020603050405020304" pitchFamily="18" charset="0"/>
-              </a:rPr>
-              <a:t> = Enc(K, m) and c</a:t>
-            </a:r>
-            <a:r>
-              <a:rPr lang="en-US" baseline="-25000" dirty="0">
-                <a:effectLst/>
-                <a:latin typeface="+mn-lt"/>
-                <a:ea typeface="Times New Roman" panose="02020603050405020304" pitchFamily="18" charset="0"/>
-              </a:rPr>
-              <a:t>2</a:t>
-            </a:r>
-            <a:r>
-              <a:rPr lang="en-US" dirty="0">
-                <a:effectLst/>
-                <a:latin typeface="+mn-lt"/>
-                <a:ea typeface="Times New Roman" panose="02020603050405020304" pitchFamily="18" charset="0"/>
-              </a:rPr>
-              <a:t> = Hash(c</a:t>
-            </a:r>
-            <a:r>
-              <a:rPr lang="en-US" baseline="-25000" dirty="0">
-                <a:effectLst/>
-                <a:latin typeface="+mn-lt"/>
-                <a:ea typeface="Times New Roman" panose="02020603050405020304" pitchFamily="18" charset="0"/>
-              </a:rPr>
-              <a:t>1</a:t>
-            </a:r>
-            <a:r>
-              <a:rPr lang="en-US" dirty="0">
-                <a:effectLst/>
-                <a:latin typeface="+mn-lt"/>
-                <a:ea typeface="Times New Roman" panose="02020603050405020304" pitchFamily="18" charset="0"/>
-              </a:rPr>
-              <a:t>)</a:t>
-            </a:r>
-          </a:p>
-          <a:p>
-            <a:pPr>
-              <a:lnSpc>
-                <a:spcPct val="120000"/>
-              </a:lnSpc>
-              <a:tabLst>
-                <a:tab pos="180022" algn="l"/>
-              </a:tabLst>
-            </a:pPr>
-            <a:endParaRPr lang="en-US" dirty="0">
-              <a:effectLst/>
-              <a:latin typeface="+mn-lt"/>
-              <a:ea typeface="SimSun" panose="02010600030101010101" pitchFamily="2" charset="-122"/>
-            </a:endParaRPr>
-          </a:p>
-          <a:p>
-            <a:pPr marL="742950" lvl="1" indent="-285750" algn="just">
-              <a:buFont typeface="Wingdings" pitchFamily="2" charset="2"/>
-              <a:buChar char="Ø"/>
-            </a:pPr>
-            <a:r>
-              <a:rPr lang="en-US" sz="1800" dirty="0">
-                <a:effectLst/>
-                <a:latin typeface="+mn-lt"/>
-                <a:ea typeface="SimSun" panose="02010600030101010101" pitchFamily="2" charset="-122"/>
-              </a:rPr>
-              <a:t>Q 4.1: It provides confidentiality </a:t>
-            </a:r>
-          </a:p>
-          <a:p>
-            <a:pPr marL="742950" lvl="1" indent="-285750" algn="just">
-              <a:buFont typeface="Wingdings" pitchFamily="2" charset="2"/>
-              <a:buChar char="Ø"/>
-            </a:pPr>
-            <a:endParaRPr lang="en-US" sz="1800" dirty="0">
-              <a:effectLst/>
-              <a:latin typeface="+mn-lt"/>
-              <a:ea typeface="SimSun" panose="02010600030101010101" pitchFamily="2" charset="-122"/>
-            </a:endParaRPr>
-          </a:p>
-          <a:p>
-            <a:pPr marL="742950" lvl="1" indent="-285750" algn="just">
-              <a:buFont typeface="Wingdings" pitchFamily="2" charset="2"/>
-              <a:buChar char="Ø"/>
-            </a:pPr>
-            <a:r>
-              <a:rPr lang="en-US" sz="1800" dirty="0">
-                <a:effectLst/>
-                <a:latin typeface="+mn-lt"/>
-                <a:ea typeface="SimSun" panose="02010600030101010101" pitchFamily="2" charset="-122"/>
-              </a:rPr>
-              <a:t>Q 4.2: No integrity, since SHA-256 may suffer from length extension attack. </a:t>
-            </a:r>
-          </a:p>
-          <a:p>
-            <a:pPr marL="457200" lvl="1" indent="0" algn="just">
-              <a:buNone/>
-            </a:pPr>
-            <a:r>
-              <a:rPr lang="en-US" sz="1800" dirty="0">
-                <a:effectLst/>
-                <a:latin typeface="+mn-lt"/>
-                <a:ea typeface="SimSun" panose="02010600030101010101" pitchFamily="2" charset="-122"/>
-              </a:rPr>
-              <a:t> </a:t>
-            </a:r>
-          </a:p>
-          <a:p>
-            <a:pPr marL="742950" lvl="1" indent="-285750" algn="just">
-              <a:buFont typeface="Wingdings" pitchFamily="2" charset="2"/>
-              <a:buChar char="Ø"/>
-            </a:pPr>
-            <a:r>
-              <a:rPr lang="en-US" sz="1800" dirty="0">
-                <a:effectLst/>
-                <a:latin typeface="+mn-lt"/>
-                <a:ea typeface="SimSun" panose="02010600030101010101" pitchFamily="2" charset="-122"/>
-              </a:rPr>
-              <a:t>Q 4.3: Ciphertext c = c</a:t>
-            </a:r>
-            <a:r>
-              <a:rPr lang="en-US" sz="1800" baseline="-25000" dirty="0">
-                <a:effectLst/>
-                <a:latin typeface="+mn-lt"/>
-                <a:ea typeface="SimSun" panose="02010600030101010101" pitchFamily="2" charset="-122"/>
-              </a:rPr>
-              <a:t>1</a:t>
-            </a:r>
-            <a:r>
-              <a:rPr lang="en-US" sz="1800" dirty="0">
-                <a:effectLst/>
-                <a:latin typeface="+mn-lt"/>
-                <a:ea typeface="SimSun" panose="02010600030101010101" pitchFamily="2" charset="-122"/>
-              </a:rPr>
-              <a:t> || c</a:t>
-            </a:r>
-            <a:r>
-              <a:rPr lang="en-US" sz="1800" baseline="-25000" dirty="0">
-                <a:effectLst/>
-                <a:latin typeface="+mn-lt"/>
-                <a:ea typeface="SimSun" panose="02010600030101010101" pitchFamily="2" charset="-122"/>
-              </a:rPr>
-              <a:t>2</a:t>
-            </a:r>
-            <a:r>
-              <a:rPr lang="en-US" sz="1800" dirty="0">
-                <a:effectLst/>
-                <a:latin typeface="+mn-lt"/>
-                <a:ea typeface="SimSun" panose="02010600030101010101" pitchFamily="2" charset="-122"/>
-              </a:rPr>
-              <a:t> where c</a:t>
-            </a:r>
-            <a:r>
-              <a:rPr lang="en-US" sz="1800" baseline="-25000" dirty="0">
-                <a:effectLst/>
-                <a:latin typeface="+mn-lt"/>
-                <a:ea typeface="SimSun" panose="02010600030101010101" pitchFamily="2" charset="-122"/>
-              </a:rPr>
-              <a:t>1</a:t>
-            </a:r>
-            <a:r>
-              <a:rPr lang="en-US" sz="1800" dirty="0">
-                <a:effectLst/>
-                <a:latin typeface="+mn-lt"/>
-                <a:ea typeface="SimSun" panose="02010600030101010101" pitchFamily="2" charset="-122"/>
-              </a:rPr>
-              <a:t> = Enc(K, m) and c</a:t>
-            </a:r>
-            <a:r>
-              <a:rPr lang="en-US" sz="1800" baseline="-25000" dirty="0">
-                <a:effectLst/>
-                <a:latin typeface="+mn-lt"/>
-                <a:ea typeface="SimSun" panose="02010600030101010101" pitchFamily="2" charset="-122"/>
-              </a:rPr>
-              <a:t>2</a:t>
-            </a:r>
-            <a:r>
-              <a:rPr lang="en-US" sz="1800" dirty="0">
-                <a:effectLst/>
-                <a:latin typeface="+mn-lt"/>
-                <a:ea typeface="SimSun" panose="02010600030101010101" pitchFamily="2" charset="-122"/>
-              </a:rPr>
-              <a:t> = MAC(K, c</a:t>
-            </a:r>
-            <a:r>
-              <a:rPr lang="en-US" sz="1800" baseline="-25000" dirty="0">
-                <a:effectLst/>
-                <a:latin typeface="+mn-lt"/>
-                <a:ea typeface="SimSun" panose="02010600030101010101" pitchFamily="2" charset="-122"/>
-              </a:rPr>
-              <a:t>1</a:t>
-            </a:r>
-            <a:r>
-              <a:rPr lang="en-US" sz="1800" dirty="0">
-                <a:effectLst/>
-                <a:latin typeface="+mn-lt"/>
-                <a:ea typeface="SimSun" panose="02010600030101010101" pitchFamily="2" charset="-122"/>
-              </a:rPr>
-              <a:t>)</a:t>
-            </a:r>
-          </a:p>
-          <a:p>
-            <a:pPr lvl="0">
-              <a:lnSpc>
-                <a:spcPct val="120000"/>
-              </a:lnSpc>
-              <a:buFont typeface="Wingdings" pitchFamily="2" charset="2"/>
-              <a:buChar char="Ø"/>
-              <a:tabLst>
-                <a:tab pos="180022" algn="l"/>
-              </a:tabLst>
-            </a:pPr>
-            <a:endParaRPr lang="en-US" dirty="0">
-              <a:latin typeface="+mn-lt"/>
-              <a:ea typeface="SimSun" panose="02010600030101010101" pitchFamily="2" charset="-122"/>
-            </a:endParaRPr>
-          </a:p>
-          <a:p>
-            <a:pPr lvl="0">
-              <a:lnSpc>
-                <a:spcPct val="120000"/>
-              </a:lnSpc>
-              <a:buFont typeface="Wingdings" pitchFamily="2" charset="2"/>
-              <a:buChar char="Ø"/>
-              <a:tabLst>
-                <a:tab pos="180022" algn="l"/>
-              </a:tabLst>
-            </a:pPr>
-            <a:endParaRPr lang="en-US" dirty="0">
-              <a:latin typeface="+mn-lt"/>
-              <a:ea typeface="SimSun" panose="02010600030101010101" pitchFamily="2" charset="-122"/>
-            </a:endParaRPr>
-          </a:p>
-        </p:txBody>
-      </p:sp>
-    </p:spTree>
-    <p:extLst>
-      <p:ext uri="{BB962C8B-B14F-4D97-AF65-F5344CB8AC3E}">
-        <p14:creationId xmlns:p14="http://schemas.microsoft.com/office/powerpoint/2010/main" val="656577949"/>
-      </p:ext>
-    </p:extLst>
-  </p:cSld>
-  <p:clrMapOvr>
-    <a:masterClrMapping/>
-  </p:clrMapOvr>
-</p:sld>
-</file>
-
-<file path=ppt/slides/slide8.xml><?xml version="1.0" encoding="utf-8"?>
-<p:sld xmlns:a="http://schemas.openxmlformats.org/drawingml/2006/main" xmlns:r="http://schemas.openxmlformats.org/officeDocument/2006/relationships" xmlns:p="http://schemas.openxmlformats.org/presentationml/2006/main">
-  <p:cSld>
-    <p:spTree>
-      <p:nvGrpSpPr>
-        <p:cNvPr id="1" name=""/>
-        <p:cNvGrpSpPr/>
-        <p:nvPr/>
-      </p:nvGrpSpPr>
-      <p:grpSpPr>
-        <a:xfrm>
-          <a:off x="0" y="0"/>
-          <a:ext cx="0" cy="0"/>
-          <a:chOff x="0" y="0"/>
-          <a:chExt cx="0" cy="0"/>
-        </a:xfrm>
-      </p:grpSpPr>
-      <p:sp>
-        <p:nvSpPr>
-          <p:cNvPr id="2" name="object 2"/>
-          <p:cNvSpPr txBox="1">
-            <a:spLocks noGrp="1"/>
-          </p:cNvSpPr>
-          <p:nvPr>
-            <p:ph type="title"/>
-          </p:nvPr>
-        </p:nvSpPr>
-        <p:spPr>
-          <a:xfrm>
-            <a:off x="102700" y="270875"/>
-            <a:ext cx="8520600" cy="453810"/>
-          </a:xfrm>
-          <a:prstGeom prst="rect">
-            <a:avLst/>
-          </a:prstGeom>
-        </p:spPr>
-        <p:txBody>
-          <a:bodyPr spcFirstLastPara="1" vert="horz" wrap="square" lIns="0" tIns="10001" rIns="0" bIns="0" rtlCol="0" anchor="t" anchorCtr="0">
-            <a:spAutoFit/>
-          </a:bodyPr>
-          <a:lstStyle/>
-          <a:p>
-            <a:pPr marL="9525">
-              <a:spcBef>
-                <a:spcPts val="79"/>
-              </a:spcBef>
-            </a:pPr>
-            <a:r>
-              <a:rPr lang="en-US" dirty="0"/>
-              <a:t>Assignment #2 (</a:t>
-            </a:r>
-            <a:r>
-              <a:rPr lang="en-US" dirty="0">
-                <a:latin typeface="+mn-lt"/>
-              </a:rPr>
               <a:t>Question 5</a:t>
             </a:r>
             <a:r>
@@ -8345,12 +12250,12 @@
 </p:sld>
 </file>
 
-<file path=ppt/slides/slide9.xml><?xml version="1.0" encoding="utf-8"?>
+<file path=ppt/slides/slide8.xml><?xml version="1.0" encoding="utf-8"?>
 <p:sld xmlns:a="http://schemas.openxmlformats.org/drawingml/2006/main" xmlns:r="http://schemas.openxmlformats.org/officeDocument/2006/relationships" xmlns:p="http://schemas.openxmlformats.org/presentationml/2006/main">
   <p:cSld>
     <p:spTree>
       <p:nvGrpSpPr>
-        <p:cNvPr id="1" name=""/>
+        <p:cNvPr id="1" name="Shape 70"/>
         <p:cNvGrpSpPr/>
         <p:nvPr/>
       </p:nvGrpSpPr>
@@ -8364,7 +12269,7 @@
       </p:grpSpPr>
       <p:sp>
         <p:nvSpPr>
-          <p:cNvPr id="2" name="object 2"/>
+          <p:cNvPr id="71" name="Google Shape;71;p16"/>
           <p:cNvSpPr txBox="1">
             <a:spLocks noGrp="1"/>
           </p:cNvSpPr>
@@ -8375,37 +12280,810 @@
         <p:spPr>
           <a:xfrm>
             <a:off x="102700" y="270875"/>
-            <a:ext cx="8520600" cy="453810"/>
+            <a:ext cx="8520600" cy="572700"/>
           </a:xfrm>
           <a:prstGeom prst="rect">
             <a:avLst/>
           </a:prstGeom>
         </p:spPr>
         <p:txBody>
-          <a:bodyPr spcFirstLastPara="1" vert="horz" wrap="square" lIns="0" tIns="10001" rIns="0" bIns="0" rtlCol="0" anchor="t" anchorCtr="0">
-            <a:spAutoFit/>
+          <a:bodyPr spcFirstLastPara="1" wrap="square" lIns="91425" tIns="91425" rIns="91425" bIns="91425" anchor="t" anchorCtr="0">
+            <a:normAutofit fontScale="90000"/>
           </a:bodyPr>
           <a:lstStyle/>
           <a:p>
-            <a:pPr marL="9525">
-              <a:spcBef>
-                <a:spcPts val="79"/>
-              </a:spcBef>
+            <a:pPr marL="0" lvl="0" indent="0" algn="l" rtl="0">
+              <a:spcBef>
+                <a:spcPts val="0"/>
+              </a:spcBef>
+              <a:spcAft>
+                <a:spcPts val="0"/>
+              </a:spcAft>
+              <a:buNone/>
             </a:pPr>
             <a:r>
-              <a:rPr lang="en-US" dirty="0"/>
-              <a:t>Public Key Encryption</a:t>
+              <a:rPr lang="en" dirty="0"/>
+              <a:t>Security Principles </a:t>
             </a:r>
             <a:endParaRPr dirty="0"/>
+          </a:p>
+        </p:txBody>
+      </p:sp>
+      <p:sp>
+        <p:nvSpPr>
+          <p:cNvPr id="72" name="Google Shape;72;p16"/>
+          <p:cNvSpPr txBox="1">
+            <a:spLocks noGrp="1"/>
+          </p:cNvSpPr>
+          <p:nvPr>
+            <p:ph type="body" idx="1"/>
+          </p:nvPr>
+        </p:nvSpPr>
+        <p:spPr>
+          <a:xfrm>
+            <a:off x="198500" y="1246825"/>
+            <a:ext cx="8520600" cy="3765600"/>
+          </a:xfrm>
+          <a:prstGeom prst="rect">
+            <a:avLst/>
+          </a:prstGeom>
+        </p:spPr>
+        <p:txBody>
+          <a:bodyPr spcFirstLastPara="1" wrap="square" lIns="91425" tIns="91425" rIns="91425" bIns="91425" anchor="t" anchorCtr="0">
+            <a:normAutofit/>
+          </a:bodyPr>
+          <a:lstStyle/>
+          <a:p>
+            <a:pPr marL="457200" lvl="0" indent="-342900" algn="l" rtl="0">
+              <a:spcBef>
+                <a:spcPts val="0"/>
+              </a:spcBef>
+              <a:spcAft>
+                <a:spcPts val="0"/>
+              </a:spcAft>
+              <a:buSzPts val="1800"/>
+              <a:buChar char="●"/>
+            </a:pPr>
+            <a:r>
+              <a:rPr lang="en-US" sz="2400" dirty="0"/>
+              <a:t>What are the security principles?</a:t>
+            </a:r>
+          </a:p>
+          <a:p>
+            <a:pPr marL="457200" lvl="0" indent="-342900" algn="l" rtl="0">
+              <a:spcBef>
+                <a:spcPts val="0"/>
+              </a:spcBef>
+              <a:spcAft>
+                <a:spcPts val="0"/>
+              </a:spcAft>
+              <a:buSzPts val="1800"/>
+              <a:buChar char="●"/>
+            </a:pPr>
+            <a:endParaRPr lang="en-US" sz="2400" b="1" dirty="0"/>
+          </a:p>
+          <a:p>
+            <a:pPr marL="457200" lvl="0" indent="-342900" algn="l" rtl="0">
+              <a:spcBef>
+                <a:spcPts val="0"/>
+              </a:spcBef>
+              <a:spcAft>
+                <a:spcPts val="0"/>
+              </a:spcAft>
+              <a:buSzPts val="1800"/>
+              <a:buChar char="●"/>
+            </a:pPr>
+            <a:r>
+              <a:rPr lang="en-US" sz="2400" dirty="0"/>
+              <a:t>Identify security examples being used </a:t>
+            </a:r>
+          </a:p>
+          <a:p>
+            <a:pPr marL="457200" lvl="0" indent="-342900" algn="l" rtl="0">
+              <a:spcBef>
+                <a:spcPts val="0"/>
+              </a:spcBef>
+              <a:spcAft>
+                <a:spcPts val="0"/>
+              </a:spcAft>
+              <a:buSzPts val="1800"/>
+              <a:buChar char="●"/>
+            </a:pPr>
+            <a:endParaRPr lang="en-US" sz="2400" b="1" dirty="0"/>
+          </a:p>
+          <a:p>
+            <a:pPr marL="457200" lvl="0" indent="-342900" algn="l" rtl="0">
+              <a:spcBef>
+                <a:spcPts val="0"/>
+              </a:spcBef>
+              <a:spcAft>
+                <a:spcPts val="0"/>
+              </a:spcAft>
+              <a:buSzPts val="1800"/>
+              <a:buChar char="●"/>
+            </a:pPr>
+            <a:r>
+              <a:rPr lang="en-US" sz="2400" dirty="0"/>
+              <a:t>Give real life examples of security principles</a:t>
+            </a:r>
+            <a:endParaRPr lang="en-US" sz="2000" dirty="0"/>
+          </a:p>
+          <a:p>
+            <a:pPr marL="457200" lvl="0" indent="-342900" algn="l" rtl="0">
+              <a:spcBef>
+                <a:spcPts val="0"/>
+              </a:spcBef>
+              <a:spcAft>
+                <a:spcPts val="0"/>
+              </a:spcAft>
+              <a:buSzPts val="1800"/>
+              <a:buChar char="●"/>
+            </a:pPr>
+            <a:endParaRPr lang="en-US" dirty="0"/>
+          </a:p>
+        </p:txBody>
+      </p:sp>
+      <p:sp>
+        <p:nvSpPr>
+          <p:cNvPr id="73" name="Google Shape;73;p16"/>
+          <p:cNvSpPr txBox="1">
+            <a:spLocks noGrp="1"/>
+          </p:cNvSpPr>
+          <p:nvPr>
+            <p:ph type="sldNum" idx="12"/>
+          </p:nvPr>
+        </p:nvSpPr>
+        <p:spPr>
+          <a:xfrm>
+            <a:off x="8472458" y="4663217"/>
+            <a:ext cx="548700" cy="393600"/>
+          </a:xfrm>
+          <a:prstGeom prst="rect">
+            <a:avLst/>
+          </a:prstGeom>
+        </p:spPr>
+        <p:txBody>
+          <a:bodyPr spcFirstLastPara="1" wrap="square" lIns="91425" tIns="91425" rIns="91425" bIns="91425" anchor="ctr" anchorCtr="0">
+            <a:normAutofit/>
+          </a:bodyPr>
+          <a:lstStyle/>
+          <a:p>
+            <a:pPr marL="0" lvl="0" indent="0" algn="r" rtl="0">
+              <a:spcBef>
+                <a:spcPts val="0"/>
+              </a:spcBef>
+              <a:spcAft>
+                <a:spcPts val="0"/>
+              </a:spcAft>
+              <a:buNone/>
+            </a:pPr>
+            <a:fld id="{00000000-1234-1234-1234-123412341234}" type="slidenum">
+              <a:rPr lang="en"/>
+              <a:t>8</a:t>
+            </a:fld>
+            <a:endParaRPr/>
           </a:p>
         </p:txBody>
       </p:sp>
     </p:spTree>
     <p:extLst>
       <p:ext uri="{BB962C8B-B14F-4D97-AF65-F5344CB8AC3E}">
-        <p14:creationId xmlns:p14="http://schemas.microsoft.com/office/powerpoint/2010/main" val="1501779891"/>
+        <p14:creationId xmlns:p14="http://schemas.microsoft.com/office/powerpoint/2010/main" val="2400967840"/>
       </p:ext>
     </p:extLst>
+  </p:cSld>
+  <p:clrMapOvr>
+    <a:masterClrMapping/>
+  </p:clrMapOvr>
+</p:sld>
+</file>
+
+<file path=ppt/slides/slide9.xml><?xml version="1.0" encoding="utf-8"?>
+<p:sld xmlns:a="http://schemas.openxmlformats.org/drawingml/2006/main" xmlns:r="http://schemas.openxmlformats.org/officeDocument/2006/relationships" xmlns:p="http://schemas.openxmlformats.org/presentationml/2006/main">
+  <p:cSld>
+    <p:spTree>
+      <p:nvGrpSpPr>
+        <p:cNvPr id="1" name="Shape 536"/>
+        <p:cNvGrpSpPr/>
+        <p:nvPr/>
+      </p:nvGrpSpPr>
+      <p:grpSpPr>
+        <a:xfrm>
+          <a:off x="0" y="0"/>
+          <a:ext cx="0" cy="0"/>
+          <a:chOff x="0" y="0"/>
+          <a:chExt cx="0" cy="0"/>
+        </a:xfrm>
+      </p:grpSpPr>
+      <p:sp>
+        <p:nvSpPr>
+          <p:cNvPr id="537" name="Google Shape;537;p58"/>
+          <p:cNvSpPr txBox="1">
+            <a:spLocks noGrp="1"/>
+          </p:cNvSpPr>
+          <p:nvPr>
+            <p:ph type="title"/>
+          </p:nvPr>
+        </p:nvSpPr>
+        <p:spPr>
+          <a:xfrm>
+            <a:off x="102700" y="270875"/>
+            <a:ext cx="8520600" cy="572700"/>
+          </a:xfrm>
+          <a:prstGeom prst="rect">
+            <a:avLst/>
+          </a:prstGeom>
+        </p:spPr>
+        <p:txBody>
+          <a:bodyPr spcFirstLastPara="1" wrap="square" lIns="91425" tIns="91425" rIns="91425" bIns="91425" anchor="t" anchorCtr="0">
+            <a:normAutofit fontScale="90000"/>
+          </a:bodyPr>
+          <a:lstStyle/>
+          <a:p>
+            <a:pPr marL="0" lvl="0" indent="0" algn="l" rtl="0">
+              <a:spcBef>
+                <a:spcPts val="0"/>
+              </a:spcBef>
+              <a:spcAft>
+                <a:spcPts val="0"/>
+              </a:spcAft>
+              <a:buNone/>
+            </a:pPr>
+            <a:r>
+              <a:rPr lang="en"/>
+              <a:t>Cryptography Roadmap</a:t>
+            </a:r>
+            <a:endParaRPr/>
+          </a:p>
+        </p:txBody>
+      </p:sp>
+      <p:graphicFrame>
+        <p:nvGraphicFramePr>
+          <p:cNvPr id="538" name="Google Shape;538;p58"/>
+          <p:cNvGraphicFramePr/>
+          <p:nvPr/>
+        </p:nvGraphicFramePr>
+        <p:xfrm>
+          <a:off x="311700" y="1310650"/>
+          <a:ext cx="8520600" cy="2387525"/>
+        </p:xfrm>
+        <a:graphic>
+          <a:graphicData uri="http://schemas.openxmlformats.org/drawingml/2006/table">
+            <a:tbl>
+              <a:tblPr>
+                <a:noFill/>
+              </a:tblPr>
+              <a:tblGrid>
+                <a:gridCol w="1739450">
+                  <a:extLst>
+                    <a:ext uri="{9D8B030D-6E8A-4147-A177-3AD203B41FA5}">
+                      <a16:colId xmlns:a16="http://schemas.microsoft.com/office/drawing/2014/main" val="20000"/>
+                    </a:ext>
+                  </a:extLst>
+                </a:gridCol>
+                <a:gridCol w="3241925">
+                  <a:extLst>
+                    <a:ext uri="{9D8B030D-6E8A-4147-A177-3AD203B41FA5}">
+                      <a16:colId xmlns:a16="http://schemas.microsoft.com/office/drawing/2014/main" val="20001"/>
+                    </a:ext>
+                  </a:extLst>
+                </a:gridCol>
+                <a:gridCol w="3539225">
+                  <a:extLst>
+                    <a:ext uri="{9D8B030D-6E8A-4147-A177-3AD203B41FA5}">
+                      <a16:colId xmlns:a16="http://schemas.microsoft.com/office/drawing/2014/main" val="20002"/>
+                    </a:ext>
+                  </a:extLst>
+                </a:gridCol>
+              </a:tblGrid>
+              <a:tr h="374550">
+                <a:tc>
+                  <a:txBody>
+                    <a:bodyPr/>
+                    <a:lstStyle/>
+                    <a:p>
+                      <a:pPr marL="0" lvl="0" indent="0" algn="l" rtl="0">
+                        <a:spcBef>
+                          <a:spcPts val="0"/>
+                        </a:spcBef>
+                        <a:spcAft>
+                          <a:spcPts val="0"/>
+                        </a:spcAft>
+                        <a:buNone/>
+                      </a:pPr>
+                      <a:endParaRPr sz="1600"/>
+                    </a:p>
+                  </a:txBody>
+                  <a:tcPr marL="91425" marR="91425" marT="91425" marB="91425"/>
+                </a:tc>
+                <a:tc>
+                  <a:txBody>
+                    <a:bodyPr/>
+                    <a:lstStyle/>
+                    <a:p>
+                      <a:pPr marL="0" lvl="0" indent="0" algn="l" rtl="0">
+                        <a:spcBef>
+                          <a:spcPts val="0"/>
+                        </a:spcBef>
+                        <a:spcAft>
+                          <a:spcPts val="0"/>
+                        </a:spcAft>
+                        <a:buNone/>
+                      </a:pPr>
+                      <a:r>
+                        <a:rPr lang="en" sz="1600" dirty="0"/>
+                        <a:t>Symmetric-key</a:t>
+                      </a:r>
+                      <a:endParaRPr sz="1600" dirty="0"/>
+                    </a:p>
+                  </a:txBody>
+                  <a:tcPr marL="91425" marR="91425" marT="91425" marB="91425"/>
+                </a:tc>
+                <a:tc>
+                  <a:txBody>
+                    <a:bodyPr/>
+                    <a:lstStyle/>
+                    <a:p>
+                      <a:pPr marL="0" lvl="0" indent="0" algn="l" rtl="0">
+                        <a:spcBef>
+                          <a:spcPts val="0"/>
+                        </a:spcBef>
+                        <a:spcAft>
+                          <a:spcPts val="0"/>
+                        </a:spcAft>
+                        <a:buNone/>
+                      </a:pPr>
+                      <a:r>
+                        <a:rPr lang="en" sz="1600"/>
+                        <a:t>Asymmetric-key</a:t>
+                      </a:r>
+                      <a:endParaRPr sz="1600"/>
+                    </a:p>
+                  </a:txBody>
+                  <a:tcPr marL="91425" marR="91425" marT="91425" marB="91425"/>
+                </a:tc>
+                <a:extLst>
+                  <a:ext uri="{0D108BD9-81ED-4DB2-BD59-A6C34878D82A}">
+                    <a16:rowId xmlns:a16="http://schemas.microsoft.com/office/drawing/2014/main" val="10000"/>
+                  </a:ext>
+                </a:extLst>
+              </a:tr>
+              <a:tr h="802625">
+                <a:tc>
+                  <a:txBody>
+                    <a:bodyPr/>
+                    <a:lstStyle/>
+                    <a:p>
+                      <a:pPr marL="0" lvl="0" indent="0" algn="l" rtl="0">
+                        <a:spcBef>
+                          <a:spcPts val="0"/>
+                        </a:spcBef>
+                        <a:spcAft>
+                          <a:spcPts val="0"/>
+                        </a:spcAft>
+                        <a:buNone/>
+                      </a:pPr>
+                      <a:r>
+                        <a:rPr lang="en" sz="1600"/>
+                        <a:t>Confidentiality</a:t>
+                      </a:r>
+                      <a:endParaRPr sz="1600"/>
+                    </a:p>
+                  </a:txBody>
+                  <a:tcPr marL="91425" marR="91425" marT="91425" marB="91425"/>
+                </a:tc>
+                <a:tc>
+                  <a:txBody>
+                    <a:bodyPr/>
+                    <a:lstStyle/>
+                    <a:p>
+                      <a:pPr marL="457200" lvl="0" indent="-330200" algn="l" rtl="0">
+                        <a:spcBef>
+                          <a:spcPts val="0"/>
+                        </a:spcBef>
+                        <a:spcAft>
+                          <a:spcPts val="0"/>
+                        </a:spcAft>
+                        <a:buSzPts val="1600"/>
+                        <a:buChar char="●"/>
+                      </a:pPr>
+                      <a:r>
+                        <a:rPr lang="en" sz="1600" dirty="0"/>
+                        <a:t>One-time pads</a:t>
+                      </a:r>
+                      <a:endParaRPr sz="1600" dirty="0"/>
+                    </a:p>
+                    <a:p>
+                      <a:pPr marL="457200" lvl="0" indent="-330200" algn="l" rtl="0">
+                        <a:spcBef>
+                          <a:spcPts val="0"/>
+                        </a:spcBef>
+                        <a:spcAft>
+                          <a:spcPts val="0"/>
+                        </a:spcAft>
+                        <a:buSzPts val="1600"/>
+                        <a:buChar char="●"/>
+                      </a:pPr>
+                      <a:r>
+                        <a:rPr lang="en" sz="1600" dirty="0"/>
+                        <a:t>Block ciphers with chaining modes (e.g. AES-CBC)</a:t>
+                      </a:r>
+                    </a:p>
+                    <a:p>
+                      <a:pPr marL="457200" lvl="0" indent="-330200" algn="l" rtl="0">
+                        <a:spcBef>
+                          <a:spcPts val="0"/>
+                        </a:spcBef>
+                        <a:spcAft>
+                          <a:spcPts val="0"/>
+                        </a:spcAft>
+                        <a:buClr>
+                          <a:schemeClr val="dk1"/>
+                        </a:buClr>
+                        <a:buSzPts val="1600"/>
+                        <a:buChar char="●"/>
+                      </a:pPr>
+                      <a:r>
+                        <a:rPr lang="en-US" sz="1600" dirty="0">
+                          <a:solidFill>
+                            <a:schemeClr val="dk1"/>
+                          </a:solidFill>
+                        </a:rPr>
+                        <a:t>Stream ciphers</a:t>
+                      </a:r>
+                      <a:endParaRPr lang="en-US" sz="1600" dirty="0"/>
+                    </a:p>
+                  </a:txBody>
+                  <a:tcPr marL="91425" marR="91425" marT="91425" marB="91425"/>
+                </a:tc>
+                <a:tc>
+                  <a:txBody>
+                    <a:bodyPr/>
+                    <a:lstStyle/>
+                    <a:p>
+                      <a:pPr marL="457200" lvl="0" indent="-330200" algn="l" rtl="0">
+                        <a:spcBef>
+                          <a:spcPts val="0"/>
+                        </a:spcBef>
+                        <a:spcAft>
+                          <a:spcPts val="0"/>
+                        </a:spcAft>
+                        <a:buSzPts val="1600"/>
+                        <a:buChar char="●"/>
+                      </a:pPr>
+                      <a:r>
+                        <a:rPr lang="en" sz="1600" dirty="0"/>
+                        <a:t>RSA encryption</a:t>
+                      </a:r>
+                      <a:endParaRPr sz="1600" dirty="0"/>
+                    </a:p>
+                    <a:p>
+                      <a:pPr marL="457200" lvl="0" indent="-330200" algn="l" rtl="0">
+                        <a:spcBef>
+                          <a:spcPts val="0"/>
+                        </a:spcBef>
+                        <a:spcAft>
+                          <a:spcPts val="0"/>
+                        </a:spcAft>
+                        <a:buSzPts val="1600"/>
+                        <a:buChar char="●"/>
+                      </a:pPr>
+                      <a:r>
+                        <a:rPr lang="en" sz="1600" dirty="0" err="1"/>
+                        <a:t>ElGamal</a:t>
+                      </a:r>
+                      <a:r>
+                        <a:rPr lang="en" sz="1600" dirty="0"/>
+                        <a:t> encryption</a:t>
+                      </a:r>
+                      <a:endParaRPr sz="1600" dirty="0"/>
+                    </a:p>
+                  </a:txBody>
+                  <a:tcPr marL="91425" marR="91425" marT="91425" marB="91425"/>
+                </a:tc>
+                <a:extLst>
+                  <a:ext uri="{0D108BD9-81ED-4DB2-BD59-A6C34878D82A}">
+                    <a16:rowId xmlns:a16="http://schemas.microsoft.com/office/drawing/2014/main" val="10001"/>
+                  </a:ext>
+                </a:extLst>
+              </a:tr>
+              <a:tr h="802625">
+                <a:tc>
+                  <a:txBody>
+                    <a:bodyPr/>
+                    <a:lstStyle/>
+                    <a:p>
+                      <a:pPr marL="0" lvl="0" indent="0" algn="l" rtl="0">
+                        <a:spcBef>
+                          <a:spcPts val="0"/>
+                        </a:spcBef>
+                        <a:spcAft>
+                          <a:spcPts val="0"/>
+                        </a:spcAft>
+                        <a:buNone/>
+                      </a:pPr>
+                      <a:r>
+                        <a:rPr lang="en" sz="1600"/>
+                        <a:t>Integrity,</a:t>
+                      </a:r>
+                      <a:br>
+                        <a:rPr lang="en" sz="1600"/>
+                      </a:br>
+                      <a:r>
+                        <a:rPr lang="en" sz="1600"/>
+                        <a:t>Authentication</a:t>
+                      </a:r>
+                      <a:endParaRPr sz="1600"/>
+                    </a:p>
+                  </a:txBody>
+                  <a:tcPr marL="91425" marR="91425" marT="91425" marB="91425"/>
+                </a:tc>
+                <a:tc>
+                  <a:txBody>
+                    <a:bodyPr/>
+                    <a:lstStyle/>
+                    <a:p>
+                      <a:pPr marL="457200" lvl="0" indent="-330200" algn="l" rtl="0">
+                        <a:spcBef>
+                          <a:spcPts val="0"/>
+                        </a:spcBef>
+                        <a:spcAft>
+                          <a:spcPts val="0"/>
+                        </a:spcAft>
+                        <a:buSzPts val="1600"/>
+                        <a:buChar char="●"/>
+                      </a:pPr>
+                      <a:r>
+                        <a:rPr lang="en" sz="1600"/>
+                        <a:t>MACs (e.g. HMAC)</a:t>
+                      </a:r>
+                      <a:endParaRPr sz="1600"/>
+                    </a:p>
+                  </a:txBody>
+                  <a:tcPr marL="91425" marR="91425" marT="91425" marB="91425"/>
+                </a:tc>
+                <a:tc>
+                  <a:txBody>
+                    <a:bodyPr/>
+                    <a:lstStyle/>
+                    <a:p>
+                      <a:pPr marL="457200" lvl="0" indent="-330200" algn="l" rtl="0">
+                        <a:spcBef>
+                          <a:spcPts val="0"/>
+                        </a:spcBef>
+                        <a:spcAft>
+                          <a:spcPts val="0"/>
+                        </a:spcAft>
+                        <a:buSzPts val="1600"/>
+                        <a:buChar char="●"/>
+                      </a:pPr>
+                      <a:r>
+                        <a:rPr lang="en" sz="1600" dirty="0"/>
+                        <a:t>Digital signatures (e.g. RSA signatures)</a:t>
+                      </a:r>
+                      <a:endParaRPr sz="1600" dirty="0"/>
+                    </a:p>
+                  </a:txBody>
+                  <a:tcPr marL="91425" marR="91425" marT="91425" marB="91425"/>
+                </a:tc>
+                <a:extLst>
+                  <a:ext uri="{0D108BD9-81ED-4DB2-BD59-A6C34878D82A}">
+                    <a16:rowId xmlns:a16="http://schemas.microsoft.com/office/drawing/2014/main" val="10002"/>
+                  </a:ext>
+                </a:extLst>
+              </a:tr>
+            </a:tbl>
+          </a:graphicData>
+        </a:graphic>
+      </p:graphicFrame>
+      <p:sp>
+        <p:nvSpPr>
+          <p:cNvPr id="539" name="Google Shape;539;p58"/>
+          <p:cNvSpPr txBox="1">
+            <a:spLocks noGrp="1"/>
+          </p:cNvSpPr>
+          <p:nvPr>
+            <p:ph type="body" idx="4294967295"/>
+          </p:nvPr>
+        </p:nvSpPr>
+        <p:spPr>
+          <a:xfrm>
+            <a:off x="198500" y="3844625"/>
+            <a:ext cx="4373400" cy="1167900"/>
+          </a:xfrm>
+          <a:prstGeom prst="rect">
+            <a:avLst/>
+          </a:prstGeom>
+        </p:spPr>
+        <p:txBody>
+          <a:bodyPr spcFirstLastPara="1" wrap="square" lIns="91425" tIns="91425" rIns="91425" bIns="91425" anchor="t" anchorCtr="0">
+            <a:normAutofit/>
+          </a:bodyPr>
+          <a:lstStyle/>
+          <a:p>
+            <a:pPr marL="457200" lvl="0" indent="-330200" algn="l" rtl="0">
+              <a:spcBef>
+                <a:spcPts val="0"/>
+              </a:spcBef>
+              <a:spcAft>
+                <a:spcPts val="0"/>
+              </a:spcAft>
+              <a:buSzPts val="1600"/>
+              <a:buChar char="●"/>
+            </a:pPr>
+            <a:r>
+              <a:rPr lang="en" sz="1600"/>
+              <a:t>Hash functions</a:t>
+            </a:r>
+            <a:endParaRPr sz="1600"/>
+          </a:p>
+          <a:p>
+            <a:pPr marL="457200" lvl="0" indent="-330200" algn="l" rtl="0">
+              <a:spcBef>
+                <a:spcPts val="0"/>
+              </a:spcBef>
+              <a:spcAft>
+                <a:spcPts val="0"/>
+              </a:spcAft>
+              <a:buSzPts val="1600"/>
+              <a:buChar char="●"/>
+            </a:pPr>
+            <a:r>
+              <a:rPr lang="en" sz="1600"/>
+              <a:t>Pseudorandom number generators</a:t>
+            </a:r>
+            <a:endParaRPr sz="1600"/>
+          </a:p>
+          <a:p>
+            <a:pPr marL="457200" lvl="0" indent="-330200" algn="l" rtl="0">
+              <a:spcBef>
+                <a:spcPts val="0"/>
+              </a:spcBef>
+              <a:spcAft>
+                <a:spcPts val="0"/>
+              </a:spcAft>
+              <a:buSzPts val="1600"/>
+              <a:buChar char="●"/>
+            </a:pPr>
+            <a:r>
+              <a:rPr lang="en" sz="1600"/>
+              <a:t>Public key exchange (e.g. Diffie-Hellman)</a:t>
+            </a:r>
+            <a:endParaRPr sz="1600"/>
+          </a:p>
+        </p:txBody>
+      </p:sp>
+      <p:sp>
+        <p:nvSpPr>
+          <p:cNvPr id="540" name="Google Shape;540;p58"/>
+          <p:cNvSpPr txBox="1"/>
+          <p:nvPr/>
+        </p:nvSpPr>
+        <p:spPr>
+          <a:xfrm>
+            <a:off x="5175399" y="3844625"/>
+            <a:ext cx="3518091" cy="750945"/>
+          </a:xfrm>
+          <a:prstGeom prst="rect">
+            <a:avLst/>
+          </a:prstGeom>
+          <a:noFill/>
+          <a:ln>
+            <a:noFill/>
+          </a:ln>
+        </p:spPr>
+        <p:txBody>
+          <a:bodyPr spcFirstLastPara="1" wrap="square" lIns="91425" tIns="91425" rIns="91425" bIns="91425" anchor="t" anchorCtr="0">
+            <a:spAutoFit/>
+          </a:bodyPr>
+          <a:lstStyle/>
+          <a:p>
+            <a:pPr marL="457200" lvl="0" indent="-330200" algn="l" rtl="0">
+              <a:lnSpc>
+                <a:spcPct val="115000"/>
+              </a:lnSpc>
+              <a:spcBef>
+                <a:spcPts val="0"/>
+              </a:spcBef>
+              <a:spcAft>
+                <a:spcPts val="0"/>
+              </a:spcAft>
+              <a:buClr>
+                <a:schemeClr val="dk1"/>
+              </a:buClr>
+              <a:buSzPts val="1600"/>
+              <a:buChar char="●"/>
+            </a:pPr>
+            <a:r>
+              <a:rPr lang="en" sz="1600" dirty="0">
+                <a:solidFill>
+                  <a:schemeClr val="dk1"/>
+                </a:solidFill>
+              </a:rPr>
+              <a:t>Key management (certificates)</a:t>
+            </a:r>
+            <a:endParaRPr sz="1600" dirty="0">
+              <a:solidFill>
+                <a:schemeClr val="dk1"/>
+              </a:solidFill>
+            </a:endParaRPr>
+          </a:p>
+          <a:p>
+            <a:pPr marL="457200" lvl="0" indent="-330200" algn="l" rtl="0">
+              <a:lnSpc>
+                <a:spcPct val="115000"/>
+              </a:lnSpc>
+              <a:spcBef>
+                <a:spcPts val="0"/>
+              </a:spcBef>
+              <a:spcAft>
+                <a:spcPts val="0"/>
+              </a:spcAft>
+              <a:buClr>
+                <a:schemeClr val="dk1"/>
+              </a:buClr>
+              <a:buSzPts val="1600"/>
+              <a:buChar char="●"/>
+            </a:pPr>
+            <a:r>
+              <a:rPr lang="en" sz="1600" dirty="0">
+                <a:solidFill>
+                  <a:schemeClr val="dk1"/>
+                </a:solidFill>
+              </a:rPr>
+              <a:t>Password management</a:t>
+            </a:r>
+            <a:endParaRPr sz="1600" dirty="0">
+              <a:solidFill>
+                <a:schemeClr val="dk1"/>
+              </a:solidFill>
+            </a:endParaRPr>
+          </a:p>
+        </p:txBody>
+      </p:sp>
+      <p:sp>
+        <p:nvSpPr>
+          <p:cNvPr id="541" name="Google Shape;541;p58"/>
+          <p:cNvSpPr txBox="1">
+            <a:spLocks noGrp="1"/>
+          </p:cNvSpPr>
+          <p:nvPr>
+            <p:ph type="sldNum" idx="12"/>
+          </p:nvPr>
+        </p:nvSpPr>
+        <p:spPr>
+          <a:xfrm>
+            <a:off x="8472458" y="4663217"/>
+            <a:ext cx="548700" cy="393600"/>
+          </a:xfrm>
+          <a:prstGeom prst="rect">
+            <a:avLst/>
+          </a:prstGeom>
+        </p:spPr>
+        <p:txBody>
+          <a:bodyPr spcFirstLastPara="1" wrap="square" lIns="91425" tIns="91425" rIns="91425" bIns="91425" anchor="ctr" anchorCtr="0">
+            <a:normAutofit/>
+          </a:bodyPr>
+          <a:lstStyle/>
+          <a:p>
+            <a:pPr marL="0" lvl="0" indent="0" algn="r" rtl="0">
+              <a:spcBef>
+                <a:spcPts val="0"/>
+              </a:spcBef>
+              <a:spcAft>
+                <a:spcPts val="0"/>
+              </a:spcAft>
+              <a:buNone/>
+            </a:pPr>
+            <a:fld id="{00000000-1234-1234-1234-123412341234}" type="slidenum">
+              <a:rPr lang="en"/>
+              <a:t>9</a:t>
+            </a:fld>
+            <a:endParaRPr/>
+          </a:p>
+        </p:txBody>
+      </p:sp>
+    </p:spTree>
   </p:cSld>
   <p:clrMapOvr>
     <a:masterClrMapping/>

--- a/teaching/ITIS6200/2023fa/lectures/Midterm.review.pptx
+++ b/teaching/ITIS6200/2023fa/lectures/Midterm.review.pptx
@@ -5894,7 +5894,7 @@
         <p:spPr>
           <a:xfrm>
             <a:off x="389202" y="1258275"/>
-            <a:ext cx="6933915" cy="3765600"/>
+            <a:ext cx="7644137" cy="3765600"/>
           </a:xfrm>
           <a:prstGeom prst="rect">
             <a:avLst/>
@@ -5980,11 +5980,12 @@
           <a:p>
             <a:pPr lvl="2" indent="-342900">
               <a:buSzPts val="1800"/>
+              <a:buFont typeface="Arial"/>
               <a:buChar char="●"/>
             </a:pPr>
             <a:r>
               <a:rPr lang="en" sz="1600" dirty="0"/>
-              <a:t>Try to stick with the key points. You don’t need more a couple of sentences if you really know the answers</a:t>
+              <a:t>Bullets of key points are much clearer</a:t>
             </a:r>
           </a:p>
           <a:p>
@@ -5994,7 +5995,7 @@
             </a:pPr>
             <a:r>
               <a:rPr lang="en" sz="1600" dirty="0"/>
-              <a:t>Bullets of key points are much clearer</a:t>
+              <a:t>Try to stick with the key points. You don’t need more than a couple of sentences if you really know the answers</a:t>
             </a:r>
           </a:p>
           <a:p>
@@ -7118,432 +7119,6 @@
   <p:clrMapOvr>
     <a:masterClrMapping/>
   </p:clrMapOvr>
-  <p:timing>
-    <p:tnLst>
-      <p:par>
-        <p:cTn id="1" dur="indefinite" restart="never" nodeType="tmRoot">
-          <p:childTnLst>
-            <p:seq concurrent="1" nextAc="seek">
-              <p:cTn id="2" dur="indefinite" nodeType="mainSeq">
-                <p:childTnLst>
-                  <p:par>
-                    <p:cTn id="3" fill="hold">
-                      <p:stCondLst>
-                        <p:cond delay="indefinite"/>
-                      </p:stCondLst>
-                      <p:childTnLst>
-                        <p:par>
-                          <p:cTn id="4" fill="hold">
-                            <p:stCondLst>
-                              <p:cond delay="0"/>
-                            </p:stCondLst>
-                            <p:childTnLst>
-                              <p:par>
-                                <p:cTn id="5" presetID="1" presetClass="entr" presetSubtype="0" fill="hold" nodeType="clickEffect">
-                                  <p:stCondLst>
-                                    <p:cond delay="0"/>
-                                  </p:stCondLst>
-                                  <p:childTnLst>
-                                    <p:set>
-                                      <p:cBhvr>
-                                        <p:cTn id="6" dur="1" fill="hold">
-                                          <p:stCondLst>
-                                            <p:cond delay="0"/>
-                                          </p:stCondLst>
-                                        </p:cTn>
-                                        <p:tgtEl>
-                                          <p:spTgt spid="571">
-                                            <p:txEl>
-                                              <p:pRg st="1" end="1"/>
-                                            </p:txEl>
-                                          </p:spTgt>
-                                        </p:tgtEl>
-                                        <p:attrNameLst>
-                                          <p:attrName>style.visibility</p:attrName>
-                                        </p:attrNameLst>
-                                      </p:cBhvr>
-                                      <p:to>
-                                        <p:strVal val="visible"/>
-                                      </p:to>
-                                    </p:set>
-                                  </p:childTnLst>
-                                </p:cTn>
-                              </p:par>
-                              <p:par>
-                                <p:cTn id="7" presetID="1" presetClass="entr" presetSubtype="0" fill="hold" grpId="0" nodeType="withEffect">
-                                  <p:stCondLst>
-                                    <p:cond delay="0"/>
-                                  </p:stCondLst>
-                                  <p:childTnLst>
-                                    <p:set>
-                                      <p:cBhvr>
-                                        <p:cTn id="8" dur="1" fill="hold">
-                                          <p:stCondLst>
-                                            <p:cond delay="0"/>
-                                          </p:stCondLst>
-                                        </p:cTn>
-                                        <p:tgtEl>
-                                          <p:spTgt spid="576"/>
-                                        </p:tgtEl>
-                                        <p:attrNameLst>
-                                          <p:attrName>style.visibility</p:attrName>
-                                        </p:attrNameLst>
-                                      </p:cBhvr>
-                                      <p:to>
-                                        <p:strVal val="visible"/>
-                                      </p:to>
-                                    </p:set>
-                                  </p:childTnLst>
-                                </p:cTn>
-                              </p:par>
-                              <p:par>
-                                <p:cTn id="9" presetID="1" presetClass="entr" presetSubtype="0" fill="hold" grpId="0" nodeType="withEffect">
-                                  <p:stCondLst>
-                                    <p:cond delay="0"/>
-                                  </p:stCondLst>
-                                  <p:childTnLst>
-                                    <p:set>
-                                      <p:cBhvr>
-                                        <p:cTn id="10" dur="1" fill="hold">
-                                          <p:stCondLst>
-                                            <p:cond delay="0"/>
-                                          </p:stCondLst>
-                                        </p:cTn>
-                                        <p:tgtEl>
-                                          <p:spTgt spid="584"/>
-                                        </p:tgtEl>
-                                        <p:attrNameLst>
-                                          <p:attrName>style.visibility</p:attrName>
-                                        </p:attrNameLst>
-                                      </p:cBhvr>
-                                      <p:to>
-                                        <p:strVal val="visible"/>
-                                      </p:to>
-                                    </p:set>
-                                  </p:childTnLst>
-                                </p:cTn>
-                              </p:par>
-                            </p:childTnLst>
-                          </p:cTn>
-                        </p:par>
-                      </p:childTnLst>
-                    </p:cTn>
-                  </p:par>
-                  <p:par>
-                    <p:cTn id="11" fill="hold">
-                      <p:stCondLst>
-                        <p:cond delay="indefinite"/>
-                      </p:stCondLst>
-                      <p:childTnLst>
-                        <p:par>
-                          <p:cTn id="12" fill="hold">
-                            <p:stCondLst>
-                              <p:cond delay="0"/>
-                            </p:stCondLst>
-                            <p:childTnLst>
-                              <p:par>
-                                <p:cTn id="13" presetID="1" presetClass="entr" presetSubtype="0" fill="hold" nodeType="clickEffect">
-                                  <p:stCondLst>
-                                    <p:cond delay="0"/>
-                                  </p:stCondLst>
-                                  <p:childTnLst>
-                                    <p:set>
-                                      <p:cBhvr>
-                                        <p:cTn id="14" dur="1" fill="hold">
-                                          <p:stCondLst>
-                                            <p:cond delay="0"/>
-                                          </p:stCondLst>
-                                        </p:cTn>
-                                        <p:tgtEl>
-                                          <p:spTgt spid="571">
-                                            <p:txEl>
-                                              <p:pRg st="2" end="2"/>
-                                            </p:txEl>
-                                          </p:spTgt>
-                                        </p:tgtEl>
-                                        <p:attrNameLst>
-                                          <p:attrName>style.visibility</p:attrName>
-                                        </p:attrNameLst>
-                                      </p:cBhvr>
-                                      <p:to>
-                                        <p:strVal val="visible"/>
-                                      </p:to>
-                                    </p:set>
-                                  </p:childTnLst>
-                                </p:cTn>
-                              </p:par>
-                              <p:par>
-                                <p:cTn id="15" presetID="1" presetClass="entr" presetSubtype="0" fill="hold" nodeType="withEffect">
-                                  <p:stCondLst>
-                                    <p:cond delay="0"/>
-                                  </p:stCondLst>
-                                  <p:childTnLst>
-                                    <p:set>
-                                      <p:cBhvr>
-                                        <p:cTn id="16" dur="1" fill="hold">
-                                          <p:stCondLst>
-                                            <p:cond delay="0"/>
-                                          </p:stCondLst>
-                                        </p:cTn>
-                                        <p:tgtEl>
-                                          <p:spTgt spid="578"/>
-                                        </p:tgtEl>
-                                        <p:attrNameLst>
-                                          <p:attrName>style.visibility</p:attrName>
-                                        </p:attrNameLst>
-                                      </p:cBhvr>
-                                      <p:to>
-                                        <p:strVal val="visible"/>
-                                      </p:to>
-                                    </p:set>
-                                  </p:childTnLst>
-                                </p:cTn>
-                              </p:par>
-                              <p:par>
-                                <p:cTn id="17" presetID="1" presetClass="entr" presetSubtype="0" fill="hold" nodeType="withEffect">
-                                  <p:stCondLst>
-                                    <p:cond delay="0"/>
-                                  </p:stCondLst>
-                                  <p:childTnLst>
-                                    <p:set>
-                                      <p:cBhvr>
-                                        <p:cTn id="18" dur="1" fill="hold">
-                                          <p:stCondLst>
-                                            <p:cond delay="0"/>
-                                          </p:stCondLst>
-                                        </p:cTn>
-                                        <p:tgtEl>
-                                          <p:spTgt spid="581"/>
-                                        </p:tgtEl>
-                                        <p:attrNameLst>
-                                          <p:attrName>style.visibility</p:attrName>
-                                        </p:attrNameLst>
-                                      </p:cBhvr>
-                                      <p:to>
-                                        <p:strVal val="visible"/>
-                                      </p:to>
-                                    </p:set>
-                                  </p:childTnLst>
-                                </p:cTn>
-                              </p:par>
-                              <p:par>
-                                <p:cTn id="19" presetID="1" presetClass="entr" presetSubtype="0" fill="hold" grpId="0" nodeType="withEffect">
-                                  <p:stCondLst>
-                                    <p:cond delay="0"/>
-                                  </p:stCondLst>
-                                  <p:childTnLst>
-                                    <p:set>
-                                      <p:cBhvr>
-                                        <p:cTn id="20" dur="1" fill="hold">
-                                          <p:stCondLst>
-                                            <p:cond delay="0"/>
-                                          </p:stCondLst>
-                                        </p:cTn>
-                                        <p:tgtEl>
-                                          <p:spTgt spid="580"/>
-                                        </p:tgtEl>
-                                        <p:attrNameLst>
-                                          <p:attrName>style.visibility</p:attrName>
-                                        </p:attrNameLst>
-                                      </p:cBhvr>
-                                      <p:to>
-                                        <p:strVal val="visible"/>
-                                      </p:to>
-                                    </p:set>
-                                  </p:childTnLst>
-                                </p:cTn>
-                              </p:par>
-                              <p:par>
-                                <p:cTn id="21" presetID="1" presetClass="entr" presetSubtype="0" fill="hold" nodeType="withEffect">
-                                  <p:stCondLst>
-                                    <p:cond delay="0"/>
-                                  </p:stCondLst>
-                                  <p:childTnLst>
-                                    <p:set>
-                                      <p:cBhvr>
-                                        <p:cTn id="22" dur="1" fill="hold">
-                                          <p:stCondLst>
-                                            <p:cond delay="0"/>
-                                          </p:stCondLst>
-                                        </p:cTn>
-                                        <p:tgtEl>
-                                          <p:spTgt spid="582"/>
-                                        </p:tgtEl>
-                                        <p:attrNameLst>
-                                          <p:attrName>style.visibility</p:attrName>
-                                        </p:attrNameLst>
-                                      </p:cBhvr>
-                                      <p:to>
-                                        <p:strVal val="visible"/>
-                                      </p:to>
-                                    </p:set>
-                                  </p:childTnLst>
-                                </p:cTn>
-                              </p:par>
-                            </p:childTnLst>
-                          </p:cTn>
-                        </p:par>
-                      </p:childTnLst>
-                    </p:cTn>
-                  </p:par>
-                  <p:par>
-                    <p:cTn id="23" fill="hold">
-                      <p:stCondLst>
-                        <p:cond delay="indefinite"/>
-                      </p:stCondLst>
-                      <p:childTnLst>
-                        <p:par>
-                          <p:cTn id="24" fill="hold">
-                            <p:stCondLst>
-                              <p:cond delay="0"/>
-                            </p:stCondLst>
-                            <p:childTnLst>
-                              <p:par>
-                                <p:cTn id="25" presetID="1" presetClass="entr" presetSubtype="0" fill="hold" nodeType="clickEffect">
-                                  <p:stCondLst>
-                                    <p:cond delay="0"/>
-                                  </p:stCondLst>
-                                  <p:childTnLst>
-                                    <p:set>
-                                      <p:cBhvr>
-                                        <p:cTn id="26" dur="1" fill="hold">
-                                          <p:stCondLst>
-                                            <p:cond delay="0"/>
-                                          </p:stCondLst>
-                                        </p:cTn>
-                                        <p:tgtEl>
-                                          <p:spTgt spid="571">
-                                            <p:txEl>
-                                              <p:pRg st="3" end="3"/>
-                                            </p:txEl>
-                                          </p:spTgt>
-                                        </p:tgtEl>
-                                        <p:attrNameLst>
-                                          <p:attrName>style.visibility</p:attrName>
-                                        </p:attrNameLst>
-                                      </p:cBhvr>
-                                      <p:to>
-                                        <p:strVal val="visible"/>
-                                      </p:to>
-                                    </p:set>
-                                  </p:childTnLst>
-                                </p:cTn>
-                              </p:par>
-                              <p:par>
-                                <p:cTn id="27" presetID="1" presetClass="entr" presetSubtype="0" fill="hold" nodeType="withEffect">
-                                  <p:stCondLst>
-                                    <p:cond delay="0"/>
-                                  </p:stCondLst>
-                                  <p:childTnLst>
-                                    <p:set>
-                                      <p:cBhvr>
-                                        <p:cTn id="28" dur="1" fill="hold">
-                                          <p:stCondLst>
-                                            <p:cond delay="0"/>
-                                          </p:stCondLst>
-                                        </p:cTn>
-                                        <p:tgtEl>
-                                          <p:spTgt spid="585"/>
-                                        </p:tgtEl>
-                                        <p:attrNameLst>
-                                          <p:attrName>style.visibility</p:attrName>
-                                        </p:attrNameLst>
-                                      </p:cBhvr>
-                                      <p:to>
-                                        <p:strVal val="visible"/>
-                                      </p:to>
-                                    </p:set>
-                                  </p:childTnLst>
-                                </p:cTn>
-                              </p:par>
-                              <p:par>
-                                <p:cTn id="29" presetID="1" presetClass="entr" presetSubtype="0" fill="hold" nodeType="withEffect">
-                                  <p:stCondLst>
-                                    <p:cond delay="0"/>
-                                  </p:stCondLst>
-                                  <p:childTnLst>
-                                    <p:set>
-                                      <p:cBhvr>
-                                        <p:cTn id="30" dur="1" fill="hold">
-                                          <p:stCondLst>
-                                            <p:cond delay="0"/>
-                                          </p:stCondLst>
-                                        </p:cTn>
-                                        <p:tgtEl>
-                                          <p:spTgt spid="587"/>
-                                        </p:tgtEl>
-                                        <p:attrNameLst>
-                                          <p:attrName>style.visibility</p:attrName>
-                                        </p:attrNameLst>
-                                      </p:cBhvr>
-                                      <p:to>
-                                        <p:strVal val="visible"/>
-                                      </p:to>
-                                    </p:set>
-                                  </p:childTnLst>
-                                </p:cTn>
-                              </p:par>
-                              <p:par>
-                                <p:cTn id="31" presetID="1" presetClass="entr" presetSubtype="0" fill="hold" grpId="0" nodeType="withEffect">
-                                  <p:stCondLst>
-                                    <p:cond delay="0"/>
-                                  </p:stCondLst>
-                                  <p:childTnLst>
-                                    <p:set>
-                                      <p:cBhvr>
-                                        <p:cTn id="32" dur="1" fill="hold">
-                                          <p:stCondLst>
-                                            <p:cond delay="0"/>
-                                          </p:stCondLst>
-                                        </p:cTn>
-                                        <p:tgtEl>
-                                          <p:spTgt spid="586"/>
-                                        </p:tgtEl>
-                                        <p:attrNameLst>
-                                          <p:attrName>style.visibility</p:attrName>
-                                        </p:attrNameLst>
-                                      </p:cBhvr>
-                                      <p:to>
-                                        <p:strVal val="visible"/>
-                                      </p:to>
-                                    </p:set>
-                                  </p:childTnLst>
-                                </p:cTn>
-                              </p:par>
-                            </p:childTnLst>
-                          </p:cTn>
-                        </p:par>
-                      </p:childTnLst>
-                    </p:cTn>
-                  </p:par>
-                </p:childTnLst>
-              </p:cTn>
-              <p:prevCondLst>
-                <p:cond evt="onPrev" delay="0">
-                  <p:tgtEl>
-                    <p:sldTgt/>
-                  </p:tgtEl>
-                </p:cond>
-              </p:prevCondLst>
-              <p:nextCondLst>
-                <p:cond evt="onNext" delay="0">
-                  <p:tgtEl>
-                    <p:sldTgt/>
-                  </p:tgtEl>
-                </p:cond>
-              </p:nextCondLst>
-            </p:seq>
-          </p:childTnLst>
-        </p:cTn>
-      </p:par>
-    </p:tnLst>
-    <p:bldLst>
-      <p:bldP spid="576" grpId="0" animBg="1"/>
-      <p:bldP spid="580" grpId="0" animBg="1"/>
-      <p:bldP spid="584" grpId="0" animBg="1"/>
-      <p:bldP spid="586" grpId="0" animBg="1"/>
-    </p:bldLst>
-  </p:timing>
 </p:sld>
 </file>
 
@@ -7642,157 +7217,39 @@
               <a:buChar char="●"/>
             </a:pPr>
             <a:r>
-              <a:rPr lang="en" dirty="0" err="1"/>
-              <a:t>KeyGen</a:t>
-            </a:r>
-            <a:r>
-              <a:rPr lang="en" dirty="0"/>
-              <a:t>()</a:t>
+              <a:rPr lang="en-US" dirty="0"/>
+              <a:t>How does it work? </a:t>
             </a:r>
             <a:endParaRPr dirty="0"/>
           </a:p>
           <a:p>
-            <a:pPr marL="914400" lvl="1" indent="-317500" algn="l" rtl="0">
-              <a:spcBef>
-                <a:spcPts val="0"/>
-              </a:spcBef>
-              <a:spcAft>
-                <a:spcPts val="0"/>
-              </a:spcAft>
-              <a:buSzPts val="1400"/>
-              <a:buChar char="○"/>
+            <a:pPr lvl="1"/>
+            <a:r>
+              <a:rPr lang="en" sz="1600" dirty="0"/>
+              <a:t>How does encryption work? Formula?</a:t>
+            </a:r>
+          </a:p>
+          <a:p>
+            <a:pPr lvl="1"/>
+            <a:r>
+              <a:rPr lang="en" sz="1600" dirty="0"/>
+              <a:t>How does decryption work? Formula? </a:t>
+            </a:r>
+          </a:p>
+          <a:p>
+            <a:pPr marL="114300" indent="0">
+              <a:buNone/>
             </a:pPr>
-            <a:r>
-              <a:rPr lang="en" sz="1600" dirty="0"/>
-              <a:t>Randomly generate an </a:t>
-            </a:r>
-            <a:r>
-              <a:rPr lang="en" sz="1600" i="1" dirty="0"/>
-              <a:t>n</a:t>
-            </a:r>
-            <a:r>
-              <a:rPr lang="en" sz="1600" dirty="0"/>
-              <a:t>-bit key</a:t>
-            </a:r>
-            <a:endParaRPr sz="1600" b="1" dirty="0"/>
-          </a:p>
-          <a:p>
-            <a:pPr marL="457200" lvl="0" indent="-342900" algn="l" rtl="0">
-              <a:spcBef>
-                <a:spcPts val="0"/>
-              </a:spcBef>
-              <a:spcAft>
-                <a:spcPts val="0"/>
-              </a:spcAft>
-              <a:buSzPts val="1800"/>
-              <a:buChar char="●"/>
-            </a:pPr>
-            <a:r>
-              <a:rPr lang="en" dirty="0"/>
-              <a:t>Enc(</a:t>
-            </a:r>
-            <a:r>
-              <a:rPr lang="en" i="1" dirty="0"/>
-              <a:t>K</a:t>
-            </a:r>
-            <a:r>
-              <a:rPr lang="en" dirty="0"/>
-              <a:t>, </a:t>
-            </a:r>
-            <a:r>
-              <a:rPr lang="en" i="1" dirty="0"/>
-              <a:t>M</a:t>
-            </a:r>
-            <a:r>
-              <a:rPr lang="en" dirty="0"/>
-              <a:t>) = </a:t>
-            </a:r>
-            <a:r>
-              <a:rPr lang="en" i="1" dirty="0"/>
-              <a:t>K</a:t>
-            </a:r>
-            <a:r>
-              <a:rPr lang="en" dirty="0"/>
-              <a:t> ⊕ </a:t>
-            </a:r>
-            <a:r>
-              <a:rPr lang="en" i="1" dirty="0"/>
-              <a:t>M</a:t>
-            </a:r>
-            <a:endParaRPr i="1" dirty="0"/>
-          </a:p>
-          <a:p>
-            <a:pPr lvl="1"/>
-            <a:r>
-              <a:rPr lang="en" sz="1600" dirty="0"/>
-              <a:t>Ci = Ki ⊕ Mi</a:t>
-            </a:r>
-            <a:endParaRPr sz="1600" dirty="0"/>
-          </a:p>
-          <a:p>
-            <a:pPr marL="457200" lvl="0" indent="-342900" algn="l" rtl="0">
-              <a:spcBef>
-                <a:spcPts val="0"/>
-              </a:spcBef>
-              <a:spcAft>
-                <a:spcPts val="0"/>
-              </a:spcAft>
-              <a:buSzPts val="1800"/>
-              <a:buChar char="●"/>
-            </a:pPr>
-            <a:r>
-              <a:rPr lang="en" dirty="0"/>
-              <a:t>Dec(</a:t>
-            </a:r>
-            <a:r>
-              <a:rPr lang="en" i="1" dirty="0"/>
-              <a:t>K</a:t>
-            </a:r>
-            <a:r>
-              <a:rPr lang="en" dirty="0"/>
-              <a:t>, </a:t>
-            </a:r>
-            <a:r>
-              <a:rPr lang="en" i="1" dirty="0"/>
-              <a:t>C</a:t>
-            </a:r>
-            <a:r>
-              <a:rPr lang="en" dirty="0"/>
-              <a:t>) = </a:t>
-            </a:r>
-            <a:r>
-              <a:rPr lang="en" i="1" dirty="0"/>
-              <a:t>K</a:t>
-            </a:r>
-            <a:r>
-              <a:rPr lang="en" dirty="0"/>
-              <a:t> ⊕ </a:t>
-            </a:r>
-            <a:r>
-              <a:rPr lang="en" i="1" dirty="0"/>
-              <a:t>C</a:t>
-            </a:r>
-            <a:endParaRPr sz="1800" dirty="0"/>
-          </a:p>
-          <a:p>
-            <a:pPr lvl="1"/>
-            <a:r>
-              <a:rPr lang="en" sz="1600" dirty="0"/>
-              <a:t>Mi = Ki ⊕ Ci</a:t>
-            </a:r>
+            <a:endParaRPr lang="en" dirty="0"/>
           </a:p>
           <a:p>
             <a:r>
               <a:rPr lang="en-US" dirty="0"/>
-              <a:t>Alice and Bob use a different key (or pad) for each encryption </a:t>
-            </a:r>
-          </a:p>
-          <a:p>
-            <a:pPr lvl="1"/>
-            <a:r>
-              <a:rPr lang="en-US" sz="1600" dirty="0"/>
-              <a:t>(this is the “one-time” in one-time pad).</a:t>
-            </a:r>
+              <a:t>Why is it called One-Time Pad? </a:t>
+            </a:r>
+          </a:p>
+          <a:p>
+            <a:endParaRPr lang="en-US" dirty="0"/>
           </a:p>
           <a:p>
             <a:r>
@@ -7805,14 +7262,25 @@
             <a:pPr lvl="1"/>
             <a:r>
               <a:rPr lang="en-US" sz="1600" dirty="0"/>
-              <a:t>What if we reuse the same key for different messages?  Do we still have IND-CPA? </a:t>
-            </a:r>
-          </a:p>
-          <a:p>
-            <a:r>
-              <a:rPr lang="en-US" sz="2000" dirty="0"/>
               <a:t>What is IND-CPA secure? What is the IND-CPA game?</a:t>
             </a:r>
+          </a:p>
+          <a:p>
+            <a:pPr lvl="1"/>
+            <a:r>
+              <a:rPr lang="en-US" sz="1600" dirty="0"/>
+              <a:t>Does One-Time Pad have IND-CPA? </a:t>
+            </a:r>
+          </a:p>
+          <a:p>
+            <a:pPr lvl="1"/>
+            <a:r>
+              <a:rPr lang="en-US" sz="1600" dirty="0"/>
+              <a:t>What if we reuse the same key for different messages? Do we still have IND-CPA? </a:t>
+            </a:r>
+          </a:p>
+          <a:p>
+            <a:endParaRPr lang="en-US" sz="2000" dirty="0"/>
           </a:p>
         </p:txBody>
       </p:sp>
@@ -7914,15 +7382,33 @@
                                   </p:childTnLst>
                                 </p:cTn>
                               </p:par>
+                            </p:childTnLst>
+                          </p:cTn>
+                        </p:par>
+                      </p:childTnLst>
+                    </p:cTn>
+                  </p:par>
+                  <p:par>
+                    <p:cTn id="7" fill="hold">
+                      <p:stCondLst>
+                        <p:cond delay="indefinite"/>
+                      </p:stCondLst>
+                      <p:childTnLst>
+                        <p:par>
+                          <p:cTn id="8" fill="hold">
+                            <p:stCondLst>
+                              <p:cond delay="0"/>
+                            </p:stCondLst>
+                            <p:childTnLst>
                               <p:par>
-                                <p:cTn id="7" presetID="1" presetClass="entr" presetSubtype="0" fill="hold" nodeType="withEffect">
+                                <p:cTn id="9" presetID="1" presetClass="entr" presetSubtype="0" fill="hold" nodeType="clickEffect">
                                   <p:stCondLst>
                                     <p:cond delay="0"/>
                                   </p:stCondLst>
                                   <p:childTnLst>
                                     <p:set>
                                       <p:cBhvr>
-                                        <p:cTn id="8" dur="1" fill="hold">
+                                        <p:cTn id="10" dur="1" fill="hold">
                                           <p:stCondLst>
                                             <p:cond delay="0"/>
                                           </p:stCondLst>
@@ -7952,50 +7438,19 @@
                     </p:cTn>
                   </p:par>
                   <p:par>
-                    <p:cTn id="9" fill="hold">
+                    <p:cTn id="11" fill="hold">
                       <p:stCondLst>
                         <p:cond delay="indefinite"/>
                       </p:stCondLst>
                       <p:childTnLst>
                         <p:par>
-                          <p:cTn id="10" fill="hold">
+                          <p:cTn id="12" fill="hold">
                             <p:stCondLst>
                               <p:cond delay="0"/>
                             </p:stCondLst>
                             <p:childTnLst>
                               <p:par>
-                                <p:cTn id="11" presetID="1" presetClass="entr" presetSubtype="0" fill="hold" nodeType="clickEffect">
-                                  <p:stCondLst>
-                                    <p:cond delay="0"/>
-                                  </p:stCondLst>
-                                  <p:childTnLst>
-                                    <p:set>
-                                      <p:cBhvr>
-                                        <p:cTn id="12" dur="1" fill="hold">
-                                          <p:stCondLst>
-                                            <p:cond delay="0"/>
-                                          </p:stCondLst>
-                                        </p:cTn>
-                                        <p:tgtEl>
-                                          <p:spTgt spid="1085">
-                                            <p:txEl>
-                                              <p:pRg st="2" end="2"/>
-                                            </p:txEl>
-                                          </p:spTgt>
-                                        </p:tgtEl>
-                                        <p:attrNameLst>
-                                          <p:attrName>style.visibility</p:attrName>
-                                        </p:attrNameLst>
-                                      </p:cBhvr>
-                                      <p:to>
-                                        <p:strVal val="visible"/>
-                                      </p:to>
-                                    </p:set>
-                                  </p:childTnLst>
-                                </p:cTn>
-                              </p:par>
-                              <p:par>
-                                <p:cTn id="13" presetID="1" presetClass="entr" presetSubtype="0" fill="hold" nodeType="withEffect">
+                                <p:cTn id="13" presetID="1" presetClass="entr" presetSubtype="0" fill="hold" nodeType="clickEffect">
                                   <p:stCondLst>
                                     <p:cond delay="0"/>
                                   </p:stCondLst>
@@ -8010,7 +7465,7 @@
                                         <p:tgtEl>
                                           <p:spTgt spid="1085">
                                             <p:txEl>
-                                              <p:pRg st="3" end="3"/>
+                                              <p:pRg st="2" end="2"/>
                                             </p:txEl>
                                           </p:spTgt>
                                         </p:tgtEl>
@@ -8074,39 +7529,26 @@
                                   </p:childTnLst>
                                 </p:cTn>
                               </p:par>
+                            </p:childTnLst>
+                          </p:cTn>
+                        </p:par>
+                      </p:childTnLst>
+                    </p:cTn>
+                  </p:par>
+                  <p:par>
+                    <p:cTn id="19" fill="hold">
+                      <p:stCondLst>
+                        <p:cond delay="indefinite"/>
+                      </p:stCondLst>
+                      <p:childTnLst>
+                        <p:par>
+                          <p:cTn id="20" fill="hold">
+                            <p:stCondLst>
+                              <p:cond delay="0"/>
+                            </p:stCondLst>
+                            <p:childTnLst>
                               <p:par>
-                                <p:cTn id="19" presetID="1" presetClass="entr" presetSubtype="0" fill="hold" nodeType="withEffect">
-                                  <p:stCondLst>
-                                    <p:cond delay="0"/>
-                                  </p:stCondLst>
-                                  <p:childTnLst>
-                                    <p:set>
-                                      <p:cBhvr>
-                                        <p:cTn id="20" dur="1" fill="hold">
-                                          <p:stCondLst>
-                                            <p:cond delay="0"/>
-                                          </p:stCondLst>
-                                        </p:cTn>
-                                        <p:tgtEl>
-                                          <p:spTgt spid="1085">
-                                            <p:txEl>
-                                              <p:pRg st="5" end="5"/>
-                                            </p:txEl>
-                                          </p:spTgt>
-                                        </p:tgtEl>
-                                        <p:attrNameLst>
-                                          <p:attrName>style.visibility</p:attrName>
-                                        </p:attrNameLst>
-                                      </p:cBhvr>
-                                      <p:to>
-                                        <p:strVal val="visible"/>
-                                      </p:to>
-                                    </p:set>
-                                  </p:childTnLst>
-                                </p:cTn>
-                              </p:par>
-                              <p:par>
-                                <p:cTn id="21" presetID="1" presetClass="entr" presetSubtype="0" fill="hold" nodeType="withEffect">
+                                <p:cTn id="21" presetID="1" presetClass="entr" presetSubtype="0" fill="hold" nodeType="clickEffect">
                                   <p:stCondLst>
                                     <p:cond delay="0"/>
                                   </p:stCondLst>
@@ -8136,15 +7578,33 @@
                                   </p:childTnLst>
                                 </p:cTn>
                               </p:par>
+                            </p:childTnLst>
+                          </p:cTn>
+                        </p:par>
+                      </p:childTnLst>
+                    </p:cTn>
+                  </p:par>
+                  <p:par>
+                    <p:cTn id="23" fill="hold">
+                      <p:stCondLst>
+                        <p:cond delay="indefinite"/>
+                      </p:stCondLst>
+                      <p:childTnLst>
+                        <p:par>
+                          <p:cTn id="24" fill="hold">
+                            <p:stCondLst>
+                              <p:cond delay="0"/>
+                            </p:stCondLst>
+                            <p:childTnLst>
                               <p:par>
-                                <p:cTn id="23" presetID="1" presetClass="entr" presetSubtype="0" fill="hold" nodeType="withEffect">
+                                <p:cTn id="25" presetID="1" presetClass="entr" presetSubtype="0" fill="hold" nodeType="clickEffect">
                                   <p:stCondLst>
                                     <p:cond delay="0"/>
                                   </p:stCondLst>
                                   <p:childTnLst>
                                     <p:set>
                                       <p:cBhvr>
-                                        <p:cTn id="24" dur="1" fill="hold">
+                                        <p:cTn id="26" dur="1" fill="hold">
                                           <p:stCondLst>
                                             <p:cond delay="0"/>
                                           </p:stCondLst>
@@ -8167,15 +7627,33 @@
                                   </p:childTnLst>
                                 </p:cTn>
                               </p:par>
+                            </p:childTnLst>
+                          </p:cTn>
+                        </p:par>
+                      </p:childTnLst>
+                    </p:cTn>
+                  </p:par>
+                  <p:par>
+                    <p:cTn id="27" fill="hold">
+                      <p:stCondLst>
+                        <p:cond delay="indefinite"/>
+                      </p:stCondLst>
+                      <p:childTnLst>
+                        <p:par>
+                          <p:cTn id="28" fill="hold">
+                            <p:stCondLst>
+                              <p:cond delay="0"/>
+                            </p:stCondLst>
+                            <p:childTnLst>
                               <p:par>
-                                <p:cTn id="25" presetID="1" presetClass="entr" presetSubtype="0" fill="hold" nodeType="withEffect">
+                                <p:cTn id="29" presetID="1" presetClass="entr" presetSubtype="0" fill="hold" nodeType="clickEffect">
                                   <p:stCondLst>
                                     <p:cond delay="0"/>
                                   </p:stCondLst>
                                   <p:childTnLst>
                                     <p:set>
                                       <p:cBhvr>
-                                        <p:cTn id="26" dur="1" fill="hold">
+                                        <p:cTn id="30" dur="1" fill="hold">
                                           <p:stCondLst>
                                             <p:cond delay="0"/>
                                           </p:stCondLst>
@@ -8198,15 +7676,33 @@
                                   </p:childTnLst>
                                 </p:cTn>
                               </p:par>
+                            </p:childTnLst>
+                          </p:cTn>
+                        </p:par>
+                      </p:childTnLst>
+                    </p:cTn>
+                  </p:par>
+                  <p:par>
+                    <p:cTn id="31" fill="hold">
+                      <p:stCondLst>
+                        <p:cond delay="indefinite"/>
+                      </p:stCondLst>
+                      <p:childTnLst>
+                        <p:par>
+                          <p:cTn id="32" fill="hold">
+                            <p:stCondLst>
+                              <p:cond delay="0"/>
+                            </p:stCondLst>
+                            <p:childTnLst>
                               <p:par>
-                                <p:cTn id="27" presetID="1" presetClass="entr" presetSubtype="0" fill="hold" nodeType="withEffect">
+                                <p:cTn id="33" presetID="1" presetClass="entr" presetSubtype="0" fill="hold" nodeType="clickEffect">
                                   <p:stCondLst>
                                     <p:cond delay="0"/>
                                   </p:stCondLst>
                                   <p:childTnLst>
                                     <p:set>
                                       <p:cBhvr>
-                                        <p:cTn id="28" dur="1" fill="hold">
+                                        <p:cTn id="34" dur="1" fill="hold">
                                           <p:stCondLst>
                                             <p:cond delay="0"/>
                                           </p:stCondLst>
@@ -8215,37 +7711,6 @@
                                           <p:spTgt spid="1085">
                                             <p:txEl>
                                               <p:pRg st="9" end="9"/>
-                                            </p:txEl>
-                                          </p:spTgt>
-                                        </p:tgtEl>
-                                        <p:attrNameLst>
-                                          <p:attrName>style.visibility</p:attrName>
-                                        </p:attrNameLst>
-                                      </p:cBhvr>
-                                      <p:to>
-                                        <p:strVal val="visible"/>
-                                      </p:to>
-                                    </p:set>
-                                  </p:childTnLst>
-                                </p:cTn>
-                              </p:par>
-                              <p:par>
-                                <p:cTn id="29" presetID="1" presetClass="entr" presetSubtype="0" fill="hold" nodeType="withEffect">
-                                  <p:stCondLst>
-                                    <p:cond delay="0"/>
-                                  </p:stCondLst>
-                                  <p:childTnLst>
-                                    <p:set>
-                                      <p:cBhvr>
-                                        <p:cTn id="30" dur="1" fill="hold">
-                                          <p:stCondLst>
-                                            <p:cond delay="0"/>
-                                          </p:stCondLst>
-                                        </p:cTn>
-                                        <p:tgtEl>
-                                          <p:spTgt spid="1085">
-                                            <p:txEl>
-                                              <p:pRg st="10" end="10"/>
                                             </p:txEl>
                                           </p:spTgt>
                                         </p:tgtEl>
@@ -8476,6 +7941,673 @@
   <p:clrMapOvr>
     <a:masterClrMapping/>
   </p:clrMapOvr>
+  <p:timing>
+    <p:tnLst>
+      <p:par>
+        <p:cTn id="1" dur="indefinite" restart="never" nodeType="tmRoot">
+          <p:childTnLst>
+            <p:seq concurrent="1" nextAc="seek">
+              <p:cTn id="2" dur="indefinite" nodeType="mainSeq">
+                <p:childTnLst>
+                  <p:par>
+                    <p:cTn id="3" fill="hold">
+                      <p:stCondLst>
+                        <p:cond delay="indefinite"/>
+                      </p:stCondLst>
+                      <p:childTnLst>
+                        <p:par>
+                          <p:cTn id="4" fill="hold">
+                            <p:stCondLst>
+                              <p:cond delay="0"/>
+                            </p:stCondLst>
+                            <p:childTnLst>
+                              <p:par>
+                                <p:cTn id="5" presetID="1" presetClass="entr" presetSubtype="0" fill="hold" nodeType="clickEffect">
+                                  <p:stCondLst>
+                                    <p:cond delay="0"/>
+                                  </p:stCondLst>
+                                  <p:childTnLst>
+                                    <p:set>
+                                      <p:cBhvr>
+                                        <p:cTn id="6" dur="1" fill="hold">
+                                          <p:stCondLst>
+                                            <p:cond delay="0"/>
+                                          </p:stCondLst>
+                                        </p:cTn>
+                                        <p:tgtEl>
+                                          <p:spTgt spid="3">
+                                            <p:txEl>
+                                              <p:pRg st="0" end="0"/>
+                                            </p:txEl>
+                                          </p:spTgt>
+                                        </p:tgtEl>
+                                        <p:attrNameLst>
+                                          <p:attrName>style.visibility</p:attrName>
+                                        </p:attrNameLst>
+                                      </p:cBhvr>
+                                      <p:to>
+                                        <p:strVal val="visible"/>
+                                      </p:to>
+                                    </p:set>
+                                  </p:childTnLst>
+                                </p:cTn>
+                              </p:par>
+                            </p:childTnLst>
+                          </p:cTn>
+                        </p:par>
+                      </p:childTnLst>
+                    </p:cTn>
+                  </p:par>
+                  <p:par>
+                    <p:cTn id="7" fill="hold">
+                      <p:stCondLst>
+                        <p:cond delay="indefinite"/>
+                      </p:stCondLst>
+                      <p:childTnLst>
+                        <p:par>
+                          <p:cTn id="8" fill="hold">
+                            <p:stCondLst>
+                              <p:cond delay="0"/>
+                            </p:stCondLst>
+                            <p:childTnLst>
+                              <p:par>
+                                <p:cTn id="9" presetID="1" presetClass="entr" presetSubtype="0" fill="hold" nodeType="clickEffect">
+                                  <p:stCondLst>
+                                    <p:cond delay="0"/>
+                                  </p:stCondLst>
+                                  <p:childTnLst>
+                                    <p:set>
+                                      <p:cBhvr>
+                                        <p:cTn id="10" dur="1" fill="hold">
+                                          <p:stCondLst>
+                                            <p:cond delay="0"/>
+                                          </p:stCondLst>
+                                        </p:cTn>
+                                        <p:tgtEl>
+                                          <p:spTgt spid="3">
+                                            <p:txEl>
+                                              <p:pRg st="1" end="1"/>
+                                            </p:txEl>
+                                          </p:spTgt>
+                                        </p:tgtEl>
+                                        <p:attrNameLst>
+                                          <p:attrName>style.visibility</p:attrName>
+                                        </p:attrNameLst>
+                                      </p:cBhvr>
+                                      <p:to>
+                                        <p:strVal val="visible"/>
+                                      </p:to>
+                                    </p:set>
+                                  </p:childTnLst>
+                                </p:cTn>
+                              </p:par>
+                            </p:childTnLst>
+                          </p:cTn>
+                        </p:par>
+                      </p:childTnLst>
+                    </p:cTn>
+                  </p:par>
+                  <p:par>
+                    <p:cTn id="11" fill="hold">
+                      <p:stCondLst>
+                        <p:cond delay="indefinite"/>
+                      </p:stCondLst>
+                      <p:childTnLst>
+                        <p:par>
+                          <p:cTn id="12" fill="hold">
+                            <p:stCondLst>
+                              <p:cond delay="0"/>
+                            </p:stCondLst>
+                            <p:childTnLst>
+                              <p:par>
+                                <p:cTn id="13" presetID="1" presetClass="entr" presetSubtype="0" fill="hold" nodeType="clickEffect">
+                                  <p:stCondLst>
+                                    <p:cond delay="0"/>
+                                  </p:stCondLst>
+                                  <p:childTnLst>
+                                    <p:set>
+                                      <p:cBhvr>
+                                        <p:cTn id="14" dur="1" fill="hold">
+                                          <p:stCondLst>
+                                            <p:cond delay="0"/>
+                                          </p:stCondLst>
+                                        </p:cTn>
+                                        <p:tgtEl>
+                                          <p:spTgt spid="3">
+                                            <p:txEl>
+                                              <p:pRg st="2" end="2"/>
+                                            </p:txEl>
+                                          </p:spTgt>
+                                        </p:tgtEl>
+                                        <p:attrNameLst>
+                                          <p:attrName>style.visibility</p:attrName>
+                                        </p:attrNameLst>
+                                      </p:cBhvr>
+                                      <p:to>
+                                        <p:strVal val="visible"/>
+                                      </p:to>
+                                    </p:set>
+                                  </p:childTnLst>
+                                </p:cTn>
+                              </p:par>
+                            </p:childTnLst>
+                          </p:cTn>
+                        </p:par>
+                      </p:childTnLst>
+                    </p:cTn>
+                  </p:par>
+                  <p:par>
+                    <p:cTn id="15" fill="hold">
+                      <p:stCondLst>
+                        <p:cond delay="indefinite"/>
+                      </p:stCondLst>
+                      <p:childTnLst>
+                        <p:par>
+                          <p:cTn id="16" fill="hold">
+                            <p:stCondLst>
+                              <p:cond delay="0"/>
+                            </p:stCondLst>
+                            <p:childTnLst>
+                              <p:par>
+                                <p:cTn id="17" presetID="1" presetClass="entr" presetSubtype="0" fill="hold" nodeType="clickEffect">
+                                  <p:stCondLst>
+                                    <p:cond delay="0"/>
+                                  </p:stCondLst>
+                                  <p:childTnLst>
+                                    <p:set>
+                                      <p:cBhvr>
+                                        <p:cTn id="18" dur="1" fill="hold">
+                                          <p:stCondLst>
+                                            <p:cond delay="0"/>
+                                          </p:stCondLst>
+                                        </p:cTn>
+                                        <p:tgtEl>
+                                          <p:spTgt spid="3">
+                                            <p:txEl>
+                                              <p:pRg st="3" end="3"/>
+                                            </p:txEl>
+                                          </p:spTgt>
+                                        </p:tgtEl>
+                                        <p:attrNameLst>
+                                          <p:attrName>style.visibility</p:attrName>
+                                        </p:attrNameLst>
+                                      </p:cBhvr>
+                                      <p:to>
+                                        <p:strVal val="visible"/>
+                                      </p:to>
+                                    </p:set>
+                                  </p:childTnLst>
+                                </p:cTn>
+                              </p:par>
+                            </p:childTnLst>
+                          </p:cTn>
+                        </p:par>
+                      </p:childTnLst>
+                    </p:cTn>
+                  </p:par>
+                  <p:par>
+                    <p:cTn id="19" fill="hold">
+                      <p:stCondLst>
+                        <p:cond delay="indefinite"/>
+                      </p:stCondLst>
+                      <p:childTnLst>
+                        <p:par>
+                          <p:cTn id="20" fill="hold">
+                            <p:stCondLst>
+                              <p:cond delay="0"/>
+                            </p:stCondLst>
+                            <p:childTnLst>
+                              <p:par>
+                                <p:cTn id="21" presetID="1" presetClass="entr" presetSubtype="0" fill="hold" nodeType="clickEffect">
+                                  <p:stCondLst>
+                                    <p:cond delay="0"/>
+                                  </p:stCondLst>
+                                  <p:childTnLst>
+                                    <p:set>
+                                      <p:cBhvr>
+                                        <p:cTn id="22" dur="1" fill="hold">
+                                          <p:stCondLst>
+                                            <p:cond delay="0"/>
+                                          </p:stCondLst>
+                                        </p:cTn>
+                                        <p:tgtEl>
+                                          <p:spTgt spid="3">
+                                            <p:txEl>
+                                              <p:pRg st="4" end="4"/>
+                                            </p:txEl>
+                                          </p:spTgt>
+                                        </p:tgtEl>
+                                        <p:attrNameLst>
+                                          <p:attrName>style.visibility</p:attrName>
+                                        </p:attrNameLst>
+                                      </p:cBhvr>
+                                      <p:to>
+                                        <p:strVal val="visible"/>
+                                      </p:to>
+                                    </p:set>
+                                  </p:childTnLst>
+                                </p:cTn>
+                              </p:par>
+                            </p:childTnLst>
+                          </p:cTn>
+                        </p:par>
+                      </p:childTnLst>
+                    </p:cTn>
+                  </p:par>
+                  <p:par>
+                    <p:cTn id="23" fill="hold">
+                      <p:stCondLst>
+                        <p:cond delay="indefinite"/>
+                      </p:stCondLst>
+                      <p:childTnLst>
+                        <p:par>
+                          <p:cTn id="24" fill="hold">
+                            <p:stCondLst>
+                              <p:cond delay="0"/>
+                            </p:stCondLst>
+                            <p:childTnLst>
+                              <p:par>
+                                <p:cTn id="25" presetID="1" presetClass="entr" presetSubtype="0" fill="hold" nodeType="clickEffect">
+                                  <p:stCondLst>
+                                    <p:cond delay="0"/>
+                                  </p:stCondLst>
+                                  <p:childTnLst>
+                                    <p:set>
+                                      <p:cBhvr>
+                                        <p:cTn id="26" dur="1" fill="hold">
+                                          <p:stCondLst>
+                                            <p:cond delay="0"/>
+                                          </p:stCondLst>
+                                        </p:cTn>
+                                        <p:tgtEl>
+                                          <p:spTgt spid="3">
+                                            <p:txEl>
+                                              <p:pRg st="5" end="5"/>
+                                            </p:txEl>
+                                          </p:spTgt>
+                                        </p:tgtEl>
+                                        <p:attrNameLst>
+                                          <p:attrName>style.visibility</p:attrName>
+                                        </p:attrNameLst>
+                                      </p:cBhvr>
+                                      <p:to>
+                                        <p:strVal val="visible"/>
+                                      </p:to>
+                                    </p:set>
+                                  </p:childTnLst>
+                                </p:cTn>
+                              </p:par>
+                            </p:childTnLst>
+                          </p:cTn>
+                        </p:par>
+                      </p:childTnLst>
+                    </p:cTn>
+                  </p:par>
+                  <p:par>
+                    <p:cTn id="27" fill="hold">
+                      <p:stCondLst>
+                        <p:cond delay="indefinite"/>
+                      </p:stCondLst>
+                      <p:childTnLst>
+                        <p:par>
+                          <p:cTn id="28" fill="hold">
+                            <p:stCondLst>
+                              <p:cond delay="0"/>
+                            </p:stCondLst>
+                            <p:childTnLst>
+                              <p:par>
+                                <p:cTn id="29" presetID="1" presetClass="entr" presetSubtype="0" fill="hold" nodeType="clickEffect">
+                                  <p:stCondLst>
+                                    <p:cond delay="0"/>
+                                  </p:stCondLst>
+                                  <p:childTnLst>
+                                    <p:set>
+                                      <p:cBhvr>
+                                        <p:cTn id="30" dur="1" fill="hold">
+                                          <p:stCondLst>
+                                            <p:cond delay="0"/>
+                                          </p:stCondLst>
+                                        </p:cTn>
+                                        <p:tgtEl>
+                                          <p:spTgt spid="3">
+                                            <p:txEl>
+                                              <p:pRg st="6" end="6"/>
+                                            </p:txEl>
+                                          </p:spTgt>
+                                        </p:tgtEl>
+                                        <p:attrNameLst>
+                                          <p:attrName>style.visibility</p:attrName>
+                                        </p:attrNameLst>
+                                      </p:cBhvr>
+                                      <p:to>
+                                        <p:strVal val="visible"/>
+                                      </p:to>
+                                    </p:set>
+                                  </p:childTnLst>
+                                </p:cTn>
+                              </p:par>
+                            </p:childTnLst>
+                          </p:cTn>
+                        </p:par>
+                      </p:childTnLst>
+                    </p:cTn>
+                  </p:par>
+                  <p:par>
+                    <p:cTn id="31" fill="hold">
+                      <p:stCondLst>
+                        <p:cond delay="indefinite"/>
+                      </p:stCondLst>
+                      <p:childTnLst>
+                        <p:par>
+                          <p:cTn id="32" fill="hold">
+                            <p:stCondLst>
+                              <p:cond delay="0"/>
+                            </p:stCondLst>
+                            <p:childTnLst>
+                              <p:par>
+                                <p:cTn id="33" presetID="1" presetClass="entr" presetSubtype="0" fill="hold" nodeType="clickEffect">
+                                  <p:stCondLst>
+                                    <p:cond delay="0"/>
+                                  </p:stCondLst>
+                                  <p:childTnLst>
+                                    <p:set>
+                                      <p:cBhvr>
+                                        <p:cTn id="34" dur="1" fill="hold">
+                                          <p:stCondLst>
+                                            <p:cond delay="0"/>
+                                          </p:stCondLst>
+                                        </p:cTn>
+                                        <p:tgtEl>
+                                          <p:spTgt spid="3">
+                                            <p:txEl>
+                                              <p:pRg st="7" end="7"/>
+                                            </p:txEl>
+                                          </p:spTgt>
+                                        </p:tgtEl>
+                                        <p:attrNameLst>
+                                          <p:attrName>style.visibility</p:attrName>
+                                        </p:attrNameLst>
+                                      </p:cBhvr>
+                                      <p:to>
+                                        <p:strVal val="visible"/>
+                                      </p:to>
+                                    </p:set>
+                                  </p:childTnLst>
+                                </p:cTn>
+                              </p:par>
+                            </p:childTnLst>
+                          </p:cTn>
+                        </p:par>
+                      </p:childTnLst>
+                    </p:cTn>
+                  </p:par>
+                  <p:par>
+                    <p:cTn id="35" fill="hold">
+                      <p:stCondLst>
+                        <p:cond delay="indefinite"/>
+                      </p:stCondLst>
+                      <p:childTnLst>
+                        <p:par>
+                          <p:cTn id="36" fill="hold">
+                            <p:stCondLst>
+                              <p:cond delay="0"/>
+                            </p:stCondLst>
+                            <p:childTnLst>
+                              <p:par>
+                                <p:cTn id="37" presetID="1" presetClass="entr" presetSubtype="0" fill="hold" nodeType="clickEffect">
+                                  <p:stCondLst>
+                                    <p:cond delay="0"/>
+                                  </p:stCondLst>
+                                  <p:childTnLst>
+                                    <p:set>
+                                      <p:cBhvr>
+                                        <p:cTn id="38" dur="1" fill="hold">
+                                          <p:stCondLst>
+                                            <p:cond delay="0"/>
+                                          </p:stCondLst>
+                                        </p:cTn>
+                                        <p:tgtEl>
+                                          <p:spTgt spid="3">
+                                            <p:txEl>
+                                              <p:pRg st="8" end="8"/>
+                                            </p:txEl>
+                                          </p:spTgt>
+                                        </p:tgtEl>
+                                        <p:attrNameLst>
+                                          <p:attrName>style.visibility</p:attrName>
+                                        </p:attrNameLst>
+                                      </p:cBhvr>
+                                      <p:to>
+                                        <p:strVal val="visible"/>
+                                      </p:to>
+                                    </p:set>
+                                  </p:childTnLst>
+                                </p:cTn>
+                              </p:par>
+                            </p:childTnLst>
+                          </p:cTn>
+                        </p:par>
+                      </p:childTnLst>
+                    </p:cTn>
+                  </p:par>
+                  <p:par>
+                    <p:cTn id="39" fill="hold">
+                      <p:stCondLst>
+                        <p:cond delay="indefinite"/>
+                      </p:stCondLst>
+                      <p:childTnLst>
+                        <p:par>
+                          <p:cTn id="40" fill="hold">
+                            <p:stCondLst>
+                              <p:cond delay="0"/>
+                            </p:stCondLst>
+                            <p:childTnLst>
+                              <p:par>
+                                <p:cTn id="41" presetID="1" presetClass="entr" presetSubtype="0" fill="hold" nodeType="clickEffect">
+                                  <p:stCondLst>
+                                    <p:cond delay="0"/>
+                                  </p:stCondLst>
+                                  <p:childTnLst>
+                                    <p:set>
+                                      <p:cBhvr>
+                                        <p:cTn id="42" dur="1" fill="hold">
+                                          <p:stCondLst>
+                                            <p:cond delay="0"/>
+                                          </p:stCondLst>
+                                        </p:cTn>
+                                        <p:tgtEl>
+                                          <p:spTgt spid="3">
+                                            <p:txEl>
+                                              <p:pRg st="9" end="9"/>
+                                            </p:txEl>
+                                          </p:spTgt>
+                                        </p:tgtEl>
+                                        <p:attrNameLst>
+                                          <p:attrName>style.visibility</p:attrName>
+                                        </p:attrNameLst>
+                                      </p:cBhvr>
+                                      <p:to>
+                                        <p:strVal val="visible"/>
+                                      </p:to>
+                                    </p:set>
+                                  </p:childTnLst>
+                                </p:cTn>
+                              </p:par>
+                            </p:childTnLst>
+                          </p:cTn>
+                        </p:par>
+                      </p:childTnLst>
+                    </p:cTn>
+                  </p:par>
+                  <p:par>
+                    <p:cTn id="43" fill="hold">
+                      <p:stCondLst>
+                        <p:cond delay="indefinite"/>
+                      </p:stCondLst>
+                      <p:childTnLst>
+                        <p:par>
+                          <p:cTn id="44" fill="hold">
+                            <p:stCondLst>
+                              <p:cond delay="0"/>
+                            </p:stCondLst>
+                            <p:childTnLst>
+                              <p:par>
+                                <p:cTn id="45" presetID="1" presetClass="entr" presetSubtype="0" fill="hold" nodeType="clickEffect">
+                                  <p:stCondLst>
+                                    <p:cond delay="0"/>
+                                  </p:stCondLst>
+                                  <p:childTnLst>
+                                    <p:set>
+                                      <p:cBhvr>
+                                        <p:cTn id="46" dur="1" fill="hold">
+                                          <p:stCondLst>
+                                            <p:cond delay="0"/>
+                                          </p:stCondLst>
+                                        </p:cTn>
+                                        <p:tgtEl>
+                                          <p:spTgt spid="3">
+                                            <p:txEl>
+                                              <p:pRg st="10" end="10"/>
+                                            </p:txEl>
+                                          </p:spTgt>
+                                        </p:tgtEl>
+                                        <p:attrNameLst>
+                                          <p:attrName>style.visibility</p:attrName>
+                                        </p:attrNameLst>
+                                      </p:cBhvr>
+                                      <p:to>
+                                        <p:strVal val="visible"/>
+                                      </p:to>
+                                    </p:set>
+                                  </p:childTnLst>
+                                </p:cTn>
+                              </p:par>
+                            </p:childTnLst>
+                          </p:cTn>
+                        </p:par>
+                      </p:childTnLst>
+                    </p:cTn>
+                  </p:par>
+                  <p:par>
+                    <p:cTn id="47" fill="hold">
+                      <p:stCondLst>
+                        <p:cond delay="indefinite"/>
+                      </p:stCondLst>
+                      <p:childTnLst>
+                        <p:par>
+                          <p:cTn id="48" fill="hold">
+                            <p:stCondLst>
+                              <p:cond delay="0"/>
+                            </p:stCondLst>
+                            <p:childTnLst>
+                              <p:par>
+                                <p:cTn id="49" presetID="1" presetClass="entr" presetSubtype="0" fill="hold" nodeType="clickEffect">
+                                  <p:stCondLst>
+                                    <p:cond delay="0"/>
+                                  </p:stCondLst>
+                                  <p:childTnLst>
+                                    <p:set>
+                                      <p:cBhvr>
+                                        <p:cTn id="50" dur="1" fill="hold">
+                                          <p:stCondLst>
+                                            <p:cond delay="0"/>
+                                          </p:stCondLst>
+                                        </p:cTn>
+                                        <p:tgtEl>
+                                          <p:spTgt spid="3">
+                                            <p:txEl>
+                                              <p:pRg st="11" end="11"/>
+                                            </p:txEl>
+                                          </p:spTgt>
+                                        </p:tgtEl>
+                                        <p:attrNameLst>
+                                          <p:attrName>style.visibility</p:attrName>
+                                        </p:attrNameLst>
+                                      </p:cBhvr>
+                                      <p:to>
+                                        <p:strVal val="visible"/>
+                                      </p:to>
+                                    </p:set>
+                                  </p:childTnLst>
+                                </p:cTn>
+                              </p:par>
+                            </p:childTnLst>
+                          </p:cTn>
+                        </p:par>
+                      </p:childTnLst>
+                    </p:cTn>
+                  </p:par>
+                  <p:par>
+                    <p:cTn id="51" fill="hold">
+                      <p:stCondLst>
+                        <p:cond delay="indefinite"/>
+                      </p:stCondLst>
+                      <p:childTnLst>
+                        <p:par>
+                          <p:cTn id="52" fill="hold">
+                            <p:stCondLst>
+                              <p:cond delay="0"/>
+                            </p:stCondLst>
+                            <p:childTnLst>
+                              <p:par>
+                                <p:cTn id="53" presetID="1" presetClass="entr" presetSubtype="0" fill="hold" nodeType="clickEffect">
+                                  <p:stCondLst>
+                                    <p:cond delay="0"/>
+                                  </p:stCondLst>
+                                  <p:childTnLst>
+                                    <p:set>
+                                      <p:cBhvr>
+                                        <p:cTn id="54" dur="1" fill="hold">
+                                          <p:stCondLst>
+                                            <p:cond delay="0"/>
+                                          </p:stCondLst>
+                                        </p:cTn>
+                                        <p:tgtEl>
+                                          <p:spTgt spid="3">
+                                            <p:txEl>
+                                              <p:pRg st="12" end="12"/>
+                                            </p:txEl>
+                                          </p:spTgt>
+                                        </p:tgtEl>
+                                        <p:attrNameLst>
+                                          <p:attrName>style.visibility</p:attrName>
+                                        </p:attrNameLst>
+                                      </p:cBhvr>
+                                      <p:to>
+                                        <p:strVal val="visible"/>
+                                      </p:to>
+                                    </p:set>
+                                  </p:childTnLst>
+                                </p:cTn>
+                              </p:par>
+                            </p:childTnLst>
+                          </p:cTn>
+                        </p:par>
+                      </p:childTnLst>
+                    </p:cTn>
+                  </p:par>
+                </p:childTnLst>
+              </p:cTn>
+              <p:prevCondLst>
+                <p:cond evt="onPrev" delay="0">
+                  <p:tgtEl>
+                    <p:sldTgt/>
+                  </p:tgtEl>
+                </p:cond>
+              </p:prevCondLst>
+              <p:nextCondLst>
+                <p:cond evt="onNext" delay="0">
+                  <p:tgtEl>
+                    <p:sldTgt/>
+                  </p:tgtEl>
+                </p:cond>
+              </p:nextCondLst>
+            </p:seq>
+          </p:childTnLst>
+        </p:cTn>
+      </p:par>
+    </p:tnLst>
+  </p:timing>
 </p:sld>
 </file>
 
@@ -8635,6 +8767,379 @@
   <p:clrMapOvr>
     <a:masterClrMapping/>
   </p:clrMapOvr>
+  <p:timing>
+    <p:tnLst>
+      <p:par>
+        <p:cTn id="1" dur="indefinite" restart="never" nodeType="tmRoot">
+          <p:childTnLst>
+            <p:seq concurrent="1" nextAc="seek">
+              <p:cTn id="2" dur="indefinite" nodeType="mainSeq">
+                <p:childTnLst>
+                  <p:par>
+                    <p:cTn id="3" fill="hold">
+                      <p:stCondLst>
+                        <p:cond delay="indefinite"/>
+                      </p:stCondLst>
+                      <p:childTnLst>
+                        <p:par>
+                          <p:cTn id="4" fill="hold">
+                            <p:stCondLst>
+                              <p:cond delay="0"/>
+                            </p:stCondLst>
+                            <p:childTnLst>
+                              <p:par>
+                                <p:cTn id="5" presetID="1" presetClass="entr" presetSubtype="0" fill="hold" nodeType="clickEffect">
+                                  <p:stCondLst>
+                                    <p:cond delay="0"/>
+                                  </p:stCondLst>
+                                  <p:childTnLst>
+                                    <p:set>
+                                      <p:cBhvr>
+                                        <p:cTn id="6" dur="1" fill="hold">
+                                          <p:stCondLst>
+                                            <p:cond delay="0"/>
+                                          </p:stCondLst>
+                                        </p:cTn>
+                                        <p:tgtEl>
+                                          <p:spTgt spid="3">
+                                            <p:txEl>
+                                              <p:pRg st="0" end="0"/>
+                                            </p:txEl>
+                                          </p:spTgt>
+                                        </p:tgtEl>
+                                        <p:attrNameLst>
+                                          <p:attrName>style.visibility</p:attrName>
+                                        </p:attrNameLst>
+                                      </p:cBhvr>
+                                      <p:to>
+                                        <p:strVal val="visible"/>
+                                      </p:to>
+                                    </p:set>
+                                  </p:childTnLst>
+                                </p:cTn>
+                              </p:par>
+                            </p:childTnLst>
+                          </p:cTn>
+                        </p:par>
+                      </p:childTnLst>
+                    </p:cTn>
+                  </p:par>
+                  <p:par>
+                    <p:cTn id="7" fill="hold">
+                      <p:stCondLst>
+                        <p:cond delay="indefinite"/>
+                      </p:stCondLst>
+                      <p:childTnLst>
+                        <p:par>
+                          <p:cTn id="8" fill="hold">
+                            <p:stCondLst>
+                              <p:cond delay="0"/>
+                            </p:stCondLst>
+                            <p:childTnLst>
+                              <p:par>
+                                <p:cTn id="9" presetID="1" presetClass="entr" presetSubtype="0" fill="hold" nodeType="clickEffect">
+                                  <p:stCondLst>
+                                    <p:cond delay="0"/>
+                                  </p:stCondLst>
+                                  <p:childTnLst>
+                                    <p:set>
+                                      <p:cBhvr>
+                                        <p:cTn id="10" dur="1" fill="hold">
+                                          <p:stCondLst>
+                                            <p:cond delay="0"/>
+                                          </p:stCondLst>
+                                        </p:cTn>
+                                        <p:tgtEl>
+                                          <p:spTgt spid="3">
+                                            <p:txEl>
+                                              <p:pRg st="1" end="1"/>
+                                            </p:txEl>
+                                          </p:spTgt>
+                                        </p:tgtEl>
+                                        <p:attrNameLst>
+                                          <p:attrName>style.visibility</p:attrName>
+                                        </p:attrNameLst>
+                                      </p:cBhvr>
+                                      <p:to>
+                                        <p:strVal val="visible"/>
+                                      </p:to>
+                                    </p:set>
+                                  </p:childTnLst>
+                                </p:cTn>
+                              </p:par>
+                            </p:childTnLst>
+                          </p:cTn>
+                        </p:par>
+                      </p:childTnLst>
+                    </p:cTn>
+                  </p:par>
+                  <p:par>
+                    <p:cTn id="11" fill="hold">
+                      <p:stCondLst>
+                        <p:cond delay="indefinite"/>
+                      </p:stCondLst>
+                      <p:childTnLst>
+                        <p:par>
+                          <p:cTn id="12" fill="hold">
+                            <p:stCondLst>
+                              <p:cond delay="0"/>
+                            </p:stCondLst>
+                            <p:childTnLst>
+                              <p:par>
+                                <p:cTn id="13" presetID="1" presetClass="entr" presetSubtype="0" fill="hold" nodeType="clickEffect">
+                                  <p:stCondLst>
+                                    <p:cond delay="0"/>
+                                  </p:stCondLst>
+                                  <p:childTnLst>
+                                    <p:set>
+                                      <p:cBhvr>
+                                        <p:cTn id="14" dur="1" fill="hold">
+                                          <p:stCondLst>
+                                            <p:cond delay="0"/>
+                                          </p:stCondLst>
+                                        </p:cTn>
+                                        <p:tgtEl>
+                                          <p:spTgt spid="3">
+                                            <p:txEl>
+                                              <p:pRg st="2" end="2"/>
+                                            </p:txEl>
+                                          </p:spTgt>
+                                        </p:tgtEl>
+                                        <p:attrNameLst>
+                                          <p:attrName>style.visibility</p:attrName>
+                                        </p:attrNameLst>
+                                      </p:cBhvr>
+                                      <p:to>
+                                        <p:strVal val="visible"/>
+                                      </p:to>
+                                    </p:set>
+                                  </p:childTnLst>
+                                </p:cTn>
+                              </p:par>
+                            </p:childTnLst>
+                          </p:cTn>
+                        </p:par>
+                      </p:childTnLst>
+                    </p:cTn>
+                  </p:par>
+                  <p:par>
+                    <p:cTn id="15" fill="hold">
+                      <p:stCondLst>
+                        <p:cond delay="indefinite"/>
+                      </p:stCondLst>
+                      <p:childTnLst>
+                        <p:par>
+                          <p:cTn id="16" fill="hold">
+                            <p:stCondLst>
+                              <p:cond delay="0"/>
+                            </p:stCondLst>
+                            <p:childTnLst>
+                              <p:par>
+                                <p:cTn id="17" presetID="1" presetClass="entr" presetSubtype="0" fill="hold" nodeType="clickEffect">
+                                  <p:stCondLst>
+                                    <p:cond delay="0"/>
+                                  </p:stCondLst>
+                                  <p:childTnLst>
+                                    <p:set>
+                                      <p:cBhvr>
+                                        <p:cTn id="18" dur="1" fill="hold">
+                                          <p:stCondLst>
+                                            <p:cond delay="0"/>
+                                          </p:stCondLst>
+                                        </p:cTn>
+                                        <p:tgtEl>
+                                          <p:spTgt spid="3">
+                                            <p:txEl>
+                                              <p:pRg st="4" end="4"/>
+                                            </p:txEl>
+                                          </p:spTgt>
+                                        </p:tgtEl>
+                                        <p:attrNameLst>
+                                          <p:attrName>style.visibility</p:attrName>
+                                        </p:attrNameLst>
+                                      </p:cBhvr>
+                                      <p:to>
+                                        <p:strVal val="visible"/>
+                                      </p:to>
+                                    </p:set>
+                                  </p:childTnLst>
+                                </p:cTn>
+                              </p:par>
+                            </p:childTnLst>
+                          </p:cTn>
+                        </p:par>
+                      </p:childTnLst>
+                    </p:cTn>
+                  </p:par>
+                  <p:par>
+                    <p:cTn id="19" fill="hold">
+                      <p:stCondLst>
+                        <p:cond delay="indefinite"/>
+                      </p:stCondLst>
+                      <p:childTnLst>
+                        <p:par>
+                          <p:cTn id="20" fill="hold">
+                            <p:stCondLst>
+                              <p:cond delay="0"/>
+                            </p:stCondLst>
+                            <p:childTnLst>
+                              <p:par>
+                                <p:cTn id="21" presetID="1" presetClass="entr" presetSubtype="0" fill="hold" nodeType="clickEffect">
+                                  <p:stCondLst>
+                                    <p:cond delay="0"/>
+                                  </p:stCondLst>
+                                  <p:childTnLst>
+                                    <p:set>
+                                      <p:cBhvr>
+                                        <p:cTn id="22" dur="1" fill="hold">
+                                          <p:stCondLst>
+                                            <p:cond delay="0"/>
+                                          </p:stCondLst>
+                                        </p:cTn>
+                                        <p:tgtEl>
+                                          <p:spTgt spid="3">
+                                            <p:txEl>
+                                              <p:pRg st="6" end="6"/>
+                                            </p:txEl>
+                                          </p:spTgt>
+                                        </p:tgtEl>
+                                        <p:attrNameLst>
+                                          <p:attrName>style.visibility</p:attrName>
+                                        </p:attrNameLst>
+                                      </p:cBhvr>
+                                      <p:to>
+                                        <p:strVal val="visible"/>
+                                      </p:to>
+                                    </p:set>
+                                  </p:childTnLst>
+                                </p:cTn>
+                              </p:par>
+                            </p:childTnLst>
+                          </p:cTn>
+                        </p:par>
+                      </p:childTnLst>
+                    </p:cTn>
+                  </p:par>
+                  <p:par>
+                    <p:cTn id="23" fill="hold">
+                      <p:stCondLst>
+                        <p:cond delay="indefinite"/>
+                      </p:stCondLst>
+                      <p:childTnLst>
+                        <p:par>
+                          <p:cTn id="24" fill="hold">
+                            <p:stCondLst>
+                              <p:cond delay="0"/>
+                            </p:stCondLst>
+                            <p:childTnLst>
+                              <p:par>
+                                <p:cTn id="25" presetID="1" presetClass="entr" presetSubtype="0" fill="hold" nodeType="clickEffect">
+                                  <p:stCondLst>
+                                    <p:cond delay="0"/>
+                                  </p:stCondLst>
+                                  <p:childTnLst>
+                                    <p:set>
+                                      <p:cBhvr>
+                                        <p:cTn id="26" dur="1" fill="hold">
+                                          <p:stCondLst>
+                                            <p:cond delay="0"/>
+                                          </p:stCondLst>
+                                        </p:cTn>
+                                        <p:tgtEl>
+                                          <p:spTgt spid="3">
+                                            <p:txEl>
+                                              <p:pRg st="7" end="7"/>
+                                            </p:txEl>
+                                          </p:spTgt>
+                                        </p:tgtEl>
+                                        <p:attrNameLst>
+                                          <p:attrName>style.visibility</p:attrName>
+                                        </p:attrNameLst>
+                                      </p:cBhvr>
+                                      <p:to>
+                                        <p:strVal val="visible"/>
+                                      </p:to>
+                                    </p:set>
+                                  </p:childTnLst>
+                                </p:cTn>
+                              </p:par>
+                            </p:childTnLst>
+                          </p:cTn>
+                        </p:par>
+                      </p:childTnLst>
+                    </p:cTn>
+                  </p:par>
+                  <p:par>
+                    <p:cTn id="27" fill="hold">
+                      <p:stCondLst>
+                        <p:cond delay="indefinite"/>
+                      </p:stCondLst>
+                      <p:childTnLst>
+                        <p:par>
+                          <p:cTn id="28" fill="hold">
+                            <p:stCondLst>
+                              <p:cond delay="0"/>
+                            </p:stCondLst>
+                            <p:childTnLst>
+                              <p:par>
+                                <p:cTn id="29" presetID="1" presetClass="entr" presetSubtype="0" fill="hold" nodeType="clickEffect">
+                                  <p:stCondLst>
+                                    <p:cond delay="0"/>
+                                  </p:stCondLst>
+                                  <p:childTnLst>
+                                    <p:set>
+                                      <p:cBhvr>
+                                        <p:cTn id="30" dur="1" fill="hold">
+                                          <p:stCondLst>
+                                            <p:cond delay="0"/>
+                                          </p:stCondLst>
+                                        </p:cTn>
+                                        <p:tgtEl>
+                                          <p:spTgt spid="3">
+                                            <p:txEl>
+                                              <p:pRg st="8" end="8"/>
+                                            </p:txEl>
+                                          </p:spTgt>
+                                        </p:tgtEl>
+                                        <p:attrNameLst>
+                                          <p:attrName>style.visibility</p:attrName>
+                                        </p:attrNameLst>
+                                      </p:cBhvr>
+                                      <p:to>
+                                        <p:strVal val="visible"/>
+                                      </p:to>
+                                    </p:set>
+                                  </p:childTnLst>
+                                </p:cTn>
+                              </p:par>
+                            </p:childTnLst>
+                          </p:cTn>
+                        </p:par>
+                      </p:childTnLst>
+                    </p:cTn>
+                  </p:par>
+                </p:childTnLst>
+              </p:cTn>
+              <p:prevCondLst>
+                <p:cond evt="onPrev" delay="0">
+                  <p:tgtEl>
+                    <p:sldTgt/>
+                  </p:tgtEl>
+                </p:cond>
+              </p:prevCondLst>
+              <p:nextCondLst>
+                <p:cond evt="onNext" delay="0">
+                  <p:tgtEl>
+                    <p:sldTgt/>
+                  </p:tgtEl>
+                </p:cond>
+              </p:nextCondLst>
+            </p:seq>
+          </p:childTnLst>
+        </p:cTn>
+      </p:par>
+    </p:tnLst>
+  </p:timing>
 </p:sld>
 </file>
 
@@ -8811,6 +9316,526 @@
   <p:clrMapOvr>
     <a:masterClrMapping/>
   </p:clrMapOvr>
+  <p:timing>
+    <p:tnLst>
+      <p:par>
+        <p:cTn id="1" dur="indefinite" restart="never" nodeType="tmRoot">
+          <p:childTnLst>
+            <p:seq concurrent="1" nextAc="seek">
+              <p:cTn id="2" dur="indefinite" nodeType="mainSeq">
+                <p:childTnLst>
+                  <p:par>
+                    <p:cTn id="3" fill="hold">
+                      <p:stCondLst>
+                        <p:cond delay="indefinite"/>
+                      </p:stCondLst>
+                      <p:childTnLst>
+                        <p:par>
+                          <p:cTn id="4" fill="hold">
+                            <p:stCondLst>
+                              <p:cond delay="0"/>
+                            </p:stCondLst>
+                            <p:childTnLst>
+                              <p:par>
+                                <p:cTn id="5" presetID="1" presetClass="entr" presetSubtype="0" fill="hold" nodeType="clickEffect">
+                                  <p:stCondLst>
+                                    <p:cond delay="0"/>
+                                  </p:stCondLst>
+                                  <p:childTnLst>
+                                    <p:set>
+                                      <p:cBhvr>
+                                        <p:cTn id="6" dur="1" fill="hold">
+                                          <p:stCondLst>
+                                            <p:cond delay="0"/>
+                                          </p:stCondLst>
+                                        </p:cTn>
+                                        <p:tgtEl>
+                                          <p:spTgt spid="3">
+                                            <p:txEl>
+                                              <p:pRg st="0" end="0"/>
+                                            </p:txEl>
+                                          </p:spTgt>
+                                        </p:tgtEl>
+                                        <p:attrNameLst>
+                                          <p:attrName>style.visibility</p:attrName>
+                                        </p:attrNameLst>
+                                      </p:cBhvr>
+                                      <p:to>
+                                        <p:strVal val="visible"/>
+                                      </p:to>
+                                    </p:set>
+                                  </p:childTnLst>
+                                </p:cTn>
+                              </p:par>
+                            </p:childTnLst>
+                          </p:cTn>
+                        </p:par>
+                      </p:childTnLst>
+                    </p:cTn>
+                  </p:par>
+                  <p:par>
+                    <p:cTn id="7" fill="hold">
+                      <p:stCondLst>
+                        <p:cond delay="indefinite"/>
+                      </p:stCondLst>
+                      <p:childTnLst>
+                        <p:par>
+                          <p:cTn id="8" fill="hold">
+                            <p:stCondLst>
+                              <p:cond delay="0"/>
+                            </p:stCondLst>
+                            <p:childTnLst>
+                              <p:par>
+                                <p:cTn id="9" presetID="1" presetClass="entr" presetSubtype="0" fill="hold" nodeType="clickEffect">
+                                  <p:stCondLst>
+                                    <p:cond delay="0"/>
+                                  </p:stCondLst>
+                                  <p:childTnLst>
+                                    <p:set>
+                                      <p:cBhvr>
+                                        <p:cTn id="10" dur="1" fill="hold">
+                                          <p:stCondLst>
+                                            <p:cond delay="0"/>
+                                          </p:stCondLst>
+                                        </p:cTn>
+                                        <p:tgtEl>
+                                          <p:spTgt spid="3">
+                                            <p:txEl>
+                                              <p:pRg st="1" end="1"/>
+                                            </p:txEl>
+                                          </p:spTgt>
+                                        </p:tgtEl>
+                                        <p:attrNameLst>
+                                          <p:attrName>style.visibility</p:attrName>
+                                        </p:attrNameLst>
+                                      </p:cBhvr>
+                                      <p:to>
+                                        <p:strVal val="visible"/>
+                                      </p:to>
+                                    </p:set>
+                                  </p:childTnLst>
+                                </p:cTn>
+                              </p:par>
+                            </p:childTnLst>
+                          </p:cTn>
+                        </p:par>
+                      </p:childTnLst>
+                    </p:cTn>
+                  </p:par>
+                  <p:par>
+                    <p:cTn id="11" fill="hold">
+                      <p:stCondLst>
+                        <p:cond delay="indefinite"/>
+                      </p:stCondLst>
+                      <p:childTnLst>
+                        <p:par>
+                          <p:cTn id="12" fill="hold">
+                            <p:stCondLst>
+                              <p:cond delay="0"/>
+                            </p:stCondLst>
+                            <p:childTnLst>
+                              <p:par>
+                                <p:cTn id="13" presetID="1" presetClass="entr" presetSubtype="0" fill="hold" nodeType="clickEffect">
+                                  <p:stCondLst>
+                                    <p:cond delay="0"/>
+                                  </p:stCondLst>
+                                  <p:childTnLst>
+                                    <p:set>
+                                      <p:cBhvr>
+                                        <p:cTn id="14" dur="1" fill="hold">
+                                          <p:stCondLst>
+                                            <p:cond delay="0"/>
+                                          </p:stCondLst>
+                                        </p:cTn>
+                                        <p:tgtEl>
+                                          <p:spTgt spid="3">
+                                            <p:txEl>
+                                              <p:pRg st="3" end="3"/>
+                                            </p:txEl>
+                                          </p:spTgt>
+                                        </p:tgtEl>
+                                        <p:attrNameLst>
+                                          <p:attrName>style.visibility</p:attrName>
+                                        </p:attrNameLst>
+                                      </p:cBhvr>
+                                      <p:to>
+                                        <p:strVal val="visible"/>
+                                      </p:to>
+                                    </p:set>
+                                  </p:childTnLst>
+                                </p:cTn>
+                              </p:par>
+                            </p:childTnLst>
+                          </p:cTn>
+                        </p:par>
+                      </p:childTnLst>
+                    </p:cTn>
+                  </p:par>
+                  <p:par>
+                    <p:cTn id="15" fill="hold">
+                      <p:stCondLst>
+                        <p:cond delay="indefinite"/>
+                      </p:stCondLst>
+                      <p:childTnLst>
+                        <p:par>
+                          <p:cTn id="16" fill="hold">
+                            <p:stCondLst>
+                              <p:cond delay="0"/>
+                            </p:stCondLst>
+                            <p:childTnLst>
+                              <p:par>
+                                <p:cTn id="17" presetID="1" presetClass="entr" presetSubtype="0" fill="hold" nodeType="clickEffect">
+                                  <p:stCondLst>
+                                    <p:cond delay="0"/>
+                                  </p:stCondLst>
+                                  <p:childTnLst>
+                                    <p:set>
+                                      <p:cBhvr>
+                                        <p:cTn id="18" dur="1" fill="hold">
+                                          <p:stCondLst>
+                                            <p:cond delay="0"/>
+                                          </p:stCondLst>
+                                        </p:cTn>
+                                        <p:tgtEl>
+                                          <p:spTgt spid="3">
+                                            <p:txEl>
+                                              <p:pRg st="4" end="4"/>
+                                            </p:txEl>
+                                          </p:spTgt>
+                                        </p:tgtEl>
+                                        <p:attrNameLst>
+                                          <p:attrName>style.visibility</p:attrName>
+                                        </p:attrNameLst>
+                                      </p:cBhvr>
+                                      <p:to>
+                                        <p:strVal val="visible"/>
+                                      </p:to>
+                                    </p:set>
+                                  </p:childTnLst>
+                                </p:cTn>
+                              </p:par>
+                            </p:childTnLst>
+                          </p:cTn>
+                        </p:par>
+                      </p:childTnLst>
+                    </p:cTn>
+                  </p:par>
+                  <p:par>
+                    <p:cTn id="19" fill="hold">
+                      <p:stCondLst>
+                        <p:cond delay="indefinite"/>
+                      </p:stCondLst>
+                      <p:childTnLst>
+                        <p:par>
+                          <p:cTn id="20" fill="hold">
+                            <p:stCondLst>
+                              <p:cond delay="0"/>
+                            </p:stCondLst>
+                            <p:childTnLst>
+                              <p:par>
+                                <p:cTn id="21" presetID="1" presetClass="entr" presetSubtype="0" fill="hold" nodeType="clickEffect">
+                                  <p:stCondLst>
+                                    <p:cond delay="0"/>
+                                  </p:stCondLst>
+                                  <p:childTnLst>
+                                    <p:set>
+                                      <p:cBhvr>
+                                        <p:cTn id="22" dur="1" fill="hold">
+                                          <p:stCondLst>
+                                            <p:cond delay="0"/>
+                                          </p:stCondLst>
+                                        </p:cTn>
+                                        <p:tgtEl>
+                                          <p:spTgt spid="3">
+                                            <p:txEl>
+                                              <p:pRg st="6" end="6"/>
+                                            </p:txEl>
+                                          </p:spTgt>
+                                        </p:tgtEl>
+                                        <p:attrNameLst>
+                                          <p:attrName>style.visibility</p:attrName>
+                                        </p:attrNameLst>
+                                      </p:cBhvr>
+                                      <p:to>
+                                        <p:strVal val="visible"/>
+                                      </p:to>
+                                    </p:set>
+                                  </p:childTnLst>
+                                </p:cTn>
+                              </p:par>
+                            </p:childTnLst>
+                          </p:cTn>
+                        </p:par>
+                      </p:childTnLst>
+                    </p:cTn>
+                  </p:par>
+                  <p:par>
+                    <p:cTn id="23" fill="hold">
+                      <p:stCondLst>
+                        <p:cond delay="indefinite"/>
+                      </p:stCondLst>
+                      <p:childTnLst>
+                        <p:par>
+                          <p:cTn id="24" fill="hold">
+                            <p:stCondLst>
+                              <p:cond delay="0"/>
+                            </p:stCondLst>
+                            <p:childTnLst>
+                              <p:par>
+                                <p:cTn id="25" presetID="1" presetClass="entr" presetSubtype="0" fill="hold" nodeType="clickEffect">
+                                  <p:stCondLst>
+                                    <p:cond delay="0"/>
+                                  </p:stCondLst>
+                                  <p:childTnLst>
+                                    <p:set>
+                                      <p:cBhvr>
+                                        <p:cTn id="26" dur="1" fill="hold">
+                                          <p:stCondLst>
+                                            <p:cond delay="0"/>
+                                          </p:stCondLst>
+                                        </p:cTn>
+                                        <p:tgtEl>
+                                          <p:spTgt spid="3">
+                                            <p:txEl>
+                                              <p:pRg st="7" end="7"/>
+                                            </p:txEl>
+                                          </p:spTgt>
+                                        </p:tgtEl>
+                                        <p:attrNameLst>
+                                          <p:attrName>style.visibility</p:attrName>
+                                        </p:attrNameLst>
+                                      </p:cBhvr>
+                                      <p:to>
+                                        <p:strVal val="visible"/>
+                                      </p:to>
+                                    </p:set>
+                                  </p:childTnLst>
+                                </p:cTn>
+                              </p:par>
+                            </p:childTnLst>
+                          </p:cTn>
+                        </p:par>
+                      </p:childTnLst>
+                    </p:cTn>
+                  </p:par>
+                  <p:par>
+                    <p:cTn id="27" fill="hold">
+                      <p:stCondLst>
+                        <p:cond delay="indefinite"/>
+                      </p:stCondLst>
+                      <p:childTnLst>
+                        <p:par>
+                          <p:cTn id="28" fill="hold">
+                            <p:stCondLst>
+                              <p:cond delay="0"/>
+                            </p:stCondLst>
+                            <p:childTnLst>
+                              <p:par>
+                                <p:cTn id="29" presetID="1" presetClass="entr" presetSubtype="0" fill="hold" nodeType="clickEffect">
+                                  <p:stCondLst>
+                                    <p:cond delay="0"/>
+                                  </p:stCondLst>
+                                  <p:childTnLst>
+                                    <p:set>
+                                      <p:cBhvr>
+                                        <p:cTn id="30" dur="1" fill="hold">
+                                          <p:stCondLst>
+                                            <p:cond delay="0"/>
+                                          </p:stCondLst>
+                                        </p:cTn>
+                                        <p:tgtEl>
+                                          <p:spTgt spid="3">
+                                            <p:txEl>
+                                              <p:pRg st="8" end="8"/>
+                                            </p:txEl>
+                                          </p:spTgt>
+                                        </p:tgtEl>
+                                        <p:attrNameLst>
+                                          <p:attrName>style.visibility</p:attrName>
+                                        </p:attrNameLst>
+                                      </p:cBhvr>
+                                      <p:to>
+                                        <p:strVal val="visible"/>
+                                      </p:to>
+                                    </p:set>
+                                  </p:childTnLst>
+                                </p:cTn>
+                              </p:par>
+                            </p:childTnLst>
+                          </p:cTn>
+                        </p:par>
+                      </p:childTnLst>
+                    </p:cTn>
+                  </p:par>
+                  <p:par>
+                    <p:cTn id="31" fill="hold">
+                      <p:stCondLst>
+                        <p:cond delay="indefinite"/>
+                      </p:stCondLst>
+                      <p:childTnLst>
+                        <p:par>
+                          <p:cTn id="32" fill="hold">
+                            <p:stCondLst>
+                              <p:cond delay="0"/>
+                            </p:stCondLst>
+                            <p:childTnLst>
+                              <p:par>
+                                <p:cTn id="33" presetID="1" presetClass="entr" presetSubtype="0" fill="hold" nodeType="clickEffect">
+                                  <p:stCondLst>
+                                    <p:cond delay="0"/>
+                                  </p:stCondLst>
+                                  <p:childTnLst>
+                                    <p:set>
+                                      <p:cBhvr>
+                                        <p:cTn id="34" dur="1" fill="hold">
+                                          <p:stCondLst>
+                                            <p:cond delay="0"/>
+                                          </p:stCondLst>
+                                        </p:cTn>
+                                        <p:tgtEl>
+                                          <p:spTgt spid="3">
+                                            <p:txEl>
+                                              <p:pRg st="9" end="9"/>
+                                            </p:txEl>
+                                          </p:spTgt>
+                                        </p:tgtEl>
+                                        <p:attrNameLst>
+                                          <p:attrName>style.visibility</p:attrName>
+                                        </p:attrNameLst>
+                                      </p:cBhvr>
+                                      <p:to>
+                                        <p:strVal val="visible"/>
+                                      </p:to>
+                                    </p:set>
+                                  </p:childTnLst>
+                                </p:cTn>
+                              </p:par>
+                            </p:childTnLst>
+                          </p:cTn>
+                        </p:par>
+                      </p:childTnLst>
+                    </p:cTn>
+                  </p:par>
+                  <p:par>
+                    <p:cTn id="35" fill="hold">
+                      <p:stCondLst>
+                        <p:cond delay="indefinite"/>
+                      </p:stCondLst>
+                      <p:childTnLst>
+                        <p:par>
+                          <p:cTn id="36" fill="hold">
+                            <p:stCondLst>
+                              <p:cond delay="0"/>
+                            </p:stCondLst>
+                            <p:childTnLst>
+                              <p:par>
+                                <p:cTn id="37" presetID="1" presetClass="entr" presetSubtype="0" fill="hold" nodeType="clickEffect">
+                                  <p:stCondLst>
+                                    <p:cond delay="0"/>
+                                  </p:stCondLst>
+                                  <p:childTnLst>
+                                    <p:set>
+                                      <p:cBhvr>
+                                        <p:cTn id="38" dur="1" fill="hold">
+                                          <p:stCondLst>
+                                            <p:cond delay="0"/>
+                                          </p:stCondLst>
+                                        </p:cTn>
+                                        <p:tgtEl>
+                                          <p:spTgt spid="3">
+                                            <p:txEl>
+                                              <p:pRg st="10" end="10"/>
+                                            </p:txEl>
+                                          </p:spTgt>
+                                        </p:tgtEl>
+                                        <p:attrNameLst>
+                                          <p:attrName>style.visibility</p:attrName>
+                                        </p:attrNameLst>
+                                      </p:cBhvr>
+                                      <p:to>
+                                        <p:strVal val="visible"/>
+                                      </p:to>
+                                    </p:set>
+                                  </p:childTnLst>
+                                </p:cTn>
+                              </p:par>
+                            </p:childTnLst>
+                          </p:cTn>
+                        </p:par>
+                      </p:childTnLst>
+                    </p:cTn>
+                  </p:par>
+                  <p:par>
+                    <p:cTn id="39" fill="hold">
+                      <p:stCondLst>
+                        <p:cond delay="indefinite"/>
+                      </p:stCondLst>
+                      <p:childTnLst>
+                        <p:par>
+                          <p:cTn id="40" fill="hold">
+                            <p:stCondLst>
+                              <p:cond delay="0"/>
+                            </p:stCondLst>
+                            <p:childTnLst>
+                              <p:par>
+                                <p:cTn id="41" presetID="1" presetClass="entr" presetSubtype="0" fill="hold" nodeType="clickEffect">
+                                  <p:stCondLst>
+                                    <p:cond delay="0"/>
+                                  </p:stCondLst>
+                                  <p:childTnLst>
+                                    <p:set>
+                                      <p:cBhvr>
+                                        <p:cTn id="42" dur="1" fill="hold">
+                                          <p:stCondLst>
+                                            <p:cond delay="0"/>
+                                          </p:stCondLst>
+                                        </p:cTn>
+                                        <p:tgtEl>
+                                          <p:spTgt spid="3">
+                                            <p:txEl>
+                                              <p:pRg st="11" end="11"/>
+                                            </p:txEl>
+                                          </p:spTgt>
+                                        </p:tgtEl>
+                                        <p:attrNameLst>
+                                          <p:attrName>style.visibility</p:attrName>
+                                        </p:attrNameLst>
+                                      </p:cBhvr>
+                                      <p:to>
+                                        <p:strVal val="visible"/>
+                                      </p:to>
+                                    </p:set>
+                                  </p:childTnLst>
+                                </p:cTn>
+                              </p:par>
+                            </p:childTnLst>
+                          </p:cTn>
+                        </p:par>
+                      </p:childTnLst>
+                    </p:cTn>
+                  </p:par>
+                </p:childTnLst>
+              </p:cTn>
+              <p:prevCondLst>
+                <p:cond evt="onPrev" delay="0">
+                  <p:tgtEl>
+                    <p:sldTgt/>
+                  </p:tgtEl>
+                </p:cond>
+              </p:prevCondLst>
+              <p:nextCondLst>
+                <p:cond evt="onNext" delay="0">
+                  <p:tgtEl>
+                    <p:sldTgt/>
+                  </p:tgtEl>
+                </p:cond>
+              </p:nextCondLst>
+            </p:seq>
+          </p:childTnLst>
+        </p:cTn>
+      </p:par>
+    </p:tnLst>
+  </p:timing>
 </p:sld>
 </file>
 
@@ -8948,6 +9973,281 @@
   <p:clrMapOvr>
     <a:masterClrMapping/>
   </p:clrMapOvr>
+  <p:timing>
+    <p:tnLst>
+      <p:par>
+        <p:cTn id="1" dur="indefinite" restart="never" nodeType="tmRoot">
+          <p:childTnLst>
+            <p:seq concurrent="1" nextAc="seek">
+              <p:cTn id="2" dur="indefinite" nodeType="mainSeq">
+                <p:childTnLst>
+                  <p:par>
+                    <p:cTn id="3" fill="hold">
+                      <p:stCondLst>
+                        <p:cond delay="indefinite"/>
+                      </p:stCondLst>
+                      <p:childTnLst>
+                        <p:par>
+                          <p:cTn id="4" fill="hold">
+                            <p:stCondLst>
+                              <p:cond delay="0"/>
+                            </p:stCondLst>
+                            <p:childTnLst>
+                              <p:par>
+                                <p:cTn id="5" presetID="1" presetClass="entr" presetSubtype="0" fill="hold" nodeType="clickEffect">
+                                  <p:stCondLst>
+                                    <p:cond delay="0"/>
+                                  </p:stCondLst>
+                                  <p:childTnLst>
+                                    <p:set>
+                                      <p:cBhvr>
+                                        <p:cTn id="6" dur="1" fill="hold">
+                                          <p:stCondLst>
+                                            <p:cond delay="0"/>
+                                          </p:stCondLst>
+                                        </p:cTn>
+                                        <p:tgtEl>
+                                          <p:spTgt spid="3">
+                                            <p:txEl>
+                                              <p:pRg st="0" end="0"/>
+                                            </p:txEl>
+                                          </p:spTgt>
+                                        </p:tgtEl>
+                                        <p:attrNameLst>
+                                          <p:attrName>style.visibility</p:attrName>
+                                        </p:attrNameLst>
+                                      </p:cBhvr>
+                                      <p:to>
+                                        <p:strVal val="visible"/>
+                                      </p:to>
+                                    </p:set>
+                                  </p:childTnLst>
+                                </p:cTn>
+                              </p:par>
+                            </p:childTnLst>
+                          </p:cTn>
+                        </p:par>
+                      </p:childTnLst>
+                    </p:cTn>
+                  </p:par>
+                  <p:par>
+                    <p:cTn id="7" fill="hold">
+                      <p:stCondLst>
+                        <p:cond delay="indefinite"/>
+                      </p:stCondLst>
+                      <p:childTnLst>
+                        <p:par>
+                          <p:cTn id="8" fill="hold">
+                            <p:stCondLst>
+                              <p:cond delay="0"/>
+                            </p:stCondLst>
+                            <p:childTnLst>
+                              <p:par>
+                                <p:cTn id="9" presetID="1" presetClass="entr" presetSubtype="0" fill="hold" nodeType="clickEffect">
+                                  <p:stCondLst>
+                                    <p:cond delay="0"/>
+                                  </p:stCondLst>
+                                  <p:childTnLst>
+                                    <p:set>
+                                      <p:cBhvr>
+                                        <p:cTn id="10" dur="1" fill="hold">
+                                          <p:stCondLst>
+                                            <p:cond delay="0"/>
+                                          </p:stCondLst>
+                                        </p:cTn>
+                                        <p:tgtEl>
+                                          <p:spTgt spid="3">
+                                            <p:txEl>
+                                              <p:pRg st="2" end="2"/>
+                                            </p:txEl>
+                                          </p:spTgt>
+                                        </p:tgtEl>
+                                        <p:attrNameLst>
+                                          <p:attrName>style.visibility</p:attrName>
+                                        </p:attrNameLst>
+                                      </p:cBhvr>
+                                      <p:to>
+                                        <p:strVal val="visible"/>
+                                      </p:to>
+                                    </p:set>
+                                  </p:childTnLst>
+                                </p:cTn>
+                              </p:par>
+                            </p:childTnLst>
+                          </p:cTn>
+                        </p:par>
+                      </p:childTnLst>
+                    </p:cTn>
+                  </p:par>
+                  <p:par>
+                    <p:cTn id="11" fill="hold">
+                      <p:stCondLst>
+                        <p:cond delay="indefinite"/>
+                      </p:stCondLst>
+                      <p:childTnLst>
+                        <p:par>
+                          <p:cTn id="12" fill="hold">
+                            <p:stCondLst>
+                              <p:cond delay="0"/>
+                            </p:stCondLst>
+                            <p:childTnLst>
+                              <p:par>
+                                <p:cTn id="13" presetID="1" presetClass="entr" presetSubtype="0" fill="hold" nodeType="clickEffect">
+                                  <p:stCondLst>
+                                    <p:cond delay="0"/>
+                                  </p:stCondLst>
+                                  <p:childTnLst>
+                                    <p:set>
+                                      <p:cBhvr>
+                                        <p:cTn id="14" dur="1" fill="hold">
+                                          <p:stCondLst>
+                                            <p:cond delay="0"/>
+                                          </p:stCondLst>
+                                        </p:cTn>
+                                        <p:tgtEl>
+                                          <p:spTgt spid="3">
+                                            <p:txEl>
+                                              <p:pRg st="3" end="3"/>
+                                            </p:txEl>
+                                          </p:spTgt>
+                                        </p:tgtEl>
+                                        <p:attrNameLst>
+                                          <p:attrName>style.visibility</p:attrName>
+                                        </p:attrNameLst>
+                                      </p:cBhvr>
+                                      <p:to>
+                                        <p:strVal val="visible"/>
+                                      </p:to>
+                                    </p:set>
+                                  </p:childTnLst>
+                                </p:cTn>
+                              </p:par>
+                            </p:childTnLst>
+                          </p:cTn>
+                        </p:par>
+                      </p:childTnLst>
+                    </p:cTn>
+                  </p:par>
+                  <p:par>
+                    <p:cTn id="15" fill="hold">
+                      <p:stCondLst>
+                        <p:cond delay="indefinite"/>
+                      </p:stCondLst>
+                      <p:childTnLst>
+                        <p:par>
+                          <p:cTn id="16" fill="hold">
+                            <p:stCondLst>
+                              <p:cond delay="0"/>
+                            </p:stCondLst>
+                            <p:childTnLst>
+                              <p:par>
+                                <p:cTn id="17" presetID="1" presetClass="entr" presetSubtype="0" fill="hold" nodeType="clickEffect">
+                                  <p:stCondLst>
+                                    <p:cond delay="0"/>
+                                  </p:stCondLst>
+                                  <p:childTnLst>
+                                    <p:set>
+                                      <p:cBhvr>
+                                        <p:cTn id="18" dur="1" fill="hold">
+                                          <p:stCondLst>
+                                            <p:cond delay="0"/>
+                                          </p:stCondLst>
+                                        </p:cTn>
+                                        <p:tgtEl>
+                                          <p:spTgt spid="3">
+                                            <p:txEl>
+                                              <p:pRg st="4" end="4"/>
+                                            </p:txEl>
+                                          </p:spTgt>
+                                        </p:tgtEl>
+                                        <p:attrNameLst>
+                                          <p:attrName>style.visibility</p:attrName>
+                                        </p:attrNameLst>
+                                      </p:cBhvr>
+                                      <p:to>
+                                        <p:strVal val="visible"/>
+                                      </p:to>
+                                    </p:set>
+                                  </p:childTnLst>
+                                </p:cTn>
+                              </p:par>
+                            </p:childTnLst>
+                          </p:cTn>
+                        </p:par>
+                      </p:childTnLst>
+                    </p:cTn>
+                  </p:par>
+                  <p:par>
+                    <p:cTn id="19" fill="hold">
+                      <p:stCondLst>
+                        <p:cond delay="indefinite"/>
+                      </p:stCondLst>
+                      <p:childTnLst>
+                        <p:par>
+                          <p:cTn id="20" fill="hold">
+                            <p:stCondLst>
+                              <p:cond delay="0"/>
+                            </p:stCondLst>
+                            <p:childTnLst>
+                              <p:par>
+                                <p:cTn id="21" presetID="1" presetClass="entr" presetSubtype="0" fill="hold" nodeType="clickEffect">
+                                  <p:stCondLst>
+                                    <p:cond delay="0"/>
+                                  </p:stCondLst>
+                                  <p:childTnLst>
+                                    <p:set>
+                                      <p:cBhvr>
+                                        <p:cTn id="22" dur="1" fill="hold">
+                                          <p:stCondLst>
+                                            <p:cond delay="0"/>
+                                          </p:stCondLst>
+                                        </p:cTn>
+                                        <p:tgtEl>
+                                          <p:spTgt spid="3">
+                                            <p:txEl>
+                                              <p:pRg st="5" end="5"/>
+                                            </p:txEl>
+                                          </p:spTgt>
+                                        </p:tgtEl>
+                                        <p:attrNameLst>
+                                          <p:attrName>style.visibility</p:attrName>
+                                        </p:attrNameLst>
+                                      </p:cBhvr>
+                                      <p:to>
+                                        <p:strVal val="visible"/>
+                                      </p:to>
+                                    </p:set>
+                                  </p:childTnLst>
+                                </p:cTn>
+                              </p:par>
+                            </p:childTnLst>
+                          </p:cTn>
+                        </p:par>
+                      </p:childTnLst>
+                    </p:cTn>
+                  </p:par>
+                </p:childTnLst>
+              </p:cTn>
+              <p:prevCondLst>
+                <p:cond evt="onPrev" delay="0">
+                  <p:tgtEl>
+                    <p:sldTgt/>
+                  </p:tgtEl>
+                </p:cond>
+              </p:prevCondLst>
+              <p:nextCondLst>
+                <p:cond evt="onNext" delay="0">
+                  <p:tgtEl>
+                    <p:sldTgt/>
+                  </p:tgtEl>
+                </p:cond>
+              </p:nextCondLst>
+            </p:seq>
+          </p:childTnLst>
+        </p:cTn>
+      </p:par>
+    </p:tnLst>
+  </p:timing>
 </p:sld>
 </file>
 
@@ -9106,6 +10406,379 @@
   <p:clrMapOvr>
     <a:masterClrMapping/>
   </p:clrMapOvr>
+  <p:timing>
+    <p:tnLst>
+      <p:par>
+        <p:cTn id="1" dur="indefinite" restart="never" nodeType="tmRoot">
+          <p:childTnLst>
+            <p:seq concurrent="1" nextAc="seek">
+              <p:cTn id="2" dur="indefinite" nodeType="mainSeq">
+                <p:childTnLst>
+                  <p:par>
+                    <p:cTn id="3" fill="hold">
+                      <p:stCondLst>
+                        <p:cond delay="indefinite"/>
+                      </p:stCondLst>
+                      <p:childTnLst>
+                        <p:par>
+                          <p:cTn id="4" fill="hold">
+                            <p:stCondLst>
+                              <p:cond delay="0"/>
+                            </p:stCondLst>
+                            <p:childTnLst>
+                              <p:par>
+                                <p:cTn id="5" presetID="1" presetClass="entr" presetSubtype="0" fill="hold" nodeType="clickEffect">
+                                  <p:stCondLst>
+                                    <p:cond delay="0"/>
+                                  </p:stCondLst>
+                                  <p:childTnLst>
+                                    <p:set>
+                                      <p:cBhvr>
+                                        <p:cTn id="6" dur="1" fill="hold">
+                                          <p:stCondLst>
+                                            <p:cond delay="0"/>
+                                          </p:stCondLst>
+                                        </p:cTn>
+                                        <p:tgtEl>
+                                          <p:spTgt spid="3">
+                                            <p:txEl>
+                                              <p:pRg st="0" end="0"/>
+                                            </p:txEl>
+                                          </p:spTgt>
+                                        </p:tgtEl>
+                                        <p:attrNameLst>
+                                          <p:attrName>style.visibility</p:attrName>
+                                        </p:attrNameLst>
+                                      </p:cBhvr>
+                                      <p:to>
+                                        <p:strVal val="visible"/>
+                                      </p:to>
+                                    </p:set>
+                                  </p:childTnLst>
+                                </p:cTn>
+                              </p:par>
+                            </p:childTnLst>
+                          </p:cTn>
+                        </p:par>
+                      </p:childTnLst>
+                    </p:cTn>
+                  </p:par>
+                  <p:par>
+                    <p:cTn id="7" fill="hold">
+                      <p:stCondLst>
+                        <p:cond delay="indefinite"/>
+                      </p:stCondLst>
+                      <p:childTnLst>
+                        <p:par>
+                          <p:cTn id="8" fill="hold">
+                            <p:stCondLst>
+                              <p:cond delay="0"/>
+                            </p:stCondLst>
+                            <p:childTnLst>
+                              <p:par>
+                                <p:cTn id="9" presetID="1" presetClass="entr" presetSubtype="0" fill="hold" nodeType="clickEffect">
+                                  <p:stCondLst>
+                                    <p:cond delay="0"/>
+                                  </p:stCondLst>
+                                  <p:childTnLst>
+                                    <p:set>
+                                      <p:cBhvr>
+                                        <p:cTn id="10" dur="1" fill="hold">
+                                          <p:stCondLst>
+                                            <p:cond delay="0"/>
+                                          </p:stCondLst>
+                                        </p:cTn>
+                                        <p:tgtEl>
+                                          <p:spTgt spid="3">
+                                            <p:txEl>
+                                              <p:pRg st="2" end="2"/>
+                                            </p:txEl>
+                                          </p:spTgt>
+                                        </p:tgtEl>
+                                        <p:attrNameLst>
+                                          <p:attrName>style.visibility</p:attrName>
+                                        </p:attrNameLst>
+                                      </p:cBhvr>
+                                      <p:to>
+                                        <p:strVal val="visible"/>
+                                      </p:to>
+                                    </p:set>
+                                  </p:childTnLst>
+                                </p:cTn>
+                              </p:par>
+                            </p:childTnLst>
+                          </p:cTn>
+                        </p:par>
+                      </p:childTnLst>
+                    </p:cTn>
+                  </p:par>
+                  <p:par>
+                    <p:cTn id="11" fill="hold">
+                      <p:stCondLst>
+                        <p:cond delay="indefinite"/>
+                      </p:stCondLst>
+                      <p:childTnLst>
+                        <p:par>
+                          <p:cTn id="12" fill="hold">
+                            <p:stCondLst>
+                              <p:cond delay="0"/>
+                            </p:stCondLst>
+                            <p:childTnLst>
+                              <p:par>
+                                <p:cTn id="13" presetID="1" presetClass="entr" presetSubtype="0" fill="hold" nodeType="clickEffect">
+                                  <p:stCondLst>
+                                    <p:cond delay="0"/>
+                                  </p:stCondLst>
+                                  <p:childTnLst>
+                                    <p:set>
+                                      <p:cBhvr>
+                                        <p:cTn id="14" dur="1" fill="hold">
+                                          <p:stCondLst>
+                                            <p:cond delay="0"/>
+                                          </p:stCondLst>
+                                        </p:cTn>
+                                        <p:tgtEl>
+                                          <p:spTgt spid="3">
+                                            <p:txEl>
+                                              <p:pRg st="3" end="3"/>
+                                            </p:txEl>
+                                          </p:spTgt>
+                                        </p:tgtEl>
+                                        <p:attrNameLst>
+                                          <p:attrName>style.visibility</p:attrName>
+                                        </p:attrNameLst>
+                                      </p:cBhvr>
+                                      <p:to>
+                                        <p:strVal val="visible"/>
+                                      </p:to>
+                                    </p:set>
+                                  </p:childTnLst>
+                                </p:cTn>
+                              </p:par>
+                            </p:childTnLst>
+                          </p:cTn>
+                        </p:par>
+                      </p:childTnLst>
+                    </p:cTn>
+                  </p:par>
+                  <p:par>
+                    <p:cTn id="15" fill="hold">
+                      <p:stCondLst>
+                        <p:cond delay="indefinite"/>
+                      </p:stCondLst>
+                      <p:childTnLst>
+                        <p:par>
+                          <p:cTn id="16" fill="hold">
+                            <p:stCondLst>
+                              <p:cond delay="0"/>
+                            </p:stCondLst>
+                            <p:childTnLst>
+                              <p:par>
+                                <p:cTn id="17" presetID="1" presetClass="entr" presetSubtype="0" fill="hold" nodeType="clickEffect">
+                                  <p:stCondLst>
+                                    <p:cond delay="0"/>
+                                  </p:stCondLst>
+                                  <p:childTnLst>
+                                    <p:set>
+                                      <p:cBhvr>
+                                        <p:cTn id="18" dur="1" fill="hold">
+                                          <p:stCondLst>
+                                            <p:cond delay="0"/>
+                                          </p:stCondLst>
+                                        </p:cTn>
+                                        <p:tgtEl>
+                                          <p:spTgt spid="3">
+                                            <p:txEl>
+                                              <p:pRg st="4" end="4"/>
+                                            </p:txEl>
+                                          </p:spTgt>
+                                        </p:tgtEl>
+                                        <p:attrNameLst>
+                                          <p:attrName>style.visibility</p:attrName>
+                                        </p:attrNameLst>
+                                      </p:cBhvr>
+                                      <p:to>
+                                        <p:strVal val="visible"/>
+                                      </p:to>
+                                    </p:set>
+                                  </p:childTnLst>
+                                </p:cTn>
+                              </p:par>
+                            </p:childTnLst>
+                          </p:cTn>
+                        </p:par>
+                      </p:childTnLst>
+                    </p:cTn>
+                  </p:par>
+                  <p:par>
+                    <p:cTn id="19" fill="hold">
+                      <p:stCondLst>
+                        <p:cond delay="indefinite"/>
+                      </p:stCondLst>
+                      <p:childTnLst>
+                        <p:par>
+                          <p:cTn id="20" fill="hold">
+                            <p:stCondLst>
+                              <p:cond delay="0"/>
+                            </p:stCondLst>
+                            <p:childTnLst>
+                              <p:par>
+                                <p:cTn id="21" presetID="1" presetClass="entr" presetSubtype="0" fill="hold" nodeType="clickEffect">
+                                  <p:stCondLst>
+                                    <p:cond delay="0"/>
+                                  </p:stCondLst>
+                                  <p:childTnLst>
+                                    <p:set>
+                                      <p:cBhvr>
+                                        <p:cTn id="22" dur="1" fill="hold">
+                                          <p:stCondLst>
+                                            <p:cond delay="0"/>
+                                          </p:stCondLst>
+                                        </p:cTn>
+                                        <p:tgtEl>
+                                          <p:spTgt spid="3">
+                                            <p:txEl>
+                                              <p:pRg st="5" end="5"/>
+                                            </p:txEl>
+                                          </p:spTgt>
+                                        </p:tgtEl>
+                                        <p:attrNameLst>
+                                          <p:attrName>style.visibility</p:attrName>
+                                        </p:attrNameLst>
+                                      </p:cBhvr>
+                                      <p:to>
+                                        <p:strVal val="visible"/>
+                                      </p:to>
+                                    </p:set>
+                                  </p:childTnLst>
+                                </p:cTn>
+                              </p:par>
+                            </p:childTnLst>
+                          </p:cTn>
+                        </p:par>
+                      </p:childTnLst>
+                    </p:cTn>
+                  </p:par>
+                  <p:par>
+                    <p:cTn id="23" fill="hold">
+                      <p:stCondLst>
+                        <p:cond delay="indefinite"/>
+                      </p:stCondLst>
+                      <p:childTnLst>
+                        <p:par>
+                          <p:cTn id="24" fill="hold">
+                            <p:stCondLst>
+                              <p:cond delay="0"/>
+                            </p:stCondLst>
+                            <p:childTnLst>
+                              <p:par>
+                                <p:cTn id="25" presetID="1" presetClass="entr" presetSubtype="0" fill="hold" nodeType="clickEffect">
+                                  <p:stCondLst>
+                                    <p:cond delay="0"/>
+                                  </p:stCondLst>
+                                  <p:childTnLst>
+                                    <p:set>
+                                      <p:cBhvr>
+                                        <p:cTn id="26" dur="1" fill="hold">
+                                          <p:stCondLst>
+                                            <p:cond delay="0"/>
+                                          </p:stCondLst>
+                                        </p:cTn>
+                                        <p:tgtEl>
+                                          <p:spTgt spid="3">
+                                            <p:txEl>
+                                              <p:pRg st="7" end="7"/>
+                                            </p:txEl>
+                                          </p:spTgt>
+                                        </p:tgtEl>
+                                        <p:attrNameLst>
+                                          <p:attrName>style.visibility</p:attrName>
+                                        </p:attrNameLst>
+                                      </p:cBhvr>
+                                      <p:to>
+                                        <p:strVal val="visible"/>
+                                      </p:to>
+                                    </p:set>
+                                  </p:childTnLst>
+                                </p:cTn>
+                              </p:par>
+                            </p:childTnLst>
+                          </p:cTn>
+                        </p:par>
+                      </p:childTnLst>
+                    </p:cTn>
+                  </p:par>
+                  <p:par>
+                    <p:cTn id="27" fill="hold">
+                      <p:stCondLst>
+                        <p:cond delay="indefinite"/>
+                      </p:stCondLst>
+                      <p:childTnLst>
+                        <p:par>
+                          <p:cTn id="28" fill="hold">
+                            <p:stCondLst>
+                              <p:cond delay="0"/>
+                            </p:stCondLst>
+                            <p:childTnLst>
+                              <p:par>
+                                <p:cTn id="29" presetID="1" presetClass="entr" presetSubtype="0" fill="hold" nodeType="clickEffect">
+                                  <p:stCondLst>
+                                    <p:cond delay="0"/>
+                                  </p:stCondLst>
+                                  <p:childTnLst>
+                                    <p:set>
+                                      <p:cBhvr>
+                                        <p:cTn id="30" dur="1" fill="hold">
+                                          <p:stCondLst>
+                                            <p:cond delay="0"/>
+                                          </p:stCondLst>
+                                        </p:cTn>
+                                        <p:tgtEl>
+                                          <p:spTgt spid="3">
+                                            <p:txEl>
+                                              <p:pRg st="8" end="8"/>
+                                            </p:txEl>
+                                          </p:spTgt>
+                                        </p:tgtEl>
+                                        <p:attrNameLst>
+                                          <p:attrName>style.visibility</p:attrName>
+                                        </p:attrNameLst>
+                                      </p:cBhvr>
+                                      <p:to>
+                                        <p:strVal val="visible"/>
+                                      </p:to>
+                                    </p:set>
+                                  </p:childTnLst>
+                                </p:cTn>
+                              </p:par>
+                            </p:childTnLst>
+                          </p:cTn>
+                        </p:par>
+                      </p:childTnLst>
+                    </p:cTn>
+                  </p:par>
+                </p:childTnLst>
+              </p:cTn>
+              <p:prevCondLst>
+                <p:cond evt="onPrev" delay="0">
+                  <p:tgtEl>
+                    <p:sldTgt/>
+                  </p:tgtEl>
+                </p:cond>
+              </p:prevCondLst>
+              <p:nextCondLst>
+                <p:cond evt="onNext" delay="0">
+                  <p:tgtEl>
+                    <p:sldTgt/>
+                  </p:tgtEl>
+                </p:cond>
+              </p:nextCondLst>
+            </p:seq>
+          </p:childTnLst>
+        </p:cTn>
+      </p:par>
+    </p:tnLst>
+  </p:timing>
 </p:sld>
 </file>
 
@@ -9285,6 +10958,526 @@
   <p:clrMapOvr>
     <a:masterClrMapping/>
   </p:clrMapOvr>
+  <p:timing>
+    <p:tnLst>
+      <p:par>
+        <p:cTn id="1" dur="indefinite" restart="never" nodeType="tmRoot">
+          <p:childTnLst>
+            <p:seq concurrent="1" nextAc="seek">
+              <p:cTn id="2" dur="indefinite" nodeType="mainSeq">
+                <p:childTnLst>
+                  <p:par>
+                    <p:cTn id="3" fill="hold">
+                      <p:stCondLst>
+                        <p:cond delay="indefinite"/>
+                      </p:stCondLst>
+                      <p:childTnLst>
+                        <p:par>
+                          <p:cTn id="4" fill="hold">
+                            <p:stCondLst>
+                              <p:cond delay="0"/>
+                            </p:stCondLst>
+                            <p:childTnLst>
+                              <p:par>
+                                <p:cTn id="5" presetID="1" presetClass="entr" presetSubtype="0" fill="hold" nodeType="clickEffect">
+                                  <p:stCondLst>
+                                    <p:cond delay="0"/>
+                                  </p:stCondLst>
+                                  <p:childTnLst>
+                                    <p:set>
+                                      <p:cBhvr>
+                                        <p:cTn id="6" dur="1" fill="hold">
+                                          <p:stCondLst>
+                                            <p:cond delay="0"/>
+                                          </p:stCondLst>
+                                        </p:cTn>
+                                        <p:tgtEl>
+                                          <p:spTgt spid="3">
+                                            <p:txEl>
+                                              <p:pRg st="0" end="0"/>
+                                            </p:txEl>
+                                          </p:spTgt>
+                                        </p:tgtEl>
+                                        <p:attrNameLst>
+                                          <p:attrName>style.visibility</p:attrName>
+                                        </p:attrNameLst>
+                                      </p:cBhvr>
+                                      <p:to>
+                                        <p:strVal val="visible"/>
+                                      </p:to>
+                                    </p:set>
+                                  </p:childTnLst>
+                                </p:cTn>
+                              </p:par>
+                            </p:childTnLst>
+                          </p:cTn>
+                        </p:par>
+                      </p:childTnLst>
+                    </p:cTn>
+                  </p:par>
+                  <p:par>
+                    <p:cTn id="7" fill="hold">
+                      <p:stCondLst>
+                        <p:cond delay="indefinite"/>
+                      </p:stCondLst>
+                      <p:childTnLst>
+                        <p:par>
+                          <p:cTn id="8" fill="hold">
+                            <p:stCondLst>
+                              <p:cond delay="0"/>
+                            </p:stCondLst>
+                            <p:childTnLst>
+                              <p:par>
+                                <p:cTn id="9" presetID="1" presetClass="entr" presetSubtype="0" fill="hold" nodeType="clickEffect">
+                                  <p:stCondLst>
+                                    <p:cond delay="0"/>
+                                  </p:stCondLst>
+                                  <p:childTnLst>
+                                    <p:set>
+                                      <p:cBhvr>
+                                        <p:cTn id="10" dur="1" fill="hold">
+                                          <p:stCondLst>
+                                            <p:cond delay="0"/>
+                                          </p:stCondLst>
+                                        </p:cTn>
+                                        <p:tgtEl>
+                                          <p:spTgt spid="3">
+                                            <p:txEl>
+                                              <p:pRg st="1" end="1"/>
+                                            </p:txEl>
+                                          </p:spTgt>
+                                        </p:tgtEl>
+                                        <p:attrNameLst>
+                                          <p:attrName>style.visibility</p:attrName>
+                                        </p:attrNameLst>
+                                      </p:cBhvr>
+                                      <p:to>
+                                        <p:strVal val="visible"/>
+                                      </p:to>
+                                    </p:set>
+                                  </p:childTnLst>
+                                </p:cTn>
+                              </p:par>
+                            </p:childTnLst>
+                          </p:cTn>
+                        </p:par>
+                      </p:childTnLst>
+                    </p:cTn>
+                  </p:par>
+                  <p:par>
+                    <p:cTn id="11" fill="hold">
+                      <p:stCondLst>
+                        <p:cond delay="indefinite"/>
+                      </p:stCondLst>
+                      <p:childTnLst>
+                        <p:par>
+                          <p:cTn id="12" fill="hold">
+                            <p:stCondLst>
+                              <p:cond delay="0"/>
+                            </p:stCondLst>
+                            <p:childTnLst>
+                              <p:par>
+                                <p:cTn id="13" presetID="1" presetClass="entr" presetSubtype="0" fill="hold" nodeType="clickEffect">
+                                  <p:stCondLst>
+                                    <p:cond delay="0"/>
+                                  </p:stCondLst>
+                                  <p:childTnLst>
+                                    <p:set>
+                                      <p:cBhvr>
+                                        <p:cTn id="14" dur="1" fill="hold">
+                                          <p:stCondLst>
+                                            <p:cond delay="0"/>
+                                          </p:stCondLst>
+                                        </p:cTn>
+                                        <p:tgtEl>
+                                          <p:spTgt spid="3">
+                                            <p:txEl>
+                                              <p:pRg st="2" end="2"/>
+                                            </p:txEl>
+                                          </p:spTgt>
+                                        </p:tgtEl>
+                                        <p:attrNameLst>
+                                          <p:attrName>style.visibility</p:attrName>
+                                        </p:attrNameLst>
+                                      </p:cBhvr>
+                                      <p:to>
+                                        <p:strVal val="visible"/>
+                                      </p:to>
+                                    </p:set>
+                                  </p:childTnLst>
+                                </p:cTn>
+                              </p:par>
+                            </p:childTnLst>
+                          </p:cTn>
+                        </p:par>
+                      </p:childTnLst>
+                    </p:cTn>
+                  </p:par>
+                  <p:par>
+                    <p:cTn id="15" fill="hold">
+                      <p:stCondLst>
+                        <p:cond delay="indefinite"/>
+                      </p:stCondLst>
+                      <p:childTnLst>
+                        <p:par>
+                          <p:cTn id="16" fill="hold">
+                            <p:stCondLst>
+                              <p:cond delay="0"/>
+                            </p:stCondLst>
+                            <p:childTnLst>
+                              <p:par>
+                                <p:cTn id="17" presetID="1" presetClass="entr" presetSubtype="0" fill="hold" nodeType="clickEffect">
+                                  <p:stCondLst>
+                                    <p:cond delay="0"/>
+                                  </p:stCondLst>
+                                  <p:childTnLst>
+                                    <p:set>
+                                      <p:cBhvr>
+                                        <p:cTn id="18" dur="1" fill="hold">
+                                          <p:stCondLst>
+                                            <p:cond delay="0"/>
+                                          </p:stCondLst>
+                                        </p:cTn>
+                                        <p:tgtEl>
+                                          <p:spTgt spid="3">
+                                            <p:txEl>
+                                              <p:pRg st="4" end="4"/>
+                                            </p:txEl>
+                                          </p:spTgt>
+                                        </p:tgtEl>
+                                        <p:attrNameLst>
+                                          <p:attrName>style.visibility</p:attrName>
+                                        </p:attrNameLst>
+                                      </p:cBhvr>
+                                      <p:to>
+                                        <p:strVal val="visible"/>
+                                      </p:to>
+                                    </p:set>
+                                  </p:childTnLst>
+                                </p:cTn>
+                              </p:par>
+                            </p:childTnLst>
+                          </p:cTn>
+                        </p:par>
+                      </p:childTnLst>
+                    </p:cTn>
+                  </p:par>
+                  <p:par>
+                    <p:cTn id="19" fill="hold">
+                      <p:stCondLst>
+                        <p:cond delay="indefinite"/>
+                      </p:stCondLst>
+                      <p:childTnLst>
+                        <p:par>
+                          <p:cTn id="20" fill="hold">
+                            <p:stCondLst>
+                              <p:cond delay="0"/>
+                            </p:stCondLst>
+                            <p:childTnLst>
+                              <p:par>
+                                <p:cTn id="21" presetID="1" presetClass="entr" presetSubtype="0" fill="hold" nodeType="clickEffect">
+                                  <p:stCondLst>
+                                    <p:cond delay="0"/>
+                                  </p:stCondLst>
+                                  <p:childTnLst>
+                                    <p:set>
+                                      <p:cBhvr>
+                                        <p:cTn id="22" dur="1" fill="hold">
+                                          <p:stCondLst>
+                                            <p:cond delay="0"/>
+                                          </p:stCondLst>
+                                        </p:cTn>
+                                        <p:tgtEl>
+                                          <p:spTgt spid="3">
+                                            <p:txEl>
+                                              <p:pRg st="5" end="5"/>
+                                            </p:txEl>
+                                          </p:spTgt>
+                                        </p:tgtEl>
+                                        <p:attrNameLst>
+                                          <p:attrName>style.visibility</p:attrName>
+                                        </p:attrNameLst>
+                                      </p:cBhvr>
+                                      <p:to>
+                                        <p:strVal val="visible"/>
+                                      </p:to>
+                                    </p:set>
+                                  </p:childTnLst>
+                                </p:cTn>
+                              </p:par>
+                            </p:childTnLst>
+                          </p:cTn>
+                        </p:par>
+                      </p:childTnLst>
+                    </p:cTn>
+                  </p:par>
+                  <p:par>
+                    <p:cTn id="23" fill="hold">
+                      <p:stCondLst>
+                        <p:cond delay="indefinite"/>
+                      </p:stCondLst>
+                      <p:childTnLst>
+                        <p:par>
+                          <p:cTn id="24" fill="hold">
+                            <p:stCondLst>
+                              <p:cond delay="0"/>
+                            </p:stCondLst>
+                            <p:childTnLst>
+                              <p:par>
+                                <p:cTn id="25" presetID="1" presetClass="entr" presetSubtype="0" fill="hold" nodeType="clickEffect">
+                                  <p:stCondLst>
+                                    <p:cond delay="0"/>
+                                  </p:stCondLst>
+                                  <p:childTnLst>
+                                    <p:set>
+                                      <p:cBhvr>
+                                        <p:cTn id="26" dur="1" fill="hold">
+                                          <p:stCondLst>
+                                            <p:cond delay="0"/>
+                                          </p:stCondLst>
+                                        </p:cTn>
+                                        <p:tgtEl>
+                                          <p:spTgt spid="3">
+                                            <p:txEl>
+                                              <p:pRg st="6" end="6"/>
+                                            </p:txEl>
+                                          </p:spTgt>
+                                        </p:tgtEl>
+                                        <p:attrNameLst>
+                                          <p:attrName>style.visibility</p:attrName>
+                                        </p:attrNameLst>
+                                      </p:cBhvr>
+                                      <p:to>
+                                        <p:strVal val="visible"/>
+                                      </p:to>
+                                    </p:set>
+                                  </p:childTnLst>
+                                </p:cTn>
+                              </p:par>
+                            </p:childTnLst>
+                          </p:cTn>
+                        </p:par>
+                      </p:childTnLst>
+                    </p:cTn>
+                  </p:par>
+                  <p:par>
+                    <p:cTn id="27" fill="hold">
+                      <p:stCondLst>
+                        <p:cond delay="indefinite"/>
+                      </p:stCondLst>
+                      <p:childTnLst>
+                        <p:par>
+                          <p:cTn id="28" fill="hold">
+                            <p:stCondLst>
+                              <p:cond delay="0"/>
+                            </p:stCondLst>
+                            <p:childTnLst>
+                              <p:par>
+                                <p:cTn id="29" presetID="1" presetClass="entr" presetSubtype="0" fill="hold" nodeType="clickEffect">
+                                  <p:stCondLst>
+                                    <p:cond delay="0"/>
+                                  </p:stCondLst>
+                                  <p:childTnLst>
+                                    <p:set>
+                                      <p:cBhvr>
+                                        <p:cTn id="30" dur="1" fill="hold">
+                                          <p:stCondLst>
+                                            <p:cond delay="0"/>
+                                          </p:stCondLst>
+                                        </p:cTn>
+                                        <p:tgtEl>
+                                          <p:spTgt spid="3">
+                                            <p:txEl>
+                                              <p:pRg st="7" end="7"/>
+                                            </p:txEl>
+                                          </p:spTgt>
+                                        </p:tgtEl>
+                                        <p:attrNameLst>
+                                          <p:attrName>style.visibility</p:attrName>
+                                        </p:attrNameLst>
+                                      </p:cBhvr>
+                                      <p:to>
+                                        <p:strVal val="visible"/>
+                                      </p:to>
+                                    </p:set>
+                                  </p:childTnLst>
+                                </p:cTn>
+                              </p:par>
+                            </p:childTnLst>
+                          </p:cTn>
+                        </p:par>
+                      </p:childTnLst>
+                    </p:cTn>
+                  </p:par>
+                  <p:par>
+                    <p:cTn id="31" fill="hold">
+                      <p:stCondLst>
+                        <p:cond delay="indefinite"/>
+                      </p:stCondLst>
+                      <p:childTnLst>
+                        <p:par>
+                          <p:cTn id="32" fill="hold">
+                            <p:stCondLst>
+                              <p:cond delay="0"/>
+                            </p:stCondLst>
+                            <p:childTnLst>
+                              <p:par>
+                                <p:cTn id="33" presetID="1" presetClass="entr" presetSubtype="0" fill="hold" nodeType="clickEffect">
+                                  <p:stCondLst>
+                                    <p:cond delay="0"/>
+                                  </p:stCondLst>
+                                  <p:childTnLst>
+                                    <p:set>
+                                      <p:cBhvr>
+                                        <p:cTn id="34" dur="1" fill="hold">
+                                          <p:stCondLst>
+                                            <p:cond delay="0"/>
+                                          </p:stCondLst>
+                                        </p:cTn>
+                                        <p:tgtEl>
+                                          <p:spTgt spid="3">
+                                            <p:txEl>
+                                              <p:pRg st="8" end="8"/>
+                                            </p:txEl>
+                                          </p:spTgt>
+                                        </p:tgtEl>
+                                        <p:attrNameLst>
+                                          <p:attrName>style.visibility</p:attrName>
+                                        </p:attrNameLst>
+                                      </p:cBhvr>
+                                      <p:to>
+                                        <p:strVal val="visible"/>
+                                      </p:to>
+                                    </p:set>
+                                  </p:childTnLst>
+                                </p:cTn>
+                              </p:par>
+                            </p:childTnLst>
+                          </p:cTn>
+                        </p:par>
+                      </p:childTnLst>
+                    </p:cTn>
+                  </p:par>
+                  <p:par>
+                    <p:cTn id="35" fill="hold">
+                      <p:stCondLst>
+                        <p:cond delay="indefinite"/>
+                      </p:stCondLst>
+                      <p:childTnLst>
+                        <p:par>
+                          <p:cTn id="36" fill="hold">
+                            <p:stCondLst>
+                              <p:cond delay="0"/>
+                            </p:stCondLst>
+                            <p:childTnLst>
+                              <p:par>
+                                <p:cTn id="37" presetID="1" presetClass="entr" presetSubtype="0" fill="hold" nodeType="clickEffect">
+                                  <p:stCondLst>
+                                    <p:cond delay="0"/>
+                                  </p:stCondLst>
+                                  <p:childTnLst>
+                                    <p:set>
+                                      <p:cBhvr>
+                                        <p:cTn id="38" dur="1" fill="hold">
+                                          <p:stCondLst>
+                                            <p:cond delay="0"/>
+                                          </p:stCondLst>
+                                        </p:cTn>
+                                        <p:tgtEl>
+                                          <p:spTgt spid="3">
+                                            <p:txEl>
+                                              <p:pRg st="10" end="10"/>
+                                            </p:txEl>
+                                          </p:spTgt>
+                                        </p:tgtEl>
+                                        <p:attrNameLst>
+                                          <p:attrName>style.visibility</p:attrName>
+                                        </p:attrNameLst>
+                                      </p:cBhvr>
+                                      <p:to>
+                                        <p:strVal val="visible"/>
+                                      </p:to>
+                                    </p:set>
+                                  </p:childTnLst>
+                                </p:cTn>
+                              </p:par>
+                            </p:childTnLst>
+                          </p:cTn>
+                        </p:par>
+                      </p:childTnLst>
+                    </p:cTn>
+                  </p:par>
+                  <p:par>
+                    <p:cTn id="39" fill="hold">
+                      <p:stCondLst>
+                        <p:cond delay="indefinite"/>
+                      </p:stCondLst>
+                      <p:childTnLst>
+                        <p:par>
+                          <p:cTn id="40" fill="hold">
+                            <p:stCondLst>
+                              <p:cond delay="0"/>
+                            </p:stCondLst>
+                            <p:childTnLst>
+                              <p:par>
+                                <p:cTn id="41" presetID="1" presetClass="entr" presetSubtype="0" fill="hold" nodeType="clickEffect">
+                                  <p:stCondLst>
+                                    <p:cond delay="0"/>
+                                  </p:stCondLst>
+                                  <p:childTnLst>
+                                    <p:set>
+                                      <p:cBhvr>
+                                        <p:cTn id="42" dur="1" fill="hold">
+                                          <p:stCondLst>
+                                            <p:cond delay="0"/>
+                                          </p:stCondLst>
+                                        </p:cTn>
+                                        <p:tgtEl>
+                                          <p:spTgt spid="3">
+                                            <p:txEl>
+                                              <p:pRg st="11" end="11"/>
+                                            </p:txEl>
+                                          </p:spTgt>
+                                        </p:tgtEl>
+                                        <p:attrNameLst>
+                                          <p:attrName>style.visibility</p:attrName>
+                                        </p:attrNameLst>
+                                      </p:cBhvr>
+                                      <p:to>
+                                        <p:strVal val="visible"/>
+                                      </p:to>
+                                    </p:set>
+                                  </p:childTnLst>
+                                </p:cTn>
+                              </p:par>
+                            </p:childTnLst>
+                          </p:cTn>
+                        </p:par>
+                      </p:childTnLst>
+                    </p:cTn>
+                  </p:par>
+                </p:childTnLst>
+              </p:cTn>
+              <p:prevCondLst>
+                <p:cond evt="onPrev" delay="0">
+                  <p:tgtEl>
+                    <p:sldTgt/>
+                  </p:tgtEl>
+                </p:cond>
+              </p:prevCondLst>
+              <p:nextCondLst>
+                <p:cond evt="onNext" delay="0">
+                  <p:tgtEl>
+                    <p:sldTgt/>
+                  </p:tgtEl>
+                </p:cond>
+              </p:nextCondLst>
+            </p:seq>
+          </p:childTnLst>
+        </p:cTn>
+      </p:par>
+    </p:tnLst>
+  </p:timing>
 </p:sld>
 </file>
 
@@ -9457,6 +11650,477 @@
   <p:clrMapOvr>
     <a:masterClrMapping/>
   </p:clrMapOvr>
+  <p:timing>
+    <p:tnLst>
+      <p:par>
+        <p:cTn id="1" dur="indefinite" restart="never" nodeType="tmRoot">
+          <p:childTnLst>
+            <p:seq concurrent="1" nextAc="seek">
+              <p:cTn id="2" dur="indefinite" nodeType="mainSeq">
+                <p:childTnLst>
+                  <p:par>
+                    <p:cTn id="3" fill="hold">
+                      <p:stCondLst>
+                        <p:cond delay="indefinite"/>
+                      </p:stCondLst>
+                      <p:childTnLst>
+                        <p:par>
+                          <p:cTn id="4" fill="hold">
+                            <p:stCondLst>
+                              <p:cond delay="0"/>
+                            </p:stCondLst>
+                            <p:childTnLst>
+                              <p:par>
+                                <p:cTn id="5" presetID="1" presetClass="entr" presetSubtype="0" fill="hold" nodeType="clickEffect">
+                                  <p:stCondLst>
+                                    <p:cond delay="0"/>
+                                  </p:stCondLst>
+                                  <p:childTnLst>
+                                    <p:set>
+                                      <p:cBhvr>
+                                        <p:cTn id="6" dur="1" fill="hold">
+                                          <p:stCondLst>
+                                            <p:cond delay="0"/>
+                                          </p:stCondLst>
+                                        </p:cTn>
+                                        <p:tgtEl>
+                                          <p:spTgt spid="3">
+                                            <p:txEl>
+                                              <p:pRg st="0" end="0"/>
+                                            </p:txEl>
+                                          </p:spTgt>
+                                        </p:tgtEl>
+                                        <p:attrNameLst>
+                                          <p:attrName>style.visibility</p:attrName>
+                                        </p:attrNameLst>
+                                      </p:cBhvr>
+                                      <p:to>
+                                        <p:strVal val="visible"/>
+                                      </p:to>
+                                    </p:set>
+                                  </p:childTnLst>
+                                </p:cTn>
+                              </p:par>
+                            </p:childTnLst>
+                          </p:cTn>
+                        </p:par>
+                      </p:childTnLst>
+                    </p:cTn>
+                  </p:par>
+                  <p:par>
+                    <p:cTn id="7" fill="hold">
+                      <p:stCondLst>
+                        <p:cond delay="indefinite"/>
+                      </p:stCondLst>
+                      <p:childTnLst>
+                        <p:par>
+                          <p:cTn id="8" fill="hold">
+                            <p:stCondLst>
+                              <p:cond delay="0"/>
+                            </p:stCondLst>
+                            <p:childTnLst>
+                              <p:par>
+                                <p:cTn id="9" presetID="1" presetClass="entr" presetSubtype="0" fill="hold" nodeType="clickEffect">
+                                  <p:stCondLst>
+                                    <p:cond delay="0"/>
+                                  </p:stCondLst>
+                                  <p:childTnLst>
+                                    <p:set>
+                                      <p:cBhvr>
+                                        <p:cTn id="10" dur="1" fill="hold">
+                                          <p:stCondLst>
+                                            <p:cond delay="0"/>
+                                          </p:stCondLst>
+                                        </p:cTn>
+                                        <p:tgtEl>
+                                          <p:spTgt spid="3">
+                                            <p:txEl>
+                                              <p:pRg st="1" end="1"/>
+                                            </p:txEl>
+                                          </p:spTgt>
+                                        </p:tgtEl>
+                                        <p:attrNameLst>
+                                          <p:attrName>style.visibility</p:attrName>
+                                        </p:attrNameLst>
+                                      </p:cBhvr>
+                                      <p:to>
+                                        <p:strVal val="visible"/>
+                                      </p:to>
+                                    </p:set>
+                                  </p:childTnLst>
+                                </p:cTn>
+                              </p:par>
+                            </p:childTnLst>
+                          </p:cTn>
+                        </p:par>
+                      </p:childTnLst>
+                    </p:cTn>
+                  </p:par>
+                  <p:par>
+                    <p:cTn id="11" fill="hold">
+                      <p:stCondLst>
+                        <p:cond delay="indefinite"/>
+                      </p:stCondLst>
+                      <p:childTnLst>
+                        <p:par>
+                          <p:cTn id="12" fill="hold">
+                            <p:stCondLst>
+                              <p:cond delay="0"/>
+                            </p:stCondLst>
+                            <p:childTnLst>
+                              <p:par>
+                                <p:cTn id="13" presetID="1" presetClass="entr" presetSubtype="0" fill="hold" nodeType="clickEffect">
+                                  <p:stCondLst>
+                                    <p:cond delay="0"/>
+                                  </p:stCondLst>
+                                  <p:childTnLst>
+                                    <p:set>
+                                      <p:cBhvr>
+                                        <p:cTn id="14" dur="1" fill="hold">
+                                          <p:stCondLst>
+                                            <p:cond delay="0"/>
+                                          </p:stCondLst>
+                                        </p:cTn>
+                                        <p:tgtEl>
+                                          <p:spTgt spid="3">
+                                            <p:txEl>
+                                              <p:pRg st="2" end="2"/>
+                                            </p:txEl>
+                                          </p:spTgt>
+                                        </p:tgtEl>
+                                        <p:attrNameLst>
+                                          <p:attrName>style.visibility</p:attrName>
+                                        </p:attrNameLst>
+                                      </p:cBhvr>
+                                      <p:to>
+                                        <p:strVal val="visible"/>
+                                      </p:to>
+                                    </p:set>
+                                  </p:childTnLst>
+                                </p:cTn>
+                              </p:par>
+                            </p:childTnLst>
+                          </p:cTn>
+                        </p:par>
+                      </p:childTnLst>
+                    </p:cTn>
+                  </p:par>
+                  <p:par>
+                    <p:cTn id="15" fill="hold">
+                      <p:stCondLst>
+                        <p:cond delay="indefinite"/>
+                      </p:stCondLst>
+                      <p:childTnLst>
+                        <p:par>
+                          <p:cTn id="16" fill="hold">
+                            <p:stCondLst>
+                              <p:cond delay="0"/>
+                            </p:stCondLst>
+                            <p:childTnLst>
+                              <p:par>
+                                <p:cTn id="17" presetID="1" presetClass="entr" presetSubtype="0" fill="hold" nodeType="clickEffect">
+                                  <p:stCondLst>
+                                    <p:cond delay="0"/>
+                                  </p:stCondLst>
+                                  <p:childTnLst>
+                                    <p:set>
+                                      <p:cBhvr>
+                                        <p:cTn id="18" dur="1" fill="hold">
+                                          <p:stCondLst>
+                                            <p:cond delay="0"/>
+                                          </p:stCondLst>
+                                        </p:cTn>
+                                        <p:tgtEl>
+                                          <p:spTgt spid="3">
+                                            <p:txEl>
+                                              <p:pRg st="4" end="4"/>
+                                            </p:txEl>
+                                          </p:spTgt>
+                                        </p:tgtEl>
+                                        <p:attrNameLst>
+                                          <p:attrName>style.visibility</p:attrName>
+                                        </p:attrNameLst>
+                                      </p:cBhvr>
+                                      <p:to>
+                                        <p:strVal val="visible"/>
+                                      </p:to>
+                                    </p:set>
+                                  </p:childTnLst>
+                                </p:cTn>
+                              </p:par>
+                            </p:childTnLst>
+                          </p:cTn>
+                        </p:par>
+                      </p:childTnLst>
+                    </p:cTn>
+                  </p:par>
+                  <p:par>
+                    <p:cTn id="19" fill="hold">
+                      <p:stCondLst>
+                        <p:cond delay="indefinite"/>
+                      </p:stCondLst>
+                      <p:childTnLst>
+                        <p:par>
+                          <p:cTn id="20" fill="hold">
+                            <p:stCondLst>
+                              <p:cond delay="0"/>
+                            </p:stCondLst>
+                            <p:childTnLst>
+                              <p:par>
+                                <p:cTn id="21" presetID="1" presetClass="entr" presetSubtype="0" fill="hold" nodeType="clickEffect">
+                                  <p:stCondLst>
+                                    <p:cond delay="0"/>
+                                  </p:stCondLst>
+                                  <p:childTnLst>
+                                    <p:set>
+                                      <p:cBhvr>
+                                        <p:cTn id="22" dur="1" fill="hold">
+                                          <p:stCondLst>
+                                            <p:cond delay="0"/>
+                                          </p:stCondLst>
+                                        </p:cTn>
+                                        <p:tgtEl>
+                                          <p:spTgt spid="3">
+                                            <p:txEl>
+                                              <p:pRg st="5" end="5"/>
+                                            </p:txEl>
+                                          </p:spTgt>
+                                        </p:tgtEl>
+                                        <p:attrNameLst>
+                                          <p:attrName>style.visibility</p:attrName>
+                                        </p:attrNameLst>
+                                      </p:cBhvr>
+                                      <p:to>
+                                        <p:strVal val="visible"/>
+                                      </p:to>
+                                    </p:set>
+                                  </p:childTnLst>
+                                </p:cTn>
+                              </p:par>
+                            </p:childTnLst>
+                          </p:cTn>
+                        </p:par>
+                      </p:childTnLst>
+                    </p:cTn>
+                  </p:par>
+                  <p:par>
+                    <p:cTn id="23" fill="hold">
+                      <p:stCondLst>
+                        <p:cond delay="indefinite"/>
+                      </p:stCondLst>
+                      <p:childTnLst>
+                        <p:par>
+                          <p:cTn id="24" fill="hold">
+                            <p:stCondLst>
+                              <p:cond delay="0"/>
+                            </p:stCondLst>
+                            <p:childTnLst>
+                              <p:par>
+                                <p:cTn id="25" presetID="1" presetClass="entr" presetSubtype="0" fill="hold" nodeType="clickEffect">
+                                  <p:stCondLst>
+                                    <p:cond delay="0"/>
+                                  </p:stCondLst>
+                                  <p:childTnLst>
+                                    <p:set>
+                                      <p:cBhvr>
+                                        <p:cTn id="26" dur="1" fill="hold">
+                                          <p:stCondLst>
+                                            <p:cond delay="0"/>
+                                          </p:stCondLst>
+                                        </p:cTn>
+                                        <p:tgtEl>
+                                          <p:spTgt spid="3">
+                                            <p:txEl>
+                                              <p:pRg st="6" end="6"/>
+                                            </p:txEl>
+                                          </p:spTgt>
+                                        </p:tgtEl>
+                                        <p:attrNameLst>
+                                          <p:attrName>style.visibility</p:attrName>
+                                        </p:attrNameLst>
+                                      </p:cBhvr>
+                                      <p:to>
+                                        <p:strVal val="visible"/>
+                                      </p:to>
+                                    </p:set>
+                                  </p:childTnLst>
+                                </p:cTn>
+                              </p:par>
+                            </p:childTnLst>
+                          </p:cTn>
+                        </p:par>
+                      </p:childTnLst>
+                    </p:cTn>
+                  </p:par>
+                  <p:par>
+                    <p:cTn id="27" fill="hold">
+                      <p:stCondLst>
+                        <p:cond delay="indefinite"/>
+                      </p:stCondLst>
+                      <p:childTnLst>
+                        <p:par>
+                          <p:cTn id="28" fill="hold">
+                            <p:stCondLst>
+                              <p:cond delay="0"/>
+                            </p:stCondLst>
+                            <p:childTnLst>
+                              <p:par>
+                                <p:cTn id="29" presetID="1" presetClass="entr" presetSubtype="0" fill="hold" nodeType="clickEffect">
+                                  <p:stCondLst>
+                                    <p:cond delay="0"/>
+                                  </p:stCondLst>
+                                  <p:childTnLst>
+                                    <p:set>
+                                      <p:cBhvr>
+                                        <p:cTn id="30" dur="1" fill="hold">
+                                          <p:stCondLst>
+                                            <p:cond delay="0"/>
+                                          </p:stCondLst>
+                                        </p:cTn>
+                                        <p:tgtEl>
+                                          <p:spTgt spid="3">
+                                            <p:txEl>
+                                              <p:pRg st="8" end="8"/>
+                                            </p:txEl>
+                                          </p:spTgt>
+                                        </p:tgtEl>
+                                        <p:attrNameLst>
+                                          <p:attrName>style.visibility</p:attrName>
+                                        </p:attrNameLst>
+                                      </p:cBhvr>
+                                      <p:to>
+                                        <p:strVal val="visible"/>
+                                      </p:to>
+                                    </p:set>
+                                  </p:childTnLst>
+                                </p:cTn>
+                              </p:par>
+                            </p:childTnLst>
+                          </p:cTn>
+                        </p:par>
+                      </p:childTnLst>
+                    </p:cTn>
+                  </p:par>
+                  <p:par>
+                    <p:cTn id="31" fill="hold">
+                      <p:stCondLst>
+                        <p:cond delay="indefinite"/>
+                      </p:stCondLst>
+                      <p:childTnLst>
+                        <p:par>
+                          <p:cTn id="32" fill="hold">
+                            <p:stCondLst>
+                              <p:cond delay="0"/>
+                            </p:stCondLst>
+                            <p:childTnLst>
+                              <p:par>
+                                <p:cTn id="33" presetID="1" presetClass="entr" presetSubtype="0" fill="hold" nodeType="clickEffect">
+                                  <p:stCondLst>
+                                    <p:cond delay="0"/>
+                                  </p:stCondLst>
+                                  <p:childTnLst>
+                                    <p:set>
+                                      <p:cBhvr>
+                                        <p:cTn id="34" dur="1" fill="hold">
+                                          <p:stCondLst>
+                                            <p:cond delay="0"/>
+                                          </p:stCondLst>
+                                        </p:cTn>
+                                        <p:tgtEl>
+                                          <p:spTgt spid="3">
+                                            <p:txEl>
+                                              <p:pRg st="9" end="9"/>
+                                            </p:txEl>
+                                          </p:spTgt>
+                                        </p:tgtEl>
+                                        <p:attrNameLst>
+                                          <p:attrName>style.visibility</p:attrName>
+                                        </p:attrNameLst>
+                                      </p:cBhvr>
+                                      <p:to>
+                                        <p:strVal val="visible"/>
+                                      </p:to>
+                                    </p:set>
+                                  </p:childTnLst>
+                                </p:cTn>
+                              </p:par>
+                            </p:childTnLst>
+                          </p:cTn>
+                        </p:par>
+                      </p:childTnLst>
+                    </p:cTn>
+                  </p:par>
+                  <p:par>
+                    <p:cTn id="35" fill="hold">
+                      <p:stCondLst>
+                        <p:cond delay="indefinite"/>
+                      </p:stCondLst>
+                      <p:childTnLst>
+                        <p:par>
+                          <p:cTn id="36" fill="hold">
+                            <p:stCondLst>
+                              <p:cond delay="0"/>
+                            </p:stCondLst>
+                            <p:childTnLst>
+                              <p:par>
+                                <p:cTn id="37" presetID="1" presetClass="entr" presetSubtype="0" fill="hold" nodeType="clickEffect">
+                                  <p:stCondLst>
+                                    <p:cond delay="0"/>
+                                  </p:stCondLst>
+                                  <p:childTnLst>
+                                    <p:set>
+                                      <p:cBhvr>
+                                        <p:cTn id="38" dur="1" fill="hold">
+                                          <p:stCondLst>
+                                            <p:cond delay="0"/>
+                                          </p:stCondLst>
+                                        </p:cTn>
+                                        <p:tgtEl>
+                                          <p:spTgt spid="3">
+                                            <p:txEl>
+                                              <p:pRg st="10" end="10"/>
+                                            </p:txEl>
+                                          </p:spTgt>
+                                        </p:tgtEl>
+                                        <p:attrNameLst>
+                                          <p:attrName>style.visibility</p:attrName>
+                                        </p:attrNameLst>
+                                      </p:cBhvr>
+                                      <p:to>
+                                        <p:strVal val="visible"/>
+                                      </p:to>
+                                    </p:set>
+                                  </p:childTnLst>
+                                </p:cTn>
+                              </p:par>
+                            </p:childTnLst>
+                          </p:cTn>
+                        </p:par>
+                      </p:childTnLst>
+                    </p:cTn>
+                  </p:par>
+                </p:childTnLst>
+              </p:cTn>
+              <p:prevCondLst>
+                <p:cond evt="onPrev" delay="0">
+                  <p:tgtEl>
+                    <p:sldTgt/>
+                  </p:tgtEl>
+                </p:cond>
+              </p:prevCondLst>
+              <p:nextCondLst>
+                <p:cond evt="onNext" delay="0">
+                  <p:tgtEl>
+                    <p:sldTgt/>
+                  </p:tgtEl>
+                </p:cond>
+              </p:nextCondLst>
+            </p:seq>
+          </p:childTnLst>
+        </p:cTn>
+      </p:par>
+    </p:tnLst>
+  </p:timing>
 </p:sld>
 </file>
 
@@ -9596,6 +12260,232 @@
   <p:clrMapOvr>
     <a:masterClrMapping/>
   </p:clrMapOvr>
+  <p:timing>
+    <p:tnLst>
+      <p:par>
+        <p:cTn id="1" dur="indefinite" restart="never" nodeType="tmRoot">
+          <p:childTnLst>
+            <p:seq concurrent="1" nextAc="seek">
+              <p:cTn id="2" dur="indefinite" nodeType="mainSeq">
+                <p:childTnLst>
+                  <p:par>
+                    <p:cTn id="3" fill="hold">
+                      <p:stCondLst>
+                        <p:cond delay="indefinite"/>
+                      </p:stCondLst>
+                      <p:childTnLst>
+                        <p:par>
+                          <p:cTn id="4" fill="hold">
+                            <p:stCondLst>
+                              <p:cond delay="0"/>
+                            </p:stCondLst>
+                            <p:childTnLst>
+                              <p:par>
+                                <p:cTn id="5" presetID="1" presetClass="entr" presetSubtype="0" fill="hold" nodeType="clickEffect">
+                                  <p:stCondLst>
+                                    <p:cond delay="0"/>
+                                  </p:stCondLst>
+                                  <p:childTnLst>
+                                    <p:set>
+                                      <p:cBhvr>
+                                        <p:cTn id="6" dur="1" fill="hold">
+                                          <p:stCondLst>
+                                            <p:cond delay="0"/>
+                                          </p:stCondLst>
+                                        </p:cTn>
+                                        <p:tgtEl>
+                                          <p:spTgt spid="3">
+                                            <p:txEl>
+                                              <p:pRg st="0" end="0"/>
+                                            </p:txEl>
+                                          </p:spTgt>
+                                        </p:tgtEl>
+                                        <p:attrNameLst>
+                                          <p:attrName>style.visibility</p:attrName>
+                                        </p:attrNameLst>
+                                      </p:cBhvr>
+                                      <p:to>
+                                        <p:strVal val="visible"/>
+                                      </p:to>
+                                    </p:set>
+                                  </p:childTnLst>
+                                </p:cTn>
+                              </p:par>
+                            </p:childTnLst>
+                          </p:cTn>
+                        </p:par>
+                      </p:childTnLst>
+                    </p:cTn>
+                  </p:par>
+                  <p:par>
+                    <p:cTn id="7" fill="hold">
+                      <p:stCondLst>
+                        <p:cond delay="indefinite"/>
+                      </p:stCondLst>
+                      <p:childTnLst>
+                        <p:par>
+                          <p:cTn id="8" fill="hold">
+                            <p:stCondLst>
+                              <p:cond delay="0"/>
+                            </p:stCondLst>
+                            <p:childTnLst>
+                              <p:par>
+                                <p:cTn id="9" presetID="1" presetClass="entr" presetSubtype="0" fill="hold" nodeType="clickEffect">
+                                  <p:stCondLst>
+                                    <p:cond delay="0"/>
+                                  </p:stCondLst>
+                                  <p:childTnLst>
+                                    <p:set>
+                                      <p:cBhvr>
+                                        <p:cTn id="10" dur="1" fill="hold">
+                                          <p:stCondLst>
+                                            <p:cond delay="0"/>
+                                          </p:stCondLst>
+                                        </p:cTn>
+                                        <p:tgtEl>
+                                          <p:spTgt spid="3">
+                                            <p:txEl>
+                                              <p:pRg st="2" end="2"/>
+                                            </p:txEl>
+                                          </p:spTgt>
+                                        </p:tgtEl>
+                                        <p:attrNameLst>
+                                          <p:attrName>style.visibility</p:attrName>
+                                        </p:attrNameLst>
+                                      </p:cBhvr>
+                                      <p:to>
+                                        <p:strVal val="visible"/>
+                                      </p:to>
+                                    </p:set>
+                                  </p:childTnLst>
+                                </p:cTn>
+                              </p:par>
+                            </p:childTnLst>
+                          </p:cTn>
+                        </p:par>
+                      </p:childTnLst>
+                    </p:cTn>
+                  </p:par>
+                  <p:par>
+                    <p:cTn id="11" fill="hold">
+                      <p:stCondLst>
+                        <p:cond delay="indefinite"/>
+                      </p:stCondLst>
+                      <p:childTnLst>
+                        <p:par>
+                          <p:cTn id="12" fill="hold">
+                            <p:stCondLst>
+                              <p:cond delay="0"/>
+                            </p:stCondLst>
+                            <p:childTnLst>
+                              <p:par>
+                                <p:cTn id="13" presetID="1" presetClass="entr" presetSubtype="0" fill="hold" nodeType="clickEffect">
+                                  <p:stCondLst>
+                                    <p:cond delay="0"/>
+                                  </p:stCondLst>
+                                  <p:childTnLst>
+                                    <p:set>
+                                      <p:cBhvr>
+                                        <p:cTn id="14" dur="1" fill="hold">
+                                          <p:stCondLst>
+                                            <p:cond delay="0"/>
+                                          </p:stCondLst>
+                                        </p:cTn>
+                                        <p:tgtEl>
+                                          <p:spTgt spid="3">
+                                            <p:txEl>
+                                              <p:pRg st="4" end="4"/>
+                                            </p:txEl>
+                                          </p:spTgt>
+                                        </p:tgtEl>
+                                        <p:attrNameLst>
+                                          <p:attrName>style.visibility</p:attrName>
+                                        </p:attrNameLst>
+                                      </p:cBhvr>
+                                      <p:to>
+                                        <p:strVal val="visible"/>
+                                      </p:to>
+                                    </p:set>
+                                  </p:childTnLst>
+                                </p:cTn>
+                              </p:par>
+                            </p:childTnLst>
+                          </p:cTn>
+                        </p:par>
+                      </p:childTnLst>
+                    </p:cTn>
+                  </p:par>
+                  <p:par>
+                    <p:cTn id="15" fill="hold">
+                      <p:stCondLst>
+                        <p:cond delay="indefinite"/>
+                      </p:stCondLst>
+                      <p:childTnLst>
+                        <p:par>
+                          <p:cTn id="16" fill="hold">
+                            <p:stCondLst>
+                              <p:cond delay="0"/>
+                            </p:stCondLst>
+                            <p:childTnLst>
+                              <p:par>
+                                <p:cTn id="17" presetID="1" presetClass="entr" presetSubtype="0" fill="hold" nodeType="clickEffect">
+                                  <p:stCondLst>
+                                    <p:cond delay="0"/>
+                                  </p:stCondLst>
+                                  <p:childTnLst>
+                                    <p:set>
+                                      <p:cBhvr>
+                                        <p:cTn id="18" dur="1" fill="hold">
+                                          <p:stCondLst>
+                                            <p:cond delay="0"/>
+                                          </p:stCondLst>
+                                        </p:cTn>
+                                        <p:tgtEl>
+                                          <p:spTgt spid="3">
+                                            <p:txEl>
+                                              <p:pRg st="5" end="5"/>
+                                            </p:txEl>
+                                          </p:spTgt>
+                                        </p:tgtEl>
+                                        <p:attrNameLst>
+                                          <p:attrName>style.visibility</p:attrName>
+                                        </p:attrNameLst>
+                                      </p:cBhvr>
+                                      <p:to>
+                                        <p:strVal val="visible"/>
+                                      </p:to>
+                                    </p:set>
+                                  </p:childTnLst>
+                                </p:cTn>
+                              </p:par>
+                            </p:childTnLst>
+                          </p:cTn>
+                        </p:par>
+                      </p:childTnLst>
+                    </p:cTn>
+                  </p:par>
+                </p:childTnLst>
+              </p:cTn>
+              <p:prevCondLst>
+                <p:cond evt="onPrev" delay="0">
+                  <p:tgtEl>
+                    <p:sldTgt/>
+                  </p:tgtEl>
+                </p:cond>
+              </p:prevCondLst>
+              <p:nextCondLst>
+                <p:cond evt="onNext" delay="0">
+                  <p:tgtEl>
+                    <p:sldTgt/>
+                  </p:tgtEl>
+                </p:cond>
+              </p:nextCondLst>
+            </p:seq>
+          </p:childTnLst>
+        </p:cTn>
+      </p:par>
+    </p:tnLst>
+  </p:timing>
 </p:sld>
 </file>
 
@@ -10045,10 +12935,41 @@
               </a:rPr>
               <a:t> seconds, roughly 73 days. </a:t>
             </a:r>
-            <a:endParaRPr lang="en-US" sz="1600" dirty="0">
+          </a:p>
+          <a:p>
+            <a:pPr lvl="0">
+              <a:lnSpc>
+                <a:spcPct val="120000"/>
+              </a:lnSpc>
+              <a:buFont typeface="Wingdings" pitchFamily="2" charset="2"/>
+              <a:buChar char="Ø"/>
+              <a:tabLst>
+                <a:tab pos="180022" algn="l"/>
+              </a:tabLst>
+            </a:pPr>
+            <a:endParaRPr lang="en-US" dirty="0">
               <a:latin typeface="+mn-lt"/>
               <a:ea typeface="SimSun" panose="02010600030101010101" pitchFamily="2" charset="-122"/>
             </a:endParaRPr>
+          </a:p>
+          <a:p>
+            <a:pPr lvl="0">
+              <a:lnSpc>
+                <a:spcPct val="120000"/>
+              </a:lnSpc>
+              <a:buFont typeface="Wingdings" pitchFamily="2" charset="2"/>
+              <a:buChar char="Ø"/>
+              <a:tabLst>
+                <a:tab pos="180022" algn="l"/>
+              </a:tabLst>
+            </a:pPr>
+            <a:r>
+              <a:rPr lang="en-US" sz="1600" dirty="0">
+                <a:latin typeface="+mn-lt"/>
+                <a:ea typeface="SimSun" panose="02010600030101010101" pitchFamily="2" charset="-122"/>
+              </a:rPr>
+              <a:t>Reasonable approximations are allowed</a:t>
+            </a:r>
           </a:p>
           <a:p>
             <a:pPr lvl="0">
@@ -10078,6 +12999,134 @@
   <p:clrMapOvr>
     <a:masterClrMapping/>
   </p:clrMapOvr>
+  <p:timing>
+    <p:tnLst>
+      <p:par>
+        <p:cTn id="1" dur="indefinite" restart="never" nodeType="tmRoot">
+          <p:childTnLst>
+            <p:seq concurrent="1" nextAc="seek">
+              <p:cTn id="2" dur="indefinite" nodeType="mainSeq">
+                <p:childTnLst>
+                  <p:par>
+                    <p:cTn id="3" fill="hold">
+                      <p:stCondLst>
+                        <p:cond delay="indefinite"/>
+                      </p:stCondLst>
+                      <p:childTnLst>
+                        <p:par>
+                          <p:cTn id="4" fill="hold">
+                            <p:stCondLst>
+                              <p:cond delay="0"/>
+                            </p:stCondLst>
+                            <p:childTnLst>
+                              <p:par>
+                                <p:cTn id="5" presetID="1" presetClass="entr" presetSubtype="0" fill="hold" nodeType="clickEffect">
+                                  <p:stCondLst>
+                                    <p:cond delay="0"/>
+                                  </p:stCondLst>
+                                  <p:childTnLst>
+                                    <p:set>
+                                      <p:cBhvr>
+                                        <p:cTn id="6" dur="1" fill="hold">
+                                          <p:stCondLst>
+                                            <p:cond delay="0"/>
+                                          </p:stCondLst>
+                                        </p:cTn>
+                                        <p:tgtEl>
+                                          <p:spTgt spid="5">
+                                            <p:txEl>
+                                              <p:pRg st="2" end="2"/>
+                                            </p:txEl>
+                                          </p:spTgt>
+                                        </p:tgtEl>
+                                        <p:attrNameLst>
+                                          <p:attrName>style.visibility</p:attrName>
+                                        </p:attrNameLst>
+                                      </p:cBhvr>
+                                      <p:to>
+                                        <p:strVal val="visible"/>
+                                      </p:to>
+                                    </p:set>
+                                  </p:childTnLst>
+                                </p:cTn>
+                              </p:par>
+                            </p:childTnLst>
+                          </p:cTn>
+                        </p:par>
+                      </p:childTnLst>
+                    </p:cTn>
+                  </p:par>
+                  <p:par>
+                    <p:cTn id="7" fill="hold">
+                      <p:stCondLst>
+                        <p:cond delay="indefinite"/>
+                      </p:stCondLst>
+                      <p:childTnLst>
+                        <p:par>
+                          <p:cTn id="8" fill="hold">
+                            <p:stCondLst>
+                              <p:cond delay="0"/>
+                            </p:stCondLst>
+                            <p:childTnLst>
+                              <p:par>
+                                <p:cTn id="9" presetID="1" presetClass="entr" presetSubtype="0" fill="hold" nodeType="clickEffect">
+                                  <p:stCondLst>
+                                    <p:cond delay="0"/>
+                                  </p:stCondLst>
+                                  <p:childTnLst>
+                                    <p:set>
+                                      <p:cBhvr>
+                                        <p:cTn id="10" dur="1" fill="hold">
+                                          <p:stCondLst>
+                                            <p:cond delay="0"/>
+                                          </p:stCondLst>
+                                        </p:cTn>
+                                        <p:tgtEl>
+                                          <p:spTgt spid="5">
+                                            <p:txEl>
+                                              <p:pRg st="4" end="4"/>
+                                            </p:txEl>
+                                          </p:spTgt>
+                                        </p:tgtEl>
+                                        <p:attrNameLst>
+                                          <p:attrName>style.visibility</p:attrName>
+                                        </p:attrNameLst>
+                                      </p:cBhvr>
+                                      <p:to>
+                                        <p:strVal val="visible"/>
+                                      </p:to>
+                                    </p:set>
+                                  </p:childTnLst>
+                                </p:cTn>
+                              </p:par>
+                            </p:childTnLst>
+                          </p:cTn>
+                        </p:par>
+                      </p:childTnLst>
+                    </p:cTn>
+                  </p:par>
+                </p:childTnLst>
+              </p:cTn>
+              <p:prevCondLst>
+                <p:cond evt="onPrev" delay="0">
+                  <p:tgtEl>
+                    <p:sldTgt/>
+                  </p:tgtEl>
+                </p:cond>
+              </p:prevCondLst>
+              <p:nextCondLst>
+                <p:cond evt="onNext" delay="0">
+                  <p:tgtEl>
+                    <p:sldTgt/>
+                  </p:tgtEl>
+                </p:cond>
+              </p:nextCondLst>
+            </p:seq>
+          </p:childTnLst>
+        </p:cTn>
+      </p:par>
+    </p:tnLst>
+  </p:timing>
 </p:sld>
 </file>
 
@@ -10329,6 +13378,134 @@
   <p:clrMapOvr>
     <a:masterClrMapping/>
   </p:clrMapOvr>
+  <p:timing>
+    <p:tnLst>
+      <p:par>
+        <p:cTn id="1" dur="indefinite" restart="never" nodeType="tmRoot">
+          <p:childTnLst>
+            <p:seq concurrent="1" nextAc="seek">
+              <p:cTn id="2" dur="indefinite" nodeType="mainSeq">
+                <p:childTnLst>
+                  <p:par>
+                    <p:cTn id="3" fill="hold">
+                      <p:stCondLst>
+                        <p:cond delay="indefinite"/>
+                      </p:stCondLst>
+                      <p:childTnLst>
+                        <p:par>
+                          <p:cTn id="4" fill="hold">
+                            <p:stCondLst>
+                              <p:cond delay="0"/>
+                            </p:stCondLst>
+                            <p:childTnLst>
+                              <p:par>
+                                <p:cTn id="5" presetID="1" presetClass="entr" presetSubtype="0" fill="hold" nodeType="clickEffect">
+                                  <p:stCondLst>
+                                    <p:cond delay="0"/>
+                                  </p:stCondLst>
+                                  <p:childTnLst>
+                                    <p:set>
+                                      <p:cBhvr>
+                                        <p:cTn id="6" dur="1" fill="hold">
+                                          <p:stCondLst>
+                                            <p:cond delay="0"/>
+                                          </p:stCondLst>
+                                        </p:cTn>
+                                        <p:tgtEl>
+                                          <p:spTgt spid="5">
+                                            <p:txEl>
+                                              <p:pRg st="0" end="0"/>
+                                            </p:txEl>
+                                          </p:spTgt>
+                                        </p:tgtEl>
+                                        <p:attrNameLst>
+                                          <p:attrName>style.visibility</p:attrName>
+                                        </p:attrNameLst>
+                                      </p:cBhvr>
+                                      <p:to>
+                                        <p:strVal val="visible"/>
+                                      </p:to>
+                                    </p:set>
+                                  </p:childTnLst>
+                                </p:cTn>
+                              </p:par>
+                            </p:childTnLst>
+                          </p:cTn>
+                        </p:par>
+                      </p:childTnLst>
+                    </p:cTn>
+                  </p:par>
+                  <p:par>
+                    <p:cTn id="7" fill="hold">
+                      <p:stCondLst>
+                        <p:cond delay="indefinite"/>
+                      </p:stCondLst>
+                      <p:childTnLst>
+                        <p:par>
+                          <p:cTn id="8" fill="hold">
+                            <p:stCondLst>
+                              <p:cond delay="0"/>
+                            </p:stCondLst>
+                            <p:childTnLst>
+                              <p:par>
+                                <p:cTn id="9" presetID="1" presetClass="entr" presetSubtype="0" fill="hold" nodeType="clickEffect">
+                                  <p:stCondLst>
+                                    <p:cond delay="0"/>
+                                  </p:stCondLst>
+                                  <p:childTnLst>
+                                    <p:set>
+                                      <p:cBhvr>
+                                        <p:cTn id="10" dur="1" fill="hold">
+                                          <p:stCondLst>
+                                            <p:cond delay="0"/>
+                                          </p:stCondLst>
+                                        </p:cTn>
+                                        <p:tgtEl>
+                                          <p:spTgt spid="5">
+                                            <p:txEl>
+                                              <p:pRg st="2" end="2"/>
+                                            </p:txEl>
+                                          </p:spTgt>
+                                        </p:tgtEl>
+                                        <p:attrNameLst>
+                                          <p:attrName>style.visibility</p:attrName>
+                                        </p:attrNameLst>
+                                      </p:cBhvr>
+                                      <p:to>
+                                        <p:strVal val="visible"/>
+                                      </p:to>
+                                    </p:set>
+                                  </p:childTnLst>
+                                </p:cTn>
+                              </p:par>
+                            </p:childTnLst>
+                          </p:cTn>
+                        </p:par>
+                      </p:childTnLst>
+                    </p:cTn>
+                  </p:par>
+                </p:childTnLst>
+              </p:cTn>
+              <p:prevCondLst>
+                <p:cond evt="onPrev" delay="0">
+                  <p:tgtEl>
+                    <p:sldTgt/>
+                  </p:tgtEl>
+                </p:cond>
+              </p:prevCondLst>
+              <p:nextCondLst>
+                <p:cond evt="onNext" delay="0">
+                  <p:tgtEl>
+                    <p:sldTgt/>
+                  </p:tgtEl>
+                </p:cond>
+              </p:nextCondLst>
+            </p:seq>
+          </p:childTnLst>
+        </p:cTn>
+      </p:par>
+    </p:tnLst>
+  </p:timing>
 </p:sld>
 </file>
 
@@ -10397,8 +13574,8 @@
           </a:p>
         </p:txBody>
       </p:sp>
-      <mc:AlternateContent xmlns:mc="http://schemas.openxmlformats.org/markup-compatibility/2006" xmlns:a14="http://schemas.microsoft.com/office/drawing/2010/main">
-        <mc:Choice Requires="a14">
+      <mc:AlternateContent xmlns:mc="http://schemas.openxmlformats.org/markup-compatibility/2006">
+        <mc:Choice xmlns:a14="http://schemas.microsoft.com/office/drawing/2010/main" Requires="a14">
           <p:sp>
             <p:nvSpPr>
               <p:cNvPr id="5" name="Text Placeholder 4">
@@ -10440,12 +13617,20 @@
                   <a:buNone/>
                 </a:pPr>
                 <a:r>
+                  <a:rPr lang="en-US" sz="1400" b="1" dirty="0">
+                    <a:effectLst/>
+                    <a:latin typeface="+mn-lt"/>
+                    <a:ea typeface="SimSun" panose="02010600030101010101" pitchFamily="2" charset="-122"/>
+                  </a:rPr>
+                  <a:t>Q 2.1: Encryption</a:t>
+                </a:r>
+                <a:r>
                   <a:rPr lang="en-US" sz="1400" dirty="0">
                     <a:effectLst/>
                     <a:latin typeface="+mn-lt"/>
                     <a:ea typeface="SimSun" panose="02010600030101010101" pitchFamily="2" charset="-122"/>
                   </a:rPr>
-                  <a:t>Encryption: </a:t>
+                  <a:t>: </a:t>
                 </a:r>
               </a:p>
               <a:p>
@@ -10703,11 +13888,11 @@
                   <a:buNone/>
                 </a:pPr>
                 <a:r>
-                  <a:rPr lang="en-US" sz="1400" dirty="0">
+                  <a:rPr lang="en-US" sz="1400" b="1" dirty="0">
                     <a:latin typeface="+mn-lt"/>
                     <a:ea typeface="SimSun" panose="02010600030101010101" pitchFamily="2" charset="-122"/>
                   </a:rPr>
-                  <a:t>Decryption</a:t>
+                  <a:t>Q 2.2: Decryption</a:t>
                 </a:r>
                 <a:r>
                   <a:rPr lang="en-US" sz="1400" dirty="0">
@@ -10927,7 +14112,7 @@
             </p:txBody>
           </p:sp>
         </mc:Choice>
-        <mc:Fallback xmlns="">
+        <mc:Fallback>
           <p:sp>
             <p:nvSpPr>
               <p:cNvPr id="5" name="Text Placeholder 4">
@@ -11007,8 +14192,8 @@
           </a:prstGeom>
         </p:spPr>
       </p:pic>
-      <mc:AlternateContent xmlns:mc="http://schemas.openxmlformats.org/markup-compatibility/2006" xmlns:a14="http://schemas.microsoft.com/office/drawing/2010/main">
-        <mc:Choice Requires="a14">
+      <mc:AlternateContent xmlns:mc="http://schemas.openxmlformats.org/markup-compatibility/2006">
+        <mc:Choice xmlns:a14="http://schemas.microsoft.com/office/drawing/2010/main" Requires="a14">
           <p:sp>
             <p:nvSpPr>
               <p:cNvPr id="7" name="TextBox 6">
@@ -11023,8 +14208,8 @@
             </p:nvSpPr>
             <p:spPr>
               <a:xfrm>
-                <a:off x="139427" y="3089981"/>
-                <a:ext cx="8902700" cy="2054537"/>
+                <a:off x="120650" y="3090609"/>
+                <a:ext cx="8902700" cy="2053319"/>
               </a:xfrm>
               <a:prstGeom prst="rect">
                 <a:avLst/>
@@ -11054,10 +14239,18 @@
                     <a:latin typeface="+mn-lt"/>
                     <a:ea typeface="SimSun" panose="02010600030101010101" pitchFamily="2" charset="-122"/>
                   </a:rPr>
-                  <a:t>Not IND-CPA secure. For example, for two messages with the same first block, we can tell if they are the same by XOR out the IV and reveal the value of Enc(k, k) </a:t>
+                  <a:t>Q 2.3: Not IND-CPA secure. For example, for two messages with the same first block, we can tell if they are the same by XOR out the IV and reveal the value of </a:t>
                 </a:r>
                 <a:r>
-                  <a:rPr lang="en-US" sz="1400" dirty="0">
+                  <a:rPr lang="en-US" sz="1400" b="1" dirty="0">
+                    <a:effectLst/>
+                    <a:latin typeface="+mn-lt"/>
+                    <a:ea typeface="SimSun" panose="02010600030101010101" pitchFamily="2" charset="-122"/>
+                  </a:rPr>
+                  <a:t>Enc(k, k) </a:t>
+                </a:r>
+                <a:r>
+                  <a:rPr lang="en-US" sz="1400" b="1" dirty="0">
                     <a:effectLst/>
                     <a:latin typeface="+mn-lt"/>
                     <a:ea typeface="SimSun" panose="02010600030101010101" pitchFamily="2" charset="-122"/>
@@ -11066,7 +14259,7 @@
                   <a:t>⊕</a:t>
                 </a:r>
                 <a:r>
-                  <a:rPr lang="en-US" sz="1400" dirty="0">
+                  <a:rPr lang="en-US" sz="1400" b="1" dirty="0">
                     <a:effectLst/>
                     <a:latin typeface="+mn-lt"/>
                     <a:ea typeface="SimSun" panose="02010600030101010101" pitchFamily="2" charset="-122"/>
@@ -11074,7 +14267,7 @@
                   <a:t> M</a:t>
                 </a:r>
                 <a:r>
-                  <a:rPr lang="en-US" sz="1400" baseline="-25000" dirty="0">
+                  <a:rPr lang="en-US" sz="1400" b="1" baseline="-25000" dirty="0">
                     <a:effectLst/>
                     <a:latin typeface="+mn-lt"/>
                     <a:ea typeface="SimSun" panose="02010600030101010101" pitchFamily="2" charset="-122"/>
@@ -11087,7 +14280,45 @@
                     <a:latin typeface="+mn-lt"/>
                     <a:ea typeface="SimSun" panose="02010600030101010101" pitchFamily="2" charset="-122"/>
                   </a:rPr>
-                  <a:t>, which is deterministic. The following scheme gives Eve probability of 1 of knowing which message was encrypted by Alice: </a:t>
+                  <a:t>, which is deterministic. </a:t>
+                </a:r>
+              </a:p>
+              <a:p>
+                <a:pPr marL="0" marR="0" algn="just">
+                  <a:lnSpc>
+                    <a:spcPct val="115000"/>
+                  </a:lnSpc>
+                  <a:spcBef>
+                    <a:spcPts val="0"/>
+                  </a:spcBef>
+                  <a:spcAft>
+                    <a:spcPts val="0"/>
+                  </a:spcAft>
+                </a:pPr>
+                <a:endParaRPr lang="en-US" dirty="0">
+                  <a:latin typeface="+mn-lt"/>
+                  <a:ea typeface="SimSun" panose="02010600030101010101" pitchFamily="2" charset="-122"/>
+                </a:endParaRPr>
+              </a:p>
+              <a:p>
+                <a:pPr marL="0" marR="0" algn="just">
+                  <a:lnSpc>
+                    <a:spcPct val="115000"/>
+                  </a:lnSpc>
+                  <a:spcBef>
+                    <a:spcPts val="0"/>
+                  </a:spcBef>
+                  <a:spcAft>
+                    <a:spcPts val="0"/>
+                  </a:spcAft>
+                </a:pPr>
+                <a:r>
+                  <a:rPr lang="en-US" sz="1400" dirty="0">
+                    <a:effectLst/>
+                    <a:latin typeface="+mn-lt"/>
+                    <a:ea typeface="SimSun" panose="02010600030101010101" pitchFamily="2" charset="-122"/>
+                  </a:rPr>
+                  <a:t>For example, the following scheme gives Eve probability of 1 of knowing which message was encrypted : </a:t>
                 </a:r>
               </a:p>
               <a:p>
@@ -11110,7 +14341,23 @@
                     <a:latin typeface="+mn-lt"/>
                     <a:ea typeface="SimSun" panose="02010600030101010101" pitchFamily="2" charset="-122"/>
                   </a:rPr>
-                  <a:t>Eve can send Ma and Mb to Alice for encryption. The two messages have different first block. </a:t>
+                  <a:t>Eve sends Ma and Mb to Alice for encryption. The two messages have </a:t>
+                </a:r>
+                <a:r>
+                  <a:rPr lang="en-US" sz="1400" b="1" dirty="0">
+                    <a:effectLst/>
+                    <a:latin typeface="+mn-lt"/>
+                    <a:ea typeface="SimSun" panose="02010600030101010101" pitchFamily="2" charset="-122"/>
+                  </a:rPr>
+                  <a:t>different first block</a:t>
+                </a:r>
+                <a:r>
+                  <a:rPr lang="en-US" sz="1400" dirty="0">
+                    <a:effectLst/>
+                    <a:latin typeface="+mn-lt"/>
+                    <a:ea typeface="SimSun" panose="02010600030101010101" pitchFamily="2" charset="-122"/>
+                  </a:rPr>
+                  <a:t>. </a:t>
                 </a:r>
               </a:p>
               <a:p>
@@ -11214,25 +14461,17 @@
                   <a:t>Do </a:t>
                 </a:r>
                 <a:r>
-                  <a:rPr lang="en-US" sz="1400" dirty="0" err="1">
+                  <a:rPr lang="en-US" sz="1400" b="1" dirty="0">
                     <a:effectLst/>
                     <a:latin typeface="+mn-lt"/>
                     <a:ea typeface="SimSun" panose="02010600030101010101" pitchFamily="2" charset="-122"/>
                   </a:rPr>
-                  <a:t>Cx</a:t>
-                </a:r>
-                <a:r>
-                  <a:rPr lang="en-US" sz="1400" dirty="0">
-                    <a:effectLst/>
-                    <a:latin typeface="+mn-lt"/>
-                    <a:ea typeface="SimSun" panose="02010600030101010101" pitchFamily="2" charset="-122"/>
-                  </a:rPr>
-                  <a:t> </a:t>
+                  <a:t>Cx1 </a:t>
                 </a:r>
                 <a14:m>
                   <m:oMath xmlns:m="http://schemas.openxmlformats.org/officeDocument/2006/math">
                     <m:r>
-                      <a:rPr lang="en-US" sz="1400" i="1">
+                      <a:rPr lang="en-US" sz="1400" b="1" i="1">
                         <a:effectLst/>
                         <a:latin typeface="Cambria Math" panose="02040503050406030204" pitchFamily="18" charset="0"/>
                         <a:ea typeface="SimSun" panose="02010600030101010101" pitchFamily="2" charset="-122"/>
@@ -11242,7 +14481,7 @@
                   </m:oMath>
                 </a14:m>
                 <a:r>
-                  <a:rPr lang="en-US" sz="1400" dirty="0">
+                  <a:rPr lang="en-US" sz="1400" b="1" dirty="0">
                     <a:effectLst/>
                     <a:latin typeface="+mn-lt"/>
                     <a:ea typeface="SimSun" panose="02010600030101010101" pitchFamily="2" charset="-122"/>
@@ -11250,7 +14489,7 @@
                   <a:t> </a:t>
                 </a:r>
                 <a:r>
-                  <a:rPr lang="en-US" sz="1400" dirty="0" err="1">
+                  <a:rPr lang="en-US" sz="1400" b="1" dirty="0" err="1">
                     <a:effectLst/>
                     <a:latin typeface="+mn-lt"/>
                     <a:ea typeface="SimSun" panose="02010600030101010101" pitchFamily="2" charset="-122"/>
@@ -11258,17 +14497,33 @@
                   <a:t>IVx</a:t>
                 </a:r>
                 <a:r>
+                  <a:rPr lang="en-US" sz="1400" b="1" dirty="0">
+                    <a:effectLst/>
+                    <a:latin typeface="+mn-lt"/>
+                    <a:ea typeface="SimSun" panose="02010600030101010101" pitchFamily="2" charset="-122"/>
+                  </a:rPr>
+                  <a:t> </a:t>
+                </a:r>
+                <a:r>
                   <a:rPr lang="en-US" sz="1400" dirty="0">
                     <a:effectLst/>
                     <a:latin typeface="+mn-lt"/>
                     <a:ea typeface="SimSun" panose="02010600030101010101" pitchFamily="2" charset="-122"/>
                   </a:rPr>
-                  <a:t> and Ca </a:t>
+                  <a:t>and</a:t>
+                </a:r>
+                <a:r>
+                  <a:rPr lang="en-US" sz="1400" b="1" dirty="0">
+                    <a:effectLst/>
+                    <a:latin typeface="+mn-lt"/>
+                    <a:ea typeface="SimSun" panose="02010600030101010101" pitchFamily="2" charset="-122"/>
+                  </a:rPr>
+                  <a:t> Ca1 </a:t>
                 </a:r>
                 <a14:m>
                   <m:oMath xmlns:m="http://schemas.openxmlformats.org/officeDocument/2006/math">
                     <m:r>
-                      <a:rPr lang="en-US" sz="1400" i="1">
+                      <a:rPr lang="en-US" sz="1400" b="1" i="1">
                         <a:effectLst/>
                         <a:latin typeface="Cambria Math" panose="02040503050406030204" pitchFamily="18" charset="0"/>
                         <a:ea typeface="SimSun" panose="02010600030101010101" pitchFamily="2" charset="-122"/>
@@ -11278,7 +14533,7 @@
                   </m:oMath>
                 </a14:m>
                 <a:r>
-                  <a:rPr lang="en-US" sz="1400" dirty="0">
+                  <a:rPr lang="en-US" sz="1400" b="1" dirty="0">
                     <a:effectLst/>
                     <a:latin typeface="+mn-lt"/>
                     <a:ea typeface="SimSun" panose="02010600030101010101" pitchFamily="2" charset="-122"/>
@@ -11286,7 +14541,7 @@
                   <a:t> </a:t>
                 </a:r>
                 <a:r>
-                  <a:rPr lang="en-US" sz="1400" dirty="0" err="1">
+                  <a:rPr lang="en-US" sz="1400" b="1" dirty="0" err="1">
                     <a:effectLst/>
                     <a:latin typeface="+mn-lt"/>
                     <a:ea typeface="SimSun" panose="02010600030101010101" pitchFamily="2" charset="-122"/>
@@ -11299,13 +14554,13 @@
                     <a:latin typeface="+mn-lt"/>
                     <a:ea typeface="SimSun" panose="02010600030101010101" pitchFamily="2" charset="-122"/>
                   </a:rPr>
-                  <a:t>, if the two results have the same value for the first block, then we know x = a, otherwise x = b. </a:t>
+                  <a:t>, if the two results are the same, then we know x = a, otherwise x = b. </a:t>
                 </a:r>
               </a:p>
             </p:txBody>
           </p:sp>
         </mc:Choice>
-        <mc:Fallback xmlns="">
+        <mc:Fallback>
           <p:sp>
             <p:nvSpPr>
               <p:cNvPr id="7" name="TextBox 6">
@@ -11322,8 +14577,8 @@
             </p:nvSpPr>
             <p:spPr>
               <a:xfrm>
-                <a:off x="139427" y="3089981"/>
-                <a:ext cx="8902700" cy="2054537"/>
+                <a:off x="120650" y="3090609"/>
+                <a:ext cx="8902700" cy="2053319"/>
               </a:xfrm>
               <a:prstGeom prst="rect">
                 <a:avLst/>
@@ -11331,7 +14586,7 @@
               <a:blipFill>
                 <a:blip r:embed="rId4"/>
                 <a:stretch>
-                  <a:fillRect l="-285" t="-613" r="-285" b="-1840"/>
+                  <a:fillRect l="-142" t="-613" r="-142" b="-1840"/>
                 </a:stretch>
               </a:blipFill>
             </p:spPr>
@@ -11360,6 +14615,511 @@
   <p:clrMapOvr>
     <a:masterClrMapping/>
   </p:clrMapOvr>
+  <p:timing>
+    <p:tnLst>
+      <p:par>
+        <p:cTn id="1" dur="indefinite" restart="never" nodeType="tmRoot">
+          <p:childTnLst>
+            <p:seq concurrent="1" nextAc="seek">
+              <p:cTn id="2" dur="indefinite" nodeType="mainSeq">
+                <p:childTnLst>
+                  <p:par>
+                    <p:cTn id="3" fill="hold">
+                      <p:stCondLst>
+                        <p:cond delay="indefinite"/>
+                      </p:stCondLst>
+                      <p:childTnLst>
+                        <p:par>
+                          <p:cTn id="4" fill="hold">
+                            <p:stCondLst>
+                              <p:cond delay="0"/>
+                            </p:stCondLst>
+                            <p:childTnLst>
+                              <p:par>
+                                <p:cTn id="5" presetID="1" presetClass="entr" presetSubtype="0" fill="hold" nodeType="clickEffect">
+                                  <p:stCondLst>
+                                    <p:cond delay="0"/>
+                                  </p:stCondLst>
+                                  <p:childTnLst>
+                                    <p:set>
+                                      <p:cBhvr>
+                                        <p:cTn id="6" dur="1" fill="hold">
+                                          <p:stCondLst>
+                                            <p:cond delay="0"/>
+                                          </p:stCondLst>
+                                        </p:cTn>
+                                        <p:tgtEl>
+                                          <p:spTgt spid="5">
+                                            <p:txEl>
+                                              <p:pRg st="0" end="0"/>
+                                            </p:txEl>
+                                          </p:spTgt>
+                                        </p:tgtEl>
+                                        <p:attrNameLst>
+                                          <p:attrName>style.visibility</p:attrName>
+                                        </p:attrNameLst>
+                                      </p:cBhvr>
+                                      <p:to>
+                                        <p:strVal val="visible"/>
+                                      </p:to>
+                                    </p:set>
+                                  </p:childTnLst>
+                                </p:cTn>
+                              </p:par>
+                              <p:par>
+                                <p:cTn id="7" presetID="1" presetClass="entr" presetSubtype="0" fill="hold" nodeType="withEffect">
+                                  <p:stCondLst>
+                                    <p:cond delay="0"/>
+                                  </p:stCondLst>
+                                  <p:childTnLst>
+                                    <p:set>
+                                      <p:cBhvr>
+                                        <p:cTn id="8" dur="1" fill="hold">
+                                          <p:stCondLst>
+                                            <p:cond delay="0"/>
+                                          </p:stCondLst>
+                                        </p:cTn>
+                                        <p:tgtEl>
+                                          <p:spTgt spid="5">
+                                            <p:txEl>
+                                              <p:pRg st="1" end="1"/>
+                                            </p:txEl>
+                                          </p:spTgt>
+                                        </p:tgtEl>
+                                        <p:attrNameLst>
+                                          <p:attrName>style.visibility</p:attrName>
+                                        </p:attrNameLst>
+                                      </p:cBhvr>
+                                      <p:to>
+                                        <p:strVal val="visible"/>
+                                      </p:to>
+                                    </p:set>
+                                  </p:childTnLst>
+                                </p:cTn>
+                              </p:par>
+                              <p:par>
+                                <p:cTn id="9" presetID="1" presetClass="entr" presetSubtype="0" fill="hold" nodeType="withEffect">
+                                  <p:stCondLst>
+                                    <p:cond delay="0"/>
+                                  </p:stCondLst>
+                                  <p:childTnLst>
+                                    <p:set>
+                                      <p:cBhvr>
+                                        <p:cTn id="10" dur="1" fill="hold">
+                                          <p:stCondLst>
+                                            <p:cond delay="0"/>
+                                          </p:stCondLst>
+                                        </p:cTn>
+                                        <p:tgtEl>
+                                          <p:spTgt spid="5">
+                                            <p:txEl>
+                                              <p:pRg st="2" end="2"/>
+                                            </p:txEl>
+                                          </p:spTgt>
+                                        </p:tgtEl>
+                                        <p:attrNameLst>
+                                          <p:attrName>style.visibility</p:attrName>
+                                        </p:attrNameLst>
+                                      </p:cBhvr>
+                                      <p:to>
+                                        <p:strVal val="visible"/>
+                                      </p:to>
+                                    </p:set>
+                                  </p:childTnLst>
+                                </p:cTn>
+                              </p:par>
+                              <p:par>
+                                <p:cTn id="11" presetID="1" presetClass="entr" presetSubtype="0" fill="hold" nodeType="withEffect">
+                                  <p:stCondLst>
+                                    <p:cond delay="0"/>
+                                  </p:stCondLst>
+                                  <p:childTnLst>
+                                    <p:set>
+                                      <p:cBhvr>
+                                        <p:cTn id="12" dur="1" fill="hold">
+                                          <p:stCondLst>
+                                            <p:cond delay="0"/>
+                                          </p:stCondLst>
+                                        </p:cTn>
+                                        <p:tgtEl>
+                                          <p:spTgt spid="5">
+                                            <p:txEl>
+                                              <p:pRg st="3" end="3"/>
+                                            </p:txEl>
+                                          </p:spTgt>
+                                        </p:tgtEl>
+                                        <p:attrNameLst>
+                                          <p:attrName>style.visibility</p:attrName>
+                                        </p:attrNameLst>
+                                      </p:cBhvr>
+                                      <p:to>
+                                        <p:strVal val="visible"/>
+                                      </p:to>
+                                    </p:set>
+                                  </p:childTnLst>
+                                </p:cTn>
+                              </p:par>
+                            </p:childTnLst>
+                          </p:cTn>
+                        </p:par>
+                      </p:childTnLst>
+                    </p:cTn>
+                  </p:par>
+                  <p:par>
+                    <p:cTn id="13" fill="hold">
+                      <p:stCondLst>
+                        <p:cond delay="indefinite"/>
+                      </p:stCondLst>
+                      <p:childTnLst>
+                        <p:par>
+                          <p:cTn id="14" fill="hold">
+                            <p:stCondLst>
+                              <p:cond delay="0"/>
+                            </p:stCondLst>
+                            <p:childTnLst>
+                              <p:par>
+                                <p:cTn id="15" presetID="1" presetClass="entr" presetSubtype="0" fill="hold" nodeType="clickEffect">
+                                  <p:stCondLst>
+                                    <p:cond delay="0"/>
+                                  </p:stCondLst>
+                                  <p:childTnLst>
+                                    <p:set>
+                                      <p:cBhvr>
+                                        <p:cTn id="16" dur="1" fill="hold">
+                                          <p:stCondLst>
+                                            <p:cond delay="0"/>
+                                          </p:stCondLst>
+                                        </p:cTn>
+                                        <p:tgtEl>
+                                          <p:spTgt spid="5">
+                                            <p:txEl>
+                                              <p:pRg st="5" end="5"/>
+                                            </p:txEl>
+                                          </p:spTgt>
+                                        </p:tgtEl>
+                                        <p:attrNameLst>
+                                          <p:attrName>style.visibility</p:attrName>
+                                        </p:attrNameLst>
+                                      </p:cBhvr>
+                                      <p:to>
+                                        <p:strVal val="visible"/>
+                                      </p:to>
+                                    </p:set>
+                                  </p:childTnLst>
+                                </p:cTn>
+                              </p:par>
+                              <p:par>
+                                <p:cTn id="17" presetID="1" presetClass="entr" presetSubtype="0" fill="hold" nodeType="withEffect">
+                                  <p:stCondLst>
+                                    <p:cond delay="0"/>
+                                  </p:stCondLst>
+                                  <p:childTnLst>
+                                    <p:set>
+                                      <p:cBhvr>
+                                        <p:cTn id="18" dur="1" fill="hold">
+                                          <p:stCondLst>
+                                            <p:cond delay="0"/>
+                                          </p:stCondLst>
+                                        </p:cTn>
+                                        <p:tgtEl>
+                                          <p:spTgt spid="5">
+                                            <p:txEl>
+                                              <p:pRg st="6" end="6"/>
+                                            </p:txEl>
+                                          </p:spTgt>
+                                        </p:tgtEl>
+                                        <p:attrNameLst>
+                                          <p:attrName>style.visibility</p:attrName>
+                                        </p:attrNameLst>
+                                      </p:cBhvr>
+                                      <p:to>
+                                        <p:strVal val="visible"/>
+                                      </p:to>
+                                    </p:set>
+                                  </p:childTnLst>
+                                </p:cTn>
+                              </p:par>
+                              <p:par>
+                                <p:cTn id="19" presetID="1" presetClass="entr" presetSubtype="0" fill="hold" nodeType="withEffect">
+                                  <p:stCondLst>
+                                    <p:cond delay="0"/>
+                                  </p:stCondLst>
+                                  <p:childTnLst>
+                                    <p:set>
+                                      <p:cBhvr>
+                                        <p:cTn id="20" dur="1" fill="hold">
+                                          <p:stCondLst>
+                                            <p:cond delay="0"/>
+                                          </p:stCondLst>
+                                        </p:cTn>
+                                        <p:tgtEl>
+                                          <p:spTgt spid="5">
+                                            <p:txEl>
+                                              <p:pRg st="7" end="7"/>
+                                            </p:txEl>
+                                          </p:spTgt>
+                                        </p:tgtEl>
+                                        <p:attrNameLst>
+                                          <p:attrName>style.visibility</p:attrName>
+                                        </p:attrNameLst>
+                                      </p:cBhvr>
+                                      <p:to>
+                                        <p:strVal val="visible"/>
+                                      </p:to>
+                                    </p:set>
+                                  </p:childTnLst>
+                                </p:cTn>
+                              </p:par>
+                            </p:childTnLst>
+                          </p:cTn>
+                        </p:par>
+                      </p:childTnLst>
+                    </p:cTn>
+                  </p:par>
+                  <p:par>
+                    <p:cTn id="21" fill="hold">
+                      <p:stCondLst>
+                        <p:cond delay="indefinite"/>
+                      </p:stCondLst>
+                      <p:childTnLst>
+                        <p:par>
+                          <p:cTn id="22" fill="hold">
+                            <p:stCondLst>
+                              <p:cond delay="0"/>
+                            </p:stCondLst>
+                            <p:childTnLst>
+                              <p:par>
+                                <p:cTn id="23" presetID="1" presetClass="entr" presetSubtype="0" fill="hold" nodeType="clickEffect">
+                                  <p:stCondLst>
+                                    <p:cond delay="0"/>
+                                  </p:stCondLst>
+                                  <p:childTnLst>
+                                    <p:set>
+                                      <p:cBhvr>
+                                        <p:cTn id="24" dur="1" fill="hold">
+                                          <p:stCondLst>
+                                            <p:cond delay="0"/>
+                                          </p:stCondLst>
+                                        </p:cTn>
+                                        <p:tgtEl>
+                                          <p:spTgt spid="7">
+                                            <p:txEl>
+                                              <p:pRg st="0" end="0"/>
+                                            </p:txEl>
+                                          </p:spTgt>
+                                        </p:tgtEl>
+                                        <p:attrNameLst>
+                                          <p:attrName>style.visibility</p:attrName>
+                                        </p:attrNameLst>
+                                      </p:cBhvr>
+                                      <p:to>
+                                        <p:strVal val="visible"/>
+                                      </p:to>
+                                    </p:set>
+                                  </p:childTnLst>
+                                </p:cTn>
+                              </p:par>
+                            </p:childTnLst>
+                          </p:cTn>
+                        </p:par>
+                      </p:childTnLst>
+                    </p:cTn>
+                  </p:par>
+                  <p:par>
+                    <p:cTn id="25" fill="hold">
+                      <p:stCondLst>
+                        <p:cond delay="indefinite"/>
+                      </p:stCondLst>
+                      <p:childTnLst>
+                        <p:par>
+                          <p:cTn id="26" fill="hold">
+                            <p:stCondLst>
+                              <p:cond delay="0"/>
+                            </p:stCondLst>
+                            <p:childTnLst>
+                              <p:par>
+                                <p:cTn id="27" presetID="1" presetClass="entr" presetSubtype="0" fill="hold" nodeType="clickEffect">
+                                  <p:stCondLst>
+                                    <p:cond delay="0"/>
+                                  </p:stCondLst>
+                                  <p:childTnLst>
+                                    <p:set>
+                                      <p:cBhvr>
+                                        <p:cTn id="28" dur="1" fill="hold">
+                                          <p:stCondLst>
+                                            <p:cond delay="0"/>
+                                          </p:stCondLst>
+                                        </p:cTn>
+                                        <p:tgtEl>
+                                          <p:spTgt spid="7">
+                                            <p:txEl>
+                                              <p:pRg st="2" end="2"/>
+                                            </p:txEl>
+                                          </p:spTgt>
+                                        </p:tgtEl>
+                                        <p:attrNameLst>
+                                          <p:attrName>style.visibility</p:attrName>
+                                        </p:attrNameLst>
+                                      </p:cBhvr>
+                                      <p:to>
+                                        <p:strVal val="visible"/>
+                                      </p:to>
+                                    </p:set>
+                                  </p:childTnLst>
+                                </p:cTn>
+                              </p:par>
+                              <p:par>
+                                <p:cTn id="29" presetID="1" presetClass="entr" presetSubtype="0" fill="hold" nodeType="withEffect">
+                                  <p:stCondLst>
+                                    <p:cond delay="0"/>
+                                  </p:stCondLst>
+                                  <p:childTnLst>
+                                    <p:set>
+                                      <p:cBhvr>
+                                        <p:cTn id="30" dur="1" fill="hold">
+                                          <p:stCondLst>
+                                            <p:cond delay="0"/>
+                                          </p:stCondLst>
+                                        </p:cTn>
+                                        <p:tgtEl>
+                                          <p:spTgt spid="7">
+                                            <p:txEl>
+                                              <p:pRg st="3" end="3"/>
+                                            </p:txEl>
+                                          </p:spTgt>
+                                        </p:tgtEl>
+                                        <p:attrNameLst>
+                                          <p:attrName>style.visibility</p:attrName>
+                                        </p:attrNameLst>
+                                      </p:cBhvr>
+                                      <p:to>
+                                        <p:strVal val="visible"/>
+                                      </p:to>
+                                    </p:set>
+                                  </p:childTnLst>
+                                </p:cTn>
+                              </p:par>
+                              <p:par>
+                                <p:cTn id="31" presetID="1" presetClass="entr" presetSubtype="0" fill="hold" nodeType="withEffect">
+                                  <p:stCondLst>
+                                    <p:cond delay="0"/>
+                                  </p:stCondLst>
+                                  <p:childTnLst>
+                                    <p:set>
+                                      <p:cBhvr>
+                                        <p:cTn id="32" dur="1" fill="hold">
+                                          <p:stCondLst>
+                                            <p:cond delay="0"/>
+                                          </p:stCondLst>
+                                        </p:cTn>
+                                        <p:tgtEl>
+                                          <p:spTgt spid="7">
+                                            <p:txEl>
+                                              <p:pRg st="4" end="4"/>
+                                            </p:txEl>
+                                          </p:spTgt>
+                                        </p:tgtEl>
+                                        <p:attrNameLst>
+                                          <p:attrName>style.visibility</p:attrName>
+                                        </p:attrNameLst>
+                                      </p:cBhvr>
+                                      <p:to>
+                                        <p:strVal val="visible"/>
+                                      </p:to>
+                                    </p:set>
+                                  </p:childTnLst>
+                                </p:cTn>
+                              </p:par>
+                              <p:par>
+                                <p:cTn id="33" presetID="1" presetClass="entr" presetSubtype="0" fill="hold" nodeType="withEffect">
+                                  <p:stCondLst>
+                                    <p:cond delay="0"/>
+                                  </p:stCondLst>
+                                  <p:childTnLst>
+                                    <p:set>
+                                      <p:cBhvr>
+                                        <p:cTn id="34" dur="1" fill="hold">
+                                          <p:stCondLst>
+                                            <p:cond delay="0"/>
+                                          </p:stCondLst>
+                                        </p:cTn>
+                                        <p:tgtEl>
+                                          <p:spTgt spid="7">
+                                            <p:txEl>
+                                              <p:pRg st="5" end="5"/>
+                                            </p:txEl>
+                                          </p:spTgt>
+                                        </p:tgtEl>
+                                        <p:attrNameLst>
+                                          <p:attrName>style.visibility</p:attrName>
+                                        </p:attrNameLst>
+                                      </p:cBhvr>
+                                      <p:to>
+                                        <p:strVal val="visible"/>
+                                      </p:to>
+                                    </p:set>
+                                  </p:childTnLst>
+                                </p:cTn>
+                              </p:par>
+                              <p:par>
+                                <p:cTn id="35" presetID="1" presetClass="entr" presetSubtype="0" fill="hold" nodeType="withEffect">
+                                  <p:stCondLst>
+                                    <p:cond delay="0"/>
+                                  </p:stCondLst>
+                                  <p:childTnLst>
+                                    <p:set>
+                                      <p:cBhvr>
+                                        <p:cTn id="36" dur="1" fill="hold">
+                                          <p:stCondLst>
+                                            <p:cond delay="0"/>
+                                          </p:stCondLst>
+                                        </p:cTn>
+                                        <p:tgtEl>
+                                          <p:spTgt spid="7">
+                                            <p:txEl>
+                                              <p:pRg st="6" end="6"/>
+                                            </p:txEl>
+                                          </p:spTgt>
+                                        </p:tgtEl>
+                                        <p:attrNameLst>
+                                          <p:attrName>style.visibility</p:attrName>
+                                        </p:attrNameLst>
+                                      </p:cBhvr>
+                                      <p:to>
+                                        <p:strVal val="visible"/>
+                                      </p:to>
+                                    </p:set>
+                                  </p:childTnLst>
+                                </p:cTn>
+                              </p:par>
+                            </p:childTnLst>
+                          </p:cTn>
+                        </p:par>
+                      </p:childTnLst>
+                    </p:cTn>
+                  </p:par>
+                </p:childTnLst>
+              </p:cTn>
+              <p:prevCondLst>
+                <p:cond evt="onPrev" delay="0">
+                  <p:tgtEl>
+                    <p:sldTgt/>
+                  </p:tgtEl>
+                </p:cond>
+              </p:prevCondLst>
+              <p:nextCondLst>
+                <p:cond evt="onNext" delay="0">
+                  <p:tgtEl>
+                    <p:sldTgt/>
+                  </p:tgtEl>
+                </p:cond>
+              </p:nextCondLst>
+            </p:seq>
+          </p:childTnLst>
+        </p:cTn>
+      </p:par>
+    </p:tnLst>
+  </p:timing>
 </p:sld>
 </file>
 
@@ -11564,6 +15324,34 @@
             </a:endParaRPr>
           </a:p>
           <a:p>
+            <a:pPr>
+              <a:lnSpc>
+                <a:spcPct val="120000"/>
+              </a:lnSpc>
+              <a:tabLst>
+                <a:tab pos="180022" algn="l"/>
+              </a:tabLst>
+            </a:pPr>
+            <a:r>
+              <a:rPr lang="en-US" dirty="0">
+                <a:ea typeface="SimSun" panose="02010600030101010101" pitchFamily="2" charset="-122"/>
+              </a:rPr>
+              <a:t>Q 4.1: </a:t>
+            </a:r>
+            <a:r>
+              <a:rPr lang="en-US" dirty="0">
+                <a:latin typeface="+mn-lt"/>
+                <a:ea typeface="SimSun" panose="02010600030101010101" pitchFamily="2" charset="-122"/>
+              </a:rPr>
+              <a:t>Does it provide confidentiality?</a:t>
+            </a:r>
+            <a:endParaRPr lang="en-US" dirty="0">
+              <a:effectLst/>
+              <a:latin typeface="+mn-lt"/>
+              <a:ea typeface="SimSun" panose="02010600030101010101" pitchFamily="2" charset="-122"/>
+            </a:endParaRPr>
+          </a:p>
+          <a:p>
             <a:pPr marL="742950" lvl="1" indent="-285750" algn="just">
               <a:buFont typeface="Wingdings" pitchFamily="2" charset="2"/>
               <a:buChar char="Ø"/>
@@ -11574,11 +15362,60 @@
                 <a:latin typeface="+mn-lt"/>
                 <a:ea typeface="SimSun" panose="02010600030101010101" pitchFamily="2" charset="-122"/>
               </a:rPr>
-              <a:t>Q 4.1: It provides confidentiality </a:t>
+              <a:t>It provides confidentiality </a:t>
+            </a:r>
+          </a:p>
+          <a:p>
+            <a:pPr marL="457200" lvl="1" indent="0" algn="just">
+              <a:buNone/>
+            </a:pPr>
+            <a:endParaRPr lang="en-US" sz="1800" dirty="0">
+              <a:latin typeface="+mn-lt"/>
+              <a:ea typeface="SimSun" panose="02010600030101010101" pitchFamily="2" charset="-122"/>
+            </a:endParaRPr>
+          </a:p>
+          <a:p>
+            <a:pPr marL="457200" lvl="1" indent="-342900">
+              <a:lnSpc>
+                <a:spcPct val="120000"/>
+              </a:lnSpc>
+              <a:buSzPts val="1800"/>
+              <a:buFont typeface="Arial"/>
+              <a:buChar char="●"/>
+              <a:tabLst>
+                <a:tab pos="180022" algn="l"/>
+              </a:tabLst>
+            </a:pPr>
+            <a:r>
+              <a:rPr lang="en-US" sz="1800" dirty="0">
+                <a:ea typeface="SimSun" panose="02010600030101010101" pitchFamily="2" charset="-122"/>
+              </a:rPr>
+              <a:t>Q 4.2: </a:t>
+            </a:r>
+            <a:r>
+              <a:rPr lang="en-US" sz="1800" dirty="0">
+                <a:latin typeface="+mn-lt"/>
+                <a:ea typeface="SimSun" panose="02010600030101010101" pitchFamily="2" charset="-122"/>
+              </a:rPr>
+              <a:t>Does it provide integrity?</a:t>
             </a:r>
           </a:p>
           <a:p>
             <a:pPr marL="742950" lvl="1" indent="-285750" algn="just">
+              <a:buFont typeface="Wingdings" pitchFamily="2" charset="2"/>
+              <a:buChar char="Ø"/>
+            </a:pPr>
+            <a:r>
+              <a:rPr lang="en-US" sz="1800" dirty="0">
+                <a:effectLst/>
+                <a:latin typeface="+mn-lt"/>
+                <a:ea typeface="SimSun" panose="02010600030101010101" pitchFamily="2" charset="-122"/>
+              </a:rPr>
+              <a:t>No integrity, Mallory can send Bob (c’ || Hash(c’))</a:t>
+            </a:r>
+          </a:p>
+          <a:p>
+            <a:pPr marL="1200150" lvl="2" indent="-285750" algn="just">
               <a:buFont typeface="Wingdings" pitchFamily="2" charset="2"/>
               <a:buChar char="Ø"/>
             </a:pPr>
@@ -11589,6 +15426,37 @@
             </a:endParaRPr>
           </a:p>
           <a:p>
+            <a:pPr marL="457200" lvl="1" indent="-342900">
+              <a:lnSpc>
+                <a:spcPct val="120000"/>
+              </a:lnSpc>
+              <a:buSzPts val="1800"/>
+              <a:buFont typeface="Arial"/>
+              <a:buChar char="●"/>
+              <a:tabLst>
+                <a:tab pos="180022" algn="l"/>
+              </a:tabLst>
+            </a:pPr>
+            <a:r>
+              <a:rPr lang="en-US" sz="1800" dirty="0">
+                <a:ea typeface="SimSun" panose="02010600030101010101" pitchFamily="2" charset="-122"/>
+              </a:rPr>
+              <a:t>Q 4.3: </a:t>
+            </a:r>
+            <a:r>
+              <a:rPr lang="en-US" sz="1800" dirty="0">
+                <a:latin typeface="+mn-lt"/>
+                <a:ea typeface="SimSun" panose="02010600030101010101" pitchFamily="2" charset="-122"/>
+              </a:rPr>
+              <a:t>A scheme that provides both confidentiality and integrity?</a:t>
+            </a:r>
+            <a:endParaRPr lang="en-US" sz="1800" dirty="0">
+              <a:effectLst/>
+              <a:latin typeface="+mn-lt"/>
+              <a:ea typeface="SimSun" panose="02010600030101010101" pitchFamily="2" charset="-122"/>
+            </a:endParaRPr>
+          </a:p>
+          <a:p>
             <a:pPr marL="742950" lvl="1" indent="-285750" algn="just">
               <a:buFont typeface="Wingdings" pitchFamily="2" charset="2"/>
               <a:buChar char="Ø"/>
@@ -11599,34 +15467,7 @@
                 <a:latin typeface="+mn-lt"/>
                 <a:ea typeface="SimSun" panose="02010600030101010101" pitchFamily="2" charset="-122"/>
               </a:rPr>
-              <a:t>Q 4.2: No integrity, since SHA-256 may suffer from length extension attack. </a:t>
-            </a:r>
-          </a:p>
-          <a:p>
-            <a:pPr marL="457200" lvl="1" indent="0" algn="just">
-              <a:buNone/>
-            </a:pPr>
-            <a:r>
-              <a:rPr lang="en-US" sz="1800" dirty="0">
-                <a:effectLst/>
-                <a:latin typeface="+mn-lt"/>
-                <a:ea typeface="SimSun" panose="02010600030101010101" pitchFamily="2" charset="-122"/>
-              </a:rPr>
-              <a:t> </a:t>
-            </a:r>
-          </a:p>
-          <a:p>
-            <a:pPr marL="742950" lvl="1" indent="-285750" algn="just">
-              <a:buFont typeface="Wingdings" pitchFamily="2" charset="2"/>
-              <a:buChar char="Ø"/>
-            </a:pPr>
-            <a:r>
-              <a:rPr lang="en-US" sz="1800" dirty="0">
-                <a:effectLst/>
-                <a:latin typeface="+mn-lt"/>
-                <a:ea typeface="SimSun" panose="02010600030101010101" pitchFamily="2" charset="-122"/>
-              </a:rPr>
-              <a:t>Q 4.3: Ciphertext c = c</a:t>
+              <a:t>Ciphertext c = c</a:t>
             </a:r>
             <a:r>
               <a:rPr lang="en-US" sz="1800" baseline="-25000" dirty="0">
@@ -11708,6 +15549,24 @@
               </a:rPr>
               <a:t>)</a:t>
             </a:r>
+          </a:p>
+          <a:p>
+            <a:pPr marL="742950" lvl="1" indent="-285750" algn="just">
+              <a:buFont typeface="Wingdings" pitchFamily="2" charset="2"/>
+              <a:buChar char="Ø"/>
+            </a:pPr>
+            <a:r>
+              <a:rPr lang="en-US" sz="1800" dirty="0">
+                <a:latin typeface="+mn-lt"/>
+                <a:ea typeface="SimSun" panose="02010600030101010101" pitchFamily="2" charset="-122"/>
+              </a:rPr>
+              <a:t>Encrypt then MAC</a:t>
+            </a:r>
+            <a:endParaRPr lang="en-US" sz="1800" dirty="0">
+              <a:effectLst/>
+              <a:latin typeface="+mn-lt"/>
+              <a:ea typeface="SimSun" panose="02010600030101010101" pitchFamily="2" charset="-122"/>
+            </a:endParaRPr>
           </a:p>
           <a:p>
             <a:pPr lvl="0">
@@ -11753,6 +15612,214 @@
   <p:clrMapOvr>
     <a:masterClrMapping/>
   </p:clrMapOvr>
+  <p:timing>
+    <p:tnLst>
+      <p:par>
+        <p:cTn id="1" dur="indefinite" restart="never" nodeType="tmRoot">
+          <p:childTnLst>
+            <p:seq concurrent="1" nextAc="seek">
+              <p:cTn id="2" dur="indefinite" nodeType="mainSeq">
+                <p:childTnLst>
+                  <p:par>
+                    <p:cTn id="3" fill="hold">
+                      <p:stCondLst>
+                        <p:cond delay="indefinite"/>
+                      </p:stCondLst>
+                      <p:childTnLst>
+                        <p:par>
+                          <p:cTn id="4" fill="hold">
+                            <p:stCondLst>
+                              <p:cond delay="0"/>
+                            </p:stCondLst>
+                            <p:childTnLst>
+                              <p:par>
+                                <p:cTn id="5" presetID="1" presetClass="entr" presetSubtype="0" fill="hold" nodeType="clickEffect">
+                                  <p:stCondLst>
+                                    <p:cond delay="0"/>
+                                  </p:stCondLst>
+                                  <p:childTnLst>
+                                    <p:set>
+                                      <p:cBhvr>
+                                        <p:cTn id="6" dur="1" fill="hold">
+                                          <p:stCondLst>
+                                            <p:cond delay="0"/>
+                                          </p:stCondLst>
+                                        </p:cTn>
+                                        <p:tgtEl>
+                                          <p:spTgt spid="5">
+                                            <p:txEl>
+                                              <p:pRg st="3" end="3"/>
+                                            </p:txEl>
+                                          </p:spTgt>
+                                        </p:tgtEl>
+                                        <p:attrNameLst>
+                                          <p:attrName>style.visibility</p:attrName>
+                                        </p:attrNameLst>
+                                      </p:cBhvr>
+                                      <p:to>
+                                        <p:strVal val="visible"/>
+                                      </p:to>
+                                    </p:set>
+                                  </p:childTnLst>
+                                </p:cTn>
+                              </p:par>
+                            </p:childTnLst>
+                          </p:cTn>
+                        </p:par>
+                      </p:childTnLst>
+                    </p:cTn>
+                  </p:par>
+                  <p:par>
+                    <p:cTn id="7" fill="hold">
+                      <p:stCondLst>
+                        <p:cond delay="indefinite"/>
+                      </p:stCondLst>
+                      <p:childTnLst>
+                        <p:par>
+                          <p:cTn id="8" fill="hold">
+                            <p:stCondLst>
+                              <p:cond delay="0"/>
+                            </p:stCondLst>
+                            <p:childTnLst>
+                              <p:par>
+                                <p:cTn id="9" presetID="1" presetClass="entr" presetSubtype="0" fill="hold" nodeType="clickEffect">
+                                  <p:stCondLst>
+                                    <p:cond delay="0"/>
+                                  </p:stCondLst>
+                                  <p:childTnLst>
+                                    <p:set>
+                                      <p:cBhvr>
+                                        <p:cTn id="10" dur="1" fill="hold">
+                                          <p:stCondLst>
+                                            <p:cond delay="0"/>
+                                          </p:stCondLst>
+                                        </p:cTn>
+                                        <p:tgtEl>
+                                          <p:spTgt spid="5">
+                                            <p:txEl>
+                                              <p:pRg st="6" end="6"/>
+                                            </p:txEl>
+                                          </p:spTgt>
+                                        </p:tgtEl>
+                                        <p:attrNameLst>
+                                          <p:attrName>style.visibility</p:attrName>
+                                        </p:attrNameLst>
+                                      </p:cBhvr>
+                                      <p:to>
+                                        <p:strVal val="visible"/>
+                                      </p:to>
+                                    </p:set>
+                                  </p:childTnLst>
+                                </p:cTn>
+                              </p:par>
+                            </p:childTnLst>
+                          </p:cTn>
+                        </p:par>
+                      </p:childTnLst>
+                    </p:cTn>
+                  </p:par>
+                  <p:par>
+                    <p:cTn id="11" fill="hold">
+                      <p:stCondLst>
+                        <p:cond delay="indefinite"/>
+                      </p:stCondLst>
+                      <p:childTnLst>
+                        <p:par>
+                          <p:cTn id="12" fill="hold">
+                            <p:stCondLst>
+                              <p:cond delay="0"/>
+                            </p:stCondLst>
+                            <p:childTnLst>
+                              <p:par>
+                                <p:cTn id="13" presetID="1" presetClass="entr" presetSubtype="0" fill="hold" nodeType="clickEffect">
+                                  <p:stCondLst>
+                                    <p:cond delay="0"/>
+                                  </p:stCondLst>
+                                  <p:childTnLst>
+                                    <p:set>
+                                      <p:cBhvr>
+                                        <p:cTn id="14" dur="1" fill="hold">
+                                          <p:stCondLst>
+                                            <p:cond delay="0"/>
+                                          </p:stCondLst>
+                                        </p:cTn>
+                                        <p:tgtEl>
+                                          <p:spTgt spid="5">
+                                            <p:txEl>
+                                              <p:pRg st="9" end="9"/>
+                                            </p:txEl>
+                                          </p:spTgt>
+                                        </p:tgtEl>
+                                        <p:attrNameLst>
+                                          <p:attrName>style.visibility</p:attrName>
+                                        </p:attrNameLst>
+                                      </p:cBhvr>
+                                      <p:to>
+                                        <p:strVal val="visible"/>
+                                      </p:to>
+                                    </p:set>
+                                  </p:childTnLst>
+                                </p:cTn>
+                              </p:par>
+                              <p:par>
+                                <p:cTn id="15" presetID="1" presetClass="entr" presetSubtype="0" fill="hold" nodeType="withEffect">
+                                  <p:stCondLst>
+                                    <p:cond delay="0"/>
+                                  </p:stCondLst>
+                                  <p:childTnLst>
+                                    <p:set>
+                                      <p:cBhvr>
+                                        <p:cTn id="16" dur="1" fill="hold">
+                                          <p:stCondLst>
+                                            <p:cond delay="0"/>
+                                          </p:stCondLst>
+                                        </p:cTn>
+                                        <p:tgtEl>
+                                          <p:spTgt spid="5">
+                                            <p:txEl>
+                                              <p:pRg st="10" end="10"/>
+                                            </p:txEl>
+                                          </p:spTgt>
+                                        </p:tgtEl>
+                                        <p:attrNameLst>
+                                          <p:attrName>style.visibility</p:attrName>
+                                        </p:attrNameLst>
+                                      </p:cBhvr>
+                                      <p:to>
+                                        <p:strVal val="visible"/>
+                                      </p:to>
+                                    </p:set>
+                                  </p:childTnLst>
+                                </p:cTn>
+                              </p:par>
+                            </p:childTnLst>
+                          </p:cTn>
+                        </p:par>
+                      </p:childTnLst>
+                    </p:cTn>
+                  </p:par>
+                </p:childTnLst>
+              </p:cTn>
+              <p:prevCondLst>
+                <p:cond evt="onPrev" delay="0">
+                  <p:tgtEl>
+                    <p:sldTgt/>
+                  </p:tgtEl>
+                </p:cond>
+              </p:prevCondLst>
+              <p:nextCondLst>
+                <p:cond evt="onNext" delay="0">
+                  <p:tgtEl>
+                    <p:sldTgt/>
+                  </p:tgtEl>
+                </p:cond>
+              </p:nextCondLst>
+            </p:seq>
+          </p:childTnLst>
+        </p:cTn>
+      </p:par>
+    </p:tnLst>
+  </p:timing>
 </p:sld>
 </file>
 
@@ -11839,8 +15906,8 @@
         </p:nvSpPr>
         <p:spPr>
           <a:xfrm>
-            <a:off x="198500" y="1246825"/>
-            <a:ext cx="8996300" cy="3765600"/>
+            <a:off x="102700" y="1032721"/>
+            <a:ext cx="8996300" cy="3972503"/>
           </a:xfrm>
         </p:spPr>
         <p:txBody>
@@ -12005,10 +16072,232 @@
               <a:t>Eve learns both Alice’s and Bob’s pseudorandom outputs. </a:t>
             </a:r>
             <a:endParaRPr lang="en-US" sz="1600" dirty="0">
-              <a:effectLst/>
               <a:latin typeface="+mn-lt"/>
-              <a:ea typeface="Times New Roman" panose="02020603050405020304" pitchFamily="18" charset="0"/>
+              <a:ea typeface="SimSun" panose="02010600030101010101" pitchFamily="2" charset="-122"/>
             </a:endParaRPr>
+          </a:p>
+          <a:p>
+            <a:pPr>
+              <a:lnSpc>
+                <a:spcPct val="120000"/>
+              </a:lnSpc>
+              <a:buFont typeface="Wingdings" pitchFamily="2" charset="2"/>
+              <a:buChar char="Ø"/>
+              <a:tabLst>
+                <a:tab pos="180022" algn="l"/>
+              </a:tabLst>
+            </a:pPr>
+            <a:r>
+              <a:rPr lang="en-US" sz="1600" dirty="0">
+                <a:latin typeface="+mn-lt"/>
+                <a:ea typeface="SimSun" panose="02010600030101010101" pitchFamily="2" charset="-122"/>
+              </a:rPr>
+              <a:t>Can Eve learn about the secret if the PRNG is not rollback resistant?   </a:t>
+            </a:r>
+          </a:p>
+          <a:p>
+            <a:pPr lvl="1">
+              <a:lnSpc>
+                <a:spcPct val="120000"/>
+              </a:lnSpc>
+              <a:buFont typeface="Wingdings" pitchFamily="2" charset="2"/>
+              <a:buChar char="Ø"/>
+              <a:tabLst>
+                <a:tab pos="180022" algn="l"/>
+              </a:tabLst>
+            </a:pPr>
+            <a:r>
+              <a:rPr lang="en-US" sz="1200" dirty="0">
+                <a:latin typeface="+mn-lt"/>
+                <a:ea typeface="SimSun" panose="02010600030101010101" pitchFamily="2" charset="-122"/>
+              </a:rPr>
+              <a:t>Q 5.1: </a:t>
+            </a:r>
+            <a:r>
+              <a:rPr lang="en-US" sz="1200" dirty="0">
+                <a:effectLst/>
+                <a:latin typeface="+mn-lt"/>
+                <a:ea typeface="SimSun" panose="02010600030101010101" pitchFamily="2" charset="-122"/>
+              </a:rPr>
+              <a:t>Yes. Eve may learn about a and b, thus the shared secret g</a:t>
+            </a:r>
+            <a:r>
+              <a:rPr lang="en-US" sz="1200" baseline="30000" dirty="0">
+                <a:effectLst/>
+                <a:latin typeface="+mn-lt"/>
+                <a:ea typeface="SimSun" panose="02010600030101010101" pitchFamily="2" charset="-122"/>
+              </a:rPr>
+              <a:t>ab</a:t>
+            </a:r>
+            <a:r>
+              <a:rPr lang="en-US" sz="1200" dirty="0">
+                <a:effectLst/>
+                <a:latin typeface="+mn-lt"/>
+                <a:ea typeface="SimSun" panose="02010600030101010101" pitchFamily="2" charset="-122"/>
+              </a:rPr>
+              <a:t> mod p. </a:t>
+            </a:r>
+          </a:p>
+          <a:p>
+            <a:pPr lvl="1">
+              <a:lnSpc>
+                <a:spcPct val="120000"/>
+              </a:lnSpc>
+              <a:buFont typeface="Wingdings" pitchFamily="2" charset="2"/>
+              <a:buChar char="Ø"/>
+              <a:tabLst>
+                <a:tab pos="180022" algn="l"/>
+              </a:tabLst>
+            </a:pPr>
+            <a:r>
+              <a:rPr lang="en-US" sz="1200" dirty="0">
+                <a:latin typeface="+mn-lt"/>
+                <a:ea typeface="SimSun" panose="02010600030101010101" pitchFamily="2" charset="-122"/>
+              </a:rPr>
+              <a:t>Q 5.2: </a:t>
+            </a:r>
+            <a:r>
+              <a:rPr lang="en-US" sz="1200" dirty="0">
+                <a:effectLst/>
+                <a:latin typeface="+mn-lt"/>
+                <a:ea typeface="SimSun" panose="02010600030101010101" pitchFamily="2" charset="-122"/>
+              </a:rPr>
+              <a:t>Yes. Eve may learn about b, thus the shared secret g</a:t>
+            </a:r>
+            <a:r>
+              <a:rPr lang="en-US" sz="1200" baseline="30000" dirty="0">
+                <a:effectLst/>
+                <a:latin typeface="+mn-lt"/>
+                <a:ea typeface="SimSun" panose="02010600030101010101" pitchFamily="2" charset="-122"/>
+              </a:rPr>
+              <a:t>ab</a:t>
+            </a:r>
+            <a:r>
+              <a:rPr lang="en-US" sz="1200" dirty="0">
+                <a:effectLst/>
+                <a:latin typeface="+mn-lt"/>
+                <a:ea typeface="SimSun" panose="02010600030101010101" pitchFamily="2" charset="-122"/>
+              </a:rPr>
+              <a:t> mod p by (g</a:t>
+            </a:r>
+            <a:r>
+              <a:rPr lang="en-US" sz="1200" baseline="30000" dirty="0">
+                <a:effectLst/>
+                <a:latin typeface="+mn-lt"/>
+                <a:ea typeface="SimSun" panose="02010600030101010101" pitchFamily="2" charset="-122"/>
+              </a:rPr>
+              <a:t>a</a:t>
+            </a:r>
+            <a:r>
+              <a:rPr lang="en-US" sz="1200" dirty="0">
+                <a:effectLst/>
+                <a:latin typeface="+mn-lt"/>
+                <a:ea typeface="SimSun" panose="02010600030101010101" pitchFamily="2" charset="-122"/>
+              </a:rPr>
+              <a:t> mod p)</a:t>
+            </a:r>
+            <a:r>
+              <a:rPr lang="en-US" sz="1200" baseline="30000" dirty="0">
+                <a:effectLst/>
+                <a:latin typeface="+mn-lt"/>
+                <a:ea typeface="SimSun" panose="02010600030101010101" pitchFamily="2" charset="-122"/>
+              </a:rPr>
+              <a:t>b</a:t>
+            </a:r>
+            <a:r>
+              <a:rPr lang="en-US" sz="1200" dirty="0">
+                <a:effectLst/>
+                <a:latin typeface="+mn-lt"/>
+                <a:ea typeface="SimSun" panose="02010600030101010101" pitchFamily="2" charset="-122"/>
+              </a:rPr>
+              <a:t> mod p.</a:t>
+            </a:r>
+          </a:p>
+          <a:p>
+            <a:pPr>
+              <a:lnSpc>
+                <a:spcPct val="120000"/>
+              </a:lnSpc>
+              <a:buFont typeface="Wingdings" pitchFamily="2" charset="2"/>
+              <a:buChar char="Ø"/>
+              <a:tabLst>
+                <a:tab pos="180022" algn="l"/>
+              </a:tabLst>
+            </a:pPr>
+            <a:r>
+              <a:rPr lang="en-US" sz="1600" dirty="0">
+                <a:effectLst/>
+                <a:latin typeface="+mn-lt"/>
+                <a:ea typeface="SimSun" panose="02010600030101010101" pitchFamily="2" charset="-122"/>
+              </a:rPr>
+              <a:t>Find a m </a:t>
+            </a:r>
+            <a:r>
+              <a:rPr lang="en-US" sz="1600" dirty="0">
+                <a:latin typeface="+mn-lt"/>
+                <a:ea typeface="SimSun" panose="02010600030101010101" pitchFamily="2" charset="-122"/>
+              </a:rPr>
+              <a:t>so that Mallory can share the same secret with both</a:t>
+            </a:r>
+          </a:p>
+          <a:p>
+            <a:pPr lvl="1">
+              <a:lnSpc>
+                <a:spcPct val="120000"/>
+              </a:lnSpc>
+              <a:buFont typeface="Wingdings" pitchFamily="2" charset="2"/>
+              <a:buChar char="Ø"/>
+              <a:tabLst>
+                <a:tab pos="180022" algn="l"/>
+              </a:tabLst>
+            </a:pPr>
+            <a:r>
+              <a:rPr lang="en-US" sz="1200" dirty="0">
+                <a:effectLst/>
+                <a:latin typeface="+mn-lt"/>
+                <a:ea typeface="SimSun" panose="02010600030101010101" pitchFamily="2" charset="-122"/>
+              </a:rPr>
+              <a:t>Q 5.3: g</a:t>
+            </a:r>
+            <a:r>
+              <a:rPr lang="en-US" sz="1200" baseline="30000" dirty="0">
+                <a:latin typeface="+mn-lt"/>
+                <a:ea typeface="SimSun" panose="02010600030101010101" pitchFamily="2" charset="-122"/>
+              </a:rPr>
+              <a:t>am</a:t>
+            </a:r>
+            <a:r>
+              <a:rPr lang="en-US" sz="1200" dirty="0">
+                <a:effectLst/>
+                <a:latin typeface="+mn-lt"/>
+                <a:ea typeface="SimSun" panose="02010600030101010101" pitchFamily="2" charset="-122"/>
+              </a:rPr>
+              <a:t> mod p = </a:t>
+            </a:r>
+            <a:r>
+              <a:rPr lang="en-US" sz="1200" dirty="0" err="1">
+                <a:effectLst/>
+                <a:latin typeface="+mn-lt"/>
+                <a:ea typeface="SimSun" panose="02010600030101010101" pitchFamily="2" charset="-122"/>
+              </a:rPr>
+              <a:t>g</a:t>
+            </a:r>
+            <a:r>
+              <a:rPr lang="en-US" sz="1200" baseline="30000" dirty="0" err="1">
+                <a:effectLst/>
+                <a:latin typeface="+mn-lt"/>
+                <a:ea typeface="SimSun" panose="02010600030101010101" pitchFamily="2" charset="-122"/>
+              </a:rPr>
+              <a:t>bm</a:t>
+            </a:r>
+            <a:r>
+              <a:rPr lang="en-US" sz="1200" dirty="0">
+                <a:effectLst/>
+                <a:latin typeface="+mn-lt"/>
+                <a:ea typeface="SimSun" panose="02010600030101010101" pitchFamily="2" charset="-122"/>
+              </a:rPr>
+              <a:t> mod p , there are many such m values</a:t>
+            </a:r>
           </a:p>
           <a:p>
             <a:pPr lvl="0">
@@ -12027,183 +16316,6 @@
             </a:endParaRPr>
           </a:p>
           <a:p>
-            <a:pPr>
-              <a:lnSpc>
-                <a:spcPct val="120000"/>
-              </a:lnSpc>
-              <a:buFont typeface="Wingdings" pitchFamily="2" charset="2"/>
-              <a:buChar char="Ø"/>
-              <a:tabLst>
-                <a:tab pos="180022" algn="l"/>
-              </a:tabLst>
-            </a:pPr>
-            <a:r>
-              <a:rPr lang="en-US" sz="1600" dirty="0">
-                <a:latin typeface="+mn-lt"/>
-                <a:ea typeface="SimSun" panose="02010600030101010101" pitchFamily="2" charset="-122"/>
-              </a:rPr>
-              <a:t>Q 5.1: </a:t>
-            </a:r>
-            <a:r>
-              <a:rPr lang="en-US" sz="1600" dirty="0">
-                <a:effectLst/>
-                <a:latin typeface="+mn-lt"/>
-                <a:ea typeface="SimSun" panose="02010600030101010101" pitchFamily="2" charset="-122"/>
-              </a:rPr>
-              <a:t>Yes. Eve may learn about a and b, thus the shared secret g</a:t>
-            </a:r>
-            <a:r>
-              <a:rPr lang="en-US" sz="1600" baseline="30000" dirty="0">
-                <a:effectLst/>
-                <a:latin typeface="+mn-lt"/>
-                <a:ea typeface="SimSun" panose="02010600030101010101" pitchFamily="2" charset="-122"/>
-              </a:rPr>
-              <a:t>ab</a:t>
-            </a:r>
-            <a:r>
-              <a:rPr lang="en-US" sz="1600" dirty="0">
-                <a:effectLst/>
-                <a:latin typeface="+mn-lt"/>
-                <a:ea typeface="SimSun" panose="02010600030101010101" pitchFamily="2" charset="-122"/>
-              </a:rPr>
-              <a:t> mod p. </a:t>
-            </a:r>
-          </a:p>
-          <a:p>
-            <a:pPr>
-              <a:lnSpc>
-                <a:spcPct val="120000"/>
-              </a:lnSpc>
-              <a:buFont typeface="Wingdings" pitchFamily="2" charset="2"/>
-              <a:buChar char="Ø"/>
-              <a:tabLst>
-                <a:tab pos="180022" algn="l"/>
-              </a:tabLst>
-            </a:pPr>
-            <a:r>
-              <a:rPr lang="en-US" sz="1600" dirty="0">
-                <a:latin typeface="+mn-lt"/>
-                <a:ea typeface="SimSun" panose="02010600030101010101" pitchFamily="2" charset="-122"/>
-              </a:rPr>
-              <a:t>Q 5.2: </a:t>
-            </a:r>
-            <a:r>
-              <a:rPr lang="en-US" sz="1600" dirty="0">
-                <a:effectLst/>
-                <a:latin typeface="+mn-lt"/>
-                <a:ea typeface="SimSun" panose="02010600030101010101" pitchFamily="2" charset="-122"/>
-              </a:rPr>
-              <a:t>Yes. Eve may learn about b, thus the shared secret g</a:t>
-            </a:r>
-            <a:r>
-              <a:rPr lang="en-US" sz="1600" baseline="30000" dirty="0">
-                <a:effectLst/>
-                <a:latin typeface="+mn-lt"/>
-                <a:ea typeface="SimSun" panose="02010600030101010101" pitchFamily="2" charset="-122"/>
-              </a:rPr>
-              <a:t>ab</a:t>
-            </a:r>
-            <a:r>
-              <a:rPr lang="en-US" sz="1600" dirty="0">
-                <a:effectLst/>
-                <a:latin typeface="+mn-lt"/>
-                <a:ea typeface="SimSun" panose="02010600030101010101" pitchFamily="2" charset="-122"/>
-              </a:rPr>
-              <a:t> mod p by (g</a:t>
-            </a:r>
-            <a:r>
-              <a:rPr lang="en-US" sz="1600" baseline="30000" dirty="0">
-                <a:effectLst/>
-                <a:latin typeface="+mn-lt"/>
-                <a:ea typeface="SimSun" panose="02010600030101010101" pitchFamily="2" charset="-122"/>
-              </a:rPr>
-              <a:t>a</a:t>
-            </a:r>
-            <a:r>
-              <a:rPr lang="en-US" sz="1600" dirty="0">
-                <a:effectLst/>
-                <a:latin typeface="+mn-lt"/>
-                <a:ea typeface="SimSun" panose="02010600030101010101" pitchFamily="2" charset="-122"/>
-              </a:rPr>
-              <a:t> mod p)</a:t>
-            </a:r>
-            <a:r>
-              <a:rPr lang="en-US" sz="1600" baseline="30000" dirty="0">
-                <a:effectLst/>
-                <a:latin typeface="+mn-lt"/>
-                <a:ea typeface="SimSun" panose="02010600030101010101" pitchFamily="2" charset="-122"/>
-              </a:rPr>
-              <a:t>b</a:t>
-            </a:r>
-            <a:r>
-              <a:rPr lang="en-US" sz="1600" dirty="0">
-                <a:effectLst/>
-                <a:latin typeface="+mn-lt"/>
-                <a:ea typeface="SimSun" panose="02010600030101010101" pitchFamily="2" charset="-122"/>
-              </a:rPr>
-              <a:t> mod p.</a:t>
-            </a:r>
-          </a:p>
-          <a:p>
-            <a:pPr>
-              <a:lnSpc>
-                <a:spcPct val="120000"/>
-              </a:lnSpc>
-              <a:buFont typeface="Wingdings" pitchFamily="2" charset="2"/>
-              <a:buChar char="Ø"/>
-              <a:tabLst>
-                <a:tab pos="180022" algn="l"/>
-              </a:tabLst>
-            </a:pPr>
-            <a:r>
-              <a:rPr lang="en-US" sz="1600" dirty="0">
-                <a:effectLst/>
-                <a:latin typeface="+mn-lt"/>
-                <a:ea typeface="SimSun" panose="02010600030101010101" pitchFamily="2" charset="-122"/>
-              </a:rPr>
-              <a:t>Q 5.3: g</a:t>
-            </a:r>
-            <a:r>
-              <a:rPr lang="en-US" sz="1600" baseline="30000" dirty="0">
-                <a:latin typeface="+mn-lt"/>
-                <a:ea typeface="SimSun" panose="02010600030101010101" pitchFamily="2" charset="-122"/>
-              </a:rPr>
-              <a:t>am</a:t>
-            </a:r>
-            <a:r>
-              <a:rPr lang="en-US" sz="1600" dirty="0">
-                <a:effectLst/>
-                <a:latin typeface="+mn-lt"/>
-                <a:ea typeface="SimSun" panose="02010600030101010101" pitchFamily="2" charset="-122"/>
-              </a:rPr>
-              <a:t> mod p = </a:t>
-            </a:r>
-            <a:r>
-              <a:rPr lang="en-US" sz="1600" dirty="0" err="1">
-                <a:effectLst/>
-                <a:latin typeface="+mn-lt"/>
-                <a:ea typeface="SimSun" panose="02010600030101010101" pitchFamily="2" charset="-122"/>
-              </a:rPr>
-              <a:t>g</a:t>
-            </a:r>
-            <a:r>
-              <a:rPr lang="en-US" sz="1600" baseline="30000" dirty="0" err="1">
-                <a:effectLst/>
-                <a:latin typeface="+mn-lt"/>
-                <a:ea typeface="SimSun" panose="02010600030101010101" pitchFamily="2" charset="-122"/>
-              </a:rPr>
-              <a:t>bm</a:t>
-            </a:r>
-            <a:r>
-              <a:rPr lang="en-US" sz="1600" dirty="0">
-                <a:effectLst/>
-                <a:latin typeface="+mn-lt"/>
-                <a:ea typeface="SimSun" panose="02010600030101010101" pitchFamily="2" charset="-122"/>
-              </a:rPr>
-              <a:t> mod p , there are many such m values</a:t>
-            </a:r>
-          </a:p>
-          <a:p>
             <a:pPr lvl="0">
               <a:lnSpc>
                 <a:spcPct val="120000"/>
@@ -12219,22 +16331,6 @@
               <a:ea typeface="SimSun" panose="02010600030101010101" pitchFamily="2" charset="-122"/>
             </a:endParaRPr>
           </a:p>
-          <a:p>
-            <a:pPr lvl="0">
-              <a:lnSpc>
-                <a:spcPct val="120000"/>
-              </a:lnSpc>
-              <a:buFont typeface="Wingdings" pitchFamily="2" charset="2"/>
-              <a:buChar char="Ø"/>
-              <a:tabLst>
-                <a:tab pos="180022" algn="l"/>
-              </a:tabLst>
-            </a:pPr>
-            <a:endParaRPr lang="en-US" sz="1600" dirty="0">
-              <a:latin typeface="+mn-lt"/>
-              <a:ea typeface="SimSun" panose="02010600030101010101" pitchFamily="2" charset="-122"/>
-            </a:endParaRPr>
-          </a:p>
         </p:txBody>
       </p:sp>
     </p:spTree>
@@ -12247,6 +16343,165 @@
   <p:clrMapOvr>
     <a:masterClrMapping/>
   </p:clrMapOvr>
+  <p:timing>
+    <p:tnLst>
+      <p:par>
+        <p:cTn id="1" dur="indefinite" restart="never" nodeType="tmRoot">
+          <p:childTnLst>
+            <p:seq concurrent="1" nextAc="seek">
+              <p:cTn id="2" dur="indefinite" nodeType="mainSeq">
+                <p:childTnLst>
+                  <p:par>
+                    <p:cTn id="3" fill="hold">
+                      <p:stCondLst>
+                        <p:cond delay="indefinite"/>
+                      </p:stCondLst>
+                      <p:childTnLst>
+                        <p:par>
+                          <p:cTn id="4" fill="hold">
+                            <p:stCondLst>
+                              <p:cond delay="0"/>
+                            </p:stCondLst>
+                            <p:childTnLst>
+                              <p:par>
+                                <p:cTn id="5" presetID="1" presetClass="entr" presetSubtype="0" fill="hold" nodeType="clickEffect">
+                                  <p:stCondLst>
+                                    <p:cond delay="0"/>
+                                  </p:stCondLst>
+                                  <p:childTnLst>
+                                    <p:set>
+                                      <p:cBhvr>
+                                        <p:cTn id="6" dur="1" fill="hold">
+                                          <p:stCondLst>
+                                            <p:cond delay="0"/>
+                                          </p:stCondLst>
+                                        </p:cTn>
+                                        <p:tgtEl>
+                                          <p:spTgt spid="5">
+                                            <p:txEl>
+                                              <p:pRg st="7" end="7"/>
+                                            </p:txEl>
+                                          </p:spTgt>
+                                        </p:tgtEl>
+                                        <p:attrNameLst>
+                                          <p:attrName>style.visibility</p:attrName>
+                                        </p:attrNameLst>
+                                      </p:cBhvr>
+                                      <p:to>
+                                        <p:strVal val="visible"/>
+                                      </p:to>
+                                    </p:set>
+                                  </p:childTnLst>
+                                </p:cTn>
+                              </p:par>
+                              <p:par>
+                                <p:cTn id="7" presetID="1" presetClass="entr" presetSubtype="0" fill="hold" nodeType="withEffect">
+                                  <p:stCondLst>
+                                    <p:cond delay="0"/>
+                                  </p:stCondLst>
+                                  <p:childTnLst>
+                                    <p:set>
+                                      <p:cBhvr>
+                                        <p:cTn id="8" dur="1" fill="hold">
+                                          <p:stCondLst>
+                                            <p:cond delay="0"/>
+                                          </p:stCondLst>
+                                        </p:cTn>
+                                        <p:tgtEl>
+                                          <p:spTgt spid="5">
+                                            <p:txEl>
+                                              <p:pRg st="8" end="8"/>
+                                            </p:txEl>
+                                          </p:spTgt>
+                                        </p:tgtEl>
+                                        <p:attrNameLst>
+                                          <p:attrName>style.visibility</p:attrName>
+                                        </p:attrNameLst>
+                                      </p:cBhvr>
+                                      <p:to>
+                                        <p:strVal val="visible"/>
+                                      </p:to>
+                                    </p:set>
+                                  </p:childTnLst>
+                                </p:cTn>
+                              </p:par>
+                            </p:childTnLst>
+                          </p:cTn>
+                        </p:par>
+                      </p:childTnLst>
+                    </p:cTn>
+                  </p:par>
+                  <p:par>
+                    <p:cTn id="9" fill="hold">
+                      <p:stCondLst>
+                        <p:cond delay="indefinite"/>
+                      </p:stCondLst>
+                      <p:childTnLst>
+                        <p:par>
+                          <p:cTn id="10" fill="hold">
+                            <p:stCondLst>
+                              <p:cond delay="0"/>
+                            </p:stCondLst>
+                            <p:childTnLst>
+                              <p:par>
+                                <p:cTn id="11" presetID="1" presetClass="entr" presetSubtype="0" fill="hold" nodeType="clickEffect">
+                                  <p:stCondLst>
+                                    <p:cond delay="0"/>
+                                  </p:stCondLst>
+                                  <p:childTnLst>
+                                    <p:set>
+                                      <p:cBhvr>
+                                        <p:cTn id="12" dur="1" fill="hold">
+                                          <p:stCondLst>
+                                            <p:cond delay="0"/>
+                                          </p:stCondLst>
+                                        </p:cTn>
+                                        <p:tgtEl>
+                                          <p:spTgt spid="5">
+                                            <p:txEl>
+                                              <p:pRg st="10" end="10"/>
+                                            </p:txEl>
+                                          </p:spTgt>
+                                        </p:tgtEl>
+                                        <p:attrNameLst>
+                                          <p:attrName>style.visibility</p:attrName>
+                                        </p:attrNameLst>
+                                      </p:cBhvr>
+                                      <p:to>
+                                        <p:strVal val="visible"/>
+                                      </p:to>
+                                    </p:set>
+                                  </p:childTnLst>
+                                </p:cTn>
+                              </p:par>
+                            </p:childTnLst>
+                          </p:cTn>
+                        </p:par>
+                      </p:childTnLst>
+                    </p:cTn>
+                  </p:par>
+                </p:childTnLst>
+              </p:cTn>
+              <p:prevCondLst>
+                <p:cond evt="onPrev" delay="0">
+                  <p:tgtEl>
+                    <p:sldTgt/>
+                  </p:tgtEl>
+                </p:cond>
+              </p:prevCondLst>
+              <p:nextCondLst>
+                <p:cond evt="onNext" delay="0">
+                  <p:tgtEl>
+                    <p:sldTgt/>
+                  </p:tgtEl>
+                </p:cond>
+              </p:nextCondLst>
+            </p:seq>
+          </p:childTnLst>
+        </p:cTn>
+      </p:par>
+    </p:tnLst>
+  </p:timing>
 </p:sld>
 </file>
 
@@ -12475,6 +16730,183 @@
   <p:clrMapOvr>
     <a:masterClrMapping/>
   </p:clrMapOvr>
+  <p:timing>
+    <p:tnLst>
+      <p:par>
+        <p:cTn id="1" dur="indefinite" restart="never" nodeType="tmRoot">
+          <p:childTnLst>
+            <p:seq concurrent="1" nextAc="seek">
+              <p:cTn id="2" dur="indefinite" nodeType="mainSeq">
+                <p:childTnLst>
+                  <p:par>
+                    <p:cTn id="3" fill="hold">
+                      <p:stCondLst>
+                        <p:cond delay="indefinite"/>
+                      </p:stCondLst>
+                      <p:childTnLst>
+                        <p:par>
+                          <p:cTn id="4" fill="hold">
+                            <p:stCondLst>
+                              <p:cond delay="0"/>
+                            </p:stCondLst>
+                            <p:childTnLst>
+                              <p:par>
+                                <p:cTn id="5" presetID="1" presetClass="entr" presetSubtype="0" fill="hold" nodeType="clickEffect">
+                                  <p:stCondLst>
+                                    <p:cond delay="0"/>
+                                  </p:stCondLst>
+                                  <p:childTnLst>
+                                    <p:set>
+                                      <p:cBhvr>
+                                        <p:cTn id="6" dur="1" fill="hold">
+                                          <p:stCondLst>
+                                            <p:cond delay="0"/>
+                                          </p:stCondLst>
+                                        </p:cTn>
+                                        <p:tgtEl>
+                                          <p:spTgt spid="72">
+                                            <p:txEl>
+                                              <p:pRg st="0" end="0"/>
+                                            </p:txEl>
+                                          </p:spTgt>
+                                        </p:tgtEl>
+                                        <p:attrNameLst>
+                                          <p:attrName>style.visibility</p:attrName>
+                                        </p:attrNameLst>
+                                      </p:cBhvr>
+                                      <p:to>
+                                        <p:strVal val="visible"/>
+                                      </p:to>
+                                    </p:set>
+                                  </p:childTnLst>
+                                </p:cTn>
+                              </p:par>
+                            </p:childTnLst>
+                          </p:cTn>
+                        </p:par>
+                      </p:childTnLst>
+                    </p:cTn>
+                  </p:par>
+                  <p:par>
+                    <p:cTn id="7" fill="hold">
+                      <p:stCondLst>
+                        <p:cond delay="indefinite"/>
+                      </p:stCondLst>
+                      <p:childTnLst>
+                        <p:par>
+                          <p:cTn id="8" fill="hold">
+                            <p:stCondLst>
+                              <p:cond delay="0"/>
+                            </p:stCondLst>
+                            <p:childTnLst>
+                              <p:par>
+                                <p:cTn id="9" presetID="1" presetClass="entr" presetSubtype="0" fill="hold" nodeType="clickEffect">
+                                  <p:stCondLst>
+                                    <p:cond delay="0"/>
+                                  </p:stCondLst>
+                                  <p:childTnLst>
+                                    <p:set>
+                                      <p:cBhvr>
+                                        <p:cTn id="10" dur="1" fill="hold">
+                                          <p:stCondLst>
+                                            <p:cond delay="0"/>
+                                          </p:stCondLst>
+                                        </p:cTn>
+                                        <p:tgtEl>
+                                          <p:spTgt spid="72">
+                                            <p:txEl>
+                                              <p:pRg st="2" end="2"/>
+                                            </p:txEl>
+                                          </p:spTgt>
+                                        </p:tgtEl>
+                                        <p:attrNameLst>
+                                          <p:attrName>style.visibility</p:attrName>
+                                        </p:attrNameLst>
+                                      </p:cBhvr>
+                                      <p:to>
+                                        <p:strVal val="visible"/>
+                                      </p:to>
+                                    </p:set>
+                                  </p:childTnLst>
+                                </p:cTn>
+                              </p:par>
+                            </p:childTnLst>
+                          </p:cTn>
+                        </p:par>
+                      </p:childTnLst>
+                    </p:cTn>
+                  </p:par>
+                  <p:par>
+                    <p:cTn id="11" fill="hold">
+                      <p:stCondLst>
+                        <p:cond delay="indefinite"/>
+                      </p:stCondLst>
+                      <p:childTnLst>
+                        <p:par>
+                          <p:cTn id="12" fill="hold">
+                            <p:stCondLst>
+                              <p:cond delay="0"/>
+                            </p:stCondLst>
+                            <p:childTnLst>
+                              <p:par>
+                                <p:cTn id="13" presetID="1" presetClass="entr" presetSubtype="0" fill="hold" nodeType="clickEffect">
+                                  <p:stCondLst>
+                                    <p:cond delay="0"/>
+                                  </p:stCondLst>
+                                  <p:childTnLst>
+                                    <p:set>
+                                      <p:cBhvr>
+                                        <p:cTn id="14" dur="1" fill="hold">
+                                          <p:stCondLst>
+                                            <p:cond delay="0"/>
+                                          </p:stCondLst>
+                                        </p:cTn>
+                                        <p:tgtEl>
+                                          <p:spTgt spid="72">
+                                            <p:txEl>
+                                              <p:pRg st="4" end="4"/>
+                                            </p:txEl>
+                                          </p:spTgt>
+                                        </p:tgtEl>
+                                        <p:attrNameLst>
+                                          <p:attrName>style.visibility</p:attrName>
+                                        </p:attrNameLst>
+                                      </p:cBhvr>
+                                      <p:to>
+                                        <p:strVal val="visible"/>
+                                      </p:to>
+                                    </p:set>
+                                  </p:childTnLst>
+                                </p:cTn>
+                              </p:par>
+                            </p:childTnLst>
+                          </p:cTn>
+                        </p:par>
+                      </p:childTnLst>
+                    </p:cTn>
+                  </p:par>
+                </p:childTnLst>
+              </p:cTn>
+              <p:prevCondLst>
+                <p:cond evt="onPrev" delay="0">
+                  <p:tgtEl>
+                    <p:sldTgt/>
+                  </p:tgtEl>
+                </p:cond>
+              </p:prevCondLst>
+              <p:nextCondLst>
+                <p:cond evt="onNext" delay="0">
+                  <p:tgtEl>
+                    <p:sldTgt/>
+                  </p:tgtEl>
+                </p:cond>
+              </p:nextCondLst>
+            </p:seq>
+          </p:childTnLst>
+        </p:cTn>
+      </p:par>
+    </p:tnLst>
+  </p:timing>
 </p:sld>
 </file>
 
@@ -12541,7 +16973,13 @@
         <p:nvGraphicFramePr>
           <p:cNvPr id="538" name="Google Shape;538;p58"/>
           <p:cNvGraphicFramePr/>
-          <p:nvPr/>
+          <p:nvPr>
+            <p:extLst>
+              <p:ext uri="{D42A27DB-BD31-4B8C-83A1-F6EECF244321}">
+                <p14:modId xmlns:p14="http://schemas.microsoft.com/office/powerpoint/2010/main" val="2801780837"/>
+              </p:ext>
+            </p:extLst>
+          </p:nvPr>
         </p:nvGraphicFramePr>
         <p:xfrm>
           <a:off x="311700" y="1310650"/>
@@ -12726,12 +17164,11 @@
                       <a:r>
                         <a:rPr lang="en-US" sz="1600" dirty="0">
                           <a:solidFill>
-                            <a:schemeClr val="dk1"/>
+                            <a:schemeClr val="tx2"/>
                           </a:solidFill>
                         </a:rPr>
                         <a:t>Stream ciphers</a:t>
                       </a:r>
-                      <a:endParaRPr lang="en-US" sz="1600" dirty="0"/>
                     </a:p>
                   </a:txBody>
                   <a:tcPr marL="91425" marR="91425" marT="91425" marB="91425"/>
@@ -12754,27 +17191,6 @@
                       <a:r>
                         <a:rPr lang="en" sz="1600" dirty="0"/>
                         <a:t>RSA encryption</a:t>
-                      </a:r>
-                      <a:endParaRPr sz="1600" dirty="0"/>
-                    </a:p>
-                    <a:p>
-                      <a:pPr marL="457200" lvl="0" indent="-330200" algn="l" rtl="0">
-                        <a:spcBef>
-                          <a:spcPts val="0"/>
-                        </a:spcBef>
-                        <a:spcAft>
-                          <a:spcPts val="0"/>
-                        </a:spcAft>
-                        <a:buSzPts val="1600"/>
-                        <a:buChar char="●"/>
-                      </a:pPr>
-                      <a:r>
-                        <a:rPr lang="en" sz="1600" dirty="0" err="1"/>
-                        <a:t>ElGamal</a:t>
-                      </a:r>
-                      <a:r>
-                        <a:rPr lang="en" sz="1600" dirty="0"/>
-                        <a:t> encryption</a:t>
                       </a:r>
                       <a:endParaRPr sz="1600" dirty="0"/>
                     </a:p>
